--- a/群の気持ち.pptx
+++ b/群の気持ち.pptx
@@ -4,18 +4,24 @@
   <p:sldMasterIdLst>
     <p:sldMasterId id="2147483648" r:id="rId1"/>
   </p:sldMasterIdLst>
+  <p:notesMasterIdLst>
+    <p:notesMasterId r:id="rId16"/>
+  </p:notesMasterIdLst>
   <p:sldIdLst>
     <p:sldId id="256" r:id="rId2"/>
     <p:sldId id="257" r:id="rId3"/>
     <p:sldId id="267" r:id="rId4"/>
-    <p:sldId id="268" r:id="rId5"/>
-    <p:sldId id="261" r:id="rId6"/>
-    <p:sldId id="260" r:id="rId7"/>
-    <p:sldId id="266" r:id="rId8"/>
-    <p:sldId id="262" r:id="rId9"/>
-    <p:sldId id="263" r:id="rId10"/>
-    <p:sldId id="264" r:id="rId11"/>
-    <p:sldId id="265" r:id="rId12"/>
+    <p:sldId id="269" r:id="rId5"/>
+    <p:sldId id="268" r:id="rId6"/>
+    <p:sldId id="261" r:id="rId7"/>
+    <p:sldId id="260" r:id="rId8"/>
+    <p:sldId id="298" r:id="rId9"/>
+    <p:sldId id="266" r:id="rId10"/>
+    <p:sldId id="299" r:id="rId11"/>
+    <p:sldId id="262" r:id="rId12"/>
+    <p:sldId id="263" r:id="rId13"/>
+    <p:sldId id="293" r:id="rId14"/>
+    <p:sldId id="297" r:id="rId15"/>
   </p:sldIdLst>
   <p:sldSz cx="12192000" cy="6858000"/>
   <p:notesSz cx="6858000" cy="9144000"/>
@@ -114,7 +120,611 @@
       </a:defRPr>
     </a:lvl9pPr>
   </p:defaultTextStyle>
+  <p:extLst>
+    <p:ext uri="{EFAFB233-063F-42B5-8137-9DF3F51BA10A}">
+      <p15:sldGuideLst xmlns:p15="http://schemas.microsoft.com/office/powerpoint/2012/main"/>
+    </p:ext>
+  </p:extLst>
 </p:presentation>
+</file>
+
+<file path=ppt/notesMasters/notesMaster1.xml><?xml version="1.0" encoding="utf-8"?>
+<p:notesMaster xmlns:a="http://schemas.openxmlformats.org/drawingml/2006/main" xmlns:r="http://schemas.openxmlformats.org/officeDocument/2006/relationships" xmlns:p="http://schemas.openxmlformats.org/presentationml/2006/main">
+  <p:cSld>
+    <p:bg>
+      <p:bgRef idx="1001">
+        <a:schemeClr val="bg1"/>
+      </p:bgRef>
+    </p:bg>
+    <p:spTree>
+      <p:nvGrpSpPr>
+        <p:cNvPr id="1" name=""/>
+        <p:cNvGrpSpPr/>
+        <p:nvPr/>
+      </p:nvGrpSpPr>
+      <p:grpSpPr>
+        <a:xfrm>
+          <a:off x="0" y="0"/>
+          <a:ext cx="0" cy="0"/>
+          <a:chOff x="0" y="0"/>
+          <a:chExt cx="0" cy="0"/>
+        </a:xfrm>
+      </p:grpSpPr>
+      <p:sp>
+        <p:nvSpPr>
+          <p:cNvPr id="2" name="ヘッダー プレースホルダー 1"/>
+          <p:cNvSpPr>
+            <a:spLocks noGrp="1"/>
+          </p:cNvSpPr>
+          <p:nvPr>
+            <p:ph type="hdr" sz="quarter"/>
+          </p:nvPr>
+        </p:nvSpPr>
+        <p:spPr>
+          <a:xfrm>
+            <a:off x="0" y="0"/>
+            <a:ext cx="2971800" cy="458788"/>
+          </a:xfrm>
+          <a:prstGeom prst="rect">
+            <a:avLst/>
+          </a:prstGeom>
+        </p:spPr>
+        <p:txBody>
+          <a:bodyPr vert="horz" lIns="91440" tIns="45720" rIns="91440" bIns="45720" rtlCol="0"/>
+          <a:lstStyle>
+            <a:lvl1pPr algn="l">
+              <a:defRPr sz="1200"/>
+            </a:lvl1pPr>
+          </a:lstStyle>
+          <a:p>
+            <a:endParaRPr kumimoji="1" lang="ja-JP" altLang="en-US"/>
+          </a:p>
+        </p:txBody>
+      </p:sp>
+      <p:sp>
+        <p:nvSpPr>
+          <p:cNvPr id="3" name="日付プレースホルダー 2"/>
+          <p:cNvSpPr>
+            <a:spLocks noGrp="1"/>
+          </p:cNvSpPr>
+          <p:nvPr>
+            <p:ph type="dt" idx="1"/>
+          </p:nvPr>
+        </p:nvSpPr>
+        <p:spPr>
+          <a:xfrm>
+            <a:off x="3884613" y="0"/>
+            <a:ext cx="2971800" cy="458788"/>
+          </a:xfrm>
+          <a:prstGeom prst="rect">
+            <a:avLst/>
+          </a:prstGeom>
+        </p:spPr>
+        <p:txBody>
+          <a:bodyPr vert="horz" lIns="91440" tIns="45720" rIns="91440" bIns="45720" rtlCol="0"/>
+          <a:lstStyle>
+            <a:lvl1pPr algn="r">
+              <a:defRPr sz="1200"/>
+            </a:lvl1pPr>
+          </a:lstStyle>
+          <a:p>
+            <a:fld id="{E85C3C0A-4735-8642-9600-C77F3AC271A6}" type="datetimeFigureOut">
+              <a:rPr kumimoji="1" lang="ja-JP" altLang="en-US" smtClean="0"/>
+              <a:t>2019/9/12</a:t>
+            </a:fld>
+            <a:endParaRPr kumimoji="1" lang="ja-JP" altLang="en-US"/>
+          </a:p>
+        </p:txBody>
+      </p:sp>
+      <p:sp>
+        <p:nvSpPr>
+          <p:cNvPr id="4" name="スライド イメージ プレースホルダー 3"/>
+          <p:cNvSpPr>
+            <a:spLocks noGrp="1" noRot="1" noChangeAspect="1"/>
+          </p:cNvSpPr>
+          <p:nvPr>
+            <p:ph type="sldImg" idx="2"/>
+          </p:nvPr>
+        </p:nvSpPr>
+        <p:spPr>
+          <a:xfrm>
+            <a:off x="685800" y="1143000"/>
+            <a:ext cx="5486400" cy="3086100"/>
+          </a:xfrm>
+          <a:prstGeom prst="rect">
+            <a:avLst/>
+          </a:prstGeom>
+          <a:noFill/>
+          <a:ln w="12700">
+            <a:solidFill>
+              <a:prstClr val="black"/>
+            </a:solidFill>
+          </a:ln>
+        </p:spPr>
+        <p:txBody>
+          <a:bodyPr vert="horz" lIns="91440" tIns="45720" rIns="91440" bIns="45720" rtlCol="0" anchor="ctr"/>
+          <a:lstStyle/>
+          <a:p>
+            <a:endParaRPr lang="ja-JP" altLang="en-US"/>
+          </a:p>
+        </p:txBody>
+      </p:sp>
+      <p:sp>
+        <p:nvSpPr>
+          <p:cNvPr id="5" name="ノート プレースホルダー 4"/>
+          <p:cNvSpPr>
+            <a:spLocks noGrp="1"/>
+          </p:cNvSpPr>
+          <p:nvPr>
+            <p:ph type="body" sz="quarter" idx="3"/>
+          </p:nvPr>
+        </p:nvSpPr>
+        <p:spPr>
+          <a:xfrm>
+            <a:off x="685800" y="4400550"/>
+            <a:ext cx="5486400" cy="3600450"/>
+          </a:xfrm>
+          <a:prstGeom prst="rect">
+            <a:avLst/>
+          </a:prstGeom>
+        </p:spPr>
+        <p:txBody>
+          <a:bodyPr vert="horz" lIns="91440" tIns="45720" rIns="91440" bIns="45720" rtlCol="0"/>
+          <a:lstStyle/>
+          <a:p>
+            <a:pPr lvl="0"/>
+            <a:r>
+              <a:rPr kumimoji="1" lang="ja-JP" altLang="en-US"/>
+              <a:t>マスター テキストの書式設定</a:t>
+            </a:r>
+          </a:p>
+          <a:p>
+            <a:pPr lvl="1"/>
+            <a:r>
+              <a:rPr kumimoji="1" lang="ja-JP" altLang="en-US"/>
+              <a:t>第 </a:t>
+            </a:r>
+            <a:r>
+              <a:rPr kumimoji="1" lang="en-US" altLang="ja-JP"/>
+              <a:t>2 </a:t>
+            </a:r>
+            <a:r>
+              <a:rPr kumimoji="1" lang="ja-JP" altLang="en-US"/>
+              <a:t>レベル</a:t>
+            </a:r>
+          </a:p>
+          <a:p>
+            <a:pPr lvl="2"/>
+            <a:r>
+              <a:rPr kumimoji="1" lang="ja-JP" altLang="en-US"/>
+              <a:t>第 </a:t>
+            </a:r>
+            <a:r>
+              <a:rPr kumimoji="1" lang="en-US" altLang="ja-JP"/>
+              <a:t>3 </a:t>
+            </a:r>
+            <a:r>
+              <a:rPr kumimoji="1" lang="ja-JP" altLang="en-US"/>
+              <a:t>レベル</a:t>
+            </a:r>
+          </a:p>
+          <a:p>
+            <a:pPr lvl="3"/>
+            <a:r>
+              <a:rPr kumimoji="1" lang="ja-JP" altLang="en-US"/>
+              <a:t>第 </a:t>
+            </a:r>
+            <a:r>
+              <a:rPr kumimoji="1" lang="en-US" altLang="ja-JP"/>
+              <a:t>4 </a:t>
+            </a:r>
+            <a:r>
+              <a:rPr kumimoji="1" lang="ja-JP" altLang="en-US"/>
+              <a:t>レベル</a:t>
+            </a:r>
+          </a:p>
+          <a:p>
+            <a:pPr lvl="4"/>
+            <a:r>
+              <a:rPr kumimoji="1" lang="ja-JP" altLang="en-US"/>
+              <a:t>第 </a:t>
+            </a:r>
+            <a:r>
+              <a:rPr kumimoji="1" lang="en-US" altLang="ja-JP"/>
+              <a:t>5 </a:t>
+            </a:r>
+            <a:r>
+              <a:rPr kumimoji="1" lang="ja-JP" altLang="en-US"/>
+              <a:t>レベル</a:t>
+            </a:r>
+          </a:p>
+        </p:txBody>
+      </p:sp>
+      <p:sp>
+        <p:nvSpPr>
+          <p:cNvPr id="6" name="フッター プレースホルダー 5"/>
+          <p:cNvSpPr>
+            <a:spLocks noGrp="1"/>
+          </p:cNvSpPr>
+          <p:nvPr>
+            <p:ph type="ftr" sz="quarter" idx="4"/>
+          </p:nvPr>
+        </p:nvSpPr>
+        <p:spPr>
+          <a:xfrm>
+            <a:off x="0" y="8685213"/>
+            <a:ext cx="2971800" cy="458787"/>
+          </a:xfrm>
+          <a:prstGeom prst="rect">
+            <a:avLst/>
+          </a:prstGeom>
+        </p:spPr>
+        <p:txBody>
+          <a:bodyPr vert="horz" lIns="91440" tIns="45720" rIns="91440" bIns="45720" rtlCol="0" anchor="b"/>
+          <a:lstStyle>
+            <a:lvl1pPr algn="l">
+              <a:defRPr sz="1200"/>
+            </a:lvl1pPr>
+          </a:lstStyle>
+          <a:p>
+            <a:endParaRPr kumimoji="1" lang="ja-JP" altLang="en-US"/>
+          </a:p>
+        </p:txBody>
+      </p:sp>
+      <p:sp>
+        <p:nvSpPr>
+          <p:cNvPr id="7" name="スライド番号プレースホルダー 6"/>
+          <p:cNvSpPr>
+            <a:spLocks noGrp="1"/>
+          </p:cNvSpPr>
+          <p:nvPr>
+            <p:ph type="sldNum" sz="quarter" idx="5"/>
+          </p:nvPr>
+        </p:nvSpPr>
+        <p:spPr>
+          <a:xfrm>
+            <a:off x="3884613" y="8685213"/>
+            <a:ext cx="2971800" cy="458787"/>
+          </a:xfrm>
+          <a:prstGeom prst="rect">
+            <a:avLst/>
+          </a:prstGeom>
+        </p:spPr>
+        <p:txBody>
+          <a:bodyPr vert="horz" lIns="91440" tIns="45720" rIns="91440" bIns="45720" rtlCol="0" anchor="b"/>
+          <a:lstStyle>
+            <a:lvl1pPr algn="r">
+              <a:defRPr sz="1200"/>
+            </a:lvl1pPr>
+          </a:lstStyle>
+          <a:p>
+            <a:fld id="{4F6631D1-B60D-8B42-827D-93EFDA4DE72F}" type="slidenum">
+              <a:rPr kumimoji="1" lang="ja-JP" altLang="en-US" smtClean="0"/>
+              <a:t>‹#›</a:t>
+            </a:fld>
+            <a:endParaRPr kumimoji="1" lang="ja-JP" altLang="en-US"/>
+          </a:p>
+        </p:txBody>
+      </p:sp>
+    </p:spTree>
+    <p:extLst>
+      <p:ext uri="{BB962C8B-B14F-4D97-AF65-F5344CB8AC3E}">
+        <p14:creationId xmlns:p14="http://schemas.microsoft.com/office/powerpoint/2010/main" val="3075138639"/>
+      </p:ext>
+    </p:extLst>
+  </p:cSld>
+  <p:clrMap bg1="lt1" tx1="dk1" bg2="lt2" tx2="dk2" accent1="accent1" accent2="accent2" accent3="accent3" accent4="accent4" accent5="accent5" accent6="accent6" hlink="hlink" folHlink="folHlink"/>
+  <p:notesStyle>
+    <a:lvl1pPr marL="0" algn="l" defTabSz="914400" rtl="0" eaLnBrk="1" latinLnBrk="0" hangingPunct="1">
+      <a:defRPr kumimoji="1" sz="1200" kern="1200">
+        <a:solidFill>
+          <a:schemeClr val="tx1"/>
+        </a:solidFill>
+        <a:latin typeface="+mn-lt"/>
+        <a:ea typeface="+mn-ea"/>
+        <a:cs typeface="+mn-cs"/>
+      </a:defRPr>
+    </a:lvl1pPr>
+    <a:lvl2pPr marL="457200" algn="l" defTabSz="914400" rtl="0" eaLnBrk="1" latinLnBrk="0" hangingPunct="1">
+      <a:defRPr kumimoji="1" sz="1200" kern="1200">
+        <a:solidFill>
+          <a:schemeClr val="tx1"/>
+        </a:solidFill>
+        <a:latin typeface="+mn-lt"/>
+        <a:ea typeface="+mn-ea"/>
+        <a:cs typeface="+mn-cs"/>
+      </a:defRPr>
+    </a:lvl2pPr>
+    <a:lvl3pPr marL="914400" algn="l" defTabSz="914400" rtl="0" eaLnBrk="1" latinLnBrk="0" hangingPunct="1">
+      <a:defRPr kumimoji="1" sz="1200" kern="1200">
+        <a:solidFill>
+          <a:schemeClr val="tx1"/>
+        </a:solidFill>
+        <a:latin typeface="+mn-lt"/>
+        <a:ea typeface="+mn-ea"/>
+        <a:cs typeface="+mn-cs"/>
+      </a:defRPr>
+    </a:lvl3pPr>
+    <a:lvl4pPr marL="1371600" algn="l" defTabSz="914400" rtl="0" eaLnBrk="1" latinLnBrk="0" hangingPunct="1">
+      <a:defRPr kumimoji="1" sz="1200" kern="1200">
+        <a:solidFill>
+          <a:schemeClr val="tx1"/>
+        </a:solidFill>
+        <a:latin typeface="+mn-lt"/>
+        <a:ea typeface="+mn-ea"/>
+        <a:cs typeface="+mn-cs"/>
+      </a:defRPr>
+    </a:lvl4pPr>
+    <a:lvl5pPr marL="1828800" algn="l" defTabSz="914400" rtl="0" eaLnBrk="1" latinLnBrk="0" hangingPunct="1">
+      <a:defRPr kumimoji="1" sz="1200" kern="1200">
+        <a:solidFill>
+          <a:schemeClr val="tx1"/>
+        </a:solidFill>
+        <a:latin typeface="+mn-lt"/>
+        <a:ea typeface="+mn-ea"/>
+        <a:cs typeface="+mn-cs"/>
+      </a:defRPr>
+    </a:lvl5pPr>
+    <a:lvl6pPr marL="2286000" algn="l" defTabSz="914400" rtl="0" eaLnBrk="1" latinLnBrk="0" hangingPunct="1">
+      <a:defRPr kumimoji="1" sz="1200" kern="1200">
+        <a:solidFill>
+          <a:schemeClr val="tx1"/>
+        </a:solidFill>
+        <a:latin typeface="+mn-lt"/>
+        <a:ea typeface="+mn-ea"/>
+        <a:cs typeface="+mn-cs"/>
+      </a:defRPr>
+    </a:lvl6pPr>
+    <a:lvl7pPr marL="2743200" algn="l" defTabSz="914400" rtl="0" eaLnBrk="1" latinLnBrk="0" hangingPunct="1">
+      <a:defRPr kumimoji="1" sz="1200" kern="1200">
+        <a:solidFill>
+          <a:schemeClr val="tx1"/>
+        </a:solidFill>
+        <a:latin typeface="+mn-lt"/>
+        <a:ea typeface="+mn-ea"/>
+        <a:cs typeface="+mn-cs"/>
+      </a:defRPr>
+    </a:lvl7pPr>
+    <a:lvl8pPr marL="3200400" algn="l" defTabSz="914400" rtl="0" eaLnBrk="1" latinLnBrk="0" hangingPunct="1">
+      <a:defRPr kumimoji="1" sz="1200" kern="1200">
+        <a:solidFill>
+          <a:schemeClr val="tx1"/>
+        </a:solidFill>
+        <a:latin typeface="+mn-lt"/>
+        <a:ea typeface="+mn-ea"/>
+        <a:cs typeface="+mn-cs"/>
+      </a:defRPr>
+    </a:lvl8pPr>
+    <a:lvl9pPr marL="3657600" algn="l" defTabSz="914400" rtl="0" eaLnBrk="1" latinLnBrk="0" hangingPunct="1">
+      <a:defRPr kumimoji="1" sz="1200" kern="1200">
+        <a:solidFill>
+          <a:schemeClr val="tx1"/>
+        </a:solidFill>
+        <a:latin typeface="+mn-lt"/>
+        <a:ea typeface="+mn-ea"/>
+        <a:cs typeface="+mn-cs"/>
+      </a:defRPr>
+    </a:lvl9pPr>
+  </p:notesStyle>
+</p:notesMaster>
+</file>
+
+<file path=ppt/notesSlides/notesSlide1.xml><?xml version="1.0" encoding="utf-8"?>
+<p:notes xmlns:a="http://schemas.openxmlformats.org/drawingml/2006/main" xmlns:r="http://schemas.openxmlformats.org/officeDocument/2006/relationships" xmlns:p="http://schemas.openxmlformats.org/presentationml/2006/main" showMasterSp="0" showMasterPhAnim="0">
+  <p:cSld>
+    <p:spTree>
+      <p:nvGrpSpPr>
+        <p:cNvPr id="1" name="Shape 348"/>
+        <p:cNvGrpSpPr/>
+        <p:nvPr/>
+      </p:nvGrpSpPr>
+      <p:grpSpPr>
+        <a:xfrm>
+          <a:off x="0" y="0"/>
+          <a:ext cx="0" cy="0"/>
+          <a:chOff x="0" y="0"/>
+          <a:chExt cx="0" cy="0"/>
+        </a:xfrm>
+      </p:grpSpPr>
+      <p:sp>
+        <p:nvSpPr>
+          <p:cNvPr id="349" name="Google Shape;349;g5f85c4895c_0_15:notes"/>
+          <p:cNvSpPr>
+            <a:spLocks noGrp="1" noRot="1" noChangeAspect="1"/>
+          </p:cNvSpPr>
+          <p:nvPr>
+            <p:ph type="sldImg" idx="2"/>
+          </p:nvPr>
+        </p:nvSpPr>
+        <p:spPr>
+          <a:xfrm>
+            <a:off x="381000" y="685800"/>
+            <a:ext cx="6096000" cy="3429000"/>
+          </a:xfrm>
+          <a:custGeom>
+            <a:avLst/>
+            <a:gdLst/>
+            <a:ahLst/>
+            <a:cxnLst/>
+            <a:rect l="l" t="t" r="r" b="b"/>
+            <a:pathLst>
+              <a:path w="120000" h="120000" extrusionOk="0">
+                <a:moveTo>
+                  <a:pt x="0" y="0"/>
+                </a:moveTo>
+                <a:lnTo>
+                  <a:pt x="120000" y="0"/>
+                </a:lnTo>
+                <a:lnTo>
+                  <a:pt x="120000" y="120000"/>
+                </a:lnTo>
+                <a:lnTo>
+                  <a:pt x="0" y="120000"/>
+                </a:lnTo>
+                <a:close/>
+              </a:path>
+            </a:pathLst>
+          </a:custGeom>
+        </p:spPr>
+      </p:sp>
+      <p:sp>
+        <p:nvSpPr>
+          <p:cNvPr id="350" name="Google Shape;350;g5f85c4895c_0_15:notes"/>
+          <p:cNvSpPr txBox="1">
+            <a:spLocks noGrp="1"/>
+          </p:cNvSpPr>
+          <p:nvPr>
+            <p:ph type="body" idx="1"/>
+          </p:nvPr>
+        </p:nvSpPr>
+        <p:spPr>
+          <a:xfrm>
+            <a:off x="685800" y="4343400"/>
+            <a:ext cx="5486400" cy="4114800"/>
+          </a:xfrm>
+          <a:prstGeom prst="rect">
+            <a:avLst/>
+          </a:prstGeom>
+        </p:spPr>
+        <p:txBody>
+          <a:bodyPr spcFirstLastPara="1" wrap="square" lIns="91425" tIns="91425" rIns="91425" bIns="91425" anchor="t" anchorCtr="0">
+            <a:noAutofit/>
+          </a:bodyPr>
+          <a:lstStyle/>
+          <a:p>
+            <a:pPr marL="0" lvl="0" indent="0" algn="l" rtl="0">
+              <a:spcBef>
+                <a:spcPts val="0"/>
+              </a:spcBef>
+              <a:spcAft>
+                <a:spcPts val="0"/>
+              </a:spcAft>
+              <a:buNone/>
+            </a:pPr>
+            <a:endParaRPr/>
+          </a:p>
+        </p:txBody>
+      </p:sp>
+    </p:spTree>
+    <p:extLst>
+      <p:ext uri="{BB962C8B-B14F-4D97-AF65-F5344CB8AC3E}">
+        <p14:creationId xmlns:p14="http://schemas.microsoft.com/office/powerpoint/2010/main" val="3940223793"/>
+      </p:ext>
+    </p:extLst>
+  </p:cSld>
+  <p:clrMapOvr>
+    <a:masterClrMapping/>
+  </p:clrMapOvr>
+</p:notes>
+</file>
+
+<file path=ppt/notesSlides/notesSlide2.xml><?xml version="1.0" encoding="utf-8"?>
+<p:notes xmlns:a="http://schemas.openxmlformats.org/drawingml/2006/main" xmlns:r="http://schemas.openxmlformats.org/officeDocument/2006/relationships" xmlns:p="http://schemas.openxmlformats.org/presentationml/2006/main" showMasterSp="0" showMasterPhAnim="0">
+  <p:cSld>
+    <p:spTree>
+      <p:nvGrpSpPr>
+        <p:cNvPr id="1" name="Shape 372"/>
+        <p:cNvGrpSpPr/>
+        <p:nvPr/>
+      </p:nvGrpSpPr>
+      <p:grpSpPr>
+        <a:xfrm>
+          <a:off x="0" y="0"/>
+          <a:ext cx="0" cy="0"/>
+          <a:chOff x="0" y="0"/>
+          <a:chExt cx="0" cy="0"/>
+        </a:xfrm>
+      </p:grpSpPr>
+      <p:sp>
+        <p:nvSpPr>
+          <p:cNvPr id="373" name="Google Shape;373;g5f765d7e0f_0_101:notes"/>
+          <p:cNvSpPr>
+            <a:spLocks noGrp="1" noRot="1" noChangeAspect="1"/>
+          </p:cNvSpPr>
+          <p:nvPr>
+            <p:ph type="sldImg" idx="2"/>
+          </p:nvPr>
+        </p:nvSpPr>
+        <p:spPr>
+          <a:xfrm>
+            <a:off x="381000" y="685800"/>
+            <a:ext cx="6096000" cy="3429000"/>
+          </a:xfrm>
+          <a:custGeom>
+            <a:avLst/>
+            <a:gdLst/>
+            <a:ahLst/>
+            <a:cxnLst/>
+            <a:rect l="l" t="t" r="r" b="b"/>
+            <a:pathLst>
+              <a:path w="120000" h="120000" extrusionOk="0">
+                <a:moveTo>
+                  <a:pt x="0" y="0"/>
+                </a:moveTo>
+                <a:lnTo>
+                  <a:pt x="120000" y="0"/>
+                </a:lnTo>
+                <a:lnTo>
+                  <a:pt x="120000" y="120000"/>
+                </a:lnTo>
+                <a:lnTo>
+                  <a:pt x="0" y="120000"/>
+                </a:lnTo>
+                <a:close/>
+              </a:path>
+            </a:pathLst>
+          </a:custGeom>
+        </p:spPr>
+      </p:sp>
+      <p:sp>
+        <p:nvSpPr>
+          <p:cNvPr id="374" name="Google Shape;374;g5f765d7e0f_0_101:notes"/>
+          <p:cNvSpPr txBox="1">
+            <a:spLocks noGrp="1"/>
+          </p:cNvSpPr>
+          <p:nvPr>
+            <p:ph type="body" idx="1"/>
+          </p:nvPr>
+        </p:nvSpPr>
+        <p:spPr>
+          <a:xfrm>
+            <a:off x="685800" y="4343400"/>
+            <a:ext cx="5486400" cy="4114800"/>
+          </a:xfrm>
+          <a:prstGeom prst="rect">
+            <a:avLst/>
+          </a:prstGeom>
+        </p:spPr>
+        <p:txBody>
+          <a:bodyPr spcFirstLastPara="1" wrap="square" lIns="91425" tIns="91425" rIns="91425" bIns="91425" anchor="t" anchorCtr="0">
+            <a:noAutofit/>
+          </a:bodyPr>
+          <a:lstStyle/>
+          <a:p>
+            <a:pPr marL="0" lvl="0" indent="0" algn="l" rtl="0">
+              <a:spcBef>
+                <a:spcPts val="0"/>
+              </a:spcBef>
+              <a:spcAft>
+                <a:spcPts val="0"/>
+              </a:spcAft>
+              <a:buNone/>
+            </a:pPr>
+            <a:endParaRPr/>
+          </a:p>
+        </p:txBody>
+      </p:sp>
+    </p:spTree>
+    <p:extLst>
+      <p:ext uri="{BB962C8B-B14F-4D97-AF65-F5344CB8AC3E}">
+        <p14:creationId xmlns:p14="http://schemas.microsoft.com/office/powerpoint/2010/main" val="782246260"/>
+      </p:ext>
+    </p:extLst>
+  </p:cSld>
+  <p:clrMapOvr>
+    <a:masterClrMapping/>
+  </p:clrMapOvr>
+</p:notes>
 </file>
 
 <file path=ppt/slideLayouts/slideLayout1.xml><?xml version="1.0" encoding="utf-8"?>
@@ -264,7 +874,7 @@
           <a:p>
             <a:fld id="{FB228F3F-1D5C-2A4F-ADEE-40EA5537BF3E}" type="datetimeFigureOut">
               <a:rPr kumimoji="1" lang="ja-JP" altLang="en-US" smtClean="0"/>
-              <a:t>2019/9/11</a:t>
+              <a:t>2019/9/12</a:t>
             </a:fld>
             <a:endParaRPr kumimoji="1" lang="ja-JP" altLang="en-US"/>
           </a:p>
@@ -494,7 +1104,7 @@
           <a:p>
             <a:fld id="{FB228F3F-1D5C-2A4F-ADEE-40EA5537BF3E}" type="datetimeFigureOut">
               <a:rPr kumimoji="1" lang="ja-JP" altLang="en-US" smtClean="0"/>
-              <a:t>2019/9/11</a:t>
+              <a:t>2019/9/12</a:t>
             </a:fld>
             <a:endParaRPr kumimoji="1" lang="ja-JP" altLang="en-US"/>
           </a:p>
@@ -734,7 +1344,7 @@
           <a:p>
             <a:fld id="{FB228F3F-1D5C-2A4F-ADEE-40EA5537BF3E}" type="datetimeFigureOut">
               <a:rPr kumimoji="1" lang="ja-JP" altLang="en-US" smtClean="0"/>
-              <a:t>2019/9/11</a:t>
+              <a:t>2019/9/12</a:t>
             </a:fld>
             <a:endParaRPr kumimoji="1" lang="ja-JP" altLang="en-US"/>
           </a:p>
@@ -964,7 +1574,7 @@
           <a:p>
             <a:fld id="{FB228F3F-1D5C-2A4F-ADEE-40EA5537BF3E}" type="datetimeFigureOut">
               <a:rPr kumimoji="1" lang="ja-JP" altLang="en-US" smtClean="0"/>
-              <a:t>2019/9/11</a:t>
+              <a:t>2019/9/12</a:t>
             </a:fld>
             <a:endParaRPr kumimoji="1" lang="ja-JP" altLang="en-US"/>
           </a:p>
@@ -1239,7 +1849,7 @@
           <a:p>
             <a:fld id="{FB228F3F-1D5C-2A4F-ADEE-40EA5537BF3E}" type="datetimeFigureOut">
               <a:rPr kumimoji="1" lang="ja-JP" altLang="en-US" smtClean="0"/>
-              <a:t>2019/9/11</a:t>
+              <a:t>2019/9/12</a:t>
             </a:fld>
             <a:endParaRPr kumimoji="1" lang="ja-JP" altLang="en-US"/>
           </a:p>
@@ -1568,7 +2178,7 @@
           <a:p>
             <a:fld id="{FB228F3F-1D5C-2A4F-ADEE-40EA5537BF3E}" type="datetimeFigureOut">
               <a:rPr kumimoji="1" lang="ja-JP" altLang="en-US" smtClean="0"/>
-              <a:t>2019/9/11</a:t>
+              <a:t>2019/9/12</a:t>
             </a:fld>
             <a:endParaRPr kumimoji="1" lang="ja-JP" altLang="en-US"/>
           </a:p>
@@ -2044,7 +2654,7 @@
           <a:p>
             <a:fld id="{FB228F3F-1D5C-2A4F-ADEE-40EA5537BF3E}" type="datetimeFigureOut">
               <a:rPr kumimoji="1" lang="ja-JP" altLang="en-US" smtClean="0"/>
-              <a:t>2019/9/11</a:t>
+              <a:t>2019/9/12</a:t>
             </a:fld>
             <a:endParaRPr kumimoji="1" lang="ja-JP" altLang="en-US"/>
           </a:p>
@@ -2185,7 +2795,7 @@
           <a:p>
             <a:fld id="{FB228F3F-1D5C-2A4F-ADEE-40EA5537BF3E}" type="datetimeFigureOut">
               <a:rPr kumimoji="1" lang="ja-JP" altLang="en-US" smtClean="0"/>
-              <a:t>2019/9/11</a:t>
+              <a:t>2019/9/12</a:t>
             </a:fld>
             <a:endParaRPr kumimoji="1" lang="ja-JP" altLang="en-US"/>
           </a:p>
@@ -2298,7 +2908,7 @@
           <a:p>
             <a:fld id="{FB228F3F-1D5C-2A4F-ADEE-40EA5537BF3E}" type="datetimeFigureOut">
               <a:rPr kumimoji="1" lang="ja-JP" altLang="en-US" smtClean="0"/>
-              <a:t>2019/9/11</a:t>
+              <a:t>2019/9/12</a:t>
             </a:fld>
             <a:endParaRPr kumimoji="1" lang="ja-JP" altLang="en-US"/>
           </a:p>
@@ -2641,7 +3251,7 @@
           <a:p>
             <a:fld id="{FB228F3F-1D5C-2A4F-ADEE-40EA5537BF3E}" type="datetimeFigureOut">
               <a:rPr kumimoji="1" lang="ja-JP" altLang="en-US" smtClean="0"/>
-              <a:t>2019/9/11</a:t>
+              <a:t>2019/9/12</a:t>
             </a:fld>
             <a:endParaRPr kumimoji="1" lang="ja-JP" altLang="en-US"/>
           </a:p>
@@ -2929,7 +3539,7 @@
           <a:p>
             <a:fld id="{FB228F3F-1D5C-2A4F-ADEE-40EA5537BF3E}" type="datetimeFigureOut">
               <a:rPr kumimoji="1" lang="ja-JP" altLang="en-US" smtClean="0"/>
-              <a:t>2019/9/11</a:t>
+              <a:t>2019/9/12</a:t>
             </a:fld>
             <a:endParaRPr kumimoji="1" lang="ja-JP" altLang="en-US"/>
           </a:p>
@@ -3202,7 +3812,7 @@
           <a:p>
             <a:fld id="{FB228F3F-1D5C-2A4F-ADEE-40EA5537BF3E}" type="datetimeFigureOut">
               <a:rPr kumimoji="1" lang="ja-JP" altLang="en-US" smtClean="0"/>
-              <a:t>2019/9/11</a:t>
+              <a:t>2019/9/12</a:t>
             </a:fld>
             <a:endParaRPr kumimoji="1" lang="ja-JP" altLang="en-US"/>
           </a:p>
@@ -3716,7 +4326,7 @@
           <p:cNvPr id="2" name="タイトル 1">
             <a:extLst>
               <a:ext uri="{FF2B5EF4-FFF2-40B4-BE49-F238E27FC236}">
-                <a16:creationId xmlns:a16="http://schemas.microsoft.com/office/drawing/2014/main" id="{8F180D45-8569-5B47-A695-6613BB57A75C}"/>
+                <a16:creationId xmlns:a16="http://schemas.microsoft.com/office/drawing/2014/main" id="{F74B3020-F4CD-5E4A-A772-CCD193FF28DB}"/>
               </a:ext>
             </a:extLst>
           </p:cNvPr>
@@ -3734,71 +4344,211 @@
           <a:p>
             <a:r>
               <a:rPr kumimoji="1" lang="ja-JP" altLang="en-US"/>
-              <a:t>群の例１</a:t>
-            </a:r>
-          </a:p>
-        </p:txBody>
-      </p:sp>
-      <p:sp>
-        <p:nvSpPr>
-          <p:cNvPr id="3" name="コンテンツ プレースホルダー 2">
-            <a:extLst>
-              <a:ext uri="{FF2B5EF4-FFF2-40B4-BE49-F238E27FC236}">
-                <a16:creationId xmlns:a16="http://schemas.microsoft.com/office/drawing/2014/main" id="{AB6E2E08-8691-A74B-AD2F-866BD30C457E}"/>
-              </a:ext>
-            </a:extLst>
-          </p:cNvPr>
-          <p:cNvSpPr>
-            <a:spLocks noGrp="1"/>
-          </p:cNvSpPr>
-          <p:nvPr>
-            <p:ph idx="1"/>
-          </p:nvPr>
-        </p:nvSpPr>
-        <p:spPr/>
-        <p:txBody>
-          <a:bodyPr/>
-          <a:lstStyle/>
-          <a:p>
-            <a:pPr marL="0" indent="0">
-              <a:buNone/>
-            </a:pPr>
-            <a:r>
-              <a:rPr kumimoji="1" lang="en-US" altLang="ja-JP" dirty="0"/>
-              <a:t>GL(n)</a:t>
-            </a:r>
-            <a:r>
-              <a:rPr kumimoji="1" lang="ja-JP" altLang="en-US"/>
-              <a:t>：</a:t>
-            </a:r>
-            <a:r>
-              <a:rPr kumimoji="1" lang="en-US" altLang="ja-JP" dirty="0"/>
-              <a:t>n</a:t>
-            </a:r>
-            <a:r>
-              <a:rPr kumimoji="1" lang="ja-JP" altLang="en-US"/>
-              <a:t>次正則行列全体の群</a:t>
-            </a:r>
-            <a:endParaRPr kumimoji="1" lang="en-US" altLang="ja-JP" dirty="0"/>
-          </a:p>
-          <a:p>
-            <a:pPr marL="0" indent="0">
-              <a:buNone/>
-            </a:pPr>
-            <a:endParaRPr lang="en-US" altLang="ja-JP" dirty="0"/>
-          </a:p>
-          <a:p>
-            <a:pPr marL="0" indent="0">
-              <a:buNone/>
-            </a:pPr>
-            <a:endParaRPr kumimoji="1" lang="ja-JP" altLang="en-US"/>
-          </a:p>
-        </p:txBody>
-      </p:sp>
+              <a:t>群の定義を見ていく</a:t>
+            </a:r>
+          </a:p>
+        </p:txBody>
+      </p:sp>
+      <mc:AlternateContent xmlns:mc="http://schemas.openxmlformats.org/markup-compatibility/2006">
+        <mc:Choice xmlns:a14="http://schemas.microsoft.com/office/drawing/2010/main" Requires="a14">
+          <p:sp>
+            <p:nvSpPr>
+              <p:cNvPr id="3" name="コンテンツ プレースホルダー 2">
+                <a:extLst>
+                  <a:ext uri="{FF2B5EF4-FFF2-40B4-BE49-F238E27FC236}">
+                    <a16:creationId xmlns:a16="http://schemas.microsoft.com/office/drawing/2014/main" id="{9409C43E-6ED9-F742-9D17-57ABED493EBF}"/>
+                  </a:ext>
+                </a:extLst>
+              </p:cNvPr>
+              <p:cNvSpPr>
+                <a:spLocks noGrp="1"/>
+              </p:cNvSpPr>
+              <p:nvPr>
+                <p:ph idx="1"/>
+              </p:nvPr>
+            </p:nvSpPr>
+            <p:spPr/>
+            <p:txBody>
+              <a:bodyPr/>
+              <a:lstStyle/>
+              <a:p>
+                <a:r>
+                  <a:rPr kumimoji="1" lang="ja-JP" altLang="en-US"/>
+                  <a:t>群の定義</a:t>
+                </a:r>
+                <a:endParaRPr kumimoji="1" lang="en-US" altLang="ja-JP" dirty="0"/>
+              </a:p>
+              <a:p>
+                <a:r>
+                  <a:rPr lang="ja-JP" altLang="en-US"/>
+                  <a:t>群の派生</a:t>
+                </a:r>
+                <a:endParaRPr lang="en-US" altLang="ja-JP" dirty="0"/>
+              </a:p>
+              <a:p>
+                <a:r>
+                  <a:rPr kumimoji="1" lang="ja-JP" altLang="en-US"/>
+                  <a:t>群の例１：</a:t>
+                </a:r>
+                <a:r>
+                  <a:rPr lang="fr-CA" altLang="ja" dirty="0"/>
+                  <a:t> </a:t>
+                </a:r>
+                <a14:m>
+                  <m:oMath xmlns:m="http://schemas.openxmlformats.org/officeDocument/2006/math">
+                    <m:r>
+                      <m:rPr>
+                        <m:sty m:val="p"/>
+                      </m:rPr>
+                      <a:rPr lang="fr-CA" altLang="ja">
+                        <a:latin typeface="Cambria Math" panose="02040503050406030204" pitchFamily="18" charset="0"/>
+                      </a:rPr>
+                      <m:t>G</m:t>
+                    </m:r>
+                    <m:r>
+                      <m:rPr>
+                        <m:sty m:val="p"/>
+                      </m:rPr>
+                      <a:rPr lang="en-US" altLang="ja">
+                        <a:latin typeface="Cambria Math" panose="02040503050406030204" pitchFamily="18" charset="0"/>
+                      </a:rPr>
+                      <m:t>L</m:t>
+                    </m:r>
+                    <m:d>
+                      <m:dPr>
+                        <m:ctrlPr>
+                          <a:rPr lang="en-US" altLang="ja" i="1">
+                            <a:latin typeface="Cambria Math" panose="02040503050406030204" pitchFamily="18" charset="0"/>
+                          </a:rPr>
+                        </m:ctrlPr>
+                      </m:dPr>
+                      <m:e>
+                        <m:r>
+                          <m:rPr>
+                            <m:sty m:val="p"/>
+                          </m:rPr>
+                          <a:rPr lang="en-US" altLang="ja">
+                            <a:latin typeface="Cambria Math" panose="02040503050406030204" pitchFamily="18" charset="0"/>
+                          </a:rPr>
+                          <m:t>n</m:t>
+                        </m:r>
+                        <m:r>
+                          <a:rPr lang="en-US" altLang="ja">
+                            <a:latin typeface="Cambria Math" panose="02040503050406030204" pitchFamily="18" charset="0"/>
+                          </a:rPr>
+                          <m:t>;</m:t>
+                        </m:r>
+                        <m:r>
+                          <a:rPr lang="en-US" altLang="ja">
+                            <a:latin typeface="Cambria Math" panose="02040503050406030204" pitchFamily="18" charset="0"/>
+                            <a:ea typeface="Cambria Math" panose="02040503050406030204" pitchFamily="18" charset="0"/>
+                          </a:rPr>
+                          <m:t>ℂ</m:t>
+                        </m:r>
+                      </m:e>
+                    </m:d>
+                  </m:oMath>
+                </a14:m>
+                <a:endParaRPr kumimoji="1" lang="en-US" altLang="ja-JP" dirty="0"/>
+              </a:p>
+              <a:p>
+                <a:r>
+                  <a:rPr kumimoji="1" lang="ja-JP" altLang="en-US"/>
+                  <a:t>群の例２：</a:t>
+                </a:r>
+                <a:r>
+                  <a:rPr lang="en-US" altLang="ja-JP" dirty="0"/>
+                  <a:t> </a:t>
+                </a:r>
+                <a14:m>
+                  <m:oMath xmlns:m="http://schemas.openxmlformats.org/officeDocument/2006/math">
+                    <m:r>
+                      <m:rPr>
+                        <m:sty m:val="p"/>
+                      </m:rPr>
+                      <a:rPr lang="en-US" altLang="ja-JP">
+                        <a:latin typeface="Cambria Math" panose="02040503050406030204" pitchFamily="18" charset="0"/>
+                      </a:rPr>
+                      <m:t>O</m:t>
+                    </m:r>
+                    <m:d>
+                      <m:dPr>
+                        <m:ctrlPr>
+                          <a:rPr lang="en-US" altLang="ja" i="1">
+                            <a:latin typeface="Cambria Math" panose="02040503050406030204" pitchFamily="18" charset="0"/>
+                          </a:rPr>
+                        </m:ctrlPr>
+                      </m:dPr>
+                      <m:e>
+                        <m:r>
+                          <m:rPr>
+                            <m:sty m:val="p"/>
+                          </m:rPr>
+                          <a:rPr lang="en-US" altLang="ja">
+                            <a:latin typeface="Cambria Math" panose="02040503050406030204" pitchFamily="18" charset="0"/>
+                          </a:rPr>
+                          <m:t>n</m:t>
+                        </m:r>
+                      </m:e>
+                    </m:d>
+                    <m:r>
+                      <a:rPr lang="en-US" altLang="ja" i="1">
+                        <a:latin typeface="Cambria Math" panose="02040503050406030204" pitchFamily="18" charset="0"/>
+                        <a:ea typeface="Cambria Math" panose="02040503050406030204" pitchFamily="18" charset="0"/>
+                      </a:rPr>
+                      <m:t> </m:t>
+                    </m:r>
+                  </m:oMath>
+                </a14:m>
+                <a:endParaRPr kumimoji="1" lang="ja-JP" altLang="en-US"/>
+              </a:p>
+            </p:txBody>
+          </p:sp>
+        </mc:Choice>
+        <mc:Fallback>
+          <p:sp>
+            <p:nvSpPr>
+              <p:cNvPr id="3" name="コンテンツ プレースホルダー 2">
+                <a:extLst>
+                  <a:ext uri="{FF2B5EF4-FFF2-40B4-BE49-F238E27FC236}">
+                    <a16:creationId xmlns:a16="http://schemas.microsoft.com/office/drawing/2014/main" id="{9409C43E-6ED9-F742-9D17-57ABED493EBF}"/>
+                  </a:ext>
+                </a:extLst>
+              </p:cNvPr>
+              <p:cNvSpPr>
+                <a:spLocks noGrp="1" noRot="1" noChangeAspect="1" noMove="1" noResize="1" noEditPoints="1" noAdjustHandles="1" noChangeArrowheads="1" noChangeShapeType="1" noTextEdit="1"/>
+              </p:cNvSpPr>
+              <p:nvPr>
+                <p:ph idx="1"/>
+              </p:nvPr>
+            </p:nvSpPr>
+            <p:spPr>
+              <a:blipFill>
+                <a:blip r:embed="rId2"/>
+                <a:stretch>
+                  <a:fillRect l="-965" t="-2632"/>
+                </a:stretch>
+              </a:blipFill>
+            </p:spPr>
+            <p:txBody>
+              <a:bodyPr/>
+              <a:lstStyle/>
+              <a:p>
+                <a:r>
+                  <a:rPr lang="ja-JP" altLang="en-US">
+                    <a:noFill/>
+                  </a:rPr>
+                  <a:t> </a:t>
+                </a:r>
+              </a:p>
+            </p:txBody>
+          </p:sp>
+        </mc:Fallback>
+      </mc:AlternateContent>
     </p:spTree>
     <p:extLst>
       <p:ext uri="{BB962C8B-B14F-4D97-AF65-F5344CB8AC3E}">
-        <p14:creationId xmlns:p14="http://schemas.microsoft.com/office/powerpoint/2010/main" val="3445047755"/>
+        <p14:creationId xmlns:p14="http://schemas.microsoft.com/office/powerpoint/2010/main" val="898711353"/>
       </p:ext>
     </p:extLst>
   </p:cSld>
@@ -3830,7 +4580,7 @@
           <p:cNvPr id="2" name="タイトル 1">
             <a:extLst>
               <a:ext uri="{FF2B5EF4-FFF2-40B4-BE49-F238E27FC236}">
-                <a16:creationId xmlns:a16="http://schemas.microsoft.com/office/drawing/2014/main" id="{B9941913-0D9B-2C41-8172-8A6C878AE1A2}"/>
+                <a16:creationId xmlns:a16="http://schemas.microsoft.com/office/drawing/2014/main" id="{0AA80DD3-7B55-5E4C-BC50-93BA664AAE9D}"/>
               </a:ext>
             </a:extLst>
           </p:cNvPr>
@@ -3848,8 +4598,882 @@
           <a:p>
             <a:r>
               <a:rPr kumimoji="1" lang="ja-JP" altLang="en-US"/>
-              <a:t>群の例２</a:t>
-            </a:r>
+              <a:t>群の定義</a:t>
+            </a:r>
+          </a:p>
+        </p:txBody>
+      </p:sp>
+      <mc:AlternateContent xmlns:mc="http://schemas.openxmlformats.org/markup-compatibility/2006">
+        <mc:Choice xmlns:a14="http://schemas.microsoft.com/office/drawing/2010/main" Requires="a14">
+          <p:sp>
+            <p:nvSpPr>
+              <p:cNvPr id="3" name="コンテンツ プレースホルダー 2">
+                <a:extLst>
+                  <a:ext uri="{FF2B5EF4-FFF2-40B4-BE49-F238E27FC236}">
+                    <a16:creationId xmlns:a16="http://schemas.microsoft.com/office/drawing/2014/main" id="{3DC394E8-B340-1042-958B-08B9A42809D5}"/>
+                  </a:ext>
+                </a:extLst>
+              </p:cNvPr>
+              <p:cNvSpPr>
+                <a:spLocks noGrp="1"/>
+              </p:cNvSpPr>
+              <p:nvPr>
+                <p:ph idx="1"/>
+              </p:nvPr>
+            </p:nvSpPr>
+            <p:spPr>
+              <a:xfrm>
+                <a:off x="838200" y="1342663"/>
+                <a:ext cx="10515600" cy="5031069"/>
+              </a:xfrm>
+            </p:spPr>
+            <p:txBody>
+              <a:bodyPr>
+                <a:normAutofit/>
+              </a:bodyPr>
+              <a:lstStyle/>
+              <a:p>
+                <a:pPr lvl="0">
+                  <a:buAutoNum type="arabicPeriod"/>
+                </a:pPr>
+                <a:r>
+                  <a:rPr lang="ja-JP" altLang="en-US"/>
+                  <a:t>閉包</a:t>
+                </a:r>
+                <a:r>
+                  <a:rPr lang="en-US" altLang="ja-JP" dirty="0"/>
+                  <a:t> </a:t>
+                </a:r>
+                <a:r>
+                  <a:rPr lang="en-US" altLang="ja-JP" sz="2000" i="1" dirty="0">
+                    <a:solidFill>
+                      <a:schemeClr val="tx1">
+                        <a:lumMod val="50000"/>
+                        <a:lumOff val="50000"/>
+                      </a:schemeClr>
+                    </a:solidFill>
+                    <a:latin typeface="Times New Roman" panose="02020603050405020304" pitchFamily="18" charset="0"/>
+                    <a:cs typeface="Times New Roman" panose="02020603050405020304" pitchFamily="18" charset="0"/>
+                  </a:rPr>
+                  <a:t>closure</a:t>
+                </a:r>
+                <a:br>
+                  <a:rPr lang="ja-JP" altLang="en-US"/>
+                </a:br>
+                <a:r>
+                  <a:rPr lang="ja-JP" altLang="en-US"/>
+                  <a:t>　</a:t>
+                </a:r>
+                <a14:m>
+                  <m:oMath xmlns:m="http://schemas.openxmlformats.org/officeDocument/2006/math">
+                    <m:r>
+                      <a:rPr lang="ja-JP" altLang="en-US" i="1">
+                        <a:latin typeface="Cambria Math" panose="02040503050406030204" pitchFamily="18" charset="0"/>
+                      </a:rPr>
+                      <m:t>∀</m:t>
+                    </m:r>
+                    <m:r>
+                      <a:rPr lang="en-US" altLang="ja-JP" i="1">
+                        <a:latin typeface="Cambria Math" panose="02040503050406030204" pitchFamily="18" charset="0"/>
+                      </a:rPr>
+                      <m:t>𝑎</m:t>
+                    </m:r>
+                    <m:r>
+                      <a:rPr lang="en-US" altLang="ja-JP" i="1">
+                        <a:latin typeface="Cambria Math" panose="02040503050406030204" pitchFamily="18" charset="0"/>
+                      </a:rPr>
+                      <m:t>,</m:t>
+                    </m:r>
+                    <m:r>
+                      <a:rPr lang="en-US" altLang="ja-JP" i="1">
+                        <a:latin typeface="Cambria Math" panose="02040503050406030204" pitchFamily="18" charset="0"/>
+                      </a:rPr>
+                      <m:t>𝑏</m:t>
+                    </m:r>
+                    <m:r>
+                      <a:rPr lang="en-US" altLang="ja-JP" i="1">
+                        <a:latin typeface="Cambria Math" panose="02040503050406030204" pitchFamily="18" charset="0"/>
+                        <a:ea typeface="Cambria Math" panose="02040503050406030204" pitchFamily="18" charset="0"/>
+                      </a:rPr>
+                      <m:t>∈</m:t>
+                    </m:r>
+                    <m:r>
+                      <a:rPr lang="en-US" altLang="ja-JP" i="1">
+                        <a:latin typeface="Cambria Math" panose="02040503050406030204" pitchFamily="18" charset="0"/>
+                        <a:ea typeface="Cambria Math" panose="02040503050406030204" pitchFamily="18" charset="0"/>
+                      </a:rPr>
+                      <m:t>𝐺</m:t>
+                    </m:r>
+                    <m:r>
+                      <a:rPr lang="en-US" altLang="ja-JP" i="1">
+                        <a:latin typeface="Cambria Math" panose="02040503050406030204" pitchFamily="18" charset="0"/>
+                        <a:ea typeface="Cambria Math" panose="02040503050406030204" pitchFamily="18" charset="0"/>
+                      </a:rPr>
+                      <m:t>, </m:t>
+                    </m:r>
+                    <m:r>
+                      <a:rPr lang="en-US" altLang="ja-JP" i="1">
+                        <a:latin typeface="Cambria Math" panose="02040503050406030204" pitchFamily="18" charset="0"/>
+                        <a:ea typeface="Cambria Math" panose="02040503050406030204" pitchFamily="18" charset="0"/>
+                      </a:rPr>
+                      <m:t>𝑎𝑏</m:t>
+                    </m:r>
+                    <m:r>
+                      <a:rPr lang="en-US" altLang="ja-JP" i="1">
+                        <a:latin typeface="Cambria Math" panose="02040503050406030204" pitchFamily="18" charset="0"/>
+                        <a:ea typeface="Cambria Math" panose="02040503050406030204" pitchFamily="18" charset="0"/>
+                      </a:rPr>
+                      <m:t>∈</m:t>
+                    </m:r>
+                    <m:r>
+                      <a:rPr lang="en-US" altLang="ja-JP" i="1">
+                        <a:latin typeface="Cambria Math" panose="02040503050406030204" pitchFamily="18" charset="0"/>
+                        <a:ea typeface="Cambria Math" panose="02040503050406030204" pitchFamily="18" charset="0"/>
+                      </a:rPr>
+                      <m:t>𝐺</m:t>
+                    </m:r>
+                  </m:oMath>
+                </a14:m>
+                <a:br>
+                  <a:rPr lang="en-US" altLang="ja-JP" dirty="0"/>
+                </a:br>
+                <a:endParaRPr lang="ja-JP" altLang="en-US" dirty="0"/>
+              </a:p>
+              <a:p>
+                <a:pPr>
+                  <a:buFont typeface="Arial"/>
+                  <a:buAutoNum type="arabicPeriod"/>
+                </a:pPr>
+                <a:r>
+                  <a:rPr lang="ja-JP" altLang="en-US"/>
+                  <a:t>結合法則</a:t>
+                </a:r>
+                <a:r>
+                  <a:rPr lang="en-US" altLang="ja-JP" dirty="0"/>
+                  <a:t> </a:t>
+                </a:r>
+                <a:r>
+                  <a:rPr lang="en-US" altLang="ja-JP" sz="2000" i="1" dirty="0">
+                    <a:solidFill>
+                      <a:schemeClr val="tx1">
+                        <a:lumMod val="50000"/>
+                        <a:lumOff val="50000"/>
+                      </a:schemeClr>
+                    </a:solidFill>
+                    <a:latin typeface="Times New Roman" panose="02020603050405020304" pitchFamily="18" charset="0"/>
+                    <a:cs typeface="Times New Roman" panose="02020603050405020304" pitchFamily="18" charset="0"/>
+                  </a:rPr>
+                  <a:t>associativity</a:t>
+                </a:r>
+                <a:br>
+                  <a:rPr lang="ja-JP" altLang="en-US" dirty="0"/>
+                </a:br>
+                <a:r>
+                  <a:rPr lang="ja-JP" altLang="en-US" dirty="0"/>
+                  <a:t>　</a:t>
+                </a:r>
+                <a14:m>
+                  <m:oMath xmlns:m="http://schemas.openxmlformats.org/officeDocument/2006/math">
+                    <m:r>
+                      <a:rPr lang="ja-JP" altLang="en-US" i="1">
+                        <a:latin typeface="Cambria Math" panose="02040503050406030204" pitchFamily="18" charset="0"/>
+                      </a:rPr>
+                      <m:t>∀</m:t>
+                    </m:r>
+                    <m:r>
+                      <a:rPr lang="en-US" altLang="ja-JP" i="1">
+                        <a:latin typeface="Cambria Math" panose="02040503050406030204" pitchFamily="18" charset="0"/>
+                      </a:rPr>
+                      <m:t>𝑎</m:t>
+                    </m:r>
+                    <m:r>
+                      <a:rPr lang="en-US" altLang="ja-JP" i="1">
+                        <a:latin typeface="Cambria Math" panose="02040503050406030204" pitchFamily="18" charset="0"/>
+                      </a:rPr>
+                      <m:t>,</m:t>
+                    </m:r>
+                    <m:r>
+                      <a:rPr lang="ja-JP" altLang="en-US" i="1">
+                        <a:latin typeface="Cambria Math" panose="02040503050406030204" pitchFamily="18" charset="0"/>
+                      </a:rPr>
+                      <m:t>∀</m:t>
+                    </m:r>
+                    <m:r>
+                      <a:rPr lang="en-US" altLang="ja-JP" i="1">
+                        <a:latin typeface="Cambria Math" panose="02040503050406030204" pitchFamily="18" charset="0"/>
+                      </a:rPr>
+                      <m:t>𝑏</m:t>
+                    </m:r>
+                    <m:r>
+                      <a:rPr lang="en-US" altLang="ja-JP" i="1">
+                        <a:latin typeface="Cambria Math" panose="02040503050406030204" pitchFamily="18" charset="0"/>
+                      </a:rPr>
+                      <m:t>,</m:t>
+                    </m:r>
+                    <m:r>
+                      <a:rPr lang="ja-JP" altLang="en-US" i="1">
+                        <a:latin typeface="Cambria Math" panose="02040503050406030204" pitchFamily="18" charset="0"/>
+                      </a:rPr>
+                      <m:t>∀</m:t>
+                    </m:r>
+                    <m:r>
+                      <a:rPr lang="en-US" altLang="ja-JP" i="1">
+                        <a:latin typeface="Cambria Math" panose="02040503050406030204" pitchFamily="18" charset="0"/>
+                      </a:rPr>
+                      <m:t>𝑐</m:t>
+                    </m:r>
+                    <m:r>
+                      <a:rPr lang="en-US" altLang="ja-JP" i="1">
+                        <a:latin typeface="Cambria Math" panose="02040503050406030204" pitchFamily="18" charset="0"/>
+                        <a:ea typeface="Cambria Math" panose="02040503050406030204" pitchFamily="18" charset="0"/>
+                      </a:rPr>
+                      <m:t>∈</m:t>
+                    </m:r>
+                    <m:r>
+                      <a:rPr lang="en-US" altLang="ja-JP" i="1">
+                        <a:latin typeface="Cambria Math" panose="02040503050406030204" pitchFamily="18" charset="0"/>
+                        <a:ea typeface="Cambria Math" panose="02040503050406030204" pitchFamily="18" charset="0"/>
+                      </a:rPr>
+                      <m:t>𝐺</m:t>
+                    </m:r>
+                    <m:r>
+                      <a:rPr lang="en-US" altLang="ja-JP" i="1">
+                        <a:latin typeface="Cambria Math" panose="02040503050406030204" pitchFamily="18" charset="0"/>
+                        <a:ea typeface="Cambria Math" panose="02040503050406030204" pitchFamily="18" charset="0"/>
+                      </a:rPr>
+                      <m:t>, </m:t>
+                    </m:r>
+                    <m:r>
+                      <a:rPr lang="en-US" altLang="ja-JP" i="1">
+                        <a:latin typeface="Cambria Math" panose="02040503050406030204" pitchFamily="18" charset="0"/>
+                        <a:ea typeface="Cambria Math" panose="02040503050406030204" pitchFamily="18" charset="0"/>
+                      </a:rPr>
+                      <m:t>𝑎</m:t>
+                    </m:r>
+                    <m:r>
+                      <a:rPr lang="en-US" altLang="ja-JP" i="1">
+                        <a:latin typeface="Cambria Math" panose="02040503050406030204" pitchFamily="18" charset="0"/>
+                        <a:ea typeface="Cambria Math" panose="02040503050406030204" pitchFamily="18" charset="0"/>
+                      </a:rPr>
+                      <m:t>∙</m:t>
+                    </m:r>
+                    <m:d>
+                      <m:dPr>
+                        <m:ctrlPr>
+                          <a:rPr lang="en-US" altLang="ja-JP" i="1">
+                            <a:latin typeface="Cambria Math" panose="02040503050406030204" pitchFamily="18" charset="0"/>
+                            <a:ea typeface="Cambria Math" panose="02040503050406030204" pitchFamily="18" charset="0"/>
+                          </a:rPr>
+                        </m:ctrlPr>
+                      </m:dPr>
+                      <m:e>
+                        <m:r>
+                          <a:rPr lang="en-US" altLang="ja-JP" i="1">
+                            <a:latin typeface="Cambria Math" panose="02040503050406030204" pitchFamily="18" charset="0"/>
+                            <a:ea typeface="Cambria Math" panose="02040503050406030204" pitchFamily="18" charset="0"/>
+                          </a:rPr>
+                          <m:t>𝑏</m:t>
+                        </m:r>
+                        <m:r>
+                          <a:rPr lang="en-US" altLang="ja-JP" i="1">
+                            <a:latin typeface="Cambria Math" panose="02040503050406030204" pitchFamily="18" charset="0"/>
+                            <a:ea typeface="Cambria Math" panose="02040503050406030204" pitchFamily="18" charset="0"/>
+                          </a:rPr>
+                          <m:t>∙</m:t>
+                        </m:r>
+                        <m:r>
+                          <a:rPr lang="en-US" altLang="ja-JP" i="1">
+                            <a:latin typeface="Cambria Math" panose="02040503050406030204" pitchFamily="18" charset="0"/>
+                            <a:ea typeface="Cambria Math" panose="02040503050406030204" pitchFamily="18" charset="0"/>
+                          </a:rPr>
+                          <m:t>𝑐</m:t>
+                        </m:r>
+                      </m:e>
+                    </m:d>
+                    <m:r>
+                      <a:rPr lang="en-US" altLang="ja-JP" i="1">
+                        <a:latin typeface="Cambria Math" panose="02040503050406030204" pitchFamily="18" charset="0"/>
+                        <a:ea typeface="Cambria Math" panose="02040503050406030204" pitchFamily="18" charset="0"/>
+                      </a:rPr>
+                      <m:t>=</m:t>
+                    </m:r>
+                    <m:d>
+                      <m:dPr>
+                        <m:ctrlPr>
+                          <a:rPr lang="en-US" altLang="ja-JP" i="1">
+                            <a:latin typeface="Cambria Math" panose="02040503050406030204" pitchFamily="18" charset="0"/>
+                            <a:ea typeface="Cambria Math" panose="02040503050406030204" pitchFamily="18" charset="0"/>
+                          </a:rPr>
+                        </m:ctrlPr>
+                      </m:dPr>
+                      <m:e>
+                        <m:r>
+                          <a:rPr lang="en-US" altLang="ja-JP" i="1">
+                            <a:latin typeface="Cambria Math" panose="02040503050406030204" pitchFamily="18" charset="0"/>
+                            <a:ea typeface="Cambria Math" panose="02040503050406030204" pitchFamily="18" charset="0"/>
+                          </a:rPr>
+                          <m:t>𝑎</m:t>
+                        </m:r>
+                        <m:r>
+                          <a:rPr lang="en-US" altLang="ja-JP" i="1">
+                            <a:latin typeface="Cambria Math" panose="02040503050406030204" pitchFamily="18" charset="0"/>
+                            <a:ea typeface="Cambria Math" panose="02040503050406030204" pitchFamily="18" charset="0"/>
+                          </a:rPr>
+                          <m:t>∙</m:t>
+                        </m:r>
+                        <m:r>
+                          <a:rPr lang="en-US" altLang="ja-JP" i="1">
+                            <a:latin typeface="Cambria Math" panose="02040503050406030204" pitchFamily="18" charset="0"/>
+                            <a:ea typeface="Cambria Math" panose="02040503050406030204" pitchFamily="18" charset="0"/>
+                          </a:rPr>
+                          <m:t>𝑏</m:t>
+                        </m:r>
+                      </m:e>
+                    </m:d>
+                    <m:r>
+                      <a:rPr lang="en-US" altLang="ja-JP" i="1">
+                        <a:latin typeface="Cambria Math" panose="02040503050406030204" pitchFamily="18" charset="0"/>
+                        <a:ea typeface="Cambria Math" panose="02040503050406030204" pitchFamily="18" charset="0"/>
+                      </a:rPr>
+                      <m:t>∙</m:t>
+                    </m:r>
+                    <m:r>
+                      <a:rPr lang="en-US" altLang="ja-JP" i="1">
+                        <a:latin typeface="Cambria Math" panose="02040503050406030204" pitchFamily="18" charset="0"/>
+                        <a:ea typeface="Cambria Math" panose="02040503050406030204" pitchFamily="18" charset="0"/>
+                      </a:rPr>
+                      <m:t>𝑐</m:t>
+                    </m:r>
+                  </m:oMath>
+                </a14:m>
+                <a:br>
+                  <a:rPr lang="en-US" altLang="ja-JP" dirty="0">
+                    <a:ea typeface="Cambria Math" panose="02040503050406030204" pitchFamily="18" charset="0"/>
+                  </a:rPr>
+                </a:br>
+                <a:endParaRPr lang="en-US" altLang="ja-JP" dirty="0">
+                  <a:ea typeface="Cambria Math" panose="02040503050406030204" pitchFamily="18" charset="0"/>
+                </a:endParaRPr>
+              </a:p>
+              <a:p>
+                <a:pPr>
+                  <a:buFont typeface="Arial"/>
+                  <a:buAutoNum type="arabicPeriod"/>
+                </a:pPr>
+                <a:r>
+                  <a:rPr lang="ja-JP" altLang="en-US" dirty="0"/>
+                  <a:t>単位元</a:t>
+                </a:r>
+                <a:r>
+                  <a:rPr lang="ja-JP" altLang="en-US"/>
+                  <a:t>の存在</a:t>
+                </a:r>
+                <a:r>
+                  <a:rPr lang="en-US" altLang="ja-JP" dirty="0"/>
+                  <a:t> </a:t>
+                </a:r>
+                <a:r>
+                  <a:rPr lang="en-US" altLang="ja-JP" sz="2000" i="1" dirty="0">
+                    <a:solidFill>
+                      <a:schemeClr val="tx1">
+                        <a:lumMod val="50000"/>
+                        <a:lumOff val="50000"/>
+                      </a:schemeClr>
+                    </a:solidFill>
+                    <a:latin typeface="Times New Roman" panose="02020603050405020304" pitchFamily="18" charset="0"/>
+                    <a:cs typeface="Times New Roman" panose="02020603050405020304" pitchFamily="18" charset="0"/>
+                  </a:rPr>
+                  <a:t>identity element</a:t>
+                </a:r>
+                <a:br>
+                  <a:rPr lang="en-US" altLang="ja-JP" dirty="0"/>
+                </a:br>
+                <a:r>
+                  <a:rPr lang="ja-JP" altLang="en-US" dirty="0"/>
+                  <a:t>　</a:t>
+                </a:r>
+                <a14:m>
+                  <m:oMath xmlns:m="http://schemas.openxmlformats.org/officeDocument/2006/math">
+                    <m:r>
+                      <a:rPr lang="en-US" altLang="ja-JP" i="1">
+                        <a:latin typeface="Cambria Math" panose="02040503050406030204" pitchFamily="18" charset="0"/>
+                        <a:ea typeface="Cambria Math" panose="02040503050406030204" pitchFamily="18" charset="0"/>
+                      </a:rPr>
+                      <m:t>∃</m:t>
+                    </m:r>
+                    <m:r>
+                      <a:rPr lang="en-US" altLang="ja-JP" i="1">
+                        <a:latin typeface="Cambria Math" panose="02040503050406030204" pitchFamily="18" charset="0"/>
+                        <a:ea typeface="Cambria Math" panose="02040503050406030204" pitchFamily="18" charset="0"/>
+                      </a:rPr>
+                      <m:t>𝑒</m:t>
+                    </m:r>
+                    <m:r>
+                      <a:rPr lang="en-US" altLang="ja-JP" i="1">
+                        <a:latin typeface="Cambria Math" panose="02040503050406030204" pitchFamily="18" charset="0"/>
+                        <a:ea typeface="Cambria Math" panose="02040503050406030204" pitchFamily="18" charset="0"/>
+                      </a:rPr>
+                      <m:t>∈</m:t>
+                    </m:r>
+                    <m:r>
+                      <a:rPr lang="en-US" altLang="ja-JP" i="1">
+                        <a:latin typeface="Cambria Math" panose="02040503050406030204" pitchFamily="18" charset="0"/>
+                        <a:ea typeface="Cambria Math" panose="02040503050406030204" pitchFamily="18" charset="0"/>
+                      </a:rPr>
+                      <m:t>𝐺</m:t>
+                    </m:r>
+                    <m:r>
+                      <a:rPr lang="en-US" altLang="ja-JP" i="1">
+                        <a:latin typeface="Cambria Math" panose="02040503050406030204" pitchFamily="18" charset="0"/>
+                        <a:ea typeface="Cambria Math" panose="02040503050406030204" pitchFamily="18" charset="0"/>
+                      </a:rPr>
+                      <m:t>, </m:t>
+                    </m:r>
+                    <m:r>
+                      <a:rPr lang="ja-JP" altLang="en-US" i="1">
+                        <a:latin typeface="Cambria Math" panose="02040503050406030204" pitchFamily="18" charset="0"/>
+                      </a:rPr>
+                      <m:t>∀</m:t>
+                    </m:r>
+                    <m:r>
+                      <a:rPr lang="en-US" altLang="ja-JP" i="1">
+                        <a:latin typeface="Cambria Math" panose="02040503050406030204" pitchFamily="18" charset="0"/>
+                        <a:ea typeface="Cambria Math" panose="02040503050406030204" pitchFamily="18" charset="0"/>
+                      </a:rPr>
+                      <m:t>𝑎</m:t>
+                    </m:r>
+                    <m:r>
+                      <a:rPr lang="en-US" altLang="ja-JP" i="1">
+                        <a:latin typeface="Cambria Math" panose="02040503050406030204" pitchFamily="18" charset="0"/>
+                        <a:ea typeface="Cambria Math" panose="02040503050406030204" pitchFamily="18" charset="0"/>
+                      </a:rPr>
+                      <m:t>∈</m:t>
+                    </m:r>
+                    <m:r>
+                      <a:rPr lang="en-US" altLang="ja-JP" i="1">
+                        <a:latin typeface="Cambria Math" panose="02040503050406030204" pitchFamily="18" charset="0"/>
+                        <a:ea typeface="Cambria Math" panose="02040503050406030204" pitchFamily="18" charset="0"/>
+                      </a:rPr>
+                      <m:t>𝐺</m:t>
+                    </m:r>
+                    <m:r>
+                      <a:rPr lang="en-US" altLang="ja-JP" i="1">
+                        <a:latin typeface="Cambria Math" panose="02040503050406030204" pitchFamily="18" charset="0"/>
+                        <a:ea typeface="Cambria Math" panose="02040503050406030204" pitchFamily="18" charset="0"/>
+                      </a:rPr>
+                      <m:t>, </m:t>
+                    </m:r>
+                    <m:r>
+                      <a:rPr lang="en-US" altLang="ja-JP" i="1">
+                        <a:latin typeface="Cambria Math" panose="02040503050406030204" pitchFamily="18" charset="0"/>
+                        <a:ea typeface="Cambria Math" panose="02040503050406030204" pitchFamily="18" charset="0"/>
+                      </a:rPr>
+                      <m:t>𝑎</m:t>
+                    </m:r>
+                    <m:r>
+                      <a:rPr lang="en-US" altLang="ja-JP" i="1">
+                        <a:latin typeface="Cambria Math" panose="02040503050406030204" pitchFamily="18" charset="0"/>
+                        <a:ea typeface="Cambria Math" panose="02040503050406030204" pitchFamily="18" charset="0"/>
+                      </a:rPr>
+                      <m:t>∙</m:t>
+                    </m:r>
+                    <m:r>
+                      <a:rPr lang="en-US" altLang="ja-JP" i="1">
+                        <a:latin typeface="Cambria Math" panose="02040503050406030204" pitchFamily="18" charset="0"/>
+                        <a:ea typeface="Cambria Math" panose="02040503050406030204" pitchFamily="18" charset="0"/>
+                      </a:rPr>
+                      <m:t>𝑒</m:t>
+                    </m:r>
+                    <m:r>
+                      <a:rPr lang="en-US" altLang="ja-JP" i="1">
+                        <a:latin typeface="Cambria Math" panose="02040503050406030204" pitchFamily="18" charset="0"/>
+                        <a:ea typeface="Cambria Math" panose="02040503050406030204" pitchFamily="18" charset="0"/>
+                      </a:rPr>
+                      <m:t>=</m:t>
+                    </m:r>
+                    <m:r>
+                      <a:rPr lang="en-US" altLang="ja-JP" i="1">
+                        <a:latin typeface="Cambria Math" panose="02040503050406030204" pitchFamily="18" charset="0"/>
+                        <a:ea typeface="Cambria Math" panose="02040503050406030204" pitchFamily="18" charset="0"/>
+                      </a:rPr>
+                      <m:t>𝑒</m:t>
+                    </m:r>
+                    <m:r>
+                      <a:rPr lang="en-US" altLang="ja-JP" i="1">
+                        <a:latin typeface="Cambria Math" panose="02040503050406030204" pitchFamily="18" charset="0"/>
+                        <a:ea typeface="Cambria Math" panose="02040503050406030204" pitchFamily="18" charset="0"/>
+                      </a:rPr>
+                      <m:t>∙</m:t>
+                    </m:r>
+                    <m:r>
+                      <a:rPr lang="en-US" altLang="ja-JP" i="1">
+                        <a:latin typeface="Cambria Math" panose="02040503050406030204" pitchFamily="18" charset="0"/>
+                        <a:ea typeface="Cambria Math" panose="02040503050406030204" pitchFamily="18" charset="0"/>
+                      </a:rPr>
+                      <m:t>𝑎</m:t>
+                    </m:r>
+                    <m:r>
+                      <a:rPr lang="en-US" altLang="ja-JP" i="1">
+                        <a:latin typeface="Cambria Math" panose="02040503050406030204" pitchFamily="18" charset="0"/>
+                        <a:ea typeface="Cambria Math" panose="02040503050406030204" pitchFamily="18" charset="0"/>
+                      </a:rPr>
+                      <m:t>=</m:t>
+                    </m:r>
+                    <m:r>
+                      <a:rPr lang="en-US" altLang="ja-JP" i="1">
+                        <a:latin typeface="Cambria Math" panose="02040503050406030204" pitchFamily="18" charset="0"/>
+                        <a:ea typeface="Cambria Math" panose="02040503050406030204" pitchFamily="18" charset="0"/>
+                      </a:rPr>
+                      <m:t>𝑎</m:t>
+                    </m:r>
+                  </m:oMath>
+                </a14:m>
+                <a:br>
+                  <a:rPr lang="ja-JP" altLang="en-US"/>
+                </a:br>
+                <a:endParaRPr lang="fr-CA" altLang="ja-JP" dirty="0"/>
+              </a:p>
+              <a:p>
+                <a:pPr>
+                  <a:spcBef>
+                    <a:spcPts val="0"/>
+                  </a:spcBef>
+                  <a:buFont typeface="Arial"/>
+                  <a:buAutoNum type="arabicPeriod"/>
+                </a:pPr>
+                <a:r>
+                  <a:rPr lang="ja-JP" altLang="en-US" dirty="0"/>
+                  <a:t>逆元</a:t>
+                </a:r>
+                <a:r>
+                  <a:rPr lang="ja-JP" altLang="en-US"/>
+                  <a:t>の存在</a:t>
+                </a:r>
+                <a:r>
+                  <a:rPr lang="en-US" altLang="ja-JP" dirty="0"/>
+                  <a:t> </a:t>
+                </a:r>
+                <a:r>
+                  <a:rPr lang="en-US" altLang="ja-JP" sz="2000" i="1" dirty="0">
+                    <a:solidFill>
+                      <a:schemeClr val="tx1">
+                        <a:lumMod val="50000"/>
+                        <a:lumOff val="50000"/>
+                      </a:schemeClr>
+                    </a:solidFill>
+                    <a:latin typeface="Times New Roman" panose="02020603050405020304" pitchFamily="18" charset="0"/>
+                    <a:cs typeface="Times New Roman" panose="02020603050405020304" pitchFamily="18" charset="0"/>
+                  </a:rPr>
+                  <a:t>inverse element</a:t>
+                </a:r>
+                <a:br>
+                  <a:rPr lang="en-US" altLang="ja-JP" dirty="0"/>
+                </a:br>
+                <a:r>
+                  <a:rPr lang="ja-JP" altLang="en-US" dirty="0"/>
+                  <a:t>　</a:t>
+                </a:r>
+                <a14:m>
+                  <m:oMath xmlns:m="http://schemas.openxmlformats.org/officeDocument/2006/math">
+                    <m:r>
+                      <a:rPr lang="ja-JP" altLang="en-US" i="1">
+                        <a:latin typeface="Cambria Math" panose="02040503050406030204" pitchFamily="18" charset="0"/>
+                      </a:rPr>
+                      <m:t>∀</m:t>
+                    </m:r>
+                    <m:r>
+                      <a:rPr lang="en-US" altLang="ja-JP" i="1">
+                        <a:latin typeface="Cambria Math" panose="02040503050406030204" pitchFamily="18" charset="0"/>
+                      </a:rPr>
+                      <m:t>𝑎</m:t>
+                    </m:r>
+                    <m:r>
+                      <a:rPr lang="en-US" altLang="ja-JP" i="1">
+                        <a:latin typeface="Cambria Math" panose="02040503050406030204" pitchFamily="18" charset="0"/>
+                        <a:ea typeface="Cambria Math" panose="02040503050406030204" pitchFamily="18" charset="0"/>
+                      </a:rPr>
+                      <m:t>∈</m:t>
+                    </m:r>
+                    <m:r>
+                      <a:rPr lang="en-US" altLang="ja-JP" i="1">
+                        <a:latin typeface="Cambria Math" panose="02040503050406030204" pitchFamily="18" charset="0"/>
+                        <a:ea typeface="Cambria Math" panose="02040503050406030204" pitchFamily="18" charset="0"/>
+                      </a:rPr>
+                      <m:t>𝐺</m:t>
+                    </m:r>
+                    <m:r>
+                      <a:rPr lang="en-US" altLang="ja-JP" i="1">
+                        <a:latin typeface="Cambria Math" panose="02040503050406030204" pitchFamily="18" charset="0"/>
+                        <a:ea typeface="Cambria Math" panose="02040503050406030204" pitchFamily="18" charset="0"/>
+                      </a:rPr>
+                      <m:t>,∃</m:t>
+                    </m:r>
+                    <m:sSup>
+                      <m:sSupPr>
+                        <m:ctrlPr>
+                          <a:rPr lang="en-US" altLang="ja-JP" i="1">
+                            <a:latin typeface="Cambria Math" panose="02040503050406030204" pitchFamily="18" charset="0"/>
+                            <a:ea typeface="Cambria Math" panose="02040503050406030204" pitchFamily="18" charset="0"/>
+                          </a:rPr>
+                        </m:ctrlPr>
+                      </m:sSupPr>
+                      <m:e>
+                        <m:r>
+                          <a:rPr lang="en-US" altLang="ja-JP" i="1">
+                            <a:latin typeface="Cambria Math" panose="02040503050406030204" pitchFamily="18" charset="0"/>
+                            <a:ea typeface="Cambria Math" panose="02040503050406030204" pitchFamily="18" charset="0"/>
+                          </a:rPr>
+                          <m:t>𝑎</m:t>
+                        </m:r>
+                      </m:e>
+                      <m:sup>
+                        <m:r>
+                          <a:rPr lang="en-US" altLang="ja-JP" i="1">
+                            <a:latin typeface="Cambria Math" panose="02040503050406030204" pitchFamily="18" charset="0"/>
+                            <a:ea typeface="Cambria Math" panose="02040503050406030204" pitchFamily="18" charset="0"/>
+                          </a:rPr>
+                          <m:t>−1</m:t>
+                        </m:r>
+                      </m:sup>
+                    </m:sSup>
+                    <m:r>
+                      <a:rPr lang="en-US" altLang="ja-JP" i="1">
+                        <a:latin typeface="Cambria Math" panose="02040503050406030204" pitchFamily="18" charset="0"/>
+                        <a:ea typeface="Cambria Math" panose="02040503050406030204" pitchFamily="18" charset="0"/>
+                      </a:rPr>
+                      <m:t>∈</m:t>
+                    </m:r>
+                    <m:r>
+                      <a:rPr lang="en-US" altLang="ja-JP" i="1">
+                        <a:latin typeface="Cambria Math" panose="02040503050406030204" pitchFamily="18" charset="0"/>
+                        <a:ea typeface="Cambria Math" panose="02040503050406030204" pitchFamily="18" charset="0"/>
+                      </a:rPr>
+                      <m:t>𝐺</m:t>
+                    </m:r>
+                    <m:r>
+                      <a:rPr lang="en-US" altLang="ja-JP" i="1">
+                        <a:latin typeface="Cambria Math" panose="02040503050406030204" pitchFamily="18" charset="0"/>
+                        <a:ea typeface="Cambria Math" panose="02040503050406030204" pitchFamily="18" charset="0"/>
+                      </a:rPr>
+                      <m:t>,</m:t>
+                    </m:r>
+                    <m:r>
+                      <a:rPr lang="en-US" altLang="ja-JP" i="1">
+                        <a:latin typeface="Cambria Math" panose="02040503050406030204" pitchFamily="18" charset="0"/>
+                        <a:ea typeface="Cambria Math" panose="02040503050406030204" pitchFamily="18" charset="0"/>
+                      </a:rPr>
+                      <m:t>𝑎</m:t>
+                    </m:r>
+                    <m:r>
+                      <a:rPr lang="en-US" altLang="ja-JP" i="1">
+                        <a:latin typeface="Cambria Math" panose="02040503050406030204" pitchFamily="18" charset="0"/>
+                        <a:ea typeface="Cambria Math" panose="02040503050406030204" pitchFamily="18" charset="0"/>
+                      </a:rPr>
+                      <m:t>∙</m:t>
+                    </m:r>
+                    <m:sSup>
+                      <m:sSupPr>
+                        <m:ctrlPr>
+                          <a:rPr lang="en-US" altLang="ja-JP" i="1">
+                            <a:latin typeface="Cambria Math" panose="02040503050406030204" pitchFamily="18" charset="0"/>
+                            <a:ea typeface="Cambria Math" panose="02040503050406030204" pitchFamily="18" charset="0"/>
+                          </a:rPr>
+                        </m:ctrlPr>
+                      </m:sSupPr>
+                      <m:e>
+                        <m:r>
+                          <a:rPr lang="en-US" altLang="ja-JP" i="1">
+                            <a:latin typeface="Cambria Math" panose="02040503050406030204" pitchFamily="18" charset="0"/>
+                            <a:ea typeface="Cambria Math" panose="02040503050406030204" pitchFamily="18" charset="0"/>
+                          </a:rPr>
+                          <m:t>𝑎</m:t>
+                        </m:r>
+                      </m:e>
+                      <m:sup>
+                        <m:r>
+                          <a:rPr lang="en-US" altLang="ja-JP" i="1">
+                            <a:latin typeface="Cambria Math" panose="02040503050406030204" pitchFamily="18" charset="0"/>
+                            <a:ea typeface="Cambria Math" panose="02040503050406030204" pitchFamily="18" charset="0"/>
+                          </a:rPr>
+                          <m:t>−1</m:t>
+                        </m:r>
+                      </m:sup>
+                    </m:sSup>
+                    <m:r>
+                      <a:rPr lang="en-US" altLang="ja-JP" i="1">
+                        <a:latin typeface="Cambria Math" panose="02040503050406030204" pitchFamily="18" charset="0"/>
+                        <a:ea typeface="Cambria Math" panose="02040503050406030204" pitchFamily="18" charset="0"/>
+                      </a:rPr>
+                      <m:t>=</m:t>
+                    </m:r>
+                    <m:sSup>
+                      <m:sSupPr>
+                        <m:ctrlPr>
+                          <a:rPr lang="en-US" altLang="ja-JP" i="1">
+                            <a:latin typeface="Cambria Math" panose="02040503050406030204" pitchFamily="18" charset="0"/>
+                            <a:ea typeface="Cambria Math" panose="02040503050406030204" pitchFamily="18" charset="0"/>
+                          </a:rPr>
+                        </m:ctrlPr>
+                      </m:sSupPr>
+                      <m:e>
+                        <m:r>
+                          <a:rPr lang="en-US" altLang="ja-JP" i="1">
+                            <a:latin typeface="Cambria Math" panose="02040503050406030204" pitchFamily="18" charset="0"/>
+                            <a:ea typeface="Cambria Math" panose="02040503050406030204" pitchFamily="18" charset="0"/>
+                          </a:rPr>
+                          <m:t>𝑎</m:t>
+                        </m:r>
+                      </m:e>
+                      <m:sup>
+                        <m:r>
+                          <a:rPr lang="en-US" altLang="ja-JP" i="1">
+                            <a:latin typeface="Cambria Math" panose="02040503050406030204" pitchFamily="18" charset="0"/>
+                            <a:ea typeface="Cambria Math" panose="02040503050406030204" pitchFamily="18" charset="0"/>
+                          </a:rPr>
+                          <m:t>−1</m:t>
+                        </m:r>
+                      </m:sup>
+                    </m:sSup>
+                    <m:r>
+                      <a:rPr lang="en-US" altLang="ja-JP" i="1">
+                        <a:latin typeface="Cambria Math" panose="02040503050406030204" pitchFamily="18" charset="0"/>
+                        <a:ea typeface="Cambria Math" panose="02040503050406030204" pitchFamily="18" charset="0"/>
+                      </a:rPr>
+                      <m:t>∙</m:t>
+                    </m:r>
+                    <m:r>
+                      <a:rPr lang="en-US" altLang="ja-JP" i="1">
+                        <a:latin typeface="Cambria Math" panose="02040503050406030204" pitchFamily="18" charset="0"/>
+                        <a:ea typeface="Cambria Math" panose="02040503050406030204" pitchFamily="18" charset="0"/>
+                      </a:rPr>
+                      <m:t>𝑎</m:t>
+                    </m:r>
+                    <m:r>
+                      <a:rPr lang="en-US" altLang="ja-JP" i="1">
+                        <a:latin typeface="Cambria Math" panose="02040503050406030204" pitchFamily="18" charset="0"/>
+                        <a:ea typeface="Cambria Math" panose="02040503050406030204" pitchFamily="18" charset="0"/>
+                      </a:rPr>
+                      <m:t>=</m:t>
+                    </m:r>
+                    <m:r>
+                      <a:rPr lang="en-US" altLang="ja-JP" i="1">
+                        <a:latin typeface="Cambria Math" panose="02040503050406030204" pitchFamily="18" charset="0"/>
+                        <a:ea typeface="Cambria Math" panose="02040503050406030204" pitchFamily="18" charset="0"/>
+                      </a:rPr>
+                      <m:t>𝑒</m:t>
+                    </m:r>
+                  </m:oMath>
+                </a14:m>
+                <a:br>
+                  <a:rPr lang="en-US" altLang="ja-JP" dirty="0">
+                    <a:ea typeface="Cambria Math" panose="02040503050406030204" pitchFamily="18" charset="0"/>
+                  </a:rPr>
+                </a:br>
+                <a:endParaRPr lang="ja-JP" altLang="en-US"/>
+              </a:p>
+            </p:txBody>
+          </p:sp>
+        </mc:Choice>
+        <mc:Fallback>
+          <p:sp>
+            <p:nvSpPr>
+              <p:cNvPr id="3" name="コンテンツ プレースホルダー 2">
+                <a:extLst>
+                  <a:ext uri="{FF2B5EF4-FFF2-40B4-BE49-F238E27FC236}">
+                    <a16:creationId xmlns:a16="http://schemas.microsoft.com/office/drawing/2014/main" id="{3DC394E8-B340-1042-958B-08B9A42809D5}"/>
+                  </a:ext>
+                </a:extLst>
+              </p:cNvPr>
+              <p:cNvSpPr>
+                <a:spLocks noGrp="1" noRot="1" noChangeAspect="1" noMove="1" noResize="1" noEditPoints="1" noAdjustHandles="1" noChangeArrowheads="1" noChangeShapeType="1" noTextEdit="1"/>
+              </p:cNvSpPr>
+              <p:nvPr>
+                <p:ph idx="1"/>
+              </p:nvPr>
+            </p:nvSpPr>
+            <p:spPr>
+              <a:xfrm>
+                <a:off x="838200" y="1342663"/>
+                <a:ext cx="10515600" cy="5031069"/>
+              </a:xfrm>
+              <a:blipFill>
+                <a:blip r:embed="rId2"/>
+                <a:stretch>
+                  <a:fillRect l="-1206" t="-2519"/>
+                </a:stretch>
+              </a:blipFill>
+            </p:spPr>
+            <p:txBody>
+              <a:bodyPr/>
+              <a:lstStyle/>
+              <a:p>
+                <a:r>
+                  <a:rPr lang="ja-JP" altLang="en-US">
+                    <a:noFill/>
+                  </a:rPr>
+                  <a:t> </a:t>
+                </a:r>
+              </a:p>
+            </p:txBody>
+          </p:sp>
+        </mc:Fallback>
+      </mc:AlternateContent>
+    </p:spTree>
+    <p:extLst>
+      <p:ext uri="{BB962C8B-B14F-4D97-AF65-F5344CB8AC3E}">
+        <p14:creationId xmlns:p14="http://schemas.microsoft.com/office/powerpoint/2010/main" val="358005465"/>
+      </p:ext>
+    </p:extLst>
+  </p:cSld>
+  <p:clrMapOvr>
+    <a:masterClrMapping/>
+  </p:clrMapOvr>
+</p:sld>
+</file>
+
+<file path=ppt/slides/slide12.xml><?xml version="1.0" encoding="utf-8"?>
+<p:sld xmlns:a="http://schemas.openxmlformats.org/drawingml/2006/main" xmlns:r="http://schemas.openxmlformats.org/officeDocument/2006/relationships" xmlns:p="http://schemas.openxmlformats.org/presentationml/2006/main">
+  <p:cSld>
+    <p:spTree>
+      <p:nvGrpSpPr>
+        <p:cNvPr id="1" name=""/>
+        <p:cNvGrpSpPr/>
+        <p:nvPr/>
+      </p:nvGrpSpPr>
+      <p:grpSpPr>
+        <a:xfrm>
+          <a:off x="0" y="0"/>
+          <a:ext cx="0" cy="0"/>
+          <a:chOff x="0" y="0"/>
+          <a:chExt cx="0" cy="0"/>
+        </a:xfrm>
+      </p:grpSpPr>
+      <p:sp>
+        <p:nvSpPr>
+          <p:cNvPr id="2" name="タイトル 1">
+            <a:extLst>
+              <a:ext uri="{FF2B5EF4-FFF2-40B4-BE49-F238E27FC236}">
+                <a16:creationId xmlns:a16="http://schemas.microsoft.com/office/drawing/2014/main" id="{6DBA5FD9-9B4F-4D47-9C0F-FF8B36B50FF8}"/>
+              </a:ext>
+            </a:extLst>
+          </p:cNvPr>
+          <p:cNvSpPr>
+            <a:spLocks noGrp="1"/>
+          </p:cNvSpPr>
+          <p:nvPr>
+            <p:ph type="title"/>
+          </p:nvPr>
+        </p:nvSpPr>
+        <p:spPr/>
+        <p:txBody>
+          <a:bodyPr/>
+          <a:lstStyle/>
+          <a:p>
+            <a:r>
+              <a:rPr lang="ja-JP" altLang="en-US"/>
+              <a:t>群の派生</a:t>
+            </a:r>
+            <a:endParaRPr kumimoji="1" lang="ja-JP" altLang="en-US"/>
           </a:p>
         </p:txBody>
       </p:sp>
@@ -3858,7 +5482,7 @@
           <p:cNvPr id="3" name="コンテンツ プレースホルダー 2">
             <a:extLst>
               <a:ext uri="{FF2B5EF4-FFF2-40B4-BE49-F238E27FC236}">
-                <a16:creationId xmlns:a16="http://schemas.microsoft.com/office/drawing/2014/main" id="{92779A27-F4BD-6745-95A9-803705D2D3BC}"/>
+                <a16:creationId xmlns:a16="http://schemas.microsoft.com/office/drawing/2014/main" id="{081F3F6B-8243-714A-8D67-7B135CA53F49}"/>
               </a:ext>
             </a:extLst>
           </p:cNvPr>
@@ -3874,32 +5498,1229 @@
           <a:bodyPr/>
           <a:lstStyle/>
           <a:p>
-            <a:pPr marL="0" indent="0">
-              <a:buNone/>
-            </a:pPr>
-            <a:r>
-              <a:rPr kumimoji="1" lang="en-US" altLang="ja-JP" dirty="0"/>
-              <a:t>O(n)</a:t>
-            </a:r>
-            <a:r>
-              <a:rPr kumimoji="1" lang="ja-JP" altLang="en-US"/>
-              <a:t>：</a:t>
-            </a:r>
-            <a:r>
-              <a:rPr kumimoji="1" lang="en-US" altLang="ja-JP" dirty="0"/>
-              <a:t>n</a:t>
-            </a:r>
-            <a:r>
-              <a:rPr kumimoji="1" lang="ja-JP" altLang="en-US"/>
-              <a:t>次直交行列全体の群</a:t>
-            </a:r>
+            <a:r>
+              <a:rPr lang="ja-JP" altLang="en-US"/>
+              <a:t>（閉包・結合則）半群</a:t>
+            </a:r>
+            <a:endParaRPr lang="en-US" altLang="ja-JP" dirty="0"/>
+          </a:p>
+          <a:p>
+            <a:r>
+              <a:rPr kumimoji="1" lang="ja-JP" altLang="en-US"/>
+              <a:t>（＋単位元）モノイド</a:t>
+            </a:r>
+            <a:endParaRPr kumimoji="1" lang="en-US" altLang="ja-JP" dirty="0"/>
+          </a:p>
+          <a:p>
+            <a:r>
+              <a:rPr lang="ja-JP" altLang="en-US"/>
+              <a:t>（＋逆元）群</a:t>
+            </a:r>
+            <a:endParaRPr lang="en-US" altLang="ja-JP" dirty="0"/>
+          </a:p>
+          <a:p>
+            <a:r>
+              <a:rPr kumimoji="1" lang="ja-JP" altLang="en-US"/>
+              <a:t>（＋可換）アーベル群</a:t>
+            </a:r>
+            <a:endParaRPr kumimoji="1" lang="en-US" altLang="ja-JP" dirty="0"/>
+          </a:p>
+          <a:p>
+            <a:endParaRPr kumimoji="1" lang="en-US" altLang="ja-JP" dirty="0"/>
           </a:p>
         </p:txBody>
       </p:sp>
     </p:spTree>
     <p:extLst>
       <p:ext uri="{BB962C8B-B14F-4D97-AF65-F5344CB8AC3E}">
-        <p14:creationId xmlns:p14="http://schemas.microsoft.com/office/powerpoint/2010/main" val="3587660517"/>
+        <p14:creationId xmlns:p14="http://schemas.microsoft.com/office/powerpoint/2010/main" val="269722544"/>
+      </p:ext>
+    </p:extLst>
+  </p:cSld>
+  <p:clrMapOvr>
+    <a:masterClrMapping/>
+  </p:clrMapOvr>
+</p:sld>
+</file>
+
+<file path=ppt/slides/slide13.xml><?xml version="1.0" encoding="utf-8"?>
+<p:sld xmlns:a="http://schemas.openxmlformats.org/drawingml/2006/main" xmlns:r="http://schemas.openxmlformats.org/officeDocument/2006/relationships" xmlns:p="http://schemas.openxmlformats.org/presentationml/2006/main">
+  <p:cSld>
+    <p:spTree>
+      <p:nvGrpSpPr>
+        <p:cNvPr id="1" name="Shape 351"/>
+        <p:cNvGrpSpPr/>
+        <p:nvPr/>
+      </p:nvGrpSpPr>
+      <p:grpSpPr>
+        <a:xfrm>
+          <a:off x="0" y="0"/>
+          <a:ext cx="0" cy="0"/>
+          <a:chOff x="0" y="0"/>
+          <a:chExt cx="0" cy="0"/>
+        </a:xfrm>
+      </p:grpSpPr>
+      <mc:AlternateContent xmlns:mc="http://schemas.openxmlformats.org/markup-compatibility/2006">
+        <mc:Choice xmlns:a14="http://schemas.microsoft.com/office/drawing/2010/main" Requires="a14">
+          <p:sp>
+            <p:nvSpPr>
+              <p:cNvPr id="352" name="Google Shape;352;p62"/>
+              <p:cNvSpPr txBox="1">
+                <a:spLocks noGrp="1"/>
+              </p:cNvSpPr>
+              <p:nvPr>
+                <p:ph type="body" idx="1"/>
+              </p:nvPr>
+            </p:nvSpPr>
+            <p:spPr>
+              <a:xfrm>
+                <a:off x="838200" y="1825625"/>
+                <a:ext cx="10515600" cy="4351200"/>
+              </a:xfrm>
+              <a:prstGeom prst="rect">
+                <a:avLst/>
+              </a:prstGeom>
+            </p:spPr>
+            <p:txBody>
+              <a:bodyPr spcFirstLastPara="1" vert="horz" wrap="square" lIns="91433" tIns="45700" rIns="91433" bIns="45700" rtlCol="0" anchor="t" anchorCtr="0">
+                <a:noAutofit/>
+              </a:bodyPr>
+              <a:lstStyle/>
+              <a:p>
+                <a:pPr marL="0" indent="0">
+                  <a:buNone/>
+                </a:pPr>
+                <a14:m>
+                  <m:oMath xmlns:m="http://schemas.openxmlformats.org/officeDocument/2006/math">
+                    <m:r>
+                      <m:rPr>
+                        <m:sty m:val="p"/>
+                      </m:rPr>
+                      <a:rPr lang="fr-CA" altLang="ja" sz="2400" smtClean="0">
+                        <a:latin typeface="Cambria Math" panose="02040503050406030204" pitchFamily="18" charset="0"/>
+                      </a:rPr>
+                      <m:t>G</m:t>
+                    </m:r>
+                    <m:r>
+                      <m:rPr>
+                        <m:sty m:val="p"/>
+                      </m:rPr>
+                      <a:rPr lang="en-US" altLang="ja" sz="2400">
+                        <a:latin typeface="Cambria Math" panose="02040503050406030204" pitchFamily="18" charset="0"/>
+                      </a:rPr>
+                      <m:t>L</m:t>
+                    </m:r>
+                    <m:d>
+                      <m:dPr>
+                        <m:ctrlPr>
+                          <a:rPr lang="en-US" altLang="ja" sz="2400" i="1">
+                            <a:latin typeface="Cambria Math" panose="02040503050406030204" pitchFamily="18" charset="0"/>
+                          </a:rPr>
+                        </m:ctrlPr>
+                      </m:dPr>
+                      <m:e>
+                        <m:r>
+                          <m:rPr>
+                            <m:sty m:val="p"/>
+                          </m:rPr>
+                          <a:rPr lang="en-US" altLang="ja" sz="2400">
+                            <a:latin typeface="Cambria Math" panose="02040503050406030204" pitchFamily="18" charset="0"/>
+                          </a:rPr>
+                          <m:t>n</m:t>
+                        </m:r>
+                        <m:r>
+                          <a:rPr lang="en-US" altLang="ja" sz="2400">
+                            <a:latin typeface="Cambria Math" panose="02040503050406030204" pitchFamily="18" charset="0"/>
+                          </a:rPr>
+                          <m:t>;</m:t>
+                        </m:r>
+                        <m:r>
+                          <a:rPr lang="en-US" altLang="ja" sz="2400">
+                            <a:latin typeface="Cambria Math" panose="02040503050406030204" pitchFamily="18" charset="0"/>
+                            <a:ea typeface="Cambria Math" panose="02040503050406030204" pitchFamily="18" charset="0"/>
+                          </a:rPr>
+                          <m:t>ℂ</m:t>
+                        </m:r>
+                      </m:e>
+                    </m:d>
+                  </m:oMath>
+                </a14:m>
+                <a:r>
+                  <a:rPr lang="ja" altLang="fr-CA" sz="2400" dirty="0"/>
+                  <a:t>： </a:t>
+                </a:r>
+                <a:r>
+                  <a:rPr lang="fr-CA" altLang="ja" sz="2400" dirty="0"/>
+                  <a:t>n</a:t>
+                </a:r>
+                <a:r>
+                  <a:rPr lang="ja-JP" altLang="en-US" sz="2400"/>
+                  <a:t>次複素正則行列</a:t>
+                </a:r>
+                <a:r>
+                  <a:rPr lang="ja-JP" altLang="en-US" sz="2400" dirty="0"/>
+                  <a:t>全体</a:t>
+                </a:r>
+                <a:r>
+                  <a:rPr lang="ja-JP" altLang="en-US" sz="2400"/>
+                  <a:t>の集合</a:t>
+                </a:r>
+                <a:endParaRPr lang="en-US" altLang="ja-JP" sz="2400" dirty="0"/>
+              </a:p>
+              <a:p>
+                <a:pPr marL="0" indent="0">
+                  <a:buNone/>
+                </a:pPr>
+                <a:endParaRPr lang="fr-CA" sz="2400" dirty="0"/>
+              </a:p>
+              <a:p>
+                <a:pPr marL="0" indent="0">
+                  <a:buNone/>
+                </a:pPr>
+                <a:r>
+                  <a:rPr lang="en-US" altLang="ja" sz="2400" i="1" dirty="0">
+                    <a:solidFill>
+                      <a:schemeClr val="tx1">
+                        <a:lumMod val="50000"/>
+                        <a:lumOff val="50000"/>
+                      </a:schemeClr>
+                    </a:solidFill>
+                    <a:latin typeface="Times New Roman" panose="02020603050405020304" pitchFamily="18" charset="0"/>
+                    <a:cs typeface="Times New Roman" panose="02020603050405020304" pitchFamily="18" charset="0"/>
+                  </a:rPr>
+                  <a:t>def</a:t>
+                </a:r>
+                <a:r>
+                  <a:rPr lang="en-US" altLang="ja" sz="2400" dirty="0"/>
+                  <a:t>  </a:t>
+                </a:r>
+                <a14:m>
+                  <m:oMath xmlns:m="http://schemas.openxmlformats.org/officeDocument/2006/math">
+                    <m:r>
+                      <a:rPr lang="ja" altLang="en-US" sz="2400" i="1">
+                        <a:latin typeface="Cambria Math" panose="02040503050406030204" pitchFamily="18" charset="0"/>
+                      </a:rPr>
+                      <m:t>∀</m:t>
+                    </m:r>
+                    <m:r>
+                      <m:rPr>
+                        <m:sty m:val="p"/>
+                      </m:rPr>
+                      <a:rPr lang="en-US" altLang="ja" sz="2400" i="0">
+                        <a:latin typeface="Cambria Math" panose="02040503050406030204" pitchFamily="18" charset="0"/>
+                      </a:rPr>
+                      <m:t>A</m:t>
+                    </m:r>
+                    <m:r>
+                      <a:rPr lang="en-US" altLang="ja" sz="2400" i="0">
+                        <a:latin typeface="Cambria Math" panose="02040503050406030204" pitchFamily="18" charset="0"/>
+                      </a:rPr>
+                      <m:t>,</m:t>
+                    </m:r>
+                    <m:r>
+                      <m:rPr>
+                        <m:sty m:val="p"/>
+                      </m:rPr>
+                      <a:rPr lang="en-US" altLang="ja" sz="2400" i="0">
+                        <a:latin typeface="Cambria Math" panose="02040503050406030204" pitchFamily="18" charset="0"/>
+                      </a:rPr>
+                      <m:t>B</m:t>
+                    </m:r>
+                    <m:r>
+                      <a:rPr lang="en-US" altLang="ja" sz="2400" i="1">
+                        <a:latin typeface="Cambria Math" panose="02040503050406030204" pitchFamily="18" charset="0"/>
+                        <a:ea typeface="Cambria Math" panose="02040503050406030204" pitchFamily="18" charset="0"/>
+                      </a:rPr>
+                      <m:t>∈</m:t>
+                    </m:r>
+                    <m:r>
+                      <m:rPr>
+                        <m:sty m:val="p"/>
+                      </m:rPr>
+                      <a:rPr lang="fr-CA" altLang="ja" sz="2400" i="0">
+                        <a:latin typeface="Cambria Math" panose="02040503050406030204" pitchFamily="18" charset="0"/>
+                      </a:rPr>
+                      <m:t>G</m:t>
+                    </m:r>
+                    <m:r>
+                      <m:rPr>
+                        <m:sty m:val="p"/>
+                      </m:rPr>
+                      <a:rPr lang="en-US" altLang="ja" sz="2400" i="0">
+                        <a:latin typeface="Cambria Math" panose="02040503050406030204" pitchFamily="18" charset="0"/>
+                      </a:rPr>
+                      <m:t>L</m:t>
+                    </m:r>
+                    <m:d>
+                      <m:dPr>
+                        <m:ctrlPr>
+                          <a:rPr lang="en-US" altLang="ja" sz="2400">
+                            <a:latin typeface="Cambria Math" panose="02040503050406030204" pitchFamily="18" charset="0"/>
+                          </a:rPr>
+                        </m:ctrlPr>
+                      </m:dPr>
+                      <m:e>
+                        <m:r>
+                          <m:rPr>
+                            <m:sty m:val="p"/>
+                          </m:rPr>
+                          <a:rPr lang="en-US" altLang="ja" sz="2400" i="0">
+                            <a:latin typeface="Cambria Math" panose="02040503050406030204" pitchFamily="18" charset="0"/>
+                          </a:rPr>
+                          <m:t>n</m:t>
+                        </m:r>
+                        <m:r>
+                          <a:rPr lang="en-US" altLang="ja" sz="2400" i="0">
+                            <a:latin typeface="Cambria Math" panose="02040503050406030204" pitchFamily="18" charset="0"/>
+                          </a:rPr>
+                          <m:t>;</m:t>
+                        </m:r>
+                        <m:r>
+                          <a:rPr lang="en-US" altLang="ja" sz="2400" i="0">
+                            <a:latin typeface="Cambria Math" panose="02040503050406030204" pitchFamily="18" charset="0"/>
+                            <a:ea typeface="Cambria Math" panose="02040503050406030204" pitchFamily="18" charset="0"/>
+                          </a:rPr>
+                          <m:t>ℂ</m:t>
+                        </m:r>
+                      </m:e>
+                    </m:d>
+                    <m:r>
+                      <a:rPr lang="en-US" altLang="ja" sz="2400" i="1">
+                        <a:latin typeface="Cambria Math" panose="02040503050406030204" pitchFamily="18" charset="0"/>
+                      </a:rPr>
+                      <m:t>, </m:t>
+                    </m:r>
+                    <m:r>
+                      <m:rPr>
+                        <m:sty m:val="p"/>
+                      </m:rPr>
+                      <a:rPr lang="en-US" altLang="ja" sz="2400" i="0">
+                        <a:latin typeface="Cambria Math" panose="02040503050406030204" pitchFamily="18" charset="0"/>
+                      </a:rPr>
+                      <m:t>A</m:t>
+                    </m:r>
+                    <m:r>
+                      <a:rPr lang="en-US" altLang="ja" sz="2400" i="0">
+                        <a:latin typeface="Cambria Math" panose="02040503050406030204" pitchFamily="18" charset="0"/>
+                        <a:ea typeface="Cambria Math" panose="02040503050406030204" pitchFamily="18" charset="0"/>
+                      </a:rPr>
+                      <m:t>∙</m:t>
+                    </m:r>
+                    <m:r>
+                      <m:rPr>
+                        <m:sty m:val="p"/>
+                      </m:rPr>
+                      <a:rPr lang="en-US" altLang="ja" sz="2400" i="0">
+                        <a:latin typeface="Cambria Math" panose="02040503050406030204" pitchFamily="18" charset="0"/>
+                      </a:rPr>
+                      <m:t>B</m:t>
+                    </m:r>
+                  </m:oMath>
+                </a14:m>
+                <a:r>
+                  <a:rPr lang="ja-JP" altLang="en-US" sz="2400"/>
+                  <a:t>．この時，組</a:t>
+                </a:r>
+                <a14:m>
+                  <m:oMath xmlns:m="http://schemas.openxmlformats.org/officeDocument/2006/math">
+                    <m:r>
+                      <a:rPr lang="en-US" altLang="ja" sz="2400" b="0" i="0" smtClean="0">
+                        <a:latin typeface="Cambria Math" panose="02040503050406030204" pitchFamily="18" charset="0"/>
+                      </a:rPr>
+                      <m:t>(</m:t>
+                    </m:r>
+                    <m:r>
+                      <m:rPr>
+                        <m:sty m:val="p"/>
+                      </m:rPr>
+                      <a:rPr lang="fr-CA" altLang="ja" sz="2400">
+                        <a:latin typeface="Cambria Math" panose="02040503050406030204" pitchFamily="18" charset="0"/>
+                      </a:rPr>
+                      <m:t>G</m:t>
+                    </m:r>
+                    <m:r>
+                      <m:rPr>
+                        <m:sty m:val="p"/>
+                      </m:rPr>
+                      <a:rPr lang="en-US" altLang="ja" sz="2400">
+                        <a:latin typeface="Cambria Math" panose="02040503050406030204" pitchFamily="18" charset="0"/>
+                      </a:rPr>
+                      <m:t>L</m:t>
+                    </m:r>
+                    <m:d>
+                      <m:dPr>
+                        <m:ctrlPr>
+                          <a:rPr lang="en-US" altLang="ja" sz="2400" i="1">
+                            <a:latin typeface="Cambria Math" panose="02040503050406030204" pitchFamily="18" charset="0"/>
+                          </a:rPr>
+                        </m:ctrlPr>
+                      </m:dPr>
+                      <m:e>
+                        <m:r>
+                          <m:rPr>
+                            <m:sty m:val="p"/>
+                          </m:rPr>
+                          <a:rPr lang="en-US" altLang="ja" sz="2400">
+                            <a:latin typeface="Cambria Math" panose="02040503050406030204" pitchFamily="18" charset="0"/>
+                          </a:rPr>
+                          <m:t>n</m:t>
+                        </m:r>
+                        <m:r>
+                          <a:rPr lang="en-US" altLang="ja" sz="2400">
+                            <a:latin typeface="Cambria Math" panose="02040503050406030204" pitchFamily="18" charset="0"/>
+                          </a:rPr>
+                          <m:t>;</m:t>
+                        </m:r>
+                        <m:r>
+                          <a:rPr lang="en-US" altLang="ja" sz="2400">
+                            <a:latin typeface="Cambria Math" panose="02040503050406030204" pitchFamily="18" charset="0"/>
+                            <a:ea typeface="Cambria Math" panose="02040503050406030204" pitchFamily="18" charset="0"/>
+                          </a:rPr>
+                          <m:t>ℂ</m:t>
+                        </m:r>
+                      </m:e>
+                    </m:d>
+                    <m:r>
+                      <a:rPr lang="en-US" altLang="ja" sz="2400" b="0" i="1" smtClean="0">
+                        <a:latin typeface="Cambria Math" panose="02040503050406030204" pitchFamily="18" charset="0"/>
+                        <a:ea typeface="Cambria Math" panose="02040503050406030204" pitchFamily="18" charset="0"/>
+                      </a:rPr>
+                      <m:t>,  ∙  )</m:t>
+                    </m:r>
+                  </m:oMath>
+                </a14:m>
+                <a:r>
+                  <a:rPr lang="ja-JP" altLang="en-US" sz="2400" dirty="0"/>
+                  <a:t>は</a:t>
+                </a:r>
+                <a:r>
+                  <a:rPr lang="ja-JP" altLang="en-US" sz="2400"/>
+                  <a:t>群をなす．</a:t>
+                </a:r>
+                <a:endParaRPr lang="ja-JP" altLang="en-US" sz="2400" dirty="0"/>
+              </a:p>
+            </p:txBody>
+          </p:sp>
+        </mc:Choice>
+        <mc:Fallback>
+          <p:sp>
+            <p:nvSpPr>
+              <p:cNvPr id="352" name="Google Shape;352;p62"/>
+              <p:cNvSpPr txBox="1">
+                <a:spLocks noGrp="1" noRot="1" noChangeAspect="1" noMove="1" noResize="1" noEditPoints="1" noAdjustHandles="1" noChangeArrowheads="1" noChangeShapeType="1" noTextEdit="1"/>
+              </p:cNvSpPr>
+              <p:nvPr>
+                <p:ph type="body" idx="1"/>
+              </p:nvPr>
+            </p:nvSpPr>
+            <p:spPr>
+              <a:xfrm>
+                <a:off x="838200" y="1825625"/>
+                <a:ext cx="10515600" cy="4351200"/>
+              </a:xfrm>
+              <a:prstGeom prst="rect">
+                <a:avLst/>
+              </a:prstGeom>
+              <a:blipFill>
+                <a:blip r:embed="rId3"/>
+                <a:stretch>
+                  <a:fillRect l="-844"/>
+                </a:stretch>
+              </a:blipFill>
+            </p:spPr>
+            <p:txBody>
+              <a:bodyPr/>
+              <a:lstStyle/>
+              <a:p>
+                <a:r>
+                  <a:rPr lang="ja-JP" altLang="en-US">
+                    <a:noFill/>
+                  </a:rPr>
+                  <a:t> </a:t>
+                </a:r>
+              </a:p>
+            </p:txBody>
+          </p:sp>
+        </mc:Fallback>
+      </mc:AlternateContent>
+      <mc:AlternateContent xmlns:mc="http://schemas.openxmlformats.org/markup-compatibility/2006">
+        <mc:Choice xmlns:a14="http://schemas.microsoft.com/office/drawing/2010/main" Requires="a14">
+          <p:sp>
+            <p:nvSpPr>
+              <p:cNvPr id="353" name="Google Shape;353;p62"/>
+              <p:cNvSpPr txBox="1">
+                <a:spLocks noGrp="1"/>
+              </p:cNvSpPr>
+              <p:nvPr>
+                <p:ph type="title"/>
+              </p:nvPr>
+            </p:nvSpPr>
+            <p:spPr>
+              <a:xfrm>
+                <a:off x="838200" y="365125"/>
+                <a:ext cx="10515600" cy="1325600"/>
+              </a:xfrm>
+              <a:prstGeom prst="rect">
+                <a:avLst/>
+              </a:prstGeom>
+            </p:spPr>
+            <p:txBody>
+              <a:bodyPr spcFirstLastPara="1" vert="horz" wrap="square" lIns="91433" tIns="45700" rIns="91433" bIns="45700" rtlCol="0" anchor="ctr" anchorCtr="0">
+                <a:noAutofit/>
+              </a:bodyPr>
+              <a:lstStyle/>
+              <a:p>
+                <a:pPr>
+                  <a:spcBef>
+                    <a:spcPts val="0"/>
+                  </a:spcBef>
+                </a:pPr>
+                <a:r>
+                  <a:rPr lang="ja" dirty="0"/>
+                  <a:t>群の例１</a:t>
+                </a:r>
+                <a:r>
+                  <a:rPr lang="en-US" altLang="ja" sz="2800" dirty="0"/>
+                  <a:t>~</a:t>
+                </a:r>
+                <a14:m>
+                  <m:oMath xmlns:m="http://schemas.openxmlformats.org/officeDocument/2006/math">
+                    <m:r>
+                      <m:rPr>
+                        <m:sty m:val="p"/>
+                      </m:rPr>
+                      <a:rPr lang="fr-CA" altLang="ja" sz="2800">
+                        <a:latin typeface="Cambria Math" panose="02040503050406030204" pitchFamily="18" charset="0"/>
+                      </a:rPr>
+                      <m:t>G</m:t>
+                    </m:r>
+                    <m:r>
+                      <m:rPr>
+                        <m:sty m:val="p"/>
+                      </m:rPr>
+                      <a:rPr lang="en-US" altLang="ja" sz="2800">
+                        <a:latin typeface="Cambria Math" panose="02040503050406030204" pitchFamily="18" charset="0"/>
+                      </a:rPr>
+                      <m:t>L</m:t>
+                    </m:r>
+                    <m:d>
+                      <m:dPr>
+                        <m:ctrlPr>
+                          <a:rPr lang="en-US" altLang="ja" sz="2800" i="1">
+                            <a:latin typeface="Cambria Math" panose="02040503050406030204" pitchFamily="18" charset="0"/>
+                          </a:rPr>
+                        </m:ctrlPr>
+                      </m:dPr>
+                      <m:e>
+                        <m:r>
+                          <m:rPr>
+                            <m:sty m:val="p"/>
+                          </m:rPr>
+                          <a:rPr lang="en-US" altLang="ja" sz="2800">
+                            <a:latin typeface="Cambria Math" panose="02040503050406030204" pitchFamily="18" charset="0"/>
+                          </a:rPr>
+                          <m:t>n</m:t>
+                        </m:r>
+                        <m:r>
+                          <a:rPr lang="en-US" altLang="ja" sz="2800">
+                            <a:latin typeface="Cambria Math" panose="02040503050406030204" pitchFamily="18" charset="0"/>
+                          </a:rPr>
+                          <m:t>;</m:t>
+                        </m:r>
+                        <m:r>
+                          <a:rPr lang="en-US" altLang="ja" sz="2800">
+                            <a:latin typeface="Cambria Math" panose="02040503050406030204" pitchFamily="18" charset="0"/>
+                            <a:ea typeface="Cambria Math" panose="02040503050406030204" pitchFamily="18" charset="0"/>
+                          </a:rPr>
+                          <m:t>ℂ</m:t>
+                        </m:r>
+                      </m:e>
+                    </m:d>
+                  </m:oMath>
+                </a14:m>
+                <a:r>
+                  <a:rPr lang="en-US" sz="2800" dirty="0"/>
+                  <a:t>~</a:t>
+                </a:r>
+                <a:endParaRPr sz="2800" dirty="0"/>
+              </a:p>
+            </p:txBody>
+          </p:sp>
+        </mc:Choice>
+        <mc:Fallback>
+          <p:sp>
+            <p:nvSpPr>
+              <p:cNvPr id="353" name="Google Shape;353;p62"/>
+              <p:cNvSpPr txBox="1">
+                <a:spLocks noGrp="1" noRot="1" noChangeAspect="1" noMove="1" noResize="1" noEditPoints="1" noAdjustHandles="1" noChangeArrowheads="1" noChangeShapeType="1" noTextEdit="1"/>
+              </p:cNvSpPr>
+              <p:nvPr>
+                <p:ph type="title"/>
+              </p:nvPr>
+            </p:nvSpPr>
+            <p:spPr>
+              <a:xfrm>
+                <a:off x="838200" y="365125"/>
+                <a:ext cx="10515600" cy="1325600"/>
+              </a:xfrm>
+              <a:prstGeom prst="rect">
+                <a:avLst/>
+              </a:prstGeom>
+              <a:blipFill>
+                <a:blip r:embed="rId4"/>
+                <a:stretch>
+                  <a:fillRect l="-2292"/>
+                </a:stretch>
+              </a:blipFill>
+            </p:spPr>
+            <p:txBody>
+              <a:bodyPr/>
+              <a:lstStyle/>
+              <a:p>
+                <a:r>
+                  <a:rPr lang="ja-JP" altLang="en-US">
+                    <a:noFill/>
+                  </a:rPr>
+                  <a:t> </a:t>
+                </a:r>
+              </a:p>
+            </p:txBody>
+          </p:sp>
+        </mc:Fallback>
+      </mc:AlternateContent>
+    </p:spTree>
+    <p:extLst>
+      <p:ext uri="{BB962C8B-B14F-4D97-AF65-F5344CB8AC3E}">
+        <p14:creationId xmlns:p14="http://schemas.microsoft.com/office/powerpoint/2010/main" val="1085649884"/>
+      </p:ext>
+    </p:extLst>
+  </p:cSld>
+  <p:clrMapOvr>
+    <a:masterClrMapping/>
+  </p:clrMapOvr>
+</p:sld>
+</file>
+
+<file path=ppt/slides/slide14.xml><?xml version="1.0" encoding="utf-8"?>
+<p:sld xmlns:a="http://schemas.openxmlformats.org/drawingml/2006/main" xmlns:r="http://schemas.openxmlformats.org/officeDocument/2006/relationships" xmlns:p="http://schemas.openxmlformats.org/presentationml/2006/main">
+  <p:cSld>
+    <p:spTree>
+      <p:nvGrpSpPr>
+        <p:cNvPr id="1" name="Shape 375"/>
+        <p:cNvGrpSpPr/>
+        <p:nvPr/>
+      </p:nvGrpSpPr>
+      <p:grpSpPr>
+        <a:xfrm>
+          <a:off x="0" y="0"/>
+          <a:ext cx="0" cy="0"/>
+          <a:chOff x="0" y="0"/>
+          <a:chExt cx="0" cy="0"/>
+        </a:xfrm>
+      </p:grpSpPr>
+      <mc:AlternateContent xmlns:mc="http://schemas.openxmlformats.org/markup-compatibility/2006">
+        <mc:Choice xmlns:a14="http://schemas.microsoft.com/office/drawing/2010/main" Requires="a14">
+          <p:sp>
+            <p:nvSpPr>
+              <p:cNvPr id="376" name="Google Shape;376;p66"/>
+              <p:cNvSpPr txBox="1">
+                <a:spLocks noGrp="1"/>
+              </p:cNvSpPr>
+              <p:nvPr>
+                <p:ph type="title"/>
+              </p:nvPr>
+            </p:nvSpPr>
+            <p:spPr>
+              <a:xfrm>
+                <a:off x="838200" y="365125"/>
+                <a:ext cx="10515600" cy="1325600"/>
+              </a:xfrm>
+              <a:prstGeom prst="rect">
+                <a:avLst/>
+              </a:prstGeom>
+            </p:spPr>
+            <p:txBody>
+              <a:bodyPr spcFirstLastPara="1" vert="horz" wrap="square" lIns="91433" tIns="45700" rIns="91433" bIns="45700" rtlCol="0" anchor="ctr" anchorCtr="0">
+                <a:noAutofit/>
+              </a:bodyPr>
+              <a:lstStyle/>
+              <a:p>
+                <a:pPr>
+                  <a:spcBef>
+                    <a:spcPts val="0"/>
+                  </a:spcBef>
+                </a:pPr>
+                <a:r>
+                  <a:rPr lang="ja-JP" altLang="en-US"/>
+                  <a:t>群の例２</a:t>
+                </a:r>
+                <a14:m>
+                  <m:oMath xmlns:m="http://schemas.openxmlformats.org/officeDocument/2006/math">
+                    <m:r>
+                      <m:rPr>
+                        <m:sty m:val="p"/>
+                      </m:rPr>
+                      <a:rPr lang="en-US" altLang="ja-JP">
+                        <a:latin typeface="Cambria Math" panose="02040503050406030204" pitchFamily="18" charset="0"/>
+                      </a:rPr>
+                      <m:t>O</m:t>
+                    </m:r>
+                    <m:d>
+                      <m:dPr>
+                        <m:ctrlPr>
+                          <a:rPr lang="en-US" altLang="ja" i="1">
+                            <a:latin typeface="Cambria Math" panose="02040503050406030204" pitchFamily="18" charset="0"/>
+                          </a:rPr>
+                        </m:ctrlPr>
+                      </m:dPr>
+                      <m:e>
+                        <m:r>
+                          <m:rPr>
+                            <m:sty m:val="p"/>
+                          </m:rPr>
+                          <a:rPr lang="en-US" altLang="ja">
+                            <a:latin typeface="Cambria Math" panose="02040503050406030204" pitchFamily="18" charset="0"/>
+                          </a:rPr>
+                          <m:t>n</m:t>
+                        </m:r>
+                      </m:e>
+                    </m:d>
+                    <m:r>
+                      <a:rPr lang="en-US" altLang="ja" i="1" smtClean="0">
+                        <a:latin typeface="Cambria Math" panose="02040503050406030204" pitchFamily="18" charset="0"/>
+                        <a:ea typeface="Cambria Math" panose="02040503050406030204" pitchFamily="18" charset="0"/>
+                      </a:rPr>
+                      <m:t> </m:t>
+                    </m:r>
+                  </m:oMath>
+                </a14:m>
+                <a:r>
+                  <a:rPr lang="en-US" altLang="ja" sz="2400" i="1" dirty="0">
+                    <a:solidFill>
+                      <a:schemeClr val="tx1">
+                        <a:lumMod val="50000"/>
+                        <a:lumOff val="50000"/>
+                      </a:schemeClr>
+                    </a:solidFill>
+                    <a:latin typeface="Times New Roman" panose="02020603050405020304" pitchFamily="18" charset="0"/>
+                    <a:cs typeface="Times New Roman" panose="02020603050405020304" pitchFamily="18" charset="0"/>
+                  </a:rPr>
+                  <a:t>orthogonal group</a:t>
+                </a:r>
+                <a:endParaRPr sz="5867" dirty="0">
+                  <a:latin typeface="Times New Roman" panose="02020603050405020304" pitchFamily="18" charset="0"/>
+                  <a:cs typeface="Times New Roman" panose="02020603050405020304" pitchFamily="18" charset="0"/>
+                </a:endParaRPr>
+              </a:p>
+            </p:txBody>
+          </p:sp>
+        </mc:Choice>
+        <mc:Fallback>
+          <p:sp>
+            <p:nvSpPr>
+              <p:cNvPr id="376" name="Google Shape;376;p66"/>
+              <p:cNvSpPr txBox="1">
+                <a:spLocks noGrp="1" noRot="1" noChangeAspect="1" noMove="1" noResize="1" noEditPoints="1" noAdjustHandles="1" noChangeArrowheads="1" noChangeShapeType="1" noTextEdit="1"/>
+              </p:cNvSpPr>
+              <p:nvPr>
+                <p:ph type="title"/>
+              </p:nvPr>
+            </p:nvSpPr>
+            <p:spPr>
+              <a:xfrm>
+                <a:off x="838200" y="365125"/>
+                <a:ext cx="10515600" cy="1325600"/>
+              </a:xfrm>
+              <a:prstGeom prst="rect">
+                <a:avLst/>
+              </a:prstGeom>
+              <a:blipFill>
+                <a:blip r:embed="rId3"/>
+                <a:stretch>
+                  <a:fillRect l="-2292"/>
+                </a:stretch>
+              </a:blipFill>
+            </p:spPr>
+            <p:txBody>
+              <a:bodyPr/>
+              <a:lstStyle/>
+              <a:p>
+                <a:r>
+                  <a:rPr lang="ja-JP" altLang="en-US">
+                    <a:noFill/>
+                  </a:rPr>
+                  <a:t> </a:t>
+                </a:r>
+              </a:p>
+            </p:txBody>
+          </p:sp>
+        </mc:Fallback>
+      </mc:AlternateContent>
+      <mc:AlternateContent xmlns:mc="http://schemas.openxmlformats.org/markup-compatibility/2006">
+        <mc:Choice xmlns:a14="http://schemas.microsoft.com/office/drawing/2010/main" Requires="a14">
+          <p:sp>
+            <p:nvSpPr>
+              <p:cNvPr id="377" name="Google Shape;377;p66"/>
+              <p:cNvSpPr txBox="1">
+                <a:spLocks noGrp="1"/>
+              </p:cNvSpPr>
+              <p:nvPr>
+                <p:ph type="body" idx="1"/>
+              </p:nvPr>
+            </p:nvSpPr>
+            <p:spPr>
+              <a:xfrm>
+                <a:off x="838200" y="1825625"/>
+                <a:ext cx="10515600" cy="4351200"/>
+              </a:xfrm>
+              <a:prstGeom prst="rect">
+                <a:avLst/>
+              </a:prstGeom>
+            </p:spPr>
+            <p:txBody>
+              <a:bodyPr spcFirstLastPara="1" vert="horz" wrap="square" lIns="91433" tIns="45700" rIns="91433" bIns="45700" rtlCol="0" anchor="t" anchorCtr="0">
+                <a:noAutofit/>
+              </a:bodyPr>
+              <a:lstStyle/>
+              <a:p>
+                <a:pPr marL="0" indent="0">
+                  <a:spcBef>
+                    <a:spcPts val="1067"/>
+                  </a:spcBef>
+                  <a:buNone/>
+                </a:pPr>
+                <a14:m>
+                  <m:oMath xmlns:m="http://schemas.openxmlformats.org/officeDocument/2006/math">
+                    <m:r>
+                      <m:rPr>
+                        <m:sty m:val="p"/>
+                      </m:rPr>
+                      <a:rPr lang="fr-CA" altLang="ja" sz="2400" smtClean="0">
+                        <a:latin typeface="Cambria Math" panose="02040503050406030204" pitchFamily="18" charset="0"/>
+                      </a:rPr>
+                      <m:t>O</m:t>
+                    </m:r>
+                    <m:d>
+                      <m:dPr>
+                        <m:ctrlPr>
+                          <a:rPr lang="ar-AE" altLang="ja" sz="2400" i="1">
+                            <a:latin typeface="Cambria Math" panose="02040503050406030204" pitchFamily="18" charset="0"/>
+                          </a:rPr>
+                        </m:ctrlPr>
+                      </m:dPr>
+                      <m:e>
+                        <m:r>
+                          <m:rPr>
+                            <m:sty m:val="p"/>
+                          </m:rPr>
+                          <a:rPr lang="fr-CA" altLang="ja" sz="2400">
+                            <a:latin typeface="Cambria Math" panose="02040503050406030204" pitchFamily="18" charset="0"/>
+                          </a:rPr>
+                          <m:t>n</m:t>
+                        </m:r>
+                        <m:r>
+                          <a:rPr lang="fr-CA" altLang="ja" sz="2400">
+                            <a:latin typeface="Cambria Math" panose="02040503050406030204" pitchFamily="18" charset="0"/>
+                          </a:rPr>
+                          <m:t>;</m:t>
+                        </m:r>
+                        <m:r>
+                          <a:rPr lang="fr-CA" altLang="ja" sz="2400">
+                            <a:latin typeface="Cambria Math" panose="02040503050406030204" pitchFamily="18" charset="0"/>
+                            <a:ea typeface="Cambria Math" panose="02040503050406030204" pitchFamily="18" charset="0"/>
+                          </a:rPr>
+                          <m:t>ℂ</m:t>
+                        </m:r>
+                      </m:e>
+                    </m:d>
+                  </m:oMath>
+                </a14:m>
+                <a:r>
+                  <a:rPr lang="ja" altLang="en-US" sz="2400" dirty="0">
+                    <a:ea typeface="Cambria Math" panose="02040503050406030204" pitchFamily="18" charset="0"/>
+                  </a:rPr>
+                  <a:t>：</a:t>
+                </a:r>
+                <a:r>
+                  <a:rPr lang="en-US" altLang="ja" sz="2400" dirty="0">
+                    <a:ea typeface="MS PGothic" panose="020B0600070205080204" pitchFamily="34" charset="-128"/>
+                  </a:rPr>
+                  <a:t>n</a:t>
+                </a:r>
+                <a:r>
+                  <a:rPr lang="ja-JP" altLang="en-US" sz="2400">
+                    <a:ea typeface="MS PGothic" panose="020B0600070205080204" pitchFamily="34" charset="-128"/>
+                  </a:rPr>
+                  <a:t>次複素直交行列全体の集合</a:t>
+                </a:r>
+                <a:endParaRPr lang="en-US" altLang="ja-JP" sz="2400" dirty="0">
+                  <a:ea typeface="MS PGothic" panose="020B0600070205080204" pitchFamily="34" charset="-128"/>
+                </a:endParaRPr>
+              </a:p>
+              <a:p>
+                <a:pPr marL="0" indent="0">
+                  <a:spcBef>
+                    <a:spcPts val="1067"/>
+                  </a:spcBef>
+                  <a:buNone/>
+                </a:pPr>
+                <a:r>
+                  <a:rPr lang="en-US" altLang="ja" sz="2400" i="1" dirty="0">
+                    <a:solidFill>
+                      <a:schemeClr val="tx1">
+                        <a:lumMod val="50000"/>
+                        <a:lumOff val="50000"/>
+                      </a:schemeClr>
+                    </a:solidFill>
+                    <a:latin typeface="Times New Roman" panose="02020603050405020304" pitchFamily="18" charset="0"/>
+                    <a:cs typeface="Times New Roman" panose="02020603050405020304" pitchFamily="18" charset="0"/>
+                  </a:rPr>
+                  <a:t>def</a:t>
+                </a:r>
+                <a:r>
+                  <a:rPr lang="en-US" altLang="ja" sz="2400" dirty="0"/>
+                  <a:t>  </a:t>
+                </a:r>
+                <a14:m>
+                  <m:oMath xmlns:m="http://schemas.openxmlformats.org/officeDocument/2006/math">
+                    <m:r>
+                      <a:rPr lang="ja" altLang="en-US" sz="2400" i="1">
+                        <a:latin typeface="Cambria Math" panose="02040503050406030204" pitchFamily="18" charset="0"/>
+                      </a:rPr>
+                      <m:t>∀</m:t>
+                    </m:r>
+                    <m:r>
+                      <m:rPr>
+                        <m:sty m:val="p"/>
+                      </m:rPr>
+                      <a:rPr lang="en-US" altLang="ja" sz="2400">
+                        <a:latin typeface="Cambria Math" panose="02040503050406030204" pitchFamily="18" charset="0"/>
+                      </a:rPr>
+                      <m:t>A</m:t>
+                    </m:r>
+                    <m:r>
+                      <a:rPr lang="en-US" altLang="ja" sz="2400">
+                        <a:latin typeface="Cambria Math" panose="02040503050406030204" pitchFamily="18" charset="0"/>
+                      </a:rPr>
+                      <m:t>,</m:t>
+                    </m:r>
+                    <m:r>
+                      <m:rPr>
+                        <m:sty m:val="p"/>
+                      </m:rPr>
+                      <a:rPr lang="en-US" altLang="ja" sz="2400">
+                        <a:latin typeface="Cambria Math" panose="02040503050406030204" pitchFamily="18" charset="0"/>
+                      </a:rPr>
+                      <m:t>B</m:t>
+                    </m:r>
+                    <m:r>
+                      <a:rPr lang="en-US" altLang="ja" sz="2400" i="1">
+                        <a:latin typeface="Cambria Math" panose="02040503050406030204" pitchFamily="18" charset="0"/>
+                        <a:ea typeface="Cambria Math" panose="02040503050406030204" pitchFamily="18" charset="0"/>
+                      </a:rPr>
+                      <m:t>∈</m:t>
+                    </m:r>
+                    <m:r>
+                      <m:rPr>
+                        <m:sty m:val="p"/>
+                      </m:rPr>
+                      <a:rPr lang="fr-CA" altLang="ja" sz="2400">
+                        <a:latin typeface="Cambria Math" panose="02040503050406030204" pitchFamily="18" charset="0"/>
+                      </a:rPr>
+                      <m:t>G</m:t>
+                    </m:r>
+                    <m:r>
+                      <m:rPr>
+                        <m:sty m:val="p"/>
+                      </m:rPr>
+                      <a:rPr lang="en-US" altLang="ja" sz="2400">
+                        <a:latin typeface="Cambria Math" panose="02040503050406030204" pitchFamily="18" charset="0"/>
+                      </a:rPr>
+                      <m:t>L</m:t>
+                    </m:r>
+                    <m:d>
+                      <m:dPr>
+                        <m:ctrlPr>
+                          <a:rPr lang="en-US" altLang="ja" sz="2400" i="1">
+                            <a:latin typeface="Cambria Math" panose="02040503050406030204" pitchFamily="18" charset="0"/>
+                          </a:rPr>
+                        </m:ctrlPr>
+                      </m:dPr>
+                      <m:e>
+                        <m:r>
+                          <m:rPr>
+                            <m:sty m:val="p"/>
+                          </m:rPr>
+                          <a:rPr lang="en-US" altLang="ja" sz="2400">
+                            <a:latin typeface="Cambria Math" panose="02040503050406030204" pitchFamily="18" charset="0"/>
+                          </a:rPr>
+                          <m:t>n</m:t>
+                        </m:r>
+                        <m:r>
+                          <a:rPr lang="en-US" altLang="ja" sz="2400">
+                            <a:latin typeface="Cambria Math" panose="02040503050406030204" pitchFamily="18" charset="0"/>
+                          </a:rPr>
+                          <m:t>;</m:t>
+                        </m:r>
+                        <m:r>
+                          <a:rPr lang="en-US" altLang="ja" sz="2400">
+                            <a:latin typeface="Cambria Math" panose="02040503050406030204" pitchFamily="18" charset="0"/>
+                            <a:ea typeface="Cambria Math" panose="02040503050406030204" pitchFamily="18" charset="0"/>
+                          </a:rPr>
+                          <m:t>ℂ</m:t>
+                        </m:r>
+                      </m:e>
+                    </m:d>
+                    <m:r>
+                      <a:rPr lang="en-US" altLang="ja" sz="2400" i="1">
+                        <a:latin typeface="Cambria Math" panose="02040503050406030204" pitchFamily="18" charset="0"/>
+                      </a:rPr>
+                      <m:t>, </m:t>
+                    </m:r>
+                    <m:r>
+                      <m:rPr>
+                        <m:sty m:val="p"/>
+                      </m:rPr>
+                      <a:rPr lang="en-US" altLang="ja" sz="2400">
+                        <a:latin typeface="Cambria Math" panose="02040503050406030204" pitchFamily="18" charset="0"/>
+                      </a:rPr>
+                      <m:t>A</m:t>
+                    </m:r>
+                    <m:r>
+                      <a:rPr lang="en-US" altLang="ja" sz="2400">
+                        <a:latin typeface="Cambria Math" panose="02040503050406030204" pitchFamily="18" charset="0"/>
+                        <a:ea typeface="Cambria Math" panose="02040503050406030204" pitchFamily="18" charset="0"/>
+                      </a:rPr>
+                      <m:t>∙</m:t>
+                    </m:r>
+                    <m:r>
+                      <m:rPr>
+                        <m:sty m:val="p"/>
+                      </m:rPr>
+                      <a:rPr lang="en-US" altLang="ja" sz="2400">
+                        <a:latin typeface="Cambria Math" panose="02040503050406030204" pitchFamily="18" charset="0"/>
+                      </a:rPr>
+                      <m:t>B</m:t>
+                    </m:r>
+                  </m:oMath>
+                </a14:m>
+                <a:r>
+                  <a:rPr lang="ja-JP" altLang="en-US" sz="2400"/>
+                  <a:t>．この時，組</a:t>
+                </a:r>
+                <a14:m>
+                  <m:oMath xmlns:m="http://schemas.openxmlformats.org/officeDocument/2006/math">
+                    <m:r>
+                      <a:rPr lang="en-US" altLang="ja" sz="2400">
+                        <a:latin typeface="Cambria Math" panose="02040503050406030204" pitchFamily="18" charset="0"/>
+                      </a:rPr>
+                      <m:t>(</m:t>
+                    </m:r>
+                    <m:r>
+                      <m:rPr>
+                        <m:sty m:val="p"/>
+                      </m:rPr>
+                      <a:rPr lang="fr-CA" altLang="ja" sz="2400">
+                        <a:latin typeface="Cambria Math" panose="02040503050406030204" pitchFamily="18" charset="0"/>
+                      </a:rPr>
+                      <m:t>G</m:t>
+                    </m:r>
+                    <m:r>
+                      <m:rPr>
+                        <m:sty m:val="p"/>
+                      </m:rPr>
+                      <a:rPr lang="en-US" altLang="ja" sz="2400">
+                        <a:latin typeface="Cambria Math" panose="02040503050406030204" pitchFamily="18" charset="0"/>
+                      </a:rPr>
+                      <m:t>L</m:t>
+                    </m:r>
+                    <m:d>
+                      <m:dPr>
+                        <m:ctrlPr>
+                          <a:rPr lang="en-US" altLang="ja" sz="2400" i="1">
+                            <a:latin typeface="Cambria Math" panose="02040503050406030204" pitchFamily="18" charset="0"/>
+                          </a:rPr>
+                        </m:ctrlPr>
+                      </m:dPr>
+                      <m:e>
+                        <m:r>
+                          <m:rPr>
+                            <m:sty m:val="p"/>
+                          </m:rPr>
+                          <a:rPr lang="en-US" altLang="ja" sz="2400">
+                            <a:latin typeface="Cambria Math" panose="02040503050406030204" pitchFamily="18" charset="0"/>
+                          </a:rPr>
+                          <m:t>n</m:t>
+                        </m:r>
+                        <m:r>
+                          <a:rPr lang="en-US" altLang="ja" sz="2400">
+                            <a:latin typeface="Cambria Math" panose="02040503050406030204" pitchFamily="18" charset="0"/>
+                          </a:rPr>
+                          <m:t>;</m:t>
+                        </m:r>
+                        <m:r>
+                          <a:rPr lang="en-US" altLang="ja" sz="2400">
+                            <a:latin typeface="Cambria Math" panose="02040503050406030204" pitchFamily="18" charset="0"/>
+                            <a:ea typeface="Cambria Math" panose="02040503050406030204" pitchFamily="18" charset="0"/>
+                          </a:rPr>
+                          <m:t>ℂ</m:t>
+                        </m:r>
+                      </m:e>
+                    </m:d>
+                    <m:r>
+                      <a:rPr lang="en-US" altLang="ja" sz="2400" i="1">
+                        <a:latin typeface="Cambria Math" panose="02040503050406030204" pitchFamily="18" charset="0"/>
+                        <a:ea typeface="Cambria Math" panose="02040503050406030204" pitchFamily="18" charset="0"/>
+                      </a:rPr>
+                      <m:t>,  ∙  )</m:t>
+                    </m:r>
+                  </m:oMath>
+                </a14:m>
+                <a:r>
+                  <a:rPr lang="ja-JP" altLang="en-US" sz="2400" dirty="0"/>
+                  <a:t>は</a:t>
+                </a:r>
+                <a:r>
+                  <a:rPr lang="ja-JP" altLang="en-US" sz="2400"/>
+                  <a:t>群をなす．</a:t>
+                </a:r>
+                <a:endParaRPr lang="en-US" altLang="ja" sz="2400" dirty="0">
+                  <a:ea typeface="MS PGothic" panose="020B0600070205080204" pitchFamily="34" charset="-128"/>
+                </a:endParaRPr>
+              </a:p>
+              <a:p>
+                <a:pPr marL="0" indent="0">
+                  <a:spcBef>
+                    <a:spcPts val="1067"/>
+                  </a:spcBef>
+                  <a:buNone/>
+                </a:pPr>
+                <a:endParaRPr lang="ja-JP" altLang="en-US" dirty="0"/>
+              </a:p>
+              <a:p>
+                <a:pPr marL="0" indent="0">
+                  <a:spcBef>
+                    <a:spcPts val="1067"/>
+                  </a:spcBef>
+                  <a:buNone/>
+                </a:pPr>
+                <a:r>
+                  <a:rPr lang="fr-CA" altLang="ja" dirty="0"/>
+                  <a:t>O(n)</a:t>
+                </a:r>
+                <a:r>
+                  <a:rPr lang="ja-JP" altLang="en-US" dirty="0"/>
+                  <a:t>が</a:t>
+                </a:r>
+                <a:r>
+                  <a:rPr lang="fr-CA" altLang="ja" dirty="0"/>
+                  <a:t>GL(n;R)</a:t>
+                </a:r>
+                <a:r>
+                  <a:rPr lang="ja-JP" altLang="en-US" dirty="0"/>
+                  <a:t>の部分群であるためには</a:t>
+                </a:r>
+              </a:p>
+              <a:p>
+                <a:pPr marL="609585" indent="-423323">
+                  <a:spcBef>
+                    <a:spcPts val="1067"/>
+                  </a:spcBef>
+                  <a:buSzPts val="1400"/>
+                  <a:buChar char="-"/>
+                </a:pPr>
+                <a:r>
+                  <a:rPr lang="ja-JP" altLang="en-US" dirty="0"/>
+                  <a:t>２つの直交行列の積は直交行列である</a:t>
+                </a:r>
+              </a:p>
+              <a:p>
+                <a:pPr marL="609585" indent="-423323">
+                  <a:spcBef>
+                    <a:spcPts val="0"/>
+                  </a:spcBef>
+                  <a:buSzPts val="1400"/>
+                  <a:buChar char="-"/>
+                </a:pPr>
+                <a:r>
+                  <a:rPr lang="ja-JP" altLang="en-US" dirty="0"/>
+                  <a:t>単位行列は直交行列である</a:t>
+                </a:r>
+              </a:p>
+              <a:p>
+                <a:pPr marL="609585" indent="-423323">
+                  <a:spcBef>
+                    <a:spcPts val="0"/>
+                  </a:spcBef>
+                  <a:buSzPts val="1400"/>
+                  <a:buChar char="-"/>
+                </a:pPr>
+                <a:r>
+                  <a:rPr lang="ja-JP" altLang="en-US" dirty="0"/>
+                  <a:t>直交行列の逆行列は直交行列である</a:t>
+                </a:r>
+              </a:p>
+              <a:p>
+                <a:pPr marL="0" indent="0">
+                  <a:spcBef>
+                    <a:spcPts val="1067"/>
+                  </a:spcBef>
+                  <a:buNone/>
+                </a:pPr>
+                <a:r>
+                  <a:rPr lang="ja-JP" altLang="en-US" dirty="0"/>
+                  <a:t>の３つを満たす必要がある</a:t>
+                </a:r>
+                <a:endParaRPr dirty="0"/>
+              </a:p>
+            </p:txBody>
+          </p:sp>
+        </mc:Choice>
+        <mc:Fallback>
+          <p:sp>
+            <p:nvSpPr>
+              <p:cNvPr id="377" name="Google Shape;377;p66"/>
+              <p:cNvSpPr txBox="1">
+                <a:spLocks noGrp="1" noRot="1" noChangeAspect="1" noMove="1" noResize="1" noEditPoints="1" noAdjustHandles="1" noChangeArrowheads="1" noChangeShapeType="1" noTextEdit="1"/>
+              </p:cNvSpPr>
+              <p:nvPr>
+                <p:ph type="body" idx="1"/>
+              </p:nvPr>
+            </p:nvSpPr>
+            <p:spPr>
+              <a:xfrm>
+                <a:off x="838200" y="1825625"/>
+                <a:ext cx="10515600" cy="4351200"/>
+              </a:xfrm>
+              <a:prstGeom prst="rect">
+                <a:avLst/>
+              </a:prstGeom>
+              <a:blipFill>
+                <a:blip r:embed="rId4"/>
+                <a:stretch>
+                  <a:fillRect l="-1086"/>
+                </a:stretch>
+              </a:blipFill>
+            </p:spPr>
+            <p:txBody>
+              <a:bodyPr/>
+              <a:lstStyle/>
+              <a:p>
+                <a:r>
+                  <a:rPr lang="ja-JP" altLang="en-US">
+                    <a:noFill/>
+                  </a:rPr>
+                  <a:t> </a:t>
+                </a:r>
+              </a:p>
+            </p:txBody>
+          </p:sp>
+        </mc:Fallback>
+      </mc:AlternateContent>
+    </p:spTree>
+    <p:extLst>
+      <p:ext uri="{BB962C8B-B14F-4D97-AF65-F5344CB8AC3E}">
+        <p14:creationId xmlns:p14="http://schemas.microsoft.com/office/powerpoint/2010/main" val="1085884508"/>
       </p:ext>
     </p:extLst>
   </p:cSld>
@@ -4001,24 +6822,8 @@
             </a:pPr>
             <a:r>
               <a:rPr lang="ja-JP" altLang="en-US"/>
-              <a:t>これらは「数字自体に着目して演算」しているだけ．</a:t>
-            </a:r>
-            <a:endParaRPr lang="en-US" altLang="ja-JP" dirty="0"/>
-          </a:p>
-          <a:p>
-            <a:pPr marL="0" indent="0">
-              <a:buNone/>
-            </a:pPr>
-            <a:r>
-              <a:rPr lang="ja-JP" altLang="en-US"/>
-              <a:t>ちなみに，ここでの演算は式変形や方程式を解くことを指す．</a:t>
-            </a:r>
-            <a:endParaRPr lang="en-US" altLang="ja-JP" dirty="0"/>
-          </a:p>
-          <a:p>
-            <a:pPr marL="0" indent="0">
-              <a:buNone/>
-            </a:pPr>
+              <a:t>これらは「対象（数）自体に着目して計算」しているだけ．</a:t>
+            </a:r>
             <a:endParaRPr lang="en-US" altLang="ja-JP" dirty="0"/>
           </a:p>
         </p:txBody>
@@ -4080,8 +6885,13 @@
             </a:r>
             <a:r>
               <a:rPr kumimoji="1" lang="ja-JP" altLang="en-US"/>
-              <a:t>から見てみる</a:t>
-            </a:r>
+              <a:t>から</a:t>
+            </a:r>
+            <a:r>
+              <a:rPr lang="ja-JP" altLang="en-US"/>
+              <a:t>考える</a:t>
+            </a:r>
+            <a:endParaRPr kumimoji="1" lang="ja-JP" altLang="en-US"/>
           </a:p>
         </p:txBody>
       </p:sp>
@@ -4103,19 +6913,21 @@
         </p:nvSpPr>
         <p:spPr/>
         <p:txBody>
-          <a:bodyPr/>
+          <a:bodyPr>
+            <a:normAutofit lnSpcReduction="10000"/>
+          </a:bodyPr>
           <a:lstStyle/>
           <a:p>
             <a:r>
               <a:rPr lang="ja-JP" altLang="en-US"/>
-              <a:t>「数字自体に着目して演算」する方針から「数字に対する演算に着目」する方針に転換してみよう．</a:t>
+              <a:t>「対象に着目して計算」する方針から「対象に対する計算自体に着目」する方針に転換してみよう．</a:t>
             </a:r>
             <a:endParaRPr lang="en-US" altLang="ja-JP" dirty="0"/>
           </a:p>
           <a:p>
             <a:r>
               <a:rPr kumimoji="1" lang="ja-JP" altLang="en-US"/>
-              <a:t>演算自体の関係を考えるので，対象物は数字である必要はなくな</a:t>
+              <a:t>計算自体の関係を考えるので，対象物は数である必要はなくな</a:t>
             </a:r>
             <a:r>
               <a:rPr lang="ja-JP" altLang="en-US"/>
@@ -4126,7 +6938,7 @@
             </a:br>
             <a:r>
               <a:rPr lang="en-US" altLang="ja-JP" dirty="0"/>
-              <a:t>→</a:t>
+              <a:t>	→</a:t>
             </a:r>
             <a:r>
               <a:rPr lang="ja-JP" altLang="en-US"/>
@@ -4141,18 +6953,18 @@
           <a:p>
             <a:r>
               <a:rPr lang="ja-JP" altLang="en-US"/>
-              <a:t>演算自体の関係とはなんぞや？</a:t>
+              <a:t>計算自体の関係とはなんぞや？</a:t>
             </a:r>
             <a:br>
               <a:rPr lang="en-US" altLang="ja-JP" dirty="0"/>
             </a:br>
             <a:r>
               <a:rPr lang="en-US" altLang="ja-JP" dirty="0"/>
-              <a:t>→</a:t>
+              <a:t>	→</a:t>
             </a:r>
             <a:r>
               <a:rPr lang="ja-JP" altLang="en-US"/>
-              <a:t>演算がどのような構造をしているか．</a:t>
+              <a:t>計算（演算，写像）がどのような構造をしているか</a:t>
             </a:r>
             <a:endParaRPr lang="en-US" altLang="ja-JP" dirty="0"/>
           </a:p>
@@ -4179,6 +6991,13 @@
             <a:r>
               <a:rPr kumimoji="1" lang="ja-JP" altLang="en-US"/>
               <a:t>構造を「群（もしくは抽象群）」という</a:t>
+            </a:r>
+            <a:br>
+              <a:rPr kumimoji="1" lang="en-US" altLang="ja-JP" dirty="0"/>
+            </a:br>
+            <a:r>
+              <a:rPr kumimoji="1" lang="ja-JP" altLang="en-US"/>
+              <a:t>群は写像の集合</a:t>
             </a:r>
           </a:p>
         </p:txBody>
@@ -4218,7 +7037,7 @@
           <p:cNvPr id="2" name="タイトル 1">
             <a:extLst>
               <a:ext uri="{FF2B5EF4-FFF2-40B4-BE49-F238E27FC236}">
-                <a16:creationId xmlns:a16="http://schemas.microsoft.com/office/drawing/2014/main" id="{6825BD28-3D2C-5249-8CD5-5E16197EA160}"/>
+                <a16:creationId xmlns:a16="http://schemas.microsoft.com/office/drawing/2014/main" id="{721C6993-1234-7848-B600-AC0454A2EC61}"/>
               </a:ext>
             </a:extLst>
           </p:cNvPr>
@@ -4235,8 +7054,12 @@
           <a:lstStyle/>
           <a:p>
             <a:r>
-              <a:rPr kumimoji="1" lang="ja-JP" altLang="en-US"/>
-              <a:t>群を考えるにあたって</a:t>
+              <a:rPr lang="ja-JP" altLang="en-US"/>
+              <a:t>計算</a:t>
+            </a:r>
+            <a:r>
+              <a:rPr kumimoji="1" lang="ja-JP" altLang="en-US"/>
+              <a:t>に着目するとは</a:t>
             </a:r>
           </a:p>
         </p:txBody>
@@ -4246,7 +7069,7 @@
           <p:cNvPr id="3" name="コンテンツ プレースホルダー 2">
             <a:extLst>
               <a:ext uri="{FF2B5EF4-FFF2-40B4-BE49-F238E27FC236}">
-                <a16:creationId xmlns:a16="http://schemas.microsoft.com/office/drawing/2014/main" id="{68DFFAC3-1268-3441-AD89-EE3FCFC01165}"/>
+                <a16:creationId xmlns:a16="http://schemas.microsoft.com/office/drawing/2014/main" id="{1D161B91-3540-F34A-83DA-68E854027669}"/>
               </a:ext>
             </a:extLst>
           </p:cNvPr>
@@ -4264,15 +7087,14 @@
           <a:p>
             <a:r>
               <a:rPr lang="ja-JP" altLang="en-US"/>
-              <a:t>２つのものを用意する</a:t>
+              <a:t>実数の和とベクトルの和を考えてみよう．</a:t>
             </a:r>
             <a:endParaRPr lang="en-US" altLang="ja-JP" dirty="0"/>
           </a:p>
           <a:p>
-            <a:pPr lvl="1"/>
-            <a:r>
-              <a:rPr kumimoji="1" lang="ja-JP" altLang="en-US"/>
-              <a:t>集合</a:t>
+            <a:r>
+              <a:rPr kumimoji="1" lang="ja-JP" altLang="en-US"/>
+              <a:t>対象物に着目</a:t>
             </a:r>
             <a:br>
               <a:rPr kumimoji="1" lang="en-US" altLang="ja-JP" dirty="0"/>
@@ -4281,28 +7103,52 @@
               <a:rPr kumimoji="1" lang="en-US" altLang="ja-JP" dirty="0"/>
               <a:t>→</a:t>
             </a:r>
-          </a:p>
-          <a:p>
-            <a:pPr lvl="1"/>
-            <a:r>
-              <a:rPr lang="ja-JP" altLang="en-US"/>
-              <a:t>演算</a:t>
+            <a:r>
+              <a:rPr kumimoji="1" lang="ja-JP" altLang="en-US"/>
+              <a:t>実数とベクトルは全くの別物である</a:t>
+            </a:r>
+            <a:endParaRPr lang="en-US" altLang="ja-JP" dirty="0"/>
+          </a:p>
+          <a:p>
+            <a:r>
+              <a:rPr kumimoji="1" lang="ja-JP" altLang="en-US"/>
+              <a:t>演算に着目</a:t>
             </a:r>
             <a:br>
-              <a:rPr lang="en-US" altLang="ja-JP" dirty="0"/>
+              <a:rPr kumimoji="1" lang="en-US" altLang="ja-JP" dirty="0"/>
             </a:br>
             <a:r>
-              <a:rPr lang="en-US" altLang="ja-JP" dirty="0"/>
+              <a:rPr kumimoji="1" lang="en-US" altLang="ja-JP" dirty="0"/>
               <a:t>→</a:t>
             </a:r>
-            <a:endParaRPr kumimoji="1" lang="ja-JP" altLang="en-US"/>
+            <a:r>
+              <a:rPr kumimoji="1" lang="ja-JP" altLang="en-US"/>
+              <a:t>同じ</a:t>
+            </a:r>
+            <a:r>
+              <a:rPr kumimoji="1" lang="en-US" altLang="ja-JP" dirty="0"/>
+              <a:t>”+”</a:t>
+            </a:r>
+            <a:r>
+              <a:rPr kumimoji="1" lang="ja-JP" altLang="en-US"/>
+              <a:t>という演算（写像）を考えた場合，実数であれベクトルであれ，この</a:t>
+            </a:r>
+            <a:r>
+              <a:rPr kumimoji="1" lang="en-US" altLang="ja-JP" dirty="0"/>
+              <a:t>”+”</a:t>
+            </a:r>
+            <a:r>
+              <a:rPr kumimoji="1" lang="ja-JP" altLang="en-US"/>
+              <a:t>という演算（＝写像）で包括することができる．</a:t>
+            </a:r>
+            <a:endParaRPr kumimoji="1" lang="en-US" altLang="ja-JP" dirty="0"/>
           </a:p>
         </p:txBody>
       </p:sp>
     </p:spTree>
     <p:extLst>
       <p:ext uri="{BB962C8B-B14F-4D97-AF65-F5344CB8AC3E}">
-        <p14:creationId xmlns:p14="http://schemas.microsoft.com/office/powerpoint/2010/main" val="3610193577"/>
+        <p14:creationId xmlns:p14="http://schemas.microsoft.com/office/powerpoint/2010/main" val="646266918"/>
       </p:ext>
     </p:extLst>
   </p:cSld>
@@ -4334,7 +7180,7 @@
           <p:cNvPr id="2" name="タイトル 1">
             <a:extLst>
               <a:ext uri="{FF2B5EF4-FFF2-40B4-BE49-F238E27FC236}">
-                <a16:creationId xmlns:a16="http://schemas.microsoft.com/office/drawing/2014/main" id="{A4609AC4-AB0D-1A4D-BB86-333334906097}"/>
+                <a16:creationId xmlns:a16="http://schemas.microsoft.com/office/drawing/2014/main" id="{6825BD28-3D2C-5249-8CD5-5E16197EA160}"/>
               </a:ext>
             </a:extLst>
           </p:cNvPr>
@@ -4352,7 +7198,7 @@
           <a:p>
             <a:r>
               <a:rPr kumimoji="1" lang="ja-JP" altLang="en-US"/>
-              <a:t>空間？</a:t>
+              <a:t>群を考えるにあたって</a:t>
             </a:r>
           </a:p>
         </p:txBody>
@@ -4362,7 +7208,7 @@
           <p:cNvPr id="3" name="コンテンツ プレースホルダー 2">
             <a:extLst>
               <a:ext uri="{FF2B5EF4-FFF2-40B4-BE49-F238E27FC236}">
-                <a16:creationId xmlns:a16="http://schemas.microsoft.com/office/drawing/2014/main" id="{85C3D8E3-5F95-9044-BB58-105CB2FC48ED}"/>
+                <a16:creationId xmlns:a16="http://schemas.microsoft.com/office/drawing/2014/main" id="{68DFFAC3-1268-3441-AD89-EE3FCFC01165}"/>
               </a:ext>
             </a:extLst>
           </p:cNvPr>
@@ -4379,8 +7225,16 @@
           <a:lstStyle/>
           <a:p>
             <a:r>
-              <a:rPr kumimoji="1" lang="ja-JP" altLang="en-US"/>
-              <a:t>空間とは？</a:t>
+              <a:rPr lang="ja-JP" altLang="en-US"/>
+              <a:t>２つのものを用意する</a:t>
+            </a:r>
+            <a:endParaRPr lang="en-US" altLang="ja-JP" dirty="0"/>
+          </a:p>
+          <a:p>
+            <a:pPr lvl="1"/>
+            <a:r>
+              <a:rPr kumimoji="1" lang="ja-JP" altLang="en-US"/>
+              <a:t>空間（集合）</a:t>
             </a:r>
             <a:endParaRPr kumimoji="1" lang="en-US" altLang="ja-JP" dirty="0"/>
           </a:p>
@@ -4388,56 +7242,16 @@
             <a:pPr lvl="1"/>
             <a:r>
               <a:rPr lang="ja-JP" altLang="en-US"/>
-              <a:t>演算する場所のこと</a:t>
-            </a:r>
-            <a:endParaRPr lang="en-US" altLang="ja-JP" dirty="0"/>
-          </a:p>
-          <a:p>
-            <a:pPr lvl="1"/>
-            <a:r>
-              <a:rPr lang="ja-JP" altLang="en-US"/>
-              <a:t>共通の性質を持てる元が定義できる集合であればなんでもいい．</a:t>
-            </a:r>
-            <a:endParaRPr lang="en-US" altLang="ja-JP" dirty="0"/>
-          </a:p>
-          <a:p>
-            <a:pPr lvl="1"/>
-            <a:r>
-              <a:rPr kumimoji="1" lang="ja-JP" altLang="en-US"/>
-              <a:t>（例）二次元平面（</a:t>
-            </a:r>
-            <a:r>
-              <a:rPr kumimoji="1" lang="en-US" altLang="ja-JP" dirty="0"/>
-              <a:t>2</a:t>
-            </a:r>
-            <a:r>
-              <a:rPr kumimoji="1" lang="ja-JP" altLang="en-US"/>
-              <a:t>次元ユークリッド空間という）</a:t>
-            </a:r>
-            <a:endParaRPr kumimoji="1" lang="en-US" altLang="ja-JP" dirty="0"/>
-          </a:p>
-          <a:p>
-            <a:pPr lvl="1"/>
-            <a:r>
-              <a:rPr lang="ja-JP" altLang="en-US"/>
-              <a:t>（例）</a:t>
-            </a:r>
-            <a:r>
-              <a:rPr lang="en-US" altLang="ja-JP" dirty="0"/>
-              <a:t>2</a:t>
-            </a:r>
-            <a:r>
-              <a:rPr lang="ja-JP" altLang="en-US"/>
-              <a:t>次平方行列全体の集合</a:t>
-            </a:r>
-            <a:endParaRPr lang="en-US" altLang="ja-JP" dirty="0"/>
+              <a:t>演算（写像）</a:t>
+            </a:r>
+            <a:endParaRPr kumimoji="1" lang="ja-JP" altLang="en-US"/>
           </a:p>
         </p:txBody>
       </p:sp>
     </p:spTree>
     <p:extLst>
       <p:ext uri="{BB962C8B-B14F-4D97-AF65-F5344CB8AC3E}">
-        <p14:creationId xmlns:p14="http://schemas.microsoft.com/office/powerpoint/2010/main" val="896335871"/>
+        <p14:creationId xmlns:p14="http://schemas.microsoft.com/office/powerpoint/2010/main" val="3610193577"/>
       </p:ext>
     </p:extLst>
   </p:cSld>
@@ -4469,7 +7283,7 @@
           <p:cNvPr id="2" name="タイトル 1">
             <a:extLst>
               <a:ext uri="{FF2B5EF4-FFF2-40B4-BE49-F238E27FC236}">
-                <a16:creationId xmlns:a16="http://schemas.microsoft.com/office/drawing/2014/main" id="{D85E68C2-D2F1-A54B-B2FC-6CB1D301E9F5}"/>
+                <a16:creationId xmlns:a16="http://schemas.microsoft.com/office/drawing/2014/main" id="{A4609AC4-AB0D-1A4D-BB86-333334906097}"/>
               </a:ext>
             </a:extLst>
           </p:cNvPr>
@@ -4486,10 +7300,9 @@
           <a:lstStyle/>
           <a:p>
             <a:r>
-              <a:rPr lang="ja-JP" altLang="en-US"/>
-              <a:t>演算？</a:t>
-            </a:r>
-            <a:endParaRPr kumimoji="1" lang="ja-JP" altLang="en-US"/>
+              <a:rPr kumimoji="1" lang="ja-JP" altLang="en-US"/>
+              <a:t>空間？</a:t>
+            </a:r>
           </a:p>
         </p:txBody>
       </p:sp>
@@ -4498,7 +7311,7 @@
           <p:cNvPr id="3" name="コンテンツ プレースホルダー 2">
             <a:extLst>
               <a:ext uri="{FF2B5EF4-FFF2-40B4-BE49-F238E27FC236}">
-                <a16:creationId xmlns:a16="http://schemas.microsoft.com/office/drawing/2014/main" id="{F1436F57-96C2-564D-AD77-F66D03B05305}"/>
+                <a16:creationId xmlns:a16="http://schemas.microsoft.com/office/drawing/2014/main" id="{85C3D8E3-5F95-9044-BB58-105CB2FC48ED}"/>
               </a:ext>
             </a:extLst>
           </p:cNvPr>
@@ -4515,8 +7328,16 @@
           <a:lstStyle/>
           <a:p>
             <a:r>
+              <a:rPr kumimoji="1" lang="ja-JP" altLang="en-US"/>
+              <a:t>空間とは？</a:t>
+            </a:r>
+            <a:endParaRPr kumimoji="1" lang="en-US" altLang="ja-JP" dirty="0"/>
+          </a:p>
+          <a:p>
+            <a:pPr lvl="1"/>
+            <a:r>
               <a:rPr lang="ja-JP" altLang="en-US"/>
-              <a:t>演算とは？</a:t>
+              <a:t>演算する（写像で飛ばす）集合のこと</a:t>
             </a:r>
             <a:endParaRPr lang="en-US" altLang="ja-JP" dirty="0"/>
           </a:p>
@@ -4524,39 +7345,15 @@
             <a:pPr lvl="1"/>
             <a:r>
               <a:rPr lang="ja-JP" altLang="en-US"/>
-              <a:t>前後で性質が変わらないようにモノをいじること．（不変量）</a:t>
-            </a:r>
-            <a:endParaRPr kumimoji="1" lang="en-US" altLang="ja-JP" dirty="0"/>
+              <a:t>共通の性質を持てる元が定義できる集合であればなんでもいい．</a:t>
+            </a:r>
+            <a:endParaRPr lang="en-US" altLang="ja-JP" dirty="0"/>
           </a:p>
           <a:p>
             <a:pPr lvl="1"/>
             <a:r>
               <a:rPr kumimoji="1" lang="ja-JP" altLang="en-US"/>
-              <a:t>（例）</a:t>
-            </a:r>
-            <a:r>
-              <a:rPr kumimoji="1" lang="en-US" altLang="ja-JP" dirty="0"/>
-              <a:t>π/4</a:t>
-            </a:r>
-            <a:r>
-              <a:rPr lang="ja-JP" altLang="en-US"/>
-              <a:t>回転しても</a:t>
-            </a:r>
-            <a:r>
-              <a:rPr lang="en-US" altLang="ja-JP" dirty="0"/>
-              <a:t>4</a:t>
-            </a:r>
-            <a:r>
-              <a:rPr lang="ja-JP" altLang="en-US"/>
-              <a:t>辺の長さや頂点数は不変</a:t>
-            </a:r>
-            <a:endParaRPr lang="en-US" altLang="ja-JP" dirty="0"/>
-          </a:p>
-          <a:p>
-            <a:pPr lvl="1"/>
-            <a:r>
-              <a:rPr kumimoji="1" lang="ja-JP" altLang="en-US"/>
-              <a:t>（例）</a:t>
+              <a:t>（例）二次元平面（</a:t>
             </a:r>
             <a:r>
               <a:rPr kumimoji="1" lang="en-US" altLang="ja-JP" dirty="0"/>
@@ -4564,55 +7361,32 @@
             </a:r>
             <a:r>
               <a:rPr kumimoji="1" lang="ja-JP" altLang="en-US"/>
-              <a:t>次行列の</a:t>
+              <a:t>次元ユークリッド空間という）</a:t>
+            </a:r>
+            <a:endParaRPr kumimoji="1" lang="en-US" altLang="ja-JP" dirty="0"/>
+          </a:p>
+          <a:p>
+            <a:pPr lvl="1"/>
+            <a:r>
+              <a:rPr lang="ja-JP" altLang="en-US"/>
+              <a:t>（例）</a:t>
             </a:r>
             <a:r>
               <a:rPr lang="en-US" altLang="ja-JP" dirty="0"/>
-              <a:t>{</a:t>
-            </a:r>
-            <a:r>
-              <a:rPr kumimoji="1" lang="ja-JP" altLang="en-US"/>
-              <a:t>和</a:t>
-            </a:r>
-            <a:r>
-              <a:rPr kumimoji="1" lang="en-US" altLang="ja-JP" dirty="0"/>
-              <a:t>,</a:t>
-            </a:r>
-            <a:r>
-              <a:rPr kumimoji="1" lang="ja-JP" altLang="en-US"/>
-              <a:t>積</a:t>
-            </a:r>
-            <a:r>
-              <a:rPr kumimoji="1" lang="en-US" altLang="ja-JP" dirty="0"/>
-              <a:t>}</a:t>
-            </a:r>
-            <a:r>
-              <a:rPr kumimoji="1" lang="ja-JP" altLang="en-US"/>
-              <a:t>は</a:t>
-            </a:r>
-            <a:r>
-              <a:rPr kumimoji="1" lang="en-US" altLang="ja-JP" dirty="0"/>
               <a:t>2</a:t>
             </a:r>
             <a:r>
               <a:rPr lang="ja-JP" altLang="en-US"/>
-              <a:t>次</a:t>
-            </a:r>
-            <a:r>
-              <a:rPr kumimoji="1" lang="ja-JP" altLang="en-US"/>
-              <a:t>行列になる．</a:t>
-            </a:r>
-            <a:endParaRPr kumimoji="1" lang="en-US" altLang="ja-JP" dirty="0"/>
-          </a:p>
-          <a:p>
-            <a:endParaRPr kumimoji="1" lang="ja-JP" altLang="en-US"/>
+              <a:t>次平方行列全体の集合</a:t>
+            </a:r>
+            <a:endParaRPr lang="en-US" altLang="ja-JP" dirty="0"/>
           </a:p>
         </p:txBody>
       </p:sp>
     </p:spTree>
     <p:extLst>
       <p:ext uri="{BB962C8B-B14F-4D97-AF65-F5344CB8AC3E}">
-        <p14:creationId xmlns:p14="http://schemas.microsoft.com/office/powerpoint/2010/main" val="3220184021"/>
+        <p14:creationId xmlns:p14="http://schemas.microsoft.com/office/powerpoint/2010/main" val="896335871"/>
       </p:ext>
     </p:extLst>
   </p:cSld>
@@ -4644,7 +7418,7 @@
           <p:cNvPr id="2" name="タイトル 1">
             <a:extLst>
               <a:ext uri="{FF2B5EF4-FFF2-40B4-BE49-F238E27FC236}">
-                <a16:creationId xmlns:a16="http://schemas.microsoft.com/office/drawing/2014/main" id="{3FADE1B3-2A00-6944-8C45-6FCF6E2330EC}"/>
+                <a16:creationId xmlns:a16="http://schemas.microsoft.com/office/drawing/2014/main" id="{D85E68C2-D2F1-A54B-B2FC-6CB1D301E9F5}"/>
               </a:ext>
             </a:extLst>
           </p:cNvPr>
@@ -4661,9 +7435,10 @@
           <a:lstStyle/>
           <a:p>
             <a:r>
-              <a:rPr kumimoji="1" lang="ja-JP" altLang="en-US"/>
-              <a:t>作用</a:t>
-            </a:r>
+              <a:rPr lang="ja-JP" altLang="en-US"/>
+              <a:t>演算？</a:t>
+            </a:r>
+            <a:endParaRPr kumimoji="1" lang="ja-JP" altLang="en-US"/>
           </a:p>
         </p:txBody>
       </p:sp>
@@ -4672,7 +7447,7 @@
           <p:cNvPr id="3" name="コンテンツ プレースホルダー 2">
             <a:extLst>
               <a:ext uri="{FF2B5EF4-FFF2-40B4-BE49-F238E27FC236}">
-                <a16:creationId xmlns:a16="http://schemas.microsoft.com/office/drawing/2014/main" id="{E071A807-CA15-154A-B850-00A7C062A62E}"/>
+                <a16:creationId xmlns:a16="http://schemas.microsoft.com/office/drawing/2014/main" id="{F1436F57-96C2-564D-AD77-F66D03B05305}"/>
               </a:ext>
             </a:extLst>
           </p:cNvPr>
@@ -4689,24 +7464,104 @@
           <a:lstStyle/>
           <a:p>
             <a:r>
-              <a:rPr kumimoji="1" lang="ja-JP" altLang="en-US"/>
-              <a:t>群の元</a:t>
+              <a:rPr lang="ja-JP" altLang="en-US"/>
+              <a:t>演算とは？</a:t>
+            </a:r>
+            <a:endParaRPr lang="en-US" altLang="ja-JP" dirty="0"/>
+          </a:p>
+          <a:p>
+            <a:pPr lvl="1"/>
+            <a:r>
+              <a:rPr lang="ja-JP" altLang="en-US"/>
+              <a:t>前後で性質が変わらないように写すこと．写像．</a:t>
             </a:r>
             <a:endParaRPr kumimoji="1" lang="en-US" altLang="ja-JP" dirty="0"/>
           </a:p>
           <a:p>
+            <a:pPr lvl="1"/>
+            <a:r>
+              <a:rPr kumimoji="1" lang="ja-JP" altLang="en-US"/>
+              <a:t>（例）</a:t>
+            </a:r>
+            <a:r>
+              <a:rPr kumimoji="1" lang="en-US" altLang="ja-JP" dirty="0"/>
+              <a:t>π/4</a:t>
+            </a:r>
             <a:r>
               <a:rPr lang="ja-JP" altLang="en-US"/>
-              <a:t>集合に作用する</a:t>
+              <a:t>回転しても</a:t>
+            </a:r>
+            <a:r>
+              <a:rPr lang="en-US" altLang="ja-JP" dirty="0"/>
+              <a:t>4</a:t>
+            </a:r>
+            <a:r>
+              <a:rPr lang="ja-JP" altLang="en-US"/>
+              <a:t>辺の長さや頂点数は不変</a:t>
+            </a:r>
+            <a:endParaRPr lang="en-US" altLang="ja-JP" dirty="0"/>
+          </a:p>
+          <a:p>
+            <a:pPr lvl="1"/>
+            <a:r>
+              <a:rPr kumimoji="1" lang="ja-JP" altLang="en-US"/>
+              <a:t>（例）</a:t>
+            </a:r>
+            <a:r>
+              <a:rPr kumimoji="1" lang="en-US" altLang="ja-JP" dirty="0"/>
+              <a:t>2</a:t>
+            </a:r>
+            <a:r>
+              <a:rPr kumimoji="1" lang="ja-JP" altLang="en-US"/>
+              <a:t>次行列の</a:t>
+            </a:r>
+            <a:r>
+              <a:rPr lang="en-US" altLang="ja-JP" dirty="0"/>
+              <a:t>{</a:t>
+            </a:r>
+            <a:r>
+              <a:rPr kumimoji="1" lang="ja-JP" altLang="en-US"/>
+              <a:t>和</a:t>
+            </a:r>
+            <a:r>
+              <a:rPr kumimoji="1" lang="en-US" altLang="ja-JP" dirty="0"/>
+              <a:t>,</a:t>
+            </a:r>
+            <a:r>
+              <a:rPr kumimoji="1" lang="ja-JP" altLang="en-US"/>
+              <a:t>積</a:t>
+            </a:r>
+            <a:r>
+              <a:rPr kumimoji="1" lang="en-US" altLang="ja-JP" dirty="0"/>
+              <a:t>}</a:t>
+            </a:r>
+            <a:r>
+              <a:rPr kumimoji="1" lang="ja-JP" altLang="en-US"/>
+              <a:t>は</a:t>
+            </a:r>
+            <a:r>
+              <a:rPr kumimoji="1" lang="en-US" altLang="ja-JP" dirty="0"/>
+              <a:t>2</a:t>
+            </a:r>
+            <a:r>
+              <a:rPr lang="ja-JP" altLang="en-US"/>
+              <a:t>次</a:t>
+            </a:r>
+            <a:r>
+              <a:rPr kumimoji="1" lang="ja-JP" altLang="en-US"/>
+              <a:t>行列になる．</a:t>
             </a:r>
             <a:endParaRPr kumimoji="1" lang="en-US" altLang="ja-JP" dirty="0"/>
+          </a:p>
+          <a:p>
+            <a:endParaRPr kumimoji="1" lang="ja-JP" altLang="en-US"/>
           </a:p>
         </p:txBody>
       </p:sp>
     </p:spTree>
     <p:extLst>
       <p:ext uri="{BB962C8B-B14F-4D97-AF65-F5344CB8AC3E}">
-        <p14:creationId xmlns:p14="http://schemas.microsoft.com/office/powerpoint/2010/main" val="1124779067"/>
+        <p14:creationId xmlns:p14="http://schemas.microsoft.com/office/powerpoint/2010/main" val="3220184021"/>
       </p:ext>
     </p:extLst>
   </p:cSld>
@@ -4738,7 +7593,7 @@
           <p:cNvPr id="2" name="タイトル 1">
             <a:extLst>
               <a:ext uri="{FF2B5EF4-FFF2-40B4-BE49-F238E27FC236}">
-                <a16:creationId xmlns:a16="http://schemas.microsoft.com/office/drawing/2014/main" id="{0AA80DD3-7B55-5E4C-BC50-93BA664AAE9D}"/>
+                <a16:creationId xmlns:a16="http://schemas.microsoft.com/office/drawing/2014/main" id="{9DA69A30-AF95-324B-A5E3-8B825D4CC415}"/>
               </a:ext>
             </a:extLst>
           </p:cNvPr>
@@ -4756,7 +7611,7 @@
           <a:p>
             <a:r>
               <a:rPr kumimoji="1" lang="ja-JP" altLang="en-US"/>
-              <a:t>群の定義</a:t>
+              <a:t>群の種類（クラス）</a:t>
             </a:r>
           </a:p>
         </p:txBody>
@@ -4766,7 +7621,7 @@
           <p:cNvPr id="3" name="コンテンツ プレースホルダー 2">
             <a:extLst>
               <a:ext uri="{FF2B5EF4-FFF2-40B4-BE49-F238E27FC236}">
-                <a16:creationId xmlns:a16="http://schemas.microsoft.com/office/drawing/2014/main" id="{3DC394E8-B340-1042-958B-08B9A42809D5}"/>
+                <a16:creationId xmlns:a16="http://schemas.microsoft.com/office/drawing/2014/main" id="{D8F413E1-9001-8A49-A818-51A435D1379A}"/>
               </a:ext>
             </a:extLst>
           </p:cNvPr>
@@ -4777,35 +7632,281 @@
             <p:ph idx="1"/>
           </p:nvPr>
         </p:nvSpPr>
-        <p:spPr/>
-        <p:txBody>
-          <a:bodyPr/>
+        <p:spPr>
+          <a:xfrm>
+            <a:off x="838200" y="1354238"/>
+            <a:ext cx="10515600" cy="4822725"/>
+          </a:xfrm>
+        </p:spPr>
+        <p:txBody>
+          <a:bodyPr>
+            <a:normAutofit/>
+          </a:bodyPr>
           <a:lstStyle/>
           <a:p>
-            <a:r>
-              <a:rPr kumimoji="1" lang="ja-JP" altLang="en-US"/>
-              <a:t>１</a:t>
+            <a:pPr marL="0" indent="0">
+              <a:buNone/>
+            </a:pPr>
+            <a:r>
+              <a:rPr kumimoji="1" lang="ja-JP" altLang="en-US"/>
+              <a:t>構造で分けた際に群の元（＝写像）の性質で分けることができる</a:t>
             </a:r>
             <a:endParaRPr kumimoji="1" lang="en-US" altLang="ja-JP" dirty="0"/>
           </a:p>
           <a:p>
+            <a:pPr marL="0" indent="0">
+              <a:buNone/>
+            </a:pPr>
+            <a:endParaRPr lang="en-US" altLang="ja-JP" dirty="0"/>
+          </a:p>
+          <a:p>
+            <a:r>
+              <a:rPr kumimoji="1" lang="ja-JP" altLang="en-US"/>
+              <a:t>置換群：</a:t>
+            </a:r>
+            <a:r>
+              <a:rPr lang="ja-JP" altLang="en-US">
+                <a:solidFill>
+                  <a:schemeClr val="tx1">
+                    <a:lumMod val="50000"/>
+                    <a:lumOff val="50000"/>
+                  </a:schemeClr>
+                </a:solidFill>
+              </a:rPr>
+              <a:t>任意の集合</a:t>
+            </a:r>
+            <a:r>
+              <a:rPr lang="en-US" altLang="ja-JP" dirty="0">
+                <a:solidFill>
+                  <a:schemeClr val="tx1">
+                    <a:lumMod val="50000"/>
+                    <a:lumOff val="50000"/>
+                  </a:schemeClr>
+                </a:solidFill>
+              </a:rPr>
+              <a:t>A</a:t>
+            </a:r>
+            <a:r>
+              <a:rPr lang="ja-JP" altLang="en-US">
+                <a:solidFill>
+                  <a:schemeClr val="tx1">
+                    <a:lumMod val="50000"/>
+                    <a:lumOff val="50000"/>
+                  </a:schemeClr>
+                </a:solidFill>
+              </a:rPr>
+              <a:t>から集合</a:t>
+            </a:r>
+            <a:r>
+              <a:rPr lang="en-US" altLang="ja-JP" dirty="0">
+                <a:solidFill>
+                  <a:schemeClr val="tx1">
+                    <a:lumMod val="50000"/>
+                    <a:lumOff val="50000"/>
+                  </a:schemeClr>
+                </a:solidFill>
+              </a:rPr>
+              <a:t>A</a:t>
+            </a:r>
+            <a:r>
+              <a:rPr lang="ja-JP" altLang="en-US">
+                <a:solidFill>
+                  <a:schemeClr val="tx1">
+                    <a:lumMod val="50000"/>
+                    <a:lumOff val="50000"/>
+                  </a:schemeClr>
+                </a:solidFill>
+              </a:rPr>
+              <a:t>への全単射</a:t>
+            </a:r>
+            <a:endParaRPr kumimoji="1" lang="en-US" altLang="ja-JP" dirty="0">
+              <a:solidFill>
+                <a:schemeClr val="tx1">
+                  <a:lumMod val="50000"/>
+                  <a:lumOff val="50000"/>
+                </a:schemeClr>
+              </a:solidFill>
+            </a:endParaRPr>
+          </a:p>
+          <a:p>
             <a:r>
               <a:rPr lang="ja-JP" altLang="en-US"/>
-              <a:t>２</a:t>
-            </a:r>
-            <a:endParaRPr lang="en-US" altLang="ja-JP" dirty="0"/>
-          </a:p>
-          <a:p>
-            <a:r>
-              <a:rPr kumimoji="1" lang="ja-JP" altLang="en-US"/>
-              <a:t>３</a:t>
-            </a:r>
-            <a:endParaRPr kumimoji="1" lang="en-US" altLang="ja-JP" dirty="0"/>
-          </a:p>
-          <a:p>
+              <a:t>行列群：</a:t>
+            </a:r>
+            <a:r>
+              <a:rPr lang="ja-JP" altLang="en-US">
+                <a:solidFill>
+                  <a:schemeClr val="tx1">
+                    <a:lumMod val="50000"/>
+                    <a:lumOff val="50000"/>
+                  </a:schemeClr>
+                </a:solidFill>
+              </a:rPr>
+              <a:t>正則行列を集めた群</a:t>
+            </a:r>
+            <a:endParaRPr lang="en-US" altLang="ja-JP" dirty="0">
+              <a:solidFill>
+                <a:schemeClr val="tx1">
+                  <a:lumMod val="50000"/>
+                  <a:lumOff val="50000"/>
+                </a:schemeClr>
+              </a:solidFill>
+            </a:endParaRPr>
+          </a:p>
+          <a:p>
+            <a:r>
+              <a:rPr kumimoji="1" lang="ja-JP" altLang="en-US"/>
+              <a:t>変換群</a:t>
+            </a:r>
             <a:r>
               <a:rPr lang="ja-JP" altLang="en-US"/>
-              <a:t>４</a:t>
+              <a:t>：</a:t>
+            </a:r>
+            <a:r>
+              <a:rPr lang="ja-JP" altLang="en-US">
+                <a:solidFill>
+                  <a:schemeClr val="tx1">
+                    <a:lumMod val="50000"/>
+                    <a:lumOff val="50000"/>
+                  </a:schemeClr>
+                </a:solidFill>
+              </a:rPr>
+              <a:t>集合</a:t>
+            </a:r>
+            <a:r>
+              <a:rPr lang="en-US" altLang="ja-JP" dirty="0">
+                <a:solidFill>
+                  <a:schemeClr val="tx1">
+                    <a:lumMod val="50000"/>
+                    <a:lumOff val="50000"/>
+                  </a:schemeClr>
+                </a:solidFill>
+              </a:rPr>
+              <a:t>A</a:t>
+            </a:r>
+            <a:r>
+              <a:rPr lang="ja-JP" altLang="en-US">
+                <a:solidFill>
+                  <a:schemeClr val="tx1">
+                    <a:lumMod val="50000"/>
+                    <a:lumOff val="50000"/>
+                  </a:schemeClr>
+                </a:solidFill>
+              </a:rPr>
+              <a:t>から集合</a:t>
+            </a:r>
+            <a:r>
+              <a:rPr lang="en-US" altLang="ja-JP" dirty="0">
+                <a:solidFill>
+                  <a:schemeClr val="tx1">
+                    <a:lumMod val="50000"/>
+                    <a:lumOff val="50000"/>
+                  </a:schemeClr>
+                </a:solidFill>
+              </a:rPr>
+              <a:t>A</a:t>
+            </a:r>
+            <a:r>
+              <a:rPr lang="ja-JP" altLang="en-US">
+                <a:solidFill>
+                  <a:schemeClr val="tx1">
+                    <a:lumMod val="50000"/>
+                    <a:lumOff val="50000"/>
+                  </a:schemeClr>
+                </a:solidFill>
+              </a:rPr>
+              <a:t>への構造を保つ写像全体の集合．</a:t>
+            </a:r>
+            <a:br>
+              <a:rPr lang="en-US" altLang="ja-JP" dirty="0">
+                <a:solidFill>
+                  <a:schemeClr val="tx1">
+                    <a:lumMod val="50000"/>
+                    <a:lumOff val="50000"/>
+                  </a:schemeClr>
+                </a:solidFill>
+              </a:rPr>
+            </a:br>
+            <a:r>
+              <a:rPr lang="en-US" altLang="ja-JP" dirty="0">
+                <a:solidFill>
+                  <a:schemeClr val="tx1">
+                    <a:lumMod val="50000"/>
+                    <a:lumOff val="50000"/>
+                  </a:schemeClr>
+                </a:solidFill>
+              </a:rPr>
+              <a:t>		</a:t>
+            </a:r>
+            <a:r>
+              <a:rPr lang="ja-JP" altLang="en-US">
+                <a:solidFill>
+                  <a:schemeClr val="tx1">
+                    <a:lumMod val="50000"/>
+                    <a:lumOff val="50000"/>
+                  </a:schemeClr>
+                </a:solidFill>
+              </a:rPr>
+              <a:t>置換群と行列群は変換群の特別な場合</a:t>
+            </a:r>
+            <a:endParaRPr lang="en-US" altLang="ja-JP" dirty="0">
+              <a:solidFill>
+                <a:schemeClr val="tx1">
+                  <a:lumMod val="50000"/>
+                  <a:lumOff val="50000"/>
+                </a:schemeClr>
+              </a:solidFill>
+            </a:endParaRPr>
+          </a:p>
+          <a:p>
+            <a:r>
+              <a:rPr kumimoji="1" lang="ja-JP" altLang="en-US"/>
+              <a:t>位相群・代数群</a:t>
+            </a:r>
+            <a:r>
+              <a:rPr lang="ja-JP" altLang="en-US"/>
+              <a:t>：</a:t>
+            </a:r>
+            <a:r>
+              <a:rPr lang="ja-JP" altLang="en-US">
+                <a:solidFill>
+                  <a:schemeClr val="tx1">
+                    <a:lumMod val="50000"/>
+                    <a:lumOff val="50000"/>
+                  </a:schemeClr>
+                </a:solidFill>
+              </a:rPr>
+              <a:t>変換群の構造に連続性を加えたもの</a:t>
+            </a:r>
+            <a:endParaRPr lang="en-US" altLang="ja-JP" dirty="0">
+              <a:solidFill>
+                <a:schemeClr val="tx1">
+                  <a:lumMod val="50000"/>
+                  <a:lumOff val="50000"/>
+                </a:schemeClr>
+              </a:solidFill>
+            </a:endParaRPr>
+          </a:p>
+          <a:p>
+            <a:pPr marL="0" indent="0">
+              <a:buNone/>
+            </a:pPr>
+            <a:endParaRPr lang="en-US" altLang="ja-JP" dirty="0">
+              <a:solidFill>
+                <a:schemeClr val="tx1">
+                  <a:lumMod val="50000"/>
+                  <a:lumOff val="50000"/>
+                </a:schemeClr>
+              </a:solidFill>
+            </a:endParaRPr>
+          </a:p>
+          <a:p>
+            <a:pPr marL="0" indent="0">
+              <a:buNone/>
+            </a:pPr>
+            <a:r>
+              <a:rPr lang="ja-JP" altLang="en-US"/>
+              <a:t>実は「作用」というもので群を分類している</a:t>
             </a:r>
             <a:endParaRPr lang="en-US" altLang="ja-JP" dirty="0"/>
           </a:p>
@@ -4814,7 +7915,7 @@
     </p:spTree>
     <p:extLst>
       <p:ext uri="{BB962C8B-B14F-4D97-AF65-F5344CB8AC3E}">
-        <p14:creationId xmlns:p14="http://schemas.microsoft.com/office/powerpoint/2010/main" val="358005465"/>
+        <p14:creationId xmlns:p14="http://schemas.microsoft.com/office/powerpoint/2010/main" val="3985254540"/>
       </p:ext>
     </p:extLst>
   </p:cSld>
@@ -4846,7 +7947,7 @@
           <p:cNvPr id="2" name="タイトル 1">
             <a:extLst>
               <a:ext uri="{FF2B5EF4-FFF2-40B4-BE49-F238E27FC236}">
-                <a16:creationId xmlns:a16="http://schemas.microsoft.com/office/drawing/2014/main" id="{6DBA5FD9-9B4F-4D47-9C0F-FF8B36B50FF8}"/>
+                <a16:creationId xmlns:a16="http://schemas.microsoft.com/office/drawing/2014/main" id="{3FADE1B3-2A00-6944-8C45-6FCF6E2330EC}"/>
               </a:ext>
             </a:extLst>
           </p:cNvPr>
@@ -4864,7 +7965,7 @@
           <a:p>
             <a:r>
               <a:rPr kumimoji="1" lang="ja-JP" altLang="en-US"/>
-              <a:t>強さ別</a:t>
+              <a:t>群の作用</a:t>
             </a:r>
           </a:p>
         </p:txBody>
@@ -4874,7 +7975,7 @@
           <p:cNvPr id="3" name="コンテンツ プレースホルダー 2">
             <a:extLst>
               <a:ext uri="{FF2B5EF4-FFF2-40B4-BE49-F238E27FC236}">
-                <a16:creationId xmlns:a16="http://schemas.microsoft.com/office/drawing/2014/main" id="{081F3F6B-8243-714A-8D67-7B135CA53F49}"/>
+                <a16:creationId xmlns:a16="http://schemas.microsoft.com/office/drawing/2014/main" id="{E071A807-CA15-154A-B850-00A7C062A62E}"/>
               </a:ext>
             </a:extLst>
           </p:cNvPr>
@@ -4891,41 +7992,120 @@
           <a:lstStyle/>
           <a:p>
             <a:r>
+              <a:rPr kumimoji="1" lang="ja-JP" altLang="en-US"/>
+              <a:t>群</a:t>
+            </a:r>
+            <a:r>
+              <a:rPr kumimoji="1" lang="en-US" altLang="ja-JP" dirty="0"/>
+              <a:t>G</a:t>
+            </a:r>
+            <a:r>
+              <a:rPr kumimoji="1" lang="ja-JP" altLang="en-US"/>
+              <a:t>の元が集合</a:t>
+            </a:r>
+            <a:r>
+              <a:rPr kumimoji="1" lang="en-US" altLang="ja-JP" dirty="0"/>
+              <a:t>A</a:t>
+            </a:r>
+            <a:r>
+              <a:rPr kumimoji="1" lang="ja-JP" altLang="en-US"/>
+              <a:t>から集合</a:t>
+            </a:r>
+            <a:r>
+              <a:rPr kumimoji="1" lang="en-US" altLang="ja-JP" dirty="0"/>
+              <a:t>A</a:t>
+            </a:r>
+            <a:r>
               <a:rPr lang="ja-JP" altLang="en-US"/>
-              <a:t>（閉包・結合則）半群</a:t>
+              <a:t>へと</a:t>
+            </a:r>
+            <a:r>
+              <a:rPr kumimoji="1" lang="ja-JP" altLang="en-US"/>
+              <a:t>写す写像となる時</a:t>
+            </a:r>
+            <a:br>
+              <a:rPr kumimoji="1" lang="en-US" altLang="ja-JP" dirty="0"/>
+            </a:br>
+            <a:r>
+              <a:rPr kumimoji="1" lang="ja-JP" altLang="en-US"/>
+              <a:t>「群</a:t>
+            </a:r>
+            <a:r>
+              <a:rPr kumimoji="1" lang="en-US" altLang="ja-JP" dirty="0"/>
+              <a:t>G</a:t>
+            </a:r>
+            <a:r>
+              <a:rPr kumimoji="1" lang="ja-JP" altLang="en-US"/>
+              <a:t>の集合</a:t>
+            </a:r>
+            <a:r>
+              <a:rPr kumimoji="1" lang="en-US" altLang="ja-JP" dirty="0"/>
+              <a:t>A</a:t>
+            </a:r>
+            <a:r>
+              <a:rPr kumimoji="1" lang="ja-JP" altLang="en-US"/>
+              <a:t>への作用」という．</a:t>
+            </a:r>
+            <a:br>
+              <a:rPr kumimoji="1" lang="en-US" altLang="ja-JP" dirty="0"/>
+            </a:br>
+            <a:endParaRPr kumimoji="1" lang="en-US" altLang="ja-JP" dirty="0"/>
+          </a:p>
+          <a:p>
+            <a:r>
+              <a:rPr lang="ja-JP" altLang="en-US"/>
+              <a:t>集合に対して群の性質を適用させている</a:t>
             </a:r>
             <a:endParaRPr lang="en-US" altLang="ja-JP" dirty="0"/>
           </a:p>
           <a:p>
-            <a:r>
-              <a:rPr kumimoji="1" lang="ja-JP" altLang="en-US"/>
-              <a:t>（＋単位元）モノイド</a:t>
-            </a:r>
-            <a:endParaRPr kumimoji="1" lang="en-US" altLang="ja-JP" dirty="0"/>
+            <a:endParaRPr lang="en-US" altLang="ja-JP" dirty="0"/>
           </a:p>
           <a:p>
             <a:r>
               <a:rPr lang="ja-JP" altLang="en-US"/>
-              <a:t>（＋逆元）群</a:t>
+              <a:t>（例）二次元ユークリッド平面</a:t>
             </a:r>
             <a:endParaRPr lang="en-US" altLang="ja-JP" dirty="0"/>
           </a:p>
           <a:p>
-            <a:r>
-              <a:rPr kumimoji="1" lang="ja-JP" altLang="en-US"/>
-              <a:t>（＋可換）アーベル群</a:t>
-            </a:r>
-            <a:endParaRPr kumimoji="1" lang="en-US" altLang="ja-JP" dirty="0"/>
-          </a:p>
-          <a:p>
-            <a:endParaRPr kumimoji="1" lang="en-US" altLang="ja-JP" dirty="0"/>
+            <a:pPr lvl="1"/>
+            <a:r>
+              <a:rPr lang="ja-JP" altLang="en-US"/>
+              <a:t>平行移動，回転，拡大，反転</a:t>
+            </a:r>
+            <a:endParaRPr lang="en-US" altLang="ja-JP" dirty="0"/>
+          </a:p>
+          <a:p>
+            <a:pPr lvl="1"/>
+            <a:r>
+              <a:rPr lang="ja-JP" altLang="en-US"/>
+              <a:t>上記</a:t>
+            </a:r>
+            <a:r>
+              <a:rPr lang="en-US" altLang="ja-JP" dirty="0"/>
+              <a:t>4</a:t>
+            </a:r>
+            <a:r>
+              <a:rPr lang="ja-JP" altLang="en-US"/>
+              <a:t>つの変換（写像）は平面から平面に，性質を保ちながら写している．</a:t>
+            </a:r>
+            <a:endParaRPr lang="en-US" altLang="ja-JP" dirty="0"/>
+          </a:p>
+          <a:p>
+            <a:pPr lvl="1"/>
+            <a:r>
+              <a:rPr lang="ja-JP" altLang="en-US"/>
+              <a:t>正方形は回転させても正方形だよね</a:t>
+            </a:r>
+            <a:endParaRPr lang="en-US" altLang="ja-JP" dirty="0"/>
           </a:p>
         </p:txBody>
       </p:sp>
     </p:spTree>
     <p:extLst>
       <p:ext uri="{BB962C8B-B14F-4D97-AF65-F5344CB8AC3E}">
-        <p14:creationId xmlns:p14="http://schemas.microsoft.com/office/powerpoint/2010/main" val="269722544"/>
+        <p14:creationId xmlns:p14="http://schemas.microsoft.com/office/powerpoint/2010/main" val="1124779067"/>
       </p:ext>
     </p:extLst>
   </p:cSld>
@@ -5228,4 +8408,299 @@
     </a:ext>
   </a:extLst>
 </a:theme>
+</file>
+
+<file path=ppt/theme/theme2.xml><?xml version="1.0" encoding="utf-8"?>
+<a:theme xmlns:a="http://schemas.openxmlformats.org/drawingml/2006/main" name="Office テーマ">
+  <a:themeElements>
+    <a:clrScheme name="Office">
+      <a:dk1>
+        <a:sysClr val="windowText" lastClr="000000"/>
+      </a:dk1>
+      <a:lt1>
+        <a:sysClr val="window" lastClr="FFFFFF"/>
+      </a:lt1>
+      <a:dk2>
+        <a:srgbClr val="44546A"/>
+      </a:dk2>
+      <a:lt2>
+        <a:srgbClr val="E7E6E6"/>
+      </a:lt2>
+      <a:accent1>
+        <a:srgbClr val="4472C4"/>
+      </a:accent1>
+      <a:accent2>
+        <a:srgbClr val="ED7D31"/>
+      </a:accent2>
+      <a:accent3>
+        <a:srgbClr val="A5A5A5"/>
+      </a:accent3>
+      <a:accent4>
+        <a:srgbClr val="FFC000"/>
+      </a:accent4>
+      <a:accent5>
+        <a:srgbClr val="5B9BD5"/>
+      </a:accent5>
+      <a:accent6>
+        <a:srgbClr val="70AD47"/>
+      </a:accent6>
+      <a:hlink>
+        <a:srgbClr val="0563C1"/>
+      </a:hlink>
+      <a:folHlink>
+        <a:srgbClr val="954F72"/>
+      </a:folHlink>
+    </a:clrScheme>
+    <a:fontScheme name="Office">
+      <a:majorFont>
+        <a:latin typeface="游ゴシック Light" panose="020F0302020204030204"/>
+        <a:ea typeface=""/>
+        <a:cs typeface=""/>
+        <a:font script="Jpan" typeface="游ゴシック Light"/>
+        <a:font script="Hang" typeface="맑은 고딕"/>
+        <a:font script="Hans" typeface="等线 Light"/>
+        <a:font script="Hant" typeface="新細明體"/>
+        <a:font script="Arab" typeface="Times New Roman"/>
+        <a:font script="Hebr" typeface="Times New Roman"/>
+        <a:font script="Thai" typeface="Angsana New"/>
+        <a:font script="Ethi" typeface="Nyala"/>
+        <a:font script="Beng" typeface="Vrinda"/>
+        <a:font script="Gujr" typeface="Shruti"/>
+        <a:font script="Khmr" typeface="MoolBoran"/>
+        <a:font script="Knda" typeface="Tunga"/>
+        <a:font script="Guru" typeface="Raavi"/>
+        <a:font script="Cans" typeface="Euphemia"/>
+        <a:font script="Cher" typeface="Plantagenet Cherokee"/>
+        <a:font script="Yiii" typeface="Microsoft Yi Baiti"/>
+        <a:font script="Tibt" typeface="Microsoft Himalaya"/>
+        <a:font script="Thaa" typeface="MV Boli"/>
+        <a:font script="Deva" typeface="Mangal"/>
+        <a:font script="Telu" typeface="Gautami"/>
+        <a:font script="Taml" typeface="Latha"/>
+        <a:font script="Syrc" typeface="Estrangelo Edessa"/>
+        <a:font script="Orya" typeface="Kalinga"/>
+        <a:font script="Mlym" typeface="Kartika"/>
+        <a:font script="Laoo" typeface="DokChampa"/>
+        <a:font script="Sinh" typeface="Iskoola Pota"/>
+        <a:font script="Mong" typeface="Mongolian Baiti"/>
+        <a:font script="Viet" typeface="Times New Roman"/>
+        <a:font script="Uigh" typeface="Microsoft Uighur"/>
+        <a:font script="Geor" typeface="Sylfaen"/>
+        <a:font script="Armn" typeface="Arial"/>
+        <a:font script="Bugi" typeface="Leelawadee UI"/>
+        <a:font script="Bopo" typeface="Microsoft JhengHei"/>
+        <a:font script="Java" typeface="Javanese Text"/>
+        <a:font script="Lisu" typeface="Segoe UI"/>
+        <a:font script="Mymr" typeface="Myanmar Text"/>
+        <a:font script="Nkoo" typeface="Ebrima"/>
+        <a:font script="Olck" typeface="Nirmala UI"/>
+        <a:font script="Osma" typeface="Ebrima"/>
+        <a:font script="Phag" typeface="Phagspa"/>
+        <a:font script="Syrn" typeface="Estrangelo Edessa"/>
+        <a:font script="Syrj" typeface="Estrangelo Edessa"/>
+        <a:font script="Syre" typeface="Estrangelo Edessa"/>
+        <a:font script="Sora" typeface="Nirmala UI"/>
+        <a:font script="Tale" typeface="Microsoft Tai Le"/>
+        <a:font script="Talu" typeface="Microsoft New Tai Lue"/>
+        <a:font script="Tfng" typeface="Ebrima"/>
+      </a:majorFont>
+      <a:minorFont>
+        <a:latin typeface="游ゴシック" panose="020F0502020204030204"/>
+        <a:ea typeface=""/>
+        <a:cs typeface=""/>
+        <a:font script="Jpan" typeface="游ゴシック"/>
+        <a:font script="Hang" typeface="맑은 고딕"/>
+        <a:font script="Hans" typeface="等线"/>
+        <a:font script="Hant" typeface="新細明體"/>
+        <a:font script="Arab" typeface="Arial"/>
+        <a:font script="Hebr" typeface="Arial"/>
+        <a:font script="Thai" typeface="Cordia New"/>
+        <a:font script="Ethi" typeface="Nyala"/>
+        <a:font script="Beng" typeface="Vrinda"/>
+        <a:font script="Gujr" typeface="Shruti"/>
+        <a:font script="Khmr" typeface="DaunPenh"/>
+        <a:font script="Knda" typeface="Tunga"/>
+        <a:font script="Guru" typeface="Raavi"/>
+        <a:font script="Cans" typeface="Euphemia"/>
+        <a:font script="Cher" typeface="Plantagenet Cherokee"/>
+        <a:font script="Yiii" typeface="Microsoft Yi Baiti"/>
+        <a:font script="Tibt" typeface="Microsoft Himalaya"/>
+        <a:font script="Thaa" typeface="MV Boli"/>
+        <a:font script="Deva" typeface="Mangal"/>
+        <a:font script="Telu" typeface="Gautami"/>
+        <a:font script="Taml" typeface="Latha"/>
+        <a:font script="Syrc" typeface="Estrangelo Edessa"/>
+        <a:font script="Orya" typeface="Kalinga"/>
+        <a:font script="Mlym" typeface="Kartika"/>
+        <a:font script="Laoo" typeface="DokChampa"/>
+        <a:font script="Sinh" typeface="Iskoola Pota"/>
+        <a:font script="Mong" typeface="Mongolian Baiti"/>
+        <a:font script="Viet" typeface="Arial"/>
+        <a:font script="Uigh" typeface="Microsoft Uighur"/>
+        <a:font script="Geor" typeface="Sylfaen"/>
+        <a:font script="Armn" typeface="Arial"/>
+        <a:font script="Bugi" typeface="Leelawadee UI"/>
+        <a:font script="Bopo" typeface="Microsoft JhengHei"/>
+        <a:font script="Java" typeface="Javanese Text"/>
+        <a:font script="Lisu" typeface="Segoe UI"/>
+        <a:font script="Mymr" typeface="Myanmar Text"/>
+        <a:font script="Nkoo" typeface="Ebrima"/>
+        <a:font script="Olck" typeface="Nirmala UI"/>
+        <a:font script="Osma" typeface="Ebrima"/>
+        <a:font script="Phag" typeface="Phagspa"/>
+        <a:font script="Syrn" typeface="Estrangelo Edessa"/>
+        <a:font script="Syrj" typeface="Estrangelo Edessa"/>
+        <a:font script="Syre" typeface="Estrangelo Edessa"/>
+        <a:font script="Sora" typeface="Nirmala UI"/>
+        <a:font script="Tale" typeface="Microsoft Tai Le"/>
+        <a:font script="Talu" typeface="Microsoft New Tai Lue"/>
+        <a:font script="Tfng" typeface="Ebrima"/>
+      </a:minorFont>
+    </a:fontScheme>
+    <a:fmtScheme name="Office">
+      <a:fillStyleLst>
+        <a:solidFill>
+          <a:schemeClr val="phClr"/>
+        </a:solidFill>
+        <a:gradFill rotWithShape="1">
+          <a:gsLst>
+            <a:gs pos="0">
+              <a:schemeClr val="phClr">
+                <a:lumMod val="110000"/>
+                <a:satMod val="105000"/>
+                <a:tint val="67000"/>
+              </a:schemeClr>
+            </a:gs>
+            <a:gs pos="50000">
+              <a:schemeClr val="phClr">
+                <a:lumMod val="105000"/>
+                <a:satMod val="103000"/>
+                <a:tint val="73000"/>
+              </a:schemeClr>
+            </a:gs>
+            <a:gs pos="100000">
+              <a:schemeClr val="phClr">
+                <a:lumMod val="105000"/>
+                <a:satMod val="109000"/>
+                <a:tint val="81000"/>
+              </a:schemeClr>
+            </a:gs>
+          </a:gsLst>
+          <a:lin ang="5400000" scaled="0"/>
+        </a:gradFill>
+        <a:gradFill rotWithShape="1">
+          <a:gsLst>
+            <a:gs pos="0">
+              <a:schemeClr val="phClr">
+                <a:satMod val="103000"/>
+                <a:lumMod val="102000"/>
+                <a:tint val="94000"/>
+              </a:schemeClr>
+            </a:gs>
+            <a:gs pos="50000">
+              <a:schemeClr val="phClr">
+                <a:satMod val="110000"/>
+                <a:lumMod val="100000"/>
+                <a:shade val="100000"/>
+              </a:schemeClr>
+            </a:gs>
+            <a:gs pos="100000">
+              <a:schemeClr val="phClr">
+                <a:lumMod val="99000"/>
+                <a:satMod val="120000"/>
+                <a:shade val="78000"/>
+              </a:schemeClr>
+            </a:gs>
+          </a:gsLst>
+          <a:lin ang="5400000" scaled="0"/>
+        </a:gradFill>
+      </a:fillStyleLst>
+      <a:lnStyleLst>
+        <a:ln w="6350" cap="flat" cmpd="sng" algn="ctr">
+          <a:solidFill>
+            <a:schemeClr val="phClr"/>
+          </a:solidFill>
+          <a:prstDash val="solid"/>
+          <a:miter lim="800000"/>
+        </a:ln>
+        <a:ln w="12700" cap="flat" cmpd="sng" algn="ctr">
+          <a:solidFill>
+            <a:schemeClr val="phClr"/>
+          </a:solidFill>
+          <a:prstDash val="solid"/>
+          <a:miter lim="800000"/>
+        </a:ln>
+        <a:ln w="19050" cap="flat" cmpd="sng" algn="ctr">
+          <a:solidFill>
+            <a:schemeClr val="phClr"/>
+          </a:solidFill>
+          <a:prstDash val="solid"/>
+          <a:miter lim="800000"/>
+        </a:ln>
+      </a:lnStyleLst>
+      <a:effectStyleLst>
+        <a:effectStyle>
+          <a:effectLst/>
+        </a:effectStyle>
+        <a:effectStyle>
+          <a:effectLst/>
+        </a:effectStyle>
+        <a:effectStyle>
+          <a:effectLst>
+            <a:outerShdw blurRad="57150" dist="19050" dir="5400000" algn="ctr" rotWithShape="0">
+              <a:srgbClr val="000000">
+                <a:alpha val="63000"/>
+              </a:srgbClr>
+            </a:outerShdw>
+          </a:effectLst>
+        </a:effectStyle>
+      </a:effectStyleLst>
+      <a:bgFillStyleLst>
+        <a:solidFill>
+          <a:schemeClr val="phClr"/>
+        </a:solidFill>
+        <a:solidFill>
+          <a:schemeClr val="phClr">
+            <a:tint val="95000"/>
+            <a:satMod val="170000"/>
+          </a:schemeClr>
+        </a:solidFill>
+        <a:gradFill rotWithShape="1">
+          <a:gsLst>
+            <a:gs pos="0">
+              <a:schemeClr val="phClr">
+                <a:tint val="93000"/>
+                <a:satMod val="150000"/>
+                <a:shade val="98000"/>
+                <a:lumMod val="102000"/>
+              </a:schemeClr>
+            </a:gs>
+            <a:gs pos="50000">
+              <a:schemeClr val="phClr">
+                <a:tint val="98000"/>
+                <a:satMod val="130000"/>
+                <a:shade val="90000"/>
+                <a:lumMod val="103000"/>
+              </a:schemeClr>
+            </a:gs>
+            <a:gs pos="100000">
+              <a:schemeClr val="phClr">
+                <a:shade val="63000"/>
+                <a:satMod val="120000"/>
+              </a:schemeClr>
+            </a:gs>
+          </a:gsLst>
+          <a:lin ang="5400000" scaled="0"/>
+        </a:gradFill>
+      </a:bgFillStyleLst>
+    </a:fmtScheme>
+  </a:themeElements>
+  <a:objectDefaults/>
+  <a:extraClrSchemeLst/>
+  <a:extLst>
+    <a:ext uri="{05A4C25C-085E-4340-85A3-A5531E510DB2}">
+      <thm15:themeFamily xmlns:thm15="http://schemas.microsoft.com/office/thememl/2012/main" name="Office Theme" id="{62F939B6-93AF-4DB8-9C6B-D6C7DFDC589F}" vid="{4A3C46E8-61CC-4603-A589-7422A47A8E4A}"/>
+    </a:ext>
+  </a:extLst>
+</a:theme>
 </file>
--- a/群の気持ち.pptx
+++ b/群の気持ち.pptx
@@ -5,7 +5,7 @@
     <p:sldMasterId id="2147483648" r:id="rId1"/>
   </p:sldMasterIdLst>
   <p:notesMasterIdLst>
-    <p:notesMasterId r:id="rId16"/>
+    <p:notesMasterId r:id="rId21"/>
   </p:notesMasterIdLst>
   <p:sldIdLst>
     <p:sldId id="256" r:id="rId2"/>
@@ -21,7 +21,12 @@
     <p:sldId id="262" r:id="rId12"/>
     <p:sldId id="263" r:id="rId13"/>
     <p:sldId id="293" r:id="rId14"/>
-    <p:sldId id="297" r:id="rId15"/>
+    <p:sldId id="300" r:id="rId15"/>
+    <p:sldId id="301" r:id="rId16"/>
+    <p:sldId id="297" r:id="rId17"/>
+    <p:sldId id="302" r:id="rId18"/>
+    <p:sldId id="303" r:id="rId19"/>
+    <p:sldId id="304" r:id="rId20"/>
   </p:sldIdLst>
   <p:sldSz cx="12192000" cy="6858000"/>
   <p:notesSz cx="6858000" cy="9144000"/>
@@ -718,6 +723,199 @@
     <p:extLst>
       <p:ext uri="{BB962C8B-B14F-4D97-AF65-F5344CB8AC3E}">
         <p14:creationId xmlns:p14="http://schemas.microsoft.com/office/powerpoint/2010/main" val="782246260"/>
+      </p:ext>
+    </p:extLst>
+  </p:cSld>
+  <p:clrMapOvr>
+    <a:masterClrMapping/>
+  </p:clrMapOvr>
+</p:notes>
+</file>
+
+<file path=ppt/notesSlides/notesSlide3.xml><?xml version="1.0" encoding="utf-8"?>
+<p:notes xmlns:a="http://schemas.openxmlformats.org/drawingml/2006/main" xmlns:r="http://schemas.openxmlformats.org/officeDocument/2006/relationships" xmlns:p="http://schemas.openxmlformats.org/presentationml/2006/main">
+  <p:cSld>
+    <p:spTree>
+      <p:nvGrpSpPr>
+        <p:cNvPr id="1" name=""/>
+        <p:cNvGrpSpPr/>
+        <p:nvPr/>
+      </p:nvGrpSpPr>
+      <p:grpSpPr>
+        <a:xfrm>
+          <a:off x="0" y="0"/>
+          <a:ext cx="0" cy="0"/>
+          <a:chOff x="0" y="0"/>
+          <a:chExt cx="0" cy="0"/>
+        </a:xfrm>
+      </p:grpSpPr>
+      <p:sp>
+        <p:nvSpPr>
+          <p:cNvPr id="2" name="スライド イメージ プレースホルダー 1"/>
+          <p:cNvSpPr>
+            <a:spLocks noGrp="1" noRot="1" noChangeAspect="1"/>
+          </p:cNvSpPr>
+          <p:nvPr>
+            <p:ph type="sldImg"/>
+          </p:nvPr>
+        </p:nvSpPr>
+        <p:spPr/>
+      </p:sp>
+      <p:sp>
+        <p:nvSpPr>
+          <p:cNvPr id="3" name="ノート プレースホルダー 2"/>
+          <p:cNvSpPr>
+            <a:spLocks noGrp="1"/>
+          </p:cNvSpPr>
+          <p:nvPr>
+            <p:ph type="body" idx="1"/>
+          </p:nvPr>
+        </p:nvSpPr>
+        <p:spPr/>
+        <p:txBody>
+          <a:bodyPr/>
+          <a:lstStyle/>
+          <a:p>
+            <a:endParaRPr kumimoji="1" lang="ja-JP" altLang="en-US"/>
+          </a:p>
+        </p:txBody>
+      </p:sp>
+      <p:sp>
+        <p:nvSpPr>
+          <p:cNvPr id="4" name="スライド番号プレースホルダー 3"/>
+          <p:cNvSpPr>
+            <a:spLocks noGrp="1"/>
+          </p:cNvSpPr>
+          <p:nvPr>
+            <p:ph type="sldNum" sz="quarter" idx="5"/>
+          </p:nvPr>
+        </p:nvSpPr>
+        <p:spPr/>
+        <p:txBody>
+          <a:bodyPr/>
+          <a:lstStyle/>
+          <a:p>
+            <a:fld id="{4F6631D1-B60D-8B42-827D-93EFDA4DE72F}" type="slidenum">
+              <a:rPr kumimoji="1" lang="ja-JP" altLang="en-US" smtClean="0"/>
+              <a:t>17</a:t>
+            </a:fld>
+            <a:endParaRPr kumimoji="1" lang="ja-JP" altLang="en-US"/>
+          </a:p>
+        </p:txBody>
+      </p:sp>
+    </p:spTree>
+    <p:extLst>
+      <p:ext uri="{BB962C8B-B14F-4D97-AF65-F5344CB8AC3E}">
+        <p14:creationId xmlns:p14="http://schemas.microsoft.com/office/powerpoint/2010/main" val="823625560"/>
+      </p:ext>
+    </p:extLst>
+  </p:cSld>
+  <p:clrMapOvr>
+    <a:masterClrMapping/>
+  </p:clrMapOvr>
+</p:notes>
+</file>
+
+<file path=ppt/notesSlides/notesSlide4.xml><?xml version="1.0" encoding="utf-8"?>
+<p:notes xmlns:a="http://schemas.openxmlformats.org/drawingml/2006/main" xmlns:r="http://schemas.openxmlformats.org/officeDocument/2006/relationships" xmlns:p="http://schemas.openxmlformats.org/presentationml/2006/main" showMasterSp="0" showMasterPhAnim="0">
+  <p:cSld>
+    <p:spTree>
+      <p:nvGrpSpPr>
+        <p:cNvPr id="1" name="Shape 396"/>
+        <p:cNvGrpSpPr/>
+        <p:nvPr/>
+      </p:nvGrpSpPr>
+      <p:grpSpPr>
+        <a:xfrm>
+          <a:off x="0" y="0"/>
+          <a:ext cx="0" cy="0"/>
+          <a:chOff x="0" y="0"/>
+          <a:chExt cx="0" cy="0"/>
+        </a:xfrm>
+      </p:grpSpPr>
+      <p:sp>
+        <p:nvSpPr>
+          <p:cNvPr id="397" name="Google Shape;397;g5f765d7e0f_0_84:notes"/>
+          <p:cNvSpPr>
+            <a:spLocks noGrp="1" noRot="1" noChangeAspect="1"/>
+          </p:cNvSpPr>
+          <p:nvPr>
+            <p:ph type="sldImg" idx="2"/>
+          </p:nvPr>
+        </p:nvSpPr>
+        <p:spPr>
+          <a:xfrm>
+            <a:off x="381000" y="685800"/>
+            <a:ext cx="6096000" cy="3429000"/>
+          </a:xfrm>
+          <a:custGeom>
+            <a:avLst/>
+            <a:gdLst/>
+            <a:ahLst/>
+            <a:cxnLst/>
+            <a:rect l="l" t="t" r="r" b="b"/>
+            <a:pathLst>
+              <a:path w="120000" h="120000" extrusionOk="0">
+                <a:moveTo>
+                  <a:pt x="0" y="0"/>
+                </a:moveTo>
+                <a:lnTo>
+                  <a:pt x="120000" y="0"/>
+                </a:lnTo>
+                <a:lnTo>
+                  <a:pt x="120000" y="120000"/>
+                </a:lnTo>
+                <a:lnTo>
+                  <a:pt x="0" y="120000"/>
+                </a:lnTo>
+                <a:close/>
+              </a:path>
+            </a:pathLst>
+          </a:custGeom>
+        </p:spPr>
+      </p:sp>
+      <p:sp>
+        <p:nvSpPr>
+          <p:cNvPr id="398" name="Google Shape;398;g5f765d7e0f_0_84:notes"/>
+          <p:cNvSpPr txBox="1">
+            <a:spLocks noGrp="1"/>
+          </p:cNvSpPr>
+          <p:nvPr>
+            <p:ph type="body" idx="1"/>
+          </p:nvPr>
+        </p:nvSpPr>
+        <p:spPr>
+          <a:xfrm>
+            <a:off x="685800" y="4343400"/>
+            <a:ext cx="5486400" cy="4114800"/>
+          </a:xfrm>
+          <a:prstGeom prst="rect">
+            <a:avLst/>
+          </a:prstGeom>
+        </p:spPr>
+        <p:txBody>
+          <a:bodyPr spcFirstLastPara="1" wrap="square" lIns="91425" tIns="91425" rIns="91425" bIns="91425" anchor="t" anchorCtr="0">
+            <a:noAutofit/>
+          </a:bodyPr>
+          <a:lstStyle/>
+          <a:p>
+            <a:pPr marL="0" lvl="0" indent="0" algn="l" rtl="0">
+              <a:spcBef>
+                <a:spcPts val="0"/>
+              </a:spcBef>
+              <a:spcAft>
+                <a:spcPts val="0"/>
+              </a:spcAft>
+              <a:buNone/>
+            </a:pPr>
+            <a:endParaRPr/>
+          </a:p>
+        </p:txBody>
+      </p:sp>
+    </p:spTree>
+    <p:extLst>
+      <p:ext uri="{BB962C8B-B14F-4D97-AF65-F5344CB8AC3E}">
+        <p14:creationId xmlns:p14="http://schemas.microsoft.com/office/powerpoint/2010/main" val="3877744605"/>
       </p:ext>
     </p:extLst>
   </p:cSld>
@@ -4388,7 +4586,7 @@
               <a:p>
                 <a:r>
                   <a:rPr kumimoji="1" lang="ja-JP" altLang="en-US"/>
-                  <a:t>群の例１：</a:t>
+                  <a:t>群の例：</a:t>
                 </a:r>
                 <a:r>
                   <a:rPr lang="fr-CA" altLang="ja" dirty="0"/>
@@ -4453,8 +4651,28 @@
               </a:p>
               <a:p>
                 <a:r>
+                  <a:rPr lang="ja-JP" altLang="en-US"/>
+                  <a:t>部分群</a:t>
+                </a:r>
+                <a:endParaRPr lang="en-US" altLang="ja-JP" dirty="0"/>
+              </a:p>
+              <a:p>
+                <a:pPr lvl="1"/>
+                <a:r>
                   <a:rPr kumimoji="1" lang="ja-JP" altLang="en-US"/>
-                  <a:t>群の例２：</a:t>
+                  <a:t>定義</a:t>
+                </a:r>
+                <a:r>
+                  <a:rPr lang="ja-JP" altLang="en-US"/>
+                  <a:t>・性質</a:t>
+                </a:r>
+                <a:endParaRPr lang="en-US" altLang="ja-JP" dirty="0"/>
+              </a:p>
+              <a:p>
+                <a:pPr lvl="1"/>
+                <a:r>
+                  <a:rPr kumimoji="1" lang="ja-JP" altLang="en-US"/>
+                  <a:t>例：</a:t>
                 </a:r>
                 <a:r>
                   <a:rPr lang="en-US" altLang="ja-JP" dirty="0"/>
@@ -4500,7 +4718,30 @@
                     </m:r>
                   </m:oMath>
                 </a14:m>
-                <a:endParaRPr kumimoji="1" lang="ja-JP" altLang="en-US"/>
+                <a:endParaRPr kumimoji="1" lang="en-US" altLang="ja-JP" dirty="0"/>
+              </a:p>
+              <a:p>
+                <a:r>
+                  <a:rPr lang="ja-JP" altLang="en-US"/>
+                  <a:t>群の作用</a:t>
+                </a:r>
+                <a:endParaRPr lang="en-US" altLang="ja-JP" dirty="0"/>
+              </a:p>
+              <a:p>
+                <a:pPr lvl="1"/>
+                <a:r>
+                  <a:rPr lang="ja-JP" altLang="en-US"/>
+                  <a:t>定義</a:t>
+                </a:r>
+                <a:endParaRPr lang="en-US" altLang="ja-JP" dirty="0"/>
+              </a:p>
+              <a:p>
+                <a:pPr lvl="1"/>
+                <a:r>
+                  <a:rPr lang="ja-JP" altLang="en-US"/>
+                  <a:t>例：</a:t>
+                </a:r>
+                <a:endParaRPr lang="en-US" altLang="ja-JP" dirty="0"/>
               </a:p>
             </p:txBody>
           </p:sp>
@@ -5897,6 +6138,164 @@
                   <a:rPr lang="ja-JP" altLang="en-US" sz="2400"/>
                   <a:t>群をなす．</a:t>
                 </a:r>
+                <a:endParaRPr lang="en-US" altLang="ja-JP" sz="2400" dirty="0"/>
+              </a:p>
+              <a:p>
+                <a:pPr marL="0" indent="0">
+                  <a:buNone/>
+                </a:pPr>
+                <a:endParaRPr lang="en-US" altLang="ja-JP" sz="2400" dirty="0"/>
+              </a:p>
+              <a:p>
+                <a:pPr marL="0" indent="0">
+                  <a:buNone/>
+                </a:pPr>
+                <a:r>
+                  <a:rPr lang="en-US" altLang="ja-JP" sz="2400" dirty="0"/>
+                  <a:t>【</a:t>
+                </a:r>
+                <a:r>
+                  <a:rPr lang="ja-JP" altLang="en-US" sz="2400"/>
+                  <a:t>群である確認</a:t>
+                </a:r>
+                <a:r>
+                  <a:rPr lang="en-US" altLang="ja-JP" sz="2400" dirty="0"/>
+                  <a:t>】</a:t>
+                </a:r>
+              </a:p>
+              <a:p>
+                <a:r>
+                  <a:rPr lang="en-US" altLang="ja-JP" sz="2400" dirty="0"/>
+                  <a:t>n</a:t>
+                </a:r>
+                <a:r>
+                  <a:rPr lang="ja-JP" altLang="en-US" sz="2400"/>
+                  <a:t>次複素正則行列の積は</a:t>
+                </a:r>
+                <a:r>
+                  <a:rPr lang="en-US" altLang="ja-JP" sz="2400" dirty="0"/>
+                  <a:t>n</a:t>
+                </a:r>
+                <a:r>
+                  <a:rPr lang="ja-JP" altLang="en-US" sz="2400"/>
+                  <a:t>次複素正則行列</a:t>
+                </a:r>
+                <a:endParaRPr lang="en-US" altLang="ja-JP" sz="2400" dirty="0"/>
+              </a:p>
+              <a:p>
+                <a:r>
+                  <a:rPr lang="ja-JP" altLang="en-US" sz="2400"/>
+                  <a:t>結合則は行列の性質より成立</a:t>
+                </a:r>
+                <a:endParaRPr lang="en-US" altLang="ja-JP" sz="2400" dirty="0"/>
+              </a:p>
+              <a:p>
+                <a:r>
+                  <a:rPr lang="ja-JP" altLang="en-US" sz="2400"/>
+                  <a:t>単位元は単位行列</a:t>
+                </a:r>
+                <a:endParaRPr lang="en-US" altLang="ja-JP" sz="2400" dirty="0"/>
+              </a:p>
+              <a:p>
+                <a:r>
+                  <a:rPr lang="ja-JP" altLang="en-US" sz="2400"/>
+                  <a:t>逆元は逆行列</a:t>
+                </a:r>
+                <a:endParaRPr lang="en-US" altLang="ja-JP" sz="2400" dirty="0"/>
+              </a:p>
+              <a:p>
+                <a:pPr marL="0" indent="0">
+                  <a:buNone/>
+                </a:pPr>
+                <a:r>
+                  <a:rPr lang="ja-JP" altLang="en-US" sz="2400"/>
+                  <a:t>以上より，</a:t>
+                </a:r>
+                <a:r>
+                  <a:rPr lang="en-US" altLang="ja" sz="2400" dirty="0"/>
+                  <a:t> </a:t>
+                </a:r>
+                <a14:m>
+                  <m:oMath xmlns:m="http://schemas.openxmlformats.org/officeDocument/2006/math">
+                    <m:r>
+                      <a:rPr lang="en-US" altLang="ja" sz="2400">
+                        <a:latin typeface="Cambria Math" panose="02040503050406030204" pitchFamily="18" charset="0"/>
+                      </a:rPr>
+                      <m:t>(</m:t>
+                    </m:r>
+                    <m:r>
+                      <m:rPr>
+                        <m:sty m:val="p"/>
+                      </m:rPr>
+                      <a:rPr lang="fr-CA" altLang="ja" sz="2400">
+                        <a:latin typeface="Cambria Math" panose="02040503050406030204" pitchFamily="18" charset="0"/>
+                      </a:rPr>
+                      <m:t>G</m:t>
+                    </m:r>
+                    <m:r>
+                      <m:rPr>
+                        <m:sty m:val="p"/>
+                      </m:rPr>
+                      <a:rPr lang="en-US" altLang="ja" sz="2400">
+                        <a:latin typeface="Cambria Math" panose="02040503050406030204" pitchFamily="18" charset="0"/>
+                      </a:rPr>
+                      <m:t>L</m:t>
+                    </m:r>
+                    <m:d>
+                      <m:dPr>
+                        <m:ctrlPr>
+                          <a:rPr lang="en-US" altLang="ja" sz="2400" i="1">
+                            <a:latin typeface="Cambria Math" panose="02040503050406030204" pitchFamily="18" charset="0"/>
+                          </a:rPr>
+                        </m:ctrlPr>
+                      </m:dPr>
+                      <m:e>
+                        <m:r>
+                          <m:rPr>
+                            <m:sty m:val="p"/>
+                          </m:rPr>
+                          <a:rPr lang="en-US" altLang="ja" sz="2400">
+                            <a:latin typeface="Cambria Math" panose="02040503050406030204" pitchFamily="18" charset="0"/>
+                          </a:rPr>
+                          <m:t>n</m:t>
+                        </m:r>
+                        <m:r>
+                          <a:rPr lang="en-US" altLang="ja" sz="2400">
+                            <a:latin typeface="Cambria Math" panose="02040503050406030204" pitchFamily="18" charset="0"/>
+                          </a:rPr>
+                          <m:t>;</m:t>
+                        </m:r>
+                        <m:r>
+                          <a:rPr lang="en-US" altLang="ja" sz="2400">
+                            <a:latin typeface="Cambria Math" panose="02040503050406030204" pitchFamily="18" charset="0"/>
+                            <a:ea typeface="Cambria Math" panose="02040503050406030204" pitchFamily="18" charset="0"/>
+                          </a:rPr>
+                          <m:t>ℂ</m:t>
+                        </m:r>
+                      </m:e>
+                    </m:d>
+                    <m:r>
+                      <a:rPr lang="en-US" altLang="ja" sz="2400" i="1">
+                        <a:latin typeface="Cambria Math" panose="02040503050406030204" pitchFamily="18" charset="0"/>
+                        <a:ea typeface="Cambria Math" panose="02040503050406030204" pitchFamily="18" charset="0"/>
+                      </a:rPr>
+                      <m:t>,  ∙  )</m:t>
+                    </m:r>
+                  </m:oMath>
+                </a14:m>
+                <a:r>
+                  <a:rPr lang="ja-JP" altLang="en-US" sz="2400"/>
+                  <a:t>は群をなす．</a:t>
+                </a:r>
+                <a:endParaRPr lang="en-US" altLang="ja-JP" sz="2400" dirty="0"/>
+              </a:p>
+              <a:p>
+                <a:endParaRPr lang="en-US" altLang="ja-JP" sz="2400" dirty="0"/>
+              </a:p>
+              <a:p>
+                <a:endParaRPr lang="en-US" altLang="ja-JP" sz="2400" dirty="0"/>
+              </a:p>
+              <a:p>
                 <a:endParaRPr lang="ja-JP" altLang="en-US" sz="2400" dirty="0"/>
               </a:p>
             </p:txBody>
@@ -5924,7 +6323,7 @@
               <a:blipFill>
                 <a:blip r:embed="rId3"/>
                 <a:stretch>
-                  <a:fillRect l="-844"/>
+                  <a:fillRect l="-844" b="-10526"/>
                 </a:stretch>
               </a:blipFill>
             </p:spPr>
@@ -5977,7 +6376,7 @@
                 </a:pPr>
                 <a:r>
                   <a:rPr lang="ja" dirty="0"/>
-                  <a:t>群の例１</a:t>
+                  <a:t>群の例</a:t>
                 </a:r>
                 <a:r>
                   <a:rPr lang="en-US" altLang="ja" sz="2800" dirty="0"/>
@@ -6102,6 +6501,1329 @@
 </file>
 
 <file path=ppt/slides/slide14.xml><?xml version="1.0" encoding="utf-8"?>
+<p:sld xmlns:a="http://schemas.openxmlformats.org/drawingml/2006/main" xmlns:r="http://schemas.openxmlformats.org/officeDocument/2006/relationships" xmlns:p="http://schemas.openxmlformats.org/presentationml/2006/main">
+  <p:cSld>
+    <p:spTree>
+      <p:nvGrpSpPr>
+        <p:cNvPr id="1" name=""/>
+        <p:cNvGrpSpPr/>
+        <p:nvPr/>
+      </p:nvGrpSpPr>
+      <p:grpSpPr>
+        <a:xfrm>
+          <a:off x="0" y="0"/>
+          <a:ext cx="0" cy="0"/>
+          <a:chOff x="0" y="0"/>
+          <a:chExt cx="0" cy="0"/>
+        </a:xfrm>
+      </p:grpSpPr>
+      <p:sp>
+        <p:nvSpPr>
+          <p:cNvPr id="2" name="タイトル 1">
+            <a:extLst>
+              <a:ext uri="{FF2B5EF4-FFF2-40B4-BE49-F238E27FC236}">
+                <a16:creationId xmlns:a16="http://schemas.microsoft.com/office/drawing/2014/main" id="{E320B755-DEB7-2A49-B195-7EA88F7704E5}"/>
+              </a:ext>
+            </a:extLst>
+          </p:cNvPr>
+          <p:cNvSpPr>
+            <a:spLocks noGrp="1"/>
+          </p:cNvSpPr>
+          <p:nvPr>
+            <p:ph type="title"/>
+          </p:nvPr>
+        </p:nvSpPr>
+        <p:spPr/>
+        <p:txBody>
+          <a:bodyPr/>
+          <a:lstStyle/>
+          <a:p>
+            <a:r>
+              <a:rPr kumimoji="1" lang="ja-JP" altLang="en-US"/>
+              <a:t>部分群</a:t>
+            </a:r>
+          </a:p>
+        </p:txBody>
+      </p:sp>
+      <mc:AlternateContent xmlns:mc="http://schemas.openxmlformats.org/markup-compatibility/2006">
+        <mc:Choice xmlns:a14="http://schemas.microsoft.com/office/drawing/2010/main" Requires="a14">
+          <p:sp>
+            <p:nvSpPr>
+              <p:cNvPr id="3" name="コンテンツ プレースホルダー 2">
+                <a:extLst>
+                  <a:ext uri="{FF2B5EF4-FFF2-40B4-BE49-F238E27FC236}">
+                    <a16:creationId xmlns:a16="http://schemas.microsoft.com/office/drawing/2014/main" id="{4CFFDBD8-61F8-A249-9F49-5222F027E088}"/>
+                  </a:ext>
+                </a:extLst>
+              </p:cNvPr>
+              <p:cNvSpPr>
+                <a:spLocks noGrp="1"/>
+              </p:cNvSpPr>
+              <p:nvPr>
+                <p:ph idx="1"/>
+              </p:nvPr>
+            </p:nvSpPr>
+            <p:spPr/>
+            <p:txBody>
+              <a:bodyPr/>
+              <a:lstStyle/>
+              <a:p>
+                <a:r>
+                  <a:rPr kumimoji="1" lang="ja-JP" altLang="en-US"/>
+                  <a:t>群の一部分を取り出して群となるもの．</a:t>
+                </a:r>
+                <a:endParaRPr kumimoji="1" lang="en-US" altLang="ja-JP" dirty="0"/>
+              </a:p>
+              <a:p>
+                <a:r>
+                  <a:rPr lang="ja-JP" altLang="en-US"/>
+                  <a:t>親となる群の構造を部分的に引き継ぐ．</a:t>
+                </a:r>
+                <a:endParaRPr lang="en-US" altLang="ja-JP" dirty="0"/>
+              </a:p>
+              <a:p>
+                <a:endParaRPr kumimoji="1" lang="en-US" altLang="ja-JP" dirty="0"/>
+              </a:p>
+              <a:p>
+                <a:pPr marL="0" indent="0">
+                  <a:buNone/>
+                </a:pPr>
+                <a:r>
+                  <a:rPr lang="en-US" altLang="ja-JP" i="1" dirty="0">
+                    <a:solidFill>
+                      <a:schemeClr val="tx1">
+                        <a:lumMod val="50000"/>
+                        <a:lumOff val="50000"/>
+                      </a:schemeClr>
+                    </a:solidFill>
+                    <a:latin typeface="Times New Roman" panose="02020603050405020304" pitchFamily="18" charset="0"/>
+                    <a:cs typeface="Times New Roman" panose="02020603050405020304" pitchFamily="18" charset="0"/>
+                  </a:rPr>
+                  <a:t>def</a:t>
+                </a:r>
+                <a:r>
+                  <a:rPr lang="en-US" altLang="ja-JP" dirty="0"/>
+                  <a:t> </a:t>
+                </a:r>
+              </a:p>
+              <a:p>
+                <a:pPr marL="0" indent="0">
+                  <a:buNone/>
+                </a:pPr>
+                <a14:m>
+                  <m:oMathPara xmlns:m="http://schemas.openxmlformats.org/officeDocument/2006/math">
+                    <m:oMathParaPr>
+                      <m:jc m:val="centerGroup"/>
+                    </m:oMathParaPr>
+                    <m:oMath xmlns:m="http://schemas.openxmlformats.org/officeDocument/2006/math">
+                      <m:r>
+                        <m:rPr>
+                          <m:sty m:val="p"/>
+                        </m:rPr>
+                        <a:rPr lang="en-US" altLang="ja-JP" b="0" i="0" smtClean="0">
+                          <a:latin typeface="Cambria Math" panose="02040503050406030204" pitchFamily="18" charset="0"/>
+                        </a:rPr>
+                        <m:t>G</m:t>
+                      </m:r>
+                      <m:r>
+                        <a:rPr lang="en-US" altLang="ja-JP" b="0" i="0" smtClean="0">
+                          <a:latin typeface="Cambria Math" panose="02040503050406030204" pitchFamily="18" charset="0"/>
+                        </a:rPr>
+                        <m:t>,</m:t>
+                      </m:r>
+                      <m:r>
+                        <m:rPr>
+                          <m:sty m:val="p"/>
+                        </m:rPr>
+                        <a:rPr lang="en-US" altLang="ja-JP" b="0" i="0" smtClean="0">
+                          <a:latin typeface="Cambria Math" panose="02040503050406030204" pitchFamily="18" charset="0"/>
+                        </a:rPr>
+                        <m:t>H</m:t>
+                      </m:r>
+                      <m:r>
+                        <a:rPr lang="en-US" altLang="ja-JP" b="0" i="0" smtClean="0">
+                          <a:latin typeface="Cambria Math" panose="02040503050406030204" pitchFamily="18" charset="0"/>
+                        </a:rPr>
+                        <m:t>:</m:t>
+                      </m:r>
+                      <m:r>
+                        <a:rPr lang="ja-JP" altLang="en-US" i="0">
+                          <a:latin typeface="Cambria Math" panose="02040503050406030204" pitchFamily="18" charset="0"/>
+                        </a:rPr>
+                        <m:t>集合</m:t>
+                      </m:r>
+                      <m:r>
+                        <a:rPr lang="ja-JP" altLang="en-US" i="0" smtClean="0">
+                          <a:latin typeface="Cambria Math" panose="02040503050406030204" pitchFamily="18" charset="0"/>
+                        </a:rPr>
+                        <m:t>，</m:t>
+                      </m:r>
+                      <m:r>
+                        <m:rPr>
+                          <m:sty m:val="p"/>
+                        </m:rPr>
+                        <a:rPr lang="en-US" altLang="ja-JP" b="0" i="0" smtClean="0">
+                          <a:latin typeface="Cambria Math" panose="02040503050406030204" pitchFamily="18" charset="0"/>
+                        </a:rPr>
+                        <m:t>H</m:t>
+                      </m:r>
+                      <m:r>
+                        <a:rPr lang="en-US" altLang="ja-JP" b="0" i="0" smtClean="0">
+                          <a:latin typeface="Cambria Math" panose="02040503050406030204" pitchFamily="18" charset="0"/>
+                          <a:ea typeface="Cambria Math" panose="02040503050406030204" pitchFamily="18" charset="0"/>
+                        </a:rPr>
+                        <m:t>⊂</m:t>
+                      </m:r>
+                      <m:r>
+                        <m:rPr>
+                          <m:sty m:val="p"/>
+                        </m:rPr>
+                        <a:rPr lang="en-US" altLang="ja-JP" b="0" i="0" smtClean="0">
+                          <a:latin typeface="Cambria Math" panose="02040503050406030204" pitchFamily="18" charset="0"/>
+                        </a:rPr>
+                        <m:t>G</m:t>
+                      </m:r>
+                    </m:oMath>
+                  </m:oMathPara>
+                </a14:m>
+                <a:endParaRPr lang="en-US" altLang="ja-JP" i="1" dirty="0">
+                  <a:latin typeface="Cambria Math" panose="02040503050406030204" pitchFamily="18" charset="0"/>
+                </a:endParaRPr>
+              </a:p>
+              <a:p>
+                <a:pPr marL="0" indent="0">
+                  <a:buNone/>
+                </a:pPr>
+                <a14:m>
+                  <m:oMathPara xmlns:m="http://schemas.openxmlformats.org/officeDocument/2006/math">
+                    <m:oMathParaPr>
+                      <m:jc m:val="centerGroup"/>
+                    </m:oMathParaPr>
+                    <m:oMath xmlns:m="http://schemas.openxmlformats.org/officeDocument/2006/math">
+                      <m:r>
+                        <a:rPr lang="en-US" altLang="ja-JP" b="0" i="1" smtClean="0">
+                          <a:latin typeface="Cambria Math" panose="02040503050406030204" pitchFamily="18" charset="0"/>
+                        </a:rPr>
+                        <m:t>(</m:t>
+                      </m:r>
+                      <m:r>
+                        <a:rPr lang="en-US" altLang="ja-JP">
+                          <a:latin typeface="Cambria Math" panose="02040503050406030204" pitchFamily="18" charset="0"/>
+                          <a:ea typeface="Cambria Math" panose="02040503050406030204" pitchFamily="18" charset="0"/>
+                        </a:rPr>
+                        <m:t>∀</m:t>
+                      </m:r>
+                      <m:r>
+                        <m:rPr>
+                          <m:sty m:val="p"/>
+                        </m:rPr>
+                        <a:rPr lang="en-US" altLang="ja-JP" b="0" i="0" smtClean="0">
+                          <a:latin typeface="Cambria Math" panose="02040503050406030204" pitchFamily="18" charset="0"/>
+                          <a:ea typeface="Cambria Math" panose="02040503050406030204" pitchFamily="18" charset="0"/>
+                        </a:rPr>
+                        <m:t>a</m:t>
+                      </m:r>
+                      <m:r>
+                        <a:rPr lang="en-US" altLang="ja-JP" b="0" i="0" smtClean="0">
+                          <a:latin typeface="Cambria Math" panose="02040503050406030204" pitchFamily="18" charset="0"/>
+                          <a:ea typeface="Cambria Math" panose="02040503050406030204" pitchFamily="18" charset="0"/>
+                        </a:rPr>
+                        <m:t>,</m:t>
+                      </m:r>
+                      <m:r>
+                        <m:rPr>
+                          <m:sty m:val="p"/>
+                        </m:rPr>
+                        <a:rPr lang="en-US" altLang="ja-JP" b="0" i="0" smtClean="0">
+                          <a:latin typeface="Cambria Math" panose="02040503050406030204" pitchFamily="18" charset="0"/>
+                          <a:ea typeface="Cambria Math" panose="02040503050406030204" pitchFamily="18" charset="0"/>
+                        </a:rPr>
+                        <m:t>b</m:t>
+                      </m:r>
+                      <m:r>
+                        <a:rPr lang="en-US" altLang="ja-JP" b="0" i="1" smtClean="0">
+                          <a:latin typeface="Cambria Math" panose="02040503050406030204" pitchFamily="18" charset="0"/>
+                          <a:ea typeface="Cambria Math" panose="02040503050406030204" pitchFamily="18" charset="0"/>
+                        </a:rPr>
+                        <m:t>∈</m:t>
+                      </m:r>
+                      <m:r>
+                        <m:rPr>
+                          <m:sty m:val="p"/>
+                        </m:rPr>
+                        <a:rPr lang="en-US" altLang="ja-JP" b="0" i="0" smtClean="0">
+                          <a:latin typeface="Cambria Math" panose="02040503050406030204" pitchFamily="18" charset="0"/>
+                          <a:ea typeface="Cambria Math" panose="02040503050406030204" pitchFamily="18" charset="0"/>
+                        </a:rPr>
+                        <m:t>H</m:t>
+                      </m:r>
+                      <m:r>
+                        <a:rPr lang="en-US" altLang="ja-JP" b="0" i="1" smtClean="0">
+                          <a:latin typeface="Cambria Math" panose="02040503050406030204" pitchFamily="18" charset="0"/>
+                          <a:ea typeface="Cambria Math" panose="02040503050406030204" pitchFamily="18" charset="0"/>
+                        </a:rPr>
+                        <m:t>⇒</m:t>
+                      </m:r>
+                      <m:r>
+                        <m:rPr>
+                          <m:sty m:val="p"/>
+                        </m:rPr>
+                        <a:rPr lang="en-US" altLang="ja-JP" b="0" i="0" smtClean="0">
+                          <a:latin typeface="Cambria Math" panose="02040503050406030204" pitchFamily="18" charset="0"/>
+                          <a:ea typeface="Cambria Math" panose="02040503050406030204" pitchFamily="18" charset="0"/>
+                        </a:rPr>
+                        <m:t>ab</m:t>
+                      </m:r>
+                      <m:r>
+                        <a:rPr lang="en-US" altLang="ja-JP" i="1">
+                          <a:latin typeface="Cambria Math" panose="02040503050406030204" pitchFamily="18" charset="0"/>
+                          <a:ea typeface="Cambria Math" panose="02040503050406030204" pitchFamily="18" charset="0"/>
+                        </a:rPr>
+                        <m:t>∈</m:t>
+                      </m:r>
+                      <m:r>
+                        <m:rPr>
+                          <m:sty m:val="p"/>
+                        </m:rPr>
+                        <a:rPr lang="en-US" altLang="ja-JP">
+                          <a:latin typeface="Cambria Math" panose="02040503050406030204" pitchFamily="18" charset="0"/>
+                          <a:ea typeface="Cambria Math" panose="02040503050406030204" pitchFamily="18" charset="0"/>
+                        </a:rPr>
+                        <m:t>H</m:t>
+                      </m:r>
+                      <m:r>
+                        <a:rPr lang="en-US" altLang="ja-JP" b="0" i="0" smtClean="0">
+                          <a:latin typeface="Cambria Math" panose="02040503050406030204" pitchFamily="18" charset="0"/>
+                          <a:ea typeface="Cambria Math" panose="02040503050406030204" pitchFamily="18" charset="0"/>
+                        </a:rPr>
+                        <m:t>)</m:t>
+                      </m:r>
+                      <m:r>
+                        <a:rPr lang="ja-JP" altLang="en-US" i="1">
+                          <a:latin typeface="Cambria Math" panose="02040503050406030204" pitchFamily="18" charset="0"/>
+                          <a:ea typeface="Cambria Math" panose="02040503050406030204" pitchFamily="18" charset="0"/>
+                        </a:rPr>
+                        <m:t>かつ</m:t>
+                      </m:r>
+                      <m:r>
+                        <a:rPr lang="en-US" altLang="ja-JP" b="0" i="1" smtClean="0">
+                          <a:latin typeface="Cambria Math" panose="02040503050406030204" pitchFamily="18" charset="0"/>
+                          <a:ea typeface="Cambria Math" panose="02040503050406030204" pitchFamily="18" charset="0"/>
+                        </a:rPr>
+                        <m:t>(</m:t>
+                      </m:r>
+                      <m:r>
+                        <a:rPr lang="en-US" altLang="ja-JP">
+                          <a:latin typeface="Cambria Math" panose="02040503050406030204" pitchFamily="18" charset="0"/>
+                          <a:ea typeface="Cambria Math" panose="02040503050406030204" pitchFamily="18" charset="0"/>
+                        </a:rPr>
+                        <m:t>∀</m:t>
+                      </m:r>
+                      <m:r>
+                        <m:rPr>
+                          <m:sty m:val="p"/>
+                        </m:rPr>
+                        <a:rPr lang="en-US" altLang="ja-JP">
+                          <a:latin typeface="Cambria Math" panose="02040503050406030204" pitchFamily="18" charset="0"/>
+                          <a:ea typeface="Cambria Math" panose="02040503050406030204" pitchFamily="18" charset="0"/>
+                        </a:rPr>
+                        <m:t>a</m:t>
+                      </m:r>
+                      <m:r>
+                        <a:rPr lang="en-US" altLang="ja-JP" i="1">
+                          <a:latin typeface="Cambria Math" panose="02040503050406030204" pitchFamily="18" charset="0"/>
+                          <a:ea typeface="Cambria Math" panose="02040503050406030204" pitchFamily="18" charset="0"/>
+                        </a:rPr>
+                        <m:t>∈</m:t>
+                      </m:r>
+                      <m:r>
+                        <m:rPr>
+                          <m:sty m:val="p"/>
+                        </m:rPr>
+                        <a:rPr lang="en-US" altLang="ja-JP">
+                          <a:latin typeface="Cambria Math" panose="02040503050406030204" pitchFamily="18" charset="0"/>
+                          <a:ea typeface="Cambria Math" panose="02040503050406030204" pitchFamily="18" charset="0"/>
+                        </a:rPr>
+                        <m:t>H</m:t>
+                      </m:r>
+                      <m:r>
+                        <a:rPr lang="en-US" altLang="ja-JP" b="0" i="0" smtClean="0">
+                          <a:latin typeface="Cambria Math" panose="02040503050406030204" pitchFamily="18" charset="0"/>
+                          <a:ea typeface="Cambria Math" panose="02040503050406030204" pitchFamily="18" charset="0"/>
+                        </a:rPr>
+                        <m:t> </m:t>
+                      </m:r>
+                      <m:r>
+                        <a:rPr lang="en-US" altLang="ja-JP" b="0" i="1" smtClean="0">
+                          <a:latin typeface="Cambria Math" panose="02040503050406030204" pitchFamily="18" charset="0"/>
+                          <a:ea typeface="Cambria Math" panose="02040503050406030204" pitchFamily="18" charset="0"/>
+                        </a:rPr>
+                        <m:t>,∃</m:t>
+                      </m:r>
+                      <m:sSup>
+                        <m:sSupPr>
+                          <m:ctrlPr>
+                            <a:rPr lang="en-US" altLang="ja-JP" b="0" i="1" smtClean="0">
+                              <a:latin typeface="Cambria Math" panose="02040503050406030204" pitchFamily="18" charset="0"/>
+                              <a:ea typeface="Cambria Math" panose="02040503050406030204" pitchFamily="18" charset="0"/>
+                            </a:rPr>
+                          </m:ctrlPr>
+                        </m:sSupPr>
+                        <m:e>
+                          <m:r>
+                            <a:rPr lang="en-US" altLang="ja-JP" b="0" i="1" smtClean="0">
+                              <a:latin typeface="Cambria Math" panose="02040503050406030204" pitchFamily="18" charset="0"/>
+                              <a:ea typeface="Cambria Math" panose="02040503050406030204" pitchFamily="18" charset="0"/>
+                            </a:rPr>
+                            <m:t>𝑎</m:t>
+                          </m:r>
+                        </m:e>
+                        <m:sup>
+                          <m:r>
+                            <a:rPr lang="en-US" altLang="ja-JP" b="0" i="1" smtClean="0">
+                              <a:latin typeface="Cambria Math" panose="02040503050406030204" pitchFamily="18" charset="0"/>
+                              <a:ea typeface="Cambria Math" panose="02040503050406030204" pitchFamily="18" charset="0"/>
+                            </a:rPr>
+                            <m:t>−1</m:t>
+                          </m:r>
+                        </m:sup>
+                      </m:sSup>
+                      <m:r>
+                        <a:rPr lang="en-US" altLang="ja-JP" i="1">
+                          <a:latin typeface="Cambria Math" panose="02040503050406030204" pitchFamily="18" charset="0"/>
+                          <a:ea typeface="Cambria Math" panose="02040503050406030204" pitchFamily="18" charset="0"/>
+                        </a:rPr>
+                        <m:t>∈</m:t>
+                      </m:r>
+                      <m:r>
+                        <m:rPr>
+                          <m:sty m:val="p"/>
+                        </m:rPr>
+                        <a:rPr lang="en-US" altLang="ja-JP">
+                          <a:latin typeface="Cambria Math" panose="02040503050406030204" pitchFamily="18" charset="0"/>
+                          <a:ea typeface="Cambria Math" panose="02040503050406030204" pitchFamily="18" charset="0"/>
+                        </a:rPr>
+                        <m:t>H</m:t>
+                      </m:r>
+                      <m:r>
+                        <a:rPr lang="en-US" altLang="ja-JP" b="0" i="1" smtClean="0">
+                          <a:latin typeface="Cambria Math" panose="02040503050406030204" pitchFamily="18" charset="0"/>
+                          <a:ea typeface="Cambria Math" panose="02040503050406030204" pitchFamily="18" charset="0"/>
+                        </a:rPr>
+                        <m:t> </m:t>
+                      </m:r>
+                      <m:r>
+                        <a:rPr lang="en-US" altLang="ja-JP" b="0" i="1" smtClean="0">
+                          <a:latin typeface="Cambria Math" panose="02040503050406030204" pitchFamily="18" charset="0"/>
+                          <a:ea typeface="Cambria Math" panose="02040503050406030204" pitchFamily="18" charset="0"/>
+                        </a:rPr>
+                        <m:t>𝑠</m:t>
+                      </m:r>
+                      <m:r>
+                        <a:rPr lang="en-US" altLang="ja-JP" b="0" i="1" smtClean="0">
+                          <a:latin typeface="Cambria Math" panose="02040503050406030204" pitchFamily="18" charset="0"/>
+                          <a:ea typeface="Cambria Math" panose="02040503050406030204" pitchFamily="18" charset="0"/>
+                        </a:rPr>
+                        <m:t>.</m:t>
+                      </m:r>
+                      <m:r>
+                        <a:rPr lang="en-US" altLang="ja-JP" b="0" i="1" smtClean="0">
+                          <a:latin typeface="Cambria Math" panose="02040503050406030204" pitchFamily="18" charset="0"/>
+                          <a:ea typeface="Cambria Math" panose="02040503050406030204" pitchFamily="18" charset="0"/>
+                        </a:rPr>
+                        <m:t>𝑡</m:t>
+                      </m:r>
+                      <m:r>
+                        <a:rPr lang="en-US" altLang="ja-JP" b="0" i="1" smtClean="0">
+                          <a:latin typeface="Cambria Math" panose="02040503050406030204" pitchFamily="18" charset="0"/>
+                          <a:ea typeface="Cambria Math" panose="02040503050406030204" pitchFamily="18" charset="0"/>
+                        </a:rPr>
+                        <m:t>.</m:t>
+                      </m:r>
+                      <m:sSup>
+                        <m:sSupPr>
+                          <m:ctrlPr>
+                            <a:rPr lang="en-US" altLang="ja-JP" i="1">
+                              <a:latin typeface="Cambria Math" panose="02040503050406030204" pitchFamily="18" charset="0"/>
+                              <a:ea typeface="Cambria Math" panose="02040503050406030204" pitchFamily="18" charset="0"/>
+                            </a:rPr>
+                          </m:ctrlPr>
+                        </m:sSupPr>
+                        <m:e>
+                          <m:r>
+                            <a:rPr lang="en-US" altLang="ja-JP" b="0" i="1" smtClean="0">
+                              <a:latin typeface="Cambria Math" panose="02040503050406030204" pitchFamily="18" charset="0"/>
+                              <a:ea typeface="Cambria Math" panose="02040503050406030204" pitchFamily="18" charset="0"/>
+                            </a:rPr>
+                            <m:t> </m:t>
+                          </m:r>
+                          <m:r>
+                            <a:rPr lang="en-US" altLang="ja-JP" i="1">
+                              <a:latin typeface="Cambria Math" panose="02040503050406030204" pitchFamily="18" charset="0"/>
+                              <a:ea typeface="Cambria Math" panose="02040503050406030204" pitchFamily="18" charset="0"/>
+                            </a:rPr>
+                            <m:t>𝑎</m:t>
+                          </m:r>
+                        </m:e>
+                        <m:sup>
+                          <m:r>
+                            <a:rPr lang="en-US" altLang="ja-JP" i="1">
+                              <a:latin typeface="Cambria Math" panose="02040503050406030204" pitchFamily="18" charset="0"/>
+                              <a:ea typeface="Cambria Math" panose="02040503050406030204" pitchFamily="18" charset="0"/>
+                            </a:rPr>
+                            <m:t>−1</m:t>
+                          </m:r>
+                        </m:sup>
+                      </m:sSup>
+                      <m:r>
+                        <a:rPr lang="en-US" altLang="ja-JP" b="0" i="1" smtClean="0">
+                          <a:latin typeface="Cambria Math" panose="02040503050406030204" pitchFamily="18" charset="0"/>
+                          <a:ea typeface="Cambria Math" panose="02040503050406030204" pitchFamily="18" charset="0"/>
+                        </a:rPr>
+                        <m:t>:</m:t>
+                      </m:r>
+                      <m:r>
+                        <a:rPr lang="ja-JP" altLang="en-US" i="1">
+                          <a:latin typeface="Cambria Math" panose="02040503050406030204" pitchFamily="18" charset="0"/>
+                          <a:ea typeface="Cambria Math" panose="02040503050406030204" pitchFamily="18" charset="0"/>
+                        </a:rPr>
+                        <m:t>逆元</m:t>
+                      </m:r>
+                      <m:r>
+                        <a:rPr lang="en-US" altLang="ja-JP" b="0" i="1" smtClean="0">
+                          <a:latin typeface="Cambria Math" panose="02040503050406030204" pitchFamily="18" charset="0"/>
+                          <a:ea typeface="Cambria Math" panose="02040503050406030204" pitchFamily="18" charset="0"/>
+                        </a:rPr>
+                        <m:t>)</m:t>
+                      </m:r>
+                    </m:oMath>
+                  </m:oMathPara>
+                </a14:m>
+                <a:endParaRPr lang="en-US" altLang="ja-JP" dirty="0"/>
+              </a:p>
+              <a:p>
+                <a:pPr marL="0" indent="0">
+                  <a:buNone/>
+                </a:pPr>
+                <a:endParaRPr lang="en-US" altLang="ja-JP" dirty="0"/>
+              </a:p>
+              <a:p>
+                <a:pPr marL="0" indent="0">
+                  <a:buNone/>
+                </a:pPr>
+                <a:r>
+                  <a:rPr lang="en-US" altLang="ja-JP" dirty="0"/>
+                  <a:t>H</a:t>
+                </a:r>
+                <a:r>
+                  <a:rPr lang="ja-JP" altLang="en-US"/>
+                  <a:t>が</a:t>
+                </a:r>
+                <a:r>
+                  <a:rPr lang="en-US" altLang="ja-JP" dirty="0"/>
+                  <a:t>G</a:t>
+                </a:r>
+                <a:r>
+                  <a:rPr lang="ja-JP" altLang="en-US"/>
+                  <a:t>の部分集合で，</a:t>
+                </a:r>
+                <a:r>
+                  <a:rPr lang="en-US" altLang="ja-JP" dirty="0"/>
+                  <a:t>H</a:t>
+                </a:r>
+                <a:r>
+                  <a:rPr lang="ja-JP" altLang="en-US"/>
+                  <a:t>が演算で閉じていて，かつ，任意の元に対して逆元が存在するならば，</a:t>
+                </a:r>
+                <a:r>
+                  <a:rPr lang="en-US" altLang="ja-JP" dirty="0"/>
+                  <a:t>H</a:t>
+                </a:r>
+                <a:r>
+                  <a:rPr lang="ja-JP" altLang="en-US"/>
+                  <a:t>は</a:t>
+                </a:r>
+                <a:r>
+                  <a:rPr lang="en-US" altLang="ja-JP" dirty="0"/>
+                  <a:t>G</a:t>
+                </a:r>
+                <a:r>
+                  <a:rPr lang="ja-JP" altLang="en-US"/>
+                  <a:t>の部分群という．</a:t>
+                </a:r>
+                <a:endParaRPr lang="en-US" altLang="ja-JP" dirty="0"/>
+              </a:p>
+            </p:txBody>
+          </p:sp>
+        </mc:Choice>
+        <mc:Fallback>
+          <p:sp>
+            <p:nvSpPr>
+              <p:cNvPr id="3" name="コンテンツ プレースホルダー 2">
+                <a:extLst>
+                  <a:ext uri="{FF2B5EF4-FFF2-40B4-BE49-F238E27FC236}">
+                    <a16:creationId xmlns:a16="http://schemas.microsoft.com/office/drawing/2014/main" id="{4CFFDBD8-61F8-A249-9F49-5222F027E088}"/>
+                  </a:ext>
+                </a:extLst>
+              </p:cNvPr>
+              <p:cNvSpPr>
+                <a:spLocks noGrp="1" noRot="1" noChangeAspect="1" noMove="1" noResize="1" noEditPoints="1" noAdjustHandles="1" noChangeArrowheads="1" noChangeShapeType="1" noTextEdit="1"/>
+              </p:cNvSpPr>
+              <p:nvPr>
+                <p:ph idx="1"/>
+              </p:nvPr>
+            </p:nvSpPr>
+            <p:spPr>
+              <a:blipFill>
+                <a:blip r:embed="rId2"/>
+                <a:stretch>
+                  <a:fillRect l="-1086" t="-2632" b="-292"/>
+                </a:stretch>
+              </a:blipFill>
+            </p:spPr>
+            <p:txBody>
+              <a:bodyPr/>
+              <a:lstStyle/>
+              <a:p>
+                <a:r>
+                  <a:rPr lang="ja-JP" altLang="en-US">
+                    <a:noFill/>
+                  </a:rPr>
+                  <a:t> </a:t>
+                </a:r>
+              </a:p>
+            </p:txBody>
+          </p:sp>
+        </mc:Fallback>
+      </mc:AlternateContent>
+    </p:spTree>
+    <p:extLst>
+      <p:ext uri="{BB962C8B-B14F-4D97-AF65-F5344CB8AC3E}">
+        <p14:creationId xmlns:p14="http://schemas.microsoft.com/office/powerpoint/2010/main" val="3687277012"/>
+      </p:ext>
+    </p:extLst>
+  </p:cSld>
+  <p:clrMapOvr>
+    <a:masterClrMapping/>
+  </p:clrMapOvr>
+</p:sld>
+</file>
+
+<file path=ppt/slides/slide15.xml><?xml version="1.0" encoding="utf-8"?>
+<p:sld xmlns:a="http://schemas.openxmlformats.org/drawingml/2006/main" xmlns:r="http://schemas.openxmlformats.org/officeDocument/2006/relationships" xmlns:p="http://schemas.openxmlformats.org/presentationml/2006/main">
+  <p:cSld>
+    <p:spTree>
+      <p:nvGrpSpPr>
+        <p:cNvPr id="1" name=""/>
+        <p:cNvGrpSpPr/>
+        <p:nvPr/>
+      </p:nvGrpSpPr>
+      <p:grpSpPr>
+        <a:xfrm>
+          <a:off x="0" y="0"/>
+          <a:ext cx="0" cy="0"/>
+          <a:chOff x="0" y="0"/>
+          <a:chExt cx="0" cy="0"/>
+        </a:xfrm>
+      </p:grpSpPr>
+      <p:sp>
+        <p:nvSpPr>
+          <p:cNvPr id="2" name="タイトル 1">
+            <a:extLst>
+              <a:ext uri="{FF2B5EF4-FFF2-40B4-BE49-F238E27FC236}">
+                <a16:creationId xmlns:a16="http://schemas.microsoft.com/office/drawing/2014/main" id="{8B433D15-7C44-7344-9853-7EA68A9C4971}"/>
+              </a:ext>
+            </a:extLst>
+          </p:cNvPr>
+          <p:cNvSpPr>
+            <a:spLocks noGrp="1"/>
+          </p:cNvSpPr>
+          <p:nvPr>
+            <p:ph type="title"/>
+          </p:nvPr>
+        </p:nvSpPr>
+        <p:spPr/>
+        <p:txBody>
+          <a:bodyPr/>
+          <a:lstStyle/>
+          <a:p>
+            <a:r>
+              <a:rPr kumimoji="1" lang="ja-JP" altLang="en-US"/>
+              <a:t>部分群の性質</a:t>
+            </a:r>
+          </a:p>
+        </p:txBody>
+      </p:sp>
+      <mc:AlternateContent xmlns:mc="http://schemas.openxmlformats.org/markup-compatibility/2006">
+        <mc:Choice xmlns:a14="http://schemas.microsoft.com/office/drawing/2010/main" Requires="a14">
+          <p:sp>
+            <p:nvSpPr>
+              <p:cNvPr id="3" name="コンテンツ プレースホルダー 2">
+                <a:extLst>
+                  <a:ext uri="{FF2B5EF4-FFF2-40B4-BE49-F238E27FC236}">
+                    <a16:creationId xmlns:a16="http://schemas.microsoft.com/office/drawing/2014/main" id="{505E0EA2-8D86-2749-9EAB-DE074A886DB0}"/>
+                  </a:ext>
+                </a:extLst>
+              </p:cNvPr>
+              <p:cNvSpPr>
+                <a:spLocks noGrp="1"/>
+              </p:cNvSpPr>
+              <p:nvPr>
+                <p:ph idx="1"/>
+              </p:nvPr>
+            </p:nvSpPr>
+            <p:spPr/>
+            <p:txBody>
+              <a:bodyPr/>
+              <a:lstStyle/>
+              <a:p>
+                <a:pPr marL="0" lvl="0" indent="0">
+                  <a:buNone/>
+                </a:pPr>
+                <a14:m>
+                  <m:oMathPara xmlns:m="http://schemas.openxmlformats.org/officeDocument/2006/math">
+                    <m:oMathParaPr>
+                      <m:jc m:val="centerGroup"/>
+                    </m:oMathParaPr>
+                    <m:oMath xmlns:m="http://schemas.openxmlformats.org/officeDocument/2006/math">
+                      <m:d>
+                        <m:dPr>
+                          <m:ctrlPr>
+                            <a:rPr lang="en-US" altLang="ja-JP" i="1" smtClean="0">
+                              <a:latin typeface="Cambria Math" panose="02040503050406030204" pitchFamily="18" charset="0"/>
+                            </a:rPr>
+                          </m:ctrlPr>
+                        </m:dPr>
+                        <m:e>
+                          <m:r>
+                            <a:rPr lang="en-US" altLang="ja-JP" i="1">
+                              <a:latin typeface="Cambria Math" panose="02040503050406030204" pitchFamily="18" charset="0"/>
+                            </a:rPr>
+                            <m:t>𝐺</m:t>
+                          </m:r>
+                          <m:r>
+                            <a:rPr lang="en-US" altLang="ja-JP" i="1">
+                              <a:latin typeface="Cambria Math" panose="02040503050406030204" pitchFamily="18" charset="0"/>
+                            </a:rPr>
+                            <m:t>, ・</m:t>
+                          </m:r>
+                        </m:e>
+                      </m:d>
+                      <m:r>
+                        <a:rPr lang="en-US" altLang="ja-JP" i="1">
+                          <a:latin typeface="Cambria Math" panose="02040503050406030204" pitchFamily="18" charset="0"/>
+                        </a:rPr>
+                        <m:t>:</m:t>
+                      </m:r>
+                      <m:r>
+                        <a:rPr lang="ja-JP" altLang="en-US" i="1" smtClean="0">
+                          <a:latin typeface="Cambria Math" panose="02040503050406030204" pitchFamily="18" charset="0"/>
+                        </a:rPr>
+                        <m:t>集合</m:t>
+                      </m:r>
+                      <m:r>
+                        <a:rPr lang="en-US" altLang="ja-JP" i="1">
+                          <a:latin typeface="Cambria Math" panose="02040503050406030204" pitchFamily="18" charset="0"/>
+                        </a:rPr>
+                        <m:t>, </m:t>
+                      </m:r>
+                      <m:r>
+                        <a:rPr lang="en-US" altLang="ja-JP" i="1">
+                          <a:latin typeface="Cambria Math" panose="02040503050406030204" pitchFamily="18" charset="0"/>
+                        </a:rPr>
+                        <m:t>𝐻</m:t>
+                      </m:r>
+                      <m:r>
+                        <a:rPr lang="en-US" altLang="ja-JP" i="1">
+                          <a:latin typeface="Cambria Math" panose="02040503050406030204" pitchFamily="18" charset="0"/>
+                          <a:ea typeface="Cambria Math" panose="02040503050406030204" pitchFamily="18" charset="0"/>
+                        </a:rPr>
+                        <m:t>⊂</m:t>
+                      </m:r>
+                      <m:r>
+                        <a:rPr lang="en-US" altLang="ja-JP" i="1">
+                          <a:latin typeface="Cambria Math" panose="02040503050406030204" pitchFamily="18" charset="0"/>
+                        </a:rPr>
+                        <m:t>𝐺</m:t>
+                      </m:r>
+                      <m:r>
+                        <a:rPr lang="en-US" altLang="ja-JP" i="1" smtClean="0">
+                          <a:latin typeface="Cambria Math" panose="02040503050406030204" pitchFamily="18" charset="0"/>
+                        </a:rPr>
+                        <m:t>:</m:t>
+                      </m:r>
+                      <m:r>
+                        <a:rPr lang="ja-JP" altLang="en-US" i="1">
+                          <a:latin typeface="Cambria Math" panose="02040503050406030204" pitchFamily="18" charset="0"/>
+                        </a:rPr>
+                        <m:t>部分集合</m:t>
+                      </m:r>
+                    </m:oMath>
+                  </m:oMathPara>
+                </a14:m>
+                <a:endParaRPr lang="en-US" altLang="ja-JP" i="1" dirty="0">
+                  <a:latin typeface="Cambria Math" panose="02040503050406030204" pitchFamily="18" charset="0"/>
+                </a:endParaRPr>
+              </a:p>
+              <a:p>
+                <a:pPr marL="514350" lvl="0" indent="-514350">
+                  <a:buFont typeface="+mj-lt"/>
+                  <a:buAutoNum type="romanLcPeriod"/>
+                </a:pPr>
+                <a14:m>
+                  <m:oMath xmlns:m="http://schemas.openxmlformats.org/officeDocument/2006/math">
+                    <m:sSub>
+                      <m:sSubPr>
+                        <m:ctrlPr>
+                          <a:rPr lang="en-US" altLang="ja-JP" i="1">
+                            <a:latin typeface="Cambria Math" panose="02040503050406030204" pitchFamily="18" charset="0"/>
+                          </a:rPr>
+                        </m:ctrlPr>
+                      </m:sSubPr>
+                      <m:e>
+                        <m:r>
+                          <a:rPr lang="en-US" altLang="ja-JP" i="1">
+                            <a:latin typeface="Cambria Math" panose="02040503050406030204" pitchFamily="18" charset="0"/>
+                          </a:rPr>
+                          <m:t>h</m:t>
+                        </m:r>
+                      </m:e>
+                      <m:sub>
+                        <m:r>
+                          <a:rPr lang="en-US" altLang="ja-JP" i="1">
+                            <a:latin typeface="Cambria Math" panose="02040503050406030204" pitchFamily="18" charset="0"/>
+                          </a:rPr>
+                          <m:t>1</m:t>
+                        </m:r>
+                      </m:sub>
+                    </m:sSub>
+                    <m:sSub>
+                      <m:sSubPr>
+                        <m:ctrlPr>
+                          <a:rPr lang="en-US" altLang="ja-JP" i="1">
+                            <a:latin typeface="Cambria Math" panose="02040503050406030204" pitchFamily="18" charset="0"/>
+                          </a:rPr>
+                        </m:ctrlPr>
+                      </m:sSubPr>
+                      <m:e>
+                        <m:r>
+                          <a:rPr lang="en-US" altLang="ja-JP" i="1">
+                            <a:latin typeface="Cambria Math" panose="02040503050406030204" pitchFamily="18" charset="0"/>
+                          </a:rPr>
+                          <m:t>,</m:t>
+                        </m:r>
+                        <m:r>
+                          <a:rPr lang="en-US" altLang="ja-JP" i="1">
+                            <a:latin typeface="Cambria Math" panose="02040503050406030204" pitchFamily="18" charset="0"/>
+                          </a:rPr>
+                          <m:t>h</m:t>
+                        </m:r>
+                      </m:e>
+                      <m:sub>
+                        <m:r>
+                          <a:rPr lang="en-US" altLang="ja-JP" i="1">
+                            <a:latin typeface="Cambria Math" panose="02040503050406030204" pitchFamily="18" charset="0"/>
+                          </a:rPr>
+                          <m:t>2</m:t>
+                        </m:r>
+                      </m:sub>
+                    </m:sSub>
+                    <m:r>
+                      <a:rPr lang="en-US" altLang="ja-JP" i="1">
+                        <a:latin typeface="Cambria Math" panose="02040503050406030204" pitchFamily="18" charset="0"/>
+                        <a:ea typeface="Cambria Math" panose="02040503050406030204" pitchFamily="18" charset="0"/>
+                      </a:rPr>
+                      <m:t>∈</m:t>
+                    </m:r>
+                    <m:r>
+                      <a:rPr lang="en-US" altLang="ja-JP" i="1">
+                        <a:latin typeface="Cambria Math" panose="02040503050406030204" pitchFamily="18" charset="0"/>
+                        <a:ea typeface="Cambria Math" panose="02040503050406030204" pitchFamily="18" charset="0"/>
+                      </a:rPr>
+                      <m:t>𝐻</m:t>
+                    </m:r>
+                    <m:r>
+                      <a:rPr lang="en-US" altLang="ja" i="1">
+                        <a:latin typeface="Cambria Math" panose="02040503050406030204" pitchFamily="18" charset="0"/>
+                        <a:ea typeface="Cambria Math" panose="02040503050406030204" pitchFamily="18" charset="0"/>
+                      </a:rPr>
+                      <m:t>⟹</m:t>
+                    </m:r>
+                    <m:sSub>
+                      <m:sSubPr>
+                        <m:ctrlPr>
+                          <a:rPr lang="en-US" altLang="ja-JP" i="1">
+                            <a:latin typeface="Cambria Math" panose="02040503050406030204" pitchFamily="18" charset="0"/>
+                          </a:rPr>
+                        </m:ctrlPr>
+                      </m:sSubPr>
+                      <m:e>
+                        <m:r>
+                          <a:rPr lang="en-US" altLang="ja-JP" i="1">
+                            <a:latin typeface="Cambria Math" panose="02040503050406030204" pitchFamily="18" charset="0"/>
+                          </a:rPr>
+                          <m:t>h</m:t>
+                        </m:r>
+                      </m:e>
+                      <m:sub>
+                        <m:r>
+                          <a:rPr lang="en-US" altLang="ja-JP" i="1">
+                            <a:latin typeface="Cambria Math" panose="02040503050406030204" pitchFamily="18" charset="0"/>
+                          </a:rPr>
+                          <m:t>1</m:t>
+                        </m:r>
+                      </m:sub>
+                    </m:sSub>
+                    <m:sSub>
+                      <m:sSubPr>
+                        <m:ctrlPr>
+                          <a:rPr lang="en-US" altLang="ja-JP" i="1">
+                            <a:latin typeface="Cambria Math" panose="02040503050406030204" pitchFamily="18" charset="0"/>
+                          </a:rPr>
+                        </m:ctrlPr>
+                      </m:sSubPr>
+                      <m:e>
+                        <m:r>
+                          <a:rPr lang="ja-JP" altLang="en-US" i="1">
+                            <a:latin typeface="Cambria Math" panose="02040503050406030204" pitchFamily="18" charset="0"/>
+                          </a:rPr>
+                          <m:t>・</m:t>
+                        </m:r>
+                        <m:r>
+                          <a:rPr lang="en-US" altLang="ja-JP" i="1">
+                            <a:latin typeface="Cambria Math" panose="02040503050406030204" pitchFamily="18" charset="0"/>
+                          </a:rPr>
+                          <m:t>h</m:t>
+                        </m:r>
+                      </m:e>
+                      <m:sub>
+                        <m:r>
+                          <a:rPr lang="en-US" altLang="ja-JP" i="1">
+                            <a:latin typeface="Cambria Math" panose="02040503050406030204" pitchFamily="18" charset="0"/>
+                          </a:rPr>
+                          <m:t>2</m:t>
+                        </m:r>
+                      </m:sub>
+                    </m:sSub>
+                    <m:r>
+                      <a:rPr lang="en-US" altLang="ja-JP" i="1">
+                        <a:latin typeface="Cambria Math" panose="02040503050406030204" pitchFamily="18" charset="0"/>
+                        <a:ea typeface="Cambria Math" panose="02040503050406030204" pitchFamily="18" charset="0"/>
+                      </a:rPr>
+                      <m:t>∈</m:t>
+                    </m:r>
+                    <m:r>
+                      <a:rPr lang="en-US" altLang="ja-JP" i="1">
+                        <a:latin typeface="Cambria Math" panose="02040503050406030204" pitchFamily="18" charset="0"/>
+                        <a:ea typeface="Cambria Math" panose="02040503050406030204" pitchFamily="18" charset="0"/>
+                      </a:rPr>
+                      <m:t>𝐻</m:t>
+                    </m:r>
+                  </m:oMath>
+                </a14:m>
+                <a:br>
+                  <a:rPr lang="en-US" altLang="ja-JP" dirty="0">
+                    <a:solidFill>
+                      <a:schemeClr val="tx1">
+                        <a:lumMod val="50000"/>
+                        <a:lumOff val="50000"/>
+                      </a:schemeClr>
+                    </a:solidFill>
+                    <a:ea typeface="Cambria Math" panose="02040503050406030204" pitchFamily="18" charset="0"/>
+                  </a:rPr>
+                </a:br>
+                <a:r>
+                  <a:rPr lang="ja-JP" altLang="en-US">
+                    <a:solidFill>
+                      <a:schemeClr val="tx1">
+                        <a:lumMod val="50000"/>
+                        <a:lumOff val="50000"/>
+                      </a:schemeClr>
+                    </a:solidFill>
+                    <a:ea typeface="Cambria Math" panose="02040503050406030204" pitchFamily="18" charset="0"/>
+                  </a:rPr>
+                  <a:t>演算が閉じている</a:t>
+                </a:r>
+                <a:endParaRPr lang="en-US" altLang="ja-JP" dirty="0">
+                  <a:solidFill>
+                    <a:schemeClr val="tx1">
+                      <a:lumMod val="50000"/>
+                      <a:lumOff val="50000"/>
+                    </a:schemeClr>
+                  </a:solidFill>
+                  <a:ea typeface="Cambria Math" panose="02040503050406030204" pitchFamily="18" charset="0"/>
+                </a:endParaRPr>
+              </a:p>
+              <a:p>
+                <a:pPr marL="514350" lvl="0" indent="-514350">
+                  <a:buFont typeface="+mj-lt"/>
+                  <a:buAutoNum type="romanLcPeriod"/>
+                </a:pPr>
+                <a14:m>
+                  <m:oMath xmlns:m="http://schemas.openxmlformats.org/officeDocument/2006/math">
+                    <m:r>
+                      <a:rPr lang="en-US" altLang="ja-JP" i="1">
+                        <a:latin typeface="Cambria Math" panose="02040503050406030204" pitchFamily="18" charset="0"/>
+                      </a:rPr>
+                      <m:t>𝑒</m:t>
+                    </m:r>
+                    <m:r>
+                      <a:rPr lang="en-US" altLang="ja-JP" i="1">
+                        <a:latin typeface="Cambria Math" panose="02040503050406030204" pitchFamily="18" charset="0"/>
+                        <a:ea typeface="Cambria Math" panose="02040503050406030204" pitchFamily="18" charset="0"/>
+                      </a:rPr>
+                      <m:t>∈</m:t>
+                    </m:r>
+                    <m:r>
+                      <a:rPr lang="en-US" altLang="ja-JP" i="1">
+                        <a:latin typeface="Cambria Math" panose="02040503050406030204" pitchFamily="18" charset="0"/>
+                        <a:ea typeface="Cambria Math" panose="02040503050406030204" pitchFamily="18" charset="0"/>
+                      </a:rPr>
+                      <m:t>𝐺</m:t>
+                    </m:r>
+                    <m:r>
+                      <a:rPr lang="ja-JP" altLang="en-US" i="1" smtClean="0">
+                        <a:latin typeface="Cambria Math" panose="02040503050406030204" pitchFamily="18" charset="0"/>
+                        <a:ea typeface="Cambria Math" panose="02040503050406030204" pitchFamily="18" charset="0"/>
+                      </a:rPr>
+                      <m:t>：</m:t>
+                    </m:r>
+                    <m:r>
+                      <a:rPr lang="ja-JP" altLang="en-US" i="1">
+                        <a:latin typeface="Cambria Math" panose="02040503050406030204" pitchFamily="18" charset="0"/>
+                        <a:ea typeface="Cambria Math" panose="02040503050406030204" pitchFamily="18" charset="0"/>
+                      </a:rPr>
+                      <m:t>単位元</m:t>
+                    </m:r>
+                    <m:r>
+                      <a:rPr lang="en-US" altLang="ja-JP" i="1">
+                        <a:latin typeface="Cambria Math" panose="02040503050406030204" pitchFamily="18" charset="0"/>
+                      </a:rPr>
+                      <m:t>, </m:t>
+                    </m:r>
+                    <m:r>
+                      <a:rPr lang="en-US" altLang="ja-JP" i="1">
+                        <a:latin typeface="Cambria Math" panose="02040503050406030204" pitchFamily="18" charset="0"/>
+                      </a:rPr>
+                      <m:t>𝑒</m:t>
+                    </m:r>
+                    <m:r>
+                      <a:rPr lang="en-US" altLang="ja-JP" i="1">
+                        <a:latin typeface="Cambria Math" panose="02040503050406030204" pitchFamily="18" charset="0"/>
+                        <a:ea typeface="Cambria Math" panose="02040503050406030204" pitchFamily="18" charset="0"/>
+                      </a:rPr>
+                      <m:t>∈</m:t>
+                    </m:r>
+                    <m:r>
+                      <a:rPr lang="en-US" altLang="ja-JP" i="1">
+                        <a:latin typeface="Cambria Math" panose="02040503050406030204" pitchFamily="18" charset="0"/>
+                        <a:ea typeface="Cambria Math" panose="02040503050406030204" pitchFamily="18" charset="0"/>
+                      </a:rPr>
+                      <m:t>𝐻</m:t>
+                    </m:r>
+                  </m:oMath>
+                </a14:m>
+                <a:br>
+                  <a:rPr lang="en-US" altLang="ja-JP" dirty="0">
+                    <a:solidFill>
+                      <a:schemeClr val="tx1">
+                        <a:lumMod val="50000"/>
+                        <a:lumOff val="50000"/>
+                      </a:schemeClr>
+                    </a:solidFill>
+                  </a:rPr>
+                </a:br>
+                <a:r>
+                  <a:rPr lang="ja-JP" altLang="en-US">
+                    <a:solidFill>
+                      <a:schemeClr val="tx1">
+                        <a:lumMod val="50000"/>
+                        <a:lumOff val="50000"/>
+                      </a:schemeClr>
+                    </a:solidFill>
+                  </a:rPr>
+                  <a:t>単位元は</a:t>
+                </a:r>
+                <a:r>
+                  <a:rPr lang="en-US" altLang="ja-JP" dirty="0">
+                    <a:solidFill>
+                      <a:schemeClr val="tx1">
+                        <a:lumMod val="50000"/>
+                        <a:lumOff val="50000"/>
+                      </a:schemeClr>
+                    </a:solidFill>
+                  </a:rPr>
+                  <a:t>G,H</a:t>
+                </a:r>
+                <a:r>
+                  <a:rPr lang="ja-JP" altLang="en-US">
+                    <a:solidFill>
+                      <a:schemeClr val="tx1">
+                        <a:lumMod val="50000"/>
+                        <a:lumOff val="50000"/>
+                      </a:schemeClr>
+                    </a:solidFill>
+                  </a:rPr>
+                  <a:t>共通</a:t>
+                </a:r>
+                <a:endParaRPr lang="en-US" altLang="ja-JP" dirty="0">
+                  <a:solidFill>
+                    <a:schemeClr val="tx1">
+                      <a:lumMod val="50000"/>
+                      <a:lumOff val="50000"/>
+                    </a:schemeClr>
+                  </a:solidFill>
+                </a:endParaRPr>
+              </a:p>
+              <a:p>
+                <a:pPr marL="514350" lvl="0" indent="-514350">
+                  <a:buFont typeface="+mj-lt"/>
+                  <a:buAutoNum type="romanLcPeriod"/>
+                </a:pPr>
+                <a14:m>
+                  <m:oMath xmlns:m="http://schemas.openxmlformats.org/officeDocument/2006/math">
+                    <m:r>
+                      <a:rPr lang="en-US" altLang="ja-JP" i="1">
+                        <a:latin typeface="Cambria Math" panose="02040503050406030204" pitchFamily="18" charset="0"/>
+                        <a:ea typeface="Cambria Math" panose="02040503050406030204" pitchFamily="18" charset="0"/>
+                      </a:rPr>
+                      <m:t>h</m:t>
+                    </m:r>
+                    <m:r>
+                      <a:rPr lang="en-US" altLang="ja-JP" i="1">
+                        <a:latin typeface="Cambria Math" panose="02040503050406030204" pitchFamily="18" charset="0"/>
+                        <a:ea typeface="Cambria Math" panose="02040503050406030204" pitchFamily="18" charset="0"/>
+                      </a:rPr>
+                      <m:t>∈</m:t>
+                    </m:r>
+                    <m:r>
+                      <a:rPr lang="en-US" altLang="ja-JP" i="1">
+                        <a:latin typeface="Cambria Math" panose="02040503050406030204" pitchFamily="18" charset="0"/>
+                        <a:ea typeface="Cambria Math" panose="02040503050406030204" pitchFamily="18" charset="0"/>
+                      </a:rPr>
+                      <m:t>𝐻</m:t>
+                    </m:r>
+                    <m:r>
+                      <a:rPr lang="en-US" altLang="ja-JP" b="0" i="1" smtClean="0">
+                        <a:latin typeface="Cambria Math" panose="02040503050406030204" pitchFamily="18" charset="0"/>
+                        <a:ea typeface="Cambria Math" panose="02040503050406030204" pitchFamily="18" charset="0"/>
+                      </a:rPr>
+                      <m:t>,</m:t>
+                    </m:r>
+                    <m:sSup>
+                      <m:sSupPr>
+                        <m:ctrlPr>
+                          <a:rPr lang="en-US" altLang="ja" i="1">
+                            <a:latin typeface="Cambria Math" panose="02040503050406030204" pitchFamily="18" charset="0"/>
+                            <a:ea typeface="Cambria Math" panose="02040503050406030204" pitchFamily="18" charset="0"/>
+                          </a:rPr>
+                        </m:ctrlPr>
+                      </m:sSupPr>
+                      <m:e>
+                        <m:r>
+                          <a:rPr lang="en-US" altLang="ja" i="1">
+                            <a:latin typeface="Cambria Math" panose="02040503050406030204" pitchFamily="18" charset="0"/>
+                            <a:ea typeface="Cambria Math" panose="02040503050406030204" pitchFamily="18" charset="0"/>
+                          </a:rPr>
+                          <m:t>h</m:t>
+                        </m:r>
+                      </m:e>
+                      <m:sup>
+                        <m:r>
+                          <a:rPr lang="en-US" altLang="ja" i="1">
+                            <a:latin typeface="Cambria Math" panose="02040503050406030204" pitchFamily="18" charset="0"/>
+                            <a:ea typeface="Cambria Math" panose="02040503050406030204" pitchFamily="18" charset="0"/>
+                          </a:rPr>
+                          <m:t>−1</m:t>
+                        </m:r>
+                      </m:sup>
+                    </m:sSup>
+                    <m:r>
+                      <a:rPr lang="en-US" altLang="ja-JP" i="1">
+                        <a:latin typeface="Cambria Math" panose="02040503050406030204" pitchFamily="18" charset="0"/>
+                        <a:ea typeface="Cambria Math" panose="02040503050406030204" pitchFamily="18" charset="0"/>
+                      </a:rPr>
+                      <m:t>∈</m:t>
+                    </m:r>
+                    <m:r>
+                      <a:rPr lang="en-US" altLang="ja-JP" i="1">
+                        <a:latin typeface="Cambria Math" panose="02040503050406030204" pitchFamily="18" charset="0"/>
+                        <a:ea typeface="Cambria Math" panose="02040503050406030204" pitchFamily="18" charset="0"/>
+                      </a:rPr>
+                      <m:t>𝐻</m:t>
+                    </m:r>
+                    <m:r>
+                      <a:rPr lang="en-US" altLang="ja-JP" b="0" i="1" smtClean="0">
+                        <a:latin typeface="Cambria Math" panose="02040503050406030204" pitchFamily="18" charset="0"/>
+                        <a:ea typeface="Cambria Math" panose="02040503050406030204" pitchFamily="18" charset="0"/>
+                      </a:rPr>
+                      <m:t> </m:t>
+                    </m:r>
+                    <m:r>
+                      <a:rPr lang="en-US" altLang="ja-JP" b="0" i="1" smtClean="0">
+                        <a:latin typeface="Cambria Math" panose="02040503050406030204" pitchFamily="18" charset="0"/>
+                        <a:ea typeface="Cambria Math" panose="02040503050406030204" pitchFamily="18" charset="0"/>
+                      </a:rPr>
+                      <m:t>𝑠</m:t>
+                    </m:r>
+                    <m:r>
+                      <a:rPr lang="en-US" altLang="ja-JP" b="0" i="1" smtClean="0">
+                        <a:latin typeface="Cambria Math" panose="02040503050406030204" pitchFamily="18" charset="0"/>
+                        <a:ea typeface="Cambria Math" panose="02040503050406030204" pitchFamily="18" charset="0"/>
+                      </a:rPr>
+                      <m:t>.</m:t>
+                    </m:r>
+                    <m:r>
+                      <a:rPr lang="en-US" altLang="ja-JP" b="0" i="1" smtClean="0">
+                        <a:latin typeface="Cambria Math" panose="02040503050406030204" pitchFamily="18" charset="0"/>
+                        <a:ea typeface="Cambria Math" panose="02040503050406030204" pitchFamily="18" charset="0"/>
+                      </a:rPr>
+                      <m:t>𝑡</m:t>
+                    </m:r>
+                    <m:r>
+                      <a:rPr lang="en-US" altLang="ja-JP" b="0" i="1" smtClean="0">
+                        <a:latin typeface="Cambria Math" panose="02040503050406030204" pitchFamily="18" charset="0"/>
+                        <a:ea typeface="Cambria Math" panose="02040503050406030204" pitchFamily="18" charset="0"/>
+                      </a:rPr>
+                      <m:t>.  </m:t>
+                    </m:r>
+                    <m:sSup>
+                      <m:sSupPr>
+                        <m:ctrlPr>
+                          <a:rPr lang="en-US" altLang="ja" i="1">
+                            <a:latin typeface="Cambria Math" panose="02040503050406030204" pitchFamily="18" charset="0"/>
+                            <a:ea typeface="Cambria Math" panose="02040503050406030204" pitchFamily="18" charset="0"/>
+                          </a:rPr>
+                        </m:ctrlPr>
+                      </m:sSupPr>
+                      <m:e>
+                        <m:r>
+                          <a:rPr lang="en-US" altLang="ja" i="1">
+                            <a:latin typeface="Cambria Math" panose="02040503050406030204" pitchFamily="18" charset="0"/>
+                            <a:ea typeface="Cambria Math" panose="02040503050406030204" pitchFamily="18" charset="0"/>
+                          </a:rPr>
+                          <m:t>h</m:t>
+                        </m:r>
+                      </m:e>
+                      <m:sup>
+                        <m:r>
+                          <a:rPr lang="en-US" altLang="ja" i="1">
+                            <a:latin typeface="Cambria Math" panose="02040503050406030204" pitchFamily="18" charset="0"/>
+                            <a:ea typeface="Cambria Math" panose="02040503050406030204" pitchFamily="18" charset="0"/>
+                          </a:rPr>
+                          <m:t>−1</m:t>
+                        </m:r>
+                      </m:sup>
+                    </m:sSup>
+                    <m:r>
+                      <a:rPr lang="en-US" altLang="ja" b="0" i="1" smtClean="0">
+                        <a:latin typeface="Cambria Math" panose="02040503050406030204" pitchFamily="18" charset="0"/>
+                        <a:ea typeface="Cambria Math" panose="02040503050406030204" pitchFamily="18" charset="0"/>
+                      </a:rPr>
+                      <m:t>:</m:t>
+                    </m:r>
+                    <m:r>
+                      <a:rPr lang="ja-JP" altLang="en-US" i="1">
+                        <a:latin typeface="Cambria Math" panose="02040503050406030204" pitchFamily="18" charset="0"/>
+                        <a:ea typeface="Cambria Math" panose="02040503050406030204" pitchFamily="18" charset="0"/>
+                      </a:rPr>
+                      <m:t>逆元</m:t>
+                    </m:r>
+                  </m:oMath>
+                </a14:m>
+                <a:br>
+                  <a:rPr lang="en-US" altLang="ja-JP" dirty="0">
+                    <a:solidFill>
+                      <a:schemeClr val="tx1">
+                        <a:lumMod val="50000"/>
+                        <a:lumOff val="50000"/>
+                      </a:schemeClr>
+                    </a:solidFill>
+                    <a:ea typeface="Cambria Math" panose="02040503050406030204" pitchFamily="18" charset="0"/>
+                  </a:rPr>
+                </a:br>
+                <a:r>
+                  <a:rPr lang="ja-JP" altLang="en-US">
+                    <a:solidFill>
+                      <a:schemeClr val="tx1">
+                        <a:lumMod val="50000"/>
+                        <a:lumOff val="50000"/>
+                      </a:schemeClr>
+                    </a:solidFill>
+                    <a:ea typeface="Cambria Math" panose="02040503050406030204" pitchFamily="18" charset="0"/>
+                  </a:rPr>
+                  <a:t>逆元が存在する</a:t>
+                </a:r>
+                <a:endParaRPr lang="en-US" altLang="ja-JP" dirty="0">
+                  <a:solidFill>
+                    <a:schemeClr val="tx1">
+                      <a:lumMod val="50000"/>
+                      <a:lumOff val="50000"/>
+                    </a:schemeClr>
+                  </a:solidFill>
+                  <a:ea typeface="Cambria Math" panose="02040503050406030204" pitchFamily="18" charset="0"/>
+                </a:endParaRPr>
+              </a:p>
+              <a:p>
+                <a:endParaRPr kumimoji="1" lang="ja-JP" altLang="en-US"/>
+              </a:p>
+            </p:txBody>
+          </p:sp>
+        </mc:Choice>
+        <mc:Fallback>
+          <p:sp>
+            <p:nvSpPr>
+              <p:cNvPr id="3" name="コンテンツ プレースホルダー 2">
+                <a:extLst>
+                  <a:ext uri="{FF2B5EF4-FFF2-40B4-BE49-F238E27FC236}">
+                    <a16:creationId xmlns:a16="http://schemas.microsoft.com/office/drawing/2014/main" id="{505E0EA2-8D86-2749-9EAB-DE074A886DB0}"/>
+                  </a:ext>
+                </a:extLst>
+              </p:cNvPr>
+              <p:cNvSpPr>
+                <a:spLocks noGrp="1" noRot="1" noChangeAspect="1" noMove="1" noResize="1" noEditPoints="1" noAdjustHandles="1" noChangeArrowheads="1" noChangeShapeType="1" noTextEdit="1"/>
+              </p:cNvSpPr>
+              <p:nvPr>
+                <p:ph idx="1"/>
+              </p:nvPr>
+            </p:nvSpPr>
+            <p:spPr>
+              <a:blipFill>
+                <a:blip r:embed="rId2"/>
+                <a:stretch>
+                  <a:fillRect l="-724" t="-1170"/>
+                </a:stretch>
+              </a:blipFill>
+            </p:spPr>
+            <p:txBody>
+              <a:bodyPr/>
+              <a:lstStyle/>
+              <a:p>
+                <a:r>
+                  <a:rPr lang="ja-JP" altLang="en-US">
+                    <a:noFill/>
+                  </a:rPr>
+                  <a:t> </a:t>
+                </a:r>
+              </a:p>
+            </p:txBody>
+          </p:sp>
+        </mc:Fallback>
+      </mc:AlternateContent>
+    </p:spTree>
+    <p:extLst>
+      <p:ext uri="{BB962C8B-B14F-4D97-AF65-F5344CB8AC3E}">
+        <p14:creationId xmlns:p14="http://schemas.microsoft.com/office/powerpoint/2010/main" val="4221972902"/>
+      </p:ext>
+    </p:extLst>
+  </p:cSld>
+  <p:clrMapOvr>
+    <a:masterClrMapping/>
+  </p:clrMapOvr>
+</p:sld>
+</file>
+
+<file path=ppt/slides/slide16.xml><?xml version="1.0" encoding="utf-8"?>
 <p:sld xmlns:a="http://schemas.openxmlformats.org/drawingml/2006/main" xmlns:r="http://schemas.openxmlformats.org/officeDocument/2006/relationships" xmlns:p="http://schemas.openxmlformats.org/presentationml/2006/main">
   <p:cSld>
     <p:spTree>
@@ -6152,7 +7874,11 @@
                 </a:pPr>
                 <a:r>
                   <a:rPr lang="ja-JP" altLang="en-US"/>
-                  <a:t>群の例２</a:t>
+                  <a:t>群の例</a:t>
+                </a:r>
+                <a:r>
+                  <a:rPr lang="en-US" altLang="ja-JP" sz="2800" dirty="0"/>
+                  <a:t>~</a:t>
                 </a:r>
                 <a14:m>
                   <m:oMath xmlns:m="http://schemas.openxmlformats.org/officeDocument/2006/math">
@@ -6160,7 +7886,7 @@
                       <m:rPr>
                         <m:sty m:val="p"/>
                       </m:rPr>
-                      <a:rPr lang="en-US" altLang="ja-JP">
+                      <a:rPr lang="en-US" altLang="ja-JP" sz="2800">
                         <a:latin typeface="Cambria Math" panose="02040503050406030204" pitchFamily="18" charset="0"/>
                       </a:rPr>
                       <m:t>O</m:t>
@@ -6168,7 +7894,7 @@
                     <m:d>
                       <m:dPr>
                         <m:ctrlPr>
-                          <a:rPr lang="en-US" altLang="ja" i="1">
+                          <a:rPr lang="en-US" altLang="ja" sz="2800" i="1">
                             <a:latin typeface="Cambria Math" panose="02040503050406030204" pitchFamily="18" charset="0"/>
                           </a:rPr>
                         </m:ctrlPr>
@@ -6178,7 +7904,7 @@
                           <m:rPr>
                             <m:sty m:val="p"/>
                           </m:rPr>
-                          <a:rPr lang="en-US" altLang="ja">
+                          <a:rPr lang="en-US" altLang="ja" sz="2800">
                             <a:latin typeface="Cambria Math" panose="02040503050406030204" pitchFamily="18" charset="0"/>
                           </a:rPr>
                           <m:t>n</m:t>
@@ -6186,7 +7912,7 @@
                       </m:e>
                     </m:d>
                     <m:r>
-                      <a:rPr lang="en-US" altLang="ja" i="1" smtClean="0">
+                      <a:rPr lang="en-US" altLang="ja" sz="2800" i="1" smtClean="0">
                         <a:latin typeface="Cambria Math" panose="02040503050406030204" pitchFamily="18" charset="0"/>
                         <a:ea typeface="Cambria Math" panose="02040503050406030204" pitchFamily="18" charset="0"/>
                       </a:rPr>
@@ -6194,6 +7920,13 @@
                     </m:r>
                   </m:oMath>
                 </a14:m>
+                <a:r>
+                  <a:rPr lang="en-US" altLang="ja" sz="2400" dirty="0">
+                    <a:latin typeface="Times New Roman" panose="02020603050405020304" pitchFamily="18" charset="0"/>
+                    <a:cs typeface="Times New Roman" panose="02020603050405020304" pitchFamily="18" charset="0"/>
+                  </a:rPr>
+                  <a:t>~ </a:t>
+                </a:r>
                 <a:r>
                   <a:rPr lang="en-US" altLang="ja" sz="2400" i="1" dirty="0">
                     <a:solidFill>
@@ -6207,7 +7940,7 @@
                   </a:rPr>
                   <a:t>orthogonal group</a:t>
                 </a:r>
-                <a:endParaRPr sz="5867" dirty="0">
+                <a:endParaRPr sz="2800" dirty="0">
                   <a:latin typeface="Times New Roman" panose="02020603050405020304" pitchFamily="18" charset="0"/>
                   <a:cs typeface="Times New Roman" panose="02020603050405020304" pitchFamily="18" charset="0"/>
                 </a:endParaRPr>
@@ -6364,6 +8097,17 @@
                   </a:spcBef>
                   <a:buNone/>
                 </a:pPr>
+                <a:endParaRPr lang="en-US" altLang="ja-JP" sz="2400" dirty="0">
+                  <a:ea typeface="MS PGothic" panose="020B0600070205080204" pitchFamily="34" charset="-128"/>
+                </a:endParaRPr>
+              </a:p>
+              <a:p>
+                <a:pPr marL="0" indent="0">
+                  <a:spcBef>
+                    <a:spcPts val="1067"/>
+                  </a:spcBef>
+                  <a:buNone/>
+                </a:pPr>
                 <a:r>
                   <a:rPr lang="en-US" altLang="ja" sz="2400" i="1" dirty="0">
                     <a:solidFill>
@@ -6379,7 +8123,19 @@
                 </a:r>
                 <a:r>
                   <a:rPr lang="en-US" altLang="ja" sz="2400" dirty="0"/>
-                  <a:t>  </a:t>
+                  <a:t> </a:t>
+                </a:r>
+              </a:p>
+              <a:p>
+                <a:pPr marL="0" indent="0">
+                  <a:spcBef>
+                    <a:spcPts val="1067"/>
+                  </a:spcBef>
+                  <a:buNone/>
+                </a:pPr>
+                <a:r>
+                  <a:rPr lang="en-US" altLang="ja" sz="2400" dirty="0"/>
+                  <a:t> </a:t>
                 </a:r>
                 <a14:m>
                   <m:oMath xmlns:m="http://schemas.openxmlformats.org/officeDocument/2006/math">
@@ -6595,7 +8351,7 @@
                   </a:spcBef>
                   <a:buNone/>
                 </a:pPr>
-                <a:endParaRPr lang="ja-JP" altLang="en-US" dirty="0"/>
+                <a:endParaRPr lang="en-US" altLang="ja-JP" dirty="0"/>
               </a:p>
               <a:p>
                 <a:pPr marL="0" indent="0">
@@ -6605,60 +8361,141 @@
                   <a:buNone/>
                 </a:pPr>
                 <a:r>
-                  <a:rPr lang="fr-CA" altLang="ja" dirty="0"/>
-                  <a:t>O(n)</a:t>
-                </a:r>
-                <a:r>
-                  <a:rPr lang="ja-JP" altLang="en-US" dirty="0"/>
-                  <a:t>が</a:t>
-                </a:r>
-                <a:r>
-                  <a:rPr lang="fr-CA" altLang="ja" dirty="0"/>
-                  <a:t>GL(n;R)</a:t>
-                </a:r>
-                <a:r>
-                  <a:rPr lang="ja-JP" altLang="en-US" dirty="0"/>
-                  <a:t>の部分群であるためには</a:t>
+                  <a:rPr lang="en-US" altLang="ja-JP" dirty="0"/>
+                  <a:t>【</a:t>
+                </a:r>
+                <a:r>
+                  <a:rPr lang="ja-JP" altLang="en-US"/>
+                  <a:t>部分群である確認</a:t>
+                </a:r>
+                <a:r>
+                  <a:rPr lang="en-US" altLang="ja-JP" dirty="0"/>
+                  <a:t>】</a:t>
                 </a:r>
               </a:p>
               <a:p>
-                <a:pPr marL="609585" indent="-423323">
+                <a:pPr>
                   <a:spcBef>
                     <a:spcPts val="1067"/>
                   </a:spcBef>
-                  <a:buSzPts val="1400"/>
-                  <a:buChar char="-"/>
                 </a:pPr>
-                <a:r>
-                  <a:rPr lang="ja-JP" altLang="en-US" dirty="0"/>
-                  <a:t>２つの直交行列の積は直交行列である</a:t>
-                </a:r>
+                <a14:m>
+                  <m:oMath xmlns:m="http://schemas.openxmlformats.org/officeDocument/2006/math">
+                    <m:r>
+                      <m:rPr>
+                        <m:sty m:val="p"/>
+                      </m:rPr>
+                      <a:rPr lang="fr-CA" altLang="ja">
+                        <a:latin typeface="Cambria Math" panose="02040503050406030204" pitchFamily="18" charset="0"/>
+                      </a:rPr>
+                      <m:t>O</m:t>
+                    </m:r>
+                    <m:d>
+                      <m:dPr>
+                        <m:ctrlPr>
+                          <a:rPr lang="ar-AE" altLang="ja" i="1">
+                            <a:latin typeface="Cambria Math" panose="02040503050406030204" pitchFamily="18" charset="0"/>
+                          </a:rPr>
+                        </m:ctrlPr>
+                      </m:dPr>
+                      <m:e>
+                        <m:r>
+                          <m:rPr>
+                            <m:sty m:val="p"/>
+                          </m:rPr>
+                          <a:rPr lang="fr-CA" altLang="ja">
+                            <a:latin typeface="Cambria Math" panose="02040503050406030204" pitchFamily="18" charset="0"/>
+                          </a:rPr>
+                          <m:t>n</m:t>
+                        </m:r>
+                        <m:r>
+                          <a:rPr lang="fr-CA" altLang="ja">
+                            <a:latin typeface="Cambria Math" panose="02040503050406030204" pitchFamily="18" charset="0"/>
+                          </a:rPr>
+                          <m:t>;</m:t>
+                        </m:r>
+                        <m:r>
+                          <a:rPr lang="fr-CA" altLang="ja">
+                            <a:latin typeface="Cambria Math" panose="02040503050406030204" pitchFamily="18" charset="0"/>
+                            <a:ea typeface="Cambria Math" panose="02040503050406030204" pitchFamily="18" charset="0"/>
+                          </a:rPr>
+                          <m:t>ℂ</m:t>
+                        </m:r>
+                      </m:e>
+                    </m:d>
+                    <m:r>
+                      <a:rPr lang="fr-CA" altLang="ja" i="1" smtClean="0">
+                        <a:latin typeface="Cambria Math" panose="02040503050406030204" pitchFamily="18" charset="0"/>
+                        <a:ea typeface="Cambria Math" panose="02040503050406030204" pitchFamily="18" charset="0"/>
+                      </a:rPr>
+                      <m:t>⊂</m:t>
+                    </m:r>
+                    <m:r>
+                      <m:rPr>
+                        <m:sty m:val="p"/>
+                      </m:rPr>
+                      <a:rPr lang="fr-CA" altLang="ja">
+                        <a:latin typeface="Cambria Math" panose="02040503050406030204" pitchFamily="18" charset="0"/>
+                      </a:rPr>
+                      <m:t>G</m:t>
+                    </m:r>
+                    <m:r>
+                      <m:rPr>
+                        <m:sty m:val="p"/>
+                      </m:rPr>
+                      <a:rPr lang="en-US" altLang="ja">
+                        <a:latin typeface="Cambria Math" panose="02040503050406030204" pitchFamily="18" charset="0"/>
+                      </a:rPr>
+                      <m:t>L</m:t>
+                    </m:r>
+                    <m:d>
+                      <m:dPr>
+                        <m:ctrlPr>
+                          <a:rPr lang="en-US" altLang="ja" i="1">
+                            <a:latin typeface="Cambria Math" panose="02040503050406030204" pitchFamily="18" charset="0"/>
+                          </a:rPr>
+                        </m:ctrlPr>
+                      </m:dPr>
+                      <m:e>
+                        <m:r>
+                          <m:rPr>
+                            <m:sty m:val="p"/>
+                          </m:rPr>
+                          <a:rPr lang="en-US" altLang="ja">
+                            <a:latin typeface="Cambria Math" panose="02040503050406030204" pitchFamily="18" charset="0"/>
+                          </a:rPr>
+                          <m:t>n</m:t>
+                        </m:r>
+                        <m:r>
+                          <a:rPr lang="en-US" altLang="ja">
+                            <a:latin typeface="Cambria Math" panose="02040503050406030204" pitchFamily="18" charset="0"/>
+                          </a:rPr>
+                          <m:t>;</m:t>
+                        </m:r>
+                        <m:r>
+                          <a:rPr lang="en-US" altLang="ja">
+                            <a:latin typeface="Cambria Math" panose="02040503050406030204" pitchFamily="18" charset="0"/>
+                            <a:ea typeface="Cambria Math" panose="02040503050406030204" pitchFamily="18" charset="0"/>
+                          </a:rPr>
+                          <m:t>ℂ</m:t>
+                        </m:r>
+                      </m:e>
+                    </m:d>
+                  </m:oMath>
+                </a14:m>
+                <a:endParaRPr lang="en-US" altLang="ja-JP" dirty="0"/>
               </a:p>
               <a:p>
-                <a:pPr marL="609585" indent="-423323">
+                <a:pPr>
                   <a:spcBef>
-                    <a:spcPts val="0"/>
+                    <a:spcPts val="1067"/>
                   </a:spcBef>
-                  <a:buSzPts val="1400"/>
-                  <a:buChar char="-"/>
                 </a:pPr>
                 <a:r>
-                  <a:rPr lang="ja-JP" altLang="en-US" dirty="0"/>
-                  <a:t>単位行列は直交行列である</a:t>
-                </a:r>
-              </a:p>
-              <a:p>
-                <a:pPr marL="609585" indent="-423323">
-                  <a:spcBef>
-                    <a:spcPts val="0"/>
-                  </a:spcBef>
-                  <a:buSzPts val="1400"/>
-                  <a:buChar char="-"/>
-                </a:pPr>
-                <a:r>
-                  <a:rPr lang="ja-JP" altLang="en-US" dirty="0"/>
-                  <a:t>直交行列の逆行列は直交行列である</a:t>
-                </a:r>
+                  <a:rPr lang="ja-JP" altLang="en-US"/>
+                  <a:t>直交行列には逆元（＝逆行列）が存在する</a:t>
+                </a:r>
+                <a:endParaRPr lang="en-US" altLang="ja-JP" dirty="0"/>
               </a:p>
               <a:p>
                 <a:pPr marL="0" indent="0">
@@ -6668,10 +8505,90 @@
                   <a:buNone/>
                 </a:pPr>
                 <a:r>
+                  <a:rPr lang="ja-JP" altLang="en-US"/>
+                  <a:t>これらより，</a:t>
+                </a:r>
+                <a:r>
+                  <a:rPr lang="en-US" altLang="ja" dirty="0"/>
+                  <a:t> </a:t>
+                </a:r>
+                <a14:m>
+                  <m:oMath xmlns:m="http://schemas.openxmlformats.org/officeDocument/2006/math">
+                    <m:r>
+                      <a:rPr lang="en-US" altLang="ja">
+                        <a:latin typeface="Cambria Math" panose="02040503050406030204" pitchFamily="18" charset="0"/>
+                      </a:rPr>
+                      <m:t>(</m:t>
+                    </m:r>
+                    <m:r>
+                      <m:rPr>
+                        <m:sty m:val="p"/>
+                      </m:rPr>
+                      <a:rPr lang="fr-CA" altLang="ja">
+                        <a:latin typeface="Cambria Math" panose="02040503050406030204" pitchFamily="18" charset="0"/>
+                      </a:rPr>
+                      <m:t>G</m:t>
+                    </m:r>
+                    <m:r>
+                      <m:rPr>
+                        <m:sty m:val="p"/>
+                      </m:rPr>
+                      <a:rPr lang="en-US" altLang="ja">
+                        <a:latin typeface="Cambria Math" panose="02040503050406030204" pitchFamily="18" charset="0"/>
+                      </a:rPr>
+                      <m:t>L</m:t>
+                    </m:r>
+                    <m:d>
+                      <m:dPr>
+                        <m:ctrlPr>
+                          <a:rPr lang="en-US" altLang="ja" i="1">
+                            <a:latin typeface="Cambria Math" panose="02040503050406030204" pitchFamily="18" charset="0"/>
+                          </a:rPr>
+                        </m:ctrlPr>
+                      </m:dPr>
+                      <m:e>
+                        <m:r>
+                          <m:rPr>
+                            <m:sty m:val="p"/>
+                          </m:rPr>
+                          <a:rPr lang="en-US" altLang="ja">
+                            <a:latin typeface="Cambria Math" panose="02040503050406030204" pitchFamily="18" charset="0"/>
+                          </a:rPr>
+                          <m:t>n</m:t>
+                        </m:r>
+                        <m:r>
+                          <a:rPr lang="en-US" altLang="ja">
+                            <a:latin typeface="Cambria Math" panose="02040503050406030204" pitchFamily="18" charset="0"/>
+                          </a:rPr>
+                          <m:t>;</m:t>
+                        </m:r>
+                        <m:r>
+                          <a:rPr lang="en-US" altLang="ja">
+                            <a:latin typeface="Cambria Math" panose="02040503050406030204" pitchFamily="18" charset="0"/>
+                            <a:ea typeface="Cambria Math" panose="02040503050406030204" pitchFamily="18" charset="0"/>
+                          </a:rPr>
+                          <m:t>ℂ</m:t>
+                        </m:r>
+                      </m:e>
+                    </m:d>
+                    <m:r>
+                      <a:rPr lang="en-US" altLang="ja" i="1">
+                        <a:latin typeface="Cambria Math" panose="02040503050406030204" pitchFamily="18" charset="0"/>
+                        <a:ea typeface="Cambria Math" panose="02040503050406030204" pitchFamily="18" charset="0"/>
+                      </a:rPr>
+                      <m:t>,  ∙  )</m:t>
+                    </m:r>
+                  </m:oMath>
+                </a14:m>
+                <a:r>
                   <a:rPr lang="ja-JP" altLang="en-US" dirty="0"/>
-                  <a:t>の３つを満たす必要がある</a:t>
-                </a:r>
-                <a:endParaRPr dirty="0"/>
+                  <a:t>は</a:t>
+                </a:r>
+                <a:r>
+                  <a:rPr lang="ja-JP" altLang="en-US"/>
+                  <a:t>群をなすことがわかる．</a:t>
+                </a:r>
+                <a:endParaRPr lang="ja-JP" altLang="en-US" dirty="0"/>
               </a:p>
             </p:txBody>
           </p:sp>
@@ -6698,7 +8615,7 @@
               <a:blipFill>
                 <a:blip r:embed="rId4"/>
                 <a:stretch>
-                  <a:fillRect l="-1086"/>
+                  <a:fillRect l="-1086" b="-9357"/>
                 </a:stretch>
               </a:blipFill>
             </p:spPr>
@@ -6721,6 +8638,2019 @@
     <p:extLst>
       <p:ext uri="{BB962C8B-B14F-4D97-AF65-F5344CB8AC3E}">
         <p14:creationId xmlns:p14="http://schemas.microsoft.com/office/powerpoint/2010/main" val="1085884508"/>
+      </p:ext>
+    </p:extLst>
+  </p:cSld>
+  <p:clrMapOvr>
+    <a:masterClrMapping/>
+  </p:clrMapOvr>
+</p:sld>
+</file>
+
+<file path=ppt/slides/slide17.xml><?xml version="1.0" encoding="utf-8"?>
+<p:sld xmlns:a="http://schemas.openxmlformats.org/drawingml/2006/main" xmlns:r="http://schemas.openxmlformats.org/officeDocument/2006/relationships" xmlns:p="http://schemas.openxmlformats.org/presentationml/2006/main">
+  <p:cSld>
+    <p:spTree>
+      <p:nvGrpSpPr>
+        <p:cNvPr id="1" name=""/>
+        <p:cNvGrpSpPr/>
+        <p:nvPr/>
+      </p:nvGrpSpPr>
+      <p:grpSpPr>
+        <a:xfrm>
+          <a:off x="0" y="0"/>
+          <a:ext cx="0" cy="0"/>
+          <a:chOff x="0" y="0"/>
+          <a:chExt cx="0" cy="0"/>
+        </a:xfrm>
+      </p:grpSpPr>
+      <p:sp>
+        <p:nvSpPr>
+          <p:cNvPr id="2" name="タイトル 1">
+            <a:extLst>
+              <a:ext uri="{FF2B5EF4-FFF2-40B4-BE49-F238E27FC236}">
+                <a16:creationId xmlns:a16="http://schemas.microsoft.com/office/drawing/2014/main" id="{C283853C-3287-254C-9A3E-571C1751B619}"/>
+              </a:ext>
+            </a:extLst>
+          </p:cNvPr>
+          <p:cNvSpPr>
+            <a:spLocks noGrp="1"/>
+          </p:cNvSpPr>
+          <p:nvPr>
+            <p:ph type="title"/>
+          </p:nvPr>
+        </p:nvSpPr>
+        <p:spPr/>
+        <p:txBody>
+          <a:bodyPr/>
+          <a:lstStyle/>
+          <a:p>
+            <a:r>
+              <a:rPr kumimoji="1" lang="ja-JP" altLang="en-US"/>
+              <a:t>群の作用の定義</a:t>
+            </a:r>
+          </a:p>
+        </p:txBody>
+      </p:sp>
+      <mc:AlternateContent xmlns:mc="http://schemas.openxmlformats.org/markup-compatibility/2006">
+        <mc:Choice xmlns:a14="http://schemas.microsoft.com/office/drawing/2010/main" Requires="a14">
+          <p:sp>
+            <p:nvSpPr>
+              <p:cNvPr id="3" name="コンテンツ プレースホルダー 2">
+                <a:extLst>
+                  <a:ext uri="{FF2B5EF4-FFF2-40B4-BE49-F238E27FC236}">
+                    <a16:creationId xmlns:a16="http://schemas.microsoft.com/office/drawing/2014/main" id="{12638679-C706-144C-BEC3-AF506BD633B2}"/>
+                  </a:ext>
+                </a:extLst>
+              </p:cNvPr>
+              <p:cNvSpPr>
+                <a:spLocks noGrp="1"/>
+              </p:cNvSpPr>
+              <p:nvPr>
+                <p:ph idx="1"/>
+              </p:nvPr>
+            </p:nvSpPr>
+            <p:spPr/>
+            <p:txBody>
+              <a:bodyPr/>
+              <a:lstStyle/>
+              <a:p>
+                <a:pPr marL="0" indent="0">
+                  <a:buNone/>
+                </a:pPr>
+                <a:r>
+                  <a:rPr kumimoji="1" lang="en-US" altLang="ja-JP" dirty="0"/>
+                  <a:t>G</a:t>
+                </a:r>
+                <a:r>
+                  <a:rPr kumimoji="1" lang="ja-JP" altLang="en-US"/>
+                  <a:t>：群，</a:t>
+                </a:r>
+                <a:r>
+                  <a:rPr kumimoji="1" lang="en-US" altLang="ja-JP" dirty="0"/>
+                  <a:t>X</a:t>
+                </a:r>
+                <a:r>
+                  <a:rPr kumimoji="1" lang="ja-JP" altLang="en-US"/>
+                  <a:t>：集合</a:t>
+                </a:r>
+                <a:r>
+                  <a:rPr lang="ja-JP" altLang="en-US"/>
+                  <a:t>，・：</a:t>
+                </a:r>
+                <a:r>
+                  <a:rPr lang="en-US" altLang="ja-JP" dirty="0"/>
+                  <a:t>G×X</a:t>
+                </a:r>
+                <a:r>
+                  <a:rPr lang="ja-JP" altLang="en-US"/>
+                  <a:t>から</a:t>
+                </a:r>
+                <a:r>
+                  <a:rPr lang="en-US" altLang="ja-JP" dirty="0"/>
+                  <a:t>X</a:t>
+                </a:r>
+                <a:r>
+                  <a:rPr lang="ja-JP" altLang="en-US"/>
+                  <a:t>への写像</a:t>
+                </a:r>
+                <a:endParaRPr lang="en-US" altLang="ja-JP" dirty="0"/>
+              </a:p>
+              <a:p>
+                <a:pPr marL="0" indent="0">
+                  <a:buNone/>
+                </a:pPr>
+                <a:r>
+                  <a:rPr lang="ja-JP" altLang="en-US"/>
+                  <a:t>写像・が</a:t>
+                </a:r>
+                <a:endParaRPr lang="en-US" altLang="ja-JP" dirty="0"/>
+              </a:p>
+              <a:p>
+                <a14:m>
+                  <m:oMath xmlns:m="http://schemas.openxmlformats.org/officeDocument/2006/math">
+                    <m:r>
+                      <a:rPr lang="en-US" altLang="ja-JP" i="1" smtClean="0">
+                        <a:latin typeface="Cambria Math" panose="02040503050406030204" pitchFamily="18" charset="0"/>
+                        <a:ea typeface="Cambria Math" panose="02040503050406030204" pitchFamily="18" charset="0"/>
+                      </a:rPr>
+                      <m:t>∀</m:t>
+                    </m:r>
+                    <m:sSub>
+                      <m:sSubPr>
+                        <m:ctrlPr>
+                          <a:rPr lang="en-US" altLang="ja-JP" i="1">
+                            <a:latin typeface="Cambria Math" panose="02040503050406030204" pitchFamily="18" charset="0"/>
+                          </a:rPr>
+                        </m:ctrlPr>
+                      </m:sSubPr>
+                      <m:e>
+                        <m:r>
+                          <a:rPr lang="en-US" altLang="ja-JP" i="1">
+                            <a:latin typeface="Cambria Math" panose="02040503050406030204" pitchFamily="18" charset="0"/>
+                          </a:rPr>
+                          <m:t>𝑔</m:t>
+                        </m:r>
+                      </m:e>
+                      <m:sub>
+                        <m:r>
+                          <a:rPr lang="en-US" altLang="ja-JP" i="1">
+                            <a:latin typeface="Cambria Math" panose="02040503050406030204" pitchFamily="18" charset="0"/>
+                          </a:rPr>
+                          <m:t>1</m:t>
+                        </m:r>
+                      </m:sub>
+                    </m:sSub>
+                    <m:r>
+                      <a:rPr lang="en-US" altLang="ja-JP" b="0" i="1" smtClean="0">
+                        <a:latin typeface="Cambria Math" panose="02040503050406030204" pitchFamily="18" charset="0"/>
+                      </a:rPr>
+                      <m:t>,</m:t>
+                    </m:r>
+                    <m:r>
+                      <a:rPr lang="en-US" altLang="ja-JP" i="1">
+                        <a:latin typeface="Cambria Math" panose="02040503050406030204" pitchFamily="18" charset="0"/>
+                        <a:ea typeface="Cambria Math" panose="02040503050406030204" pitchFamily="18" charset="0"/>
+                      </a:rPr>
+                      <m:t>∀</m:t>
+                    </m:r>
+                    <m:sSub>
+                      <m:sSubPr>
+                        <m:ctrlPr>
+                          <a:rPr lang="en-US" altLang="ja-JP" i="1">
+                            <a:latin typeface="Cambria Math" panose="02040503050406030204" pitchFamily="18" charset="0"/>
+                          </a:rPr>
+                        </m:ctrlPr>
+                      </m:sSubPr>
+                      <m:e>
+                        <m:r>
+                          <a:rPr lang="en-US" altLang="ja-JP" i="1">
+                            <a:latin typeface="Cambria Math" panose="02040503050406030204" pitchFamily="18" charset="0"/>
+                          </a:rPr>
+                          <m:t>𝑔</m:t>
+                        </m:r>
+                      </m:e>
+                      <m:sub>
+                        <m:r>
+                          <a:rPr lang="en-US" altLang="ja-JP" b="0" i="1" smtClean="0">
+                            <a:latin typeface="Cambria Math" panose="02040503050406030204" pitchFamily="18" charset="0"/>
+                          </a:rPr>
+                          <m:t>2</m:t>
+                        </m:r>
+                      </m:sub>
+                    </m:sSub>
+                    <m:r>
+                      <a:rPr lang="en-US" altLang="ja-JP" i="1" smtClean="0">
+                        <a:latin typeface="Cambria Math" panose="02040503050406030204" pitchFamily="18" charset="0"/>
+                        <a:ea typeface="Cambria Math" panose="02040503050406030204" pitchFamily="18" charset="0"/>
+                      </a:rPr>
+                      <m:t>∈</m:t>
+                    </m:r>
+                    <m:r>
+                      <a:rPr lang="en-US" altLang="ja-JP" b="0" i="1" smtClean="0">
+                        <a:latin typeface="Cambria Math" panose="02040503050406030204" pitchFamily="18" charset="0"/>
+                        <a:ea typeface="Cambria Math" panose="02040503050406030204" pitchFamily="18" charset="0"/>
+                      </a:rPr>
+                      <m:t>𝐺</m:t>
+                    </m:r>
+                    <m:r>
+                      <a:rPr lang="en-US" altLang="ja-JP" b="0" i="1" smtClean="0">
+                        <a:latin typeface="Cambria Math" panose="02040503050406030204" pitchFamily="18" charset="0"/>
+                        <a:ea typeface="Cambria Math" panose="02040503050406030204" pitchFamily="18" charset="0"/>
+                      </a:rPr>
+                      <m:t>,∀</m:t>
+                    </m:r>
+                    <m:r>
+                      <a:rPr lang="en-US" altLang="ja-JP" b="0" i="1" smtClean="0">
+                        <a:latin typeface="Cambria Math" panose="02040503050406030204" pitchFamily="18" charset="0"/>
+                        <a:ea typeface="Cambria Math" panose="02040503050406030204" pitchFamily="18" charset="0"/>
+                      </a:rPr>
+                      <m:t>𝑥</m:t>
+                    </m:r>
+                    <m:r>
+                      <a:rPr lang="en-US" altLang="ja-JP" i="1">
+                        <a:latin typeface="Cambria Math" panose="02040503050406030204" pitchFamily="18" charset="0"/>
+                        <a:ea typeface="Cambria Math" panose="02040503050406030204" pitchFamily="18" charset="0"/>
+                      </a:rPr>
+                      <m:t>∈</m:t>
+                    </m:r>
+                    <m:r>
+                      <a:rPr lang="en-US" altLang="ja-JP" b="0" i="1" smtClean="0">
+                        <a:latin typeface="Cambria Math" panose="02040503050406030204" pitchFamily="18" charset="0"/>
+                        <a:ea typeface="Cambria Math" panose="02040503050406030204" pitchFamily="18" charset="0"/>
+                      </a:rPr>
+                      <m:t>𝑋</m:t>
+                    </m:r>
+                    <m:r>
+                      <a:rPr lang="en-US" altLang="ja-JP" b="0" i="1" smtClean="0">
+                        <a:latin typeface="Cambria Math" panose="02040503050406030204" pitchFamily="18" charset="0"/>
+                        <a:ea typeface="Cambria Math" panose="02040503050406030204" pitchFamily="18" charset="0"/>
+                      </a:rPr>
+                      <m:t>,  </m:t>
+                    </m:r>
+                    <m:d>
+                      <m:dPr>
+                        <m:ctrlPr>
+                          <a:rPr kumimoji="1" lang="en-US" altLang="ja-JP" b="0" i="1" smtClean="0">
+                            <a:latin typeface="Cambria Math" panose="02040503050406030204" pitchFamily="18" charset="0"/>
+                          </a:rPr>
+                        </m:ctrlPr>
+                      </m:dPr>
+                      <m:e>
+                        <m:sSub>
+                          <m:sSubPr>
+                            <m:ctrlPr>
+                              <a:rPr kumimoji="1" lang="en-US" altLang="ja-JP" b="0" i="1" smtClean="0">
+                                <a:latin typeface="Cambria Math" panose="02040503050406030204" pitchFamily="18" charset="0"/>
+                              </a:rPr>
+                            </m:ctrlPr>
+                          </m:sSubPr>
+                          <m:e>
+                            <m:r>
+                              <a:rPr kumimoji="1" lang="en-US" altLang="ja-JP" b="0" i="1" smtClean="0">
+                                <a:latin typeface="Cambria Math" panose="02040503050406030204" pitchFamily="18" charset="0"/>
+                              </a:rPr>
+                              <m:t>𝑔</m:t>
+                            </m:r>
+                          </m:e>
+                          <m:sub>
+                            <m:r>
+                              <a:rPr kumimoji="1" lang="en-US" altLang="ja-JP" b="0" i="1" smtClean="0">
+                                <a:latin typeface="Cambria Math" panose="02040503050406030204" pitchFamily="18" charset="0"/>
+                              </a:rPr>
+                              <m:t>1</m:t>
+                            </m:r>
+                          </m:sub>
+                        </m:sSub>
+                        <m:r>
+                          <a:rPr lang="en-US" altLang="ja-JP" i="1">
+                            <a:latin typeface="Cambria Math" panose="02040503050406030204" pitchFamily="18" charset="0"/>
+                            <a:ea typeface="Cambria Math" panose="02040503050406030204" pitchFamily="18" charset="0"/>
+                          </a:rPr>
+                          <m:t>∙</m:t>
+                        </m:r>
+                        <m:sSub>
+                          <m:sSubPr>
+                            <m:ctrlPr>
+                              <a:rPr lang="en-US" altLang="ja-JP" i="1">
+                                <a:latin typeface="Cambria Math" panose="02040503050406030204" pitchFamily="18" charset="0"/>
+                              </a:rPr>
+                            </m:ctrlPr>
+                          </m:sSubPr>
+                          <m:e>
+                            <m:r>
+                              <a:rPr lang="en-US" altLang="ja-JP" b="0" i="1" smtClean="0">
+                                <a:latin typeface="Cambria Math" panose="02040503050406030204" pitchFamily="18" charset="0"/>
+                              </a:rPr>
+                              <m:t>𝑔</m:t>
+                            </m:r>
+                          </m:e>
+                          <m:sub>
+                            <m:r>
+                              <a:rPr lang="en-US" altLang="ja-JP" b="0" i="1" smtClean="0">
+                                <a:latin typeface="Cambria Math" panose="02040503050406030204" pitchFamily="18" charset="0"/>
+                              </a:rPr>
+                              <m:t>2</m:t>
+                            </m:r>
+                          </m:sub>
+                        </m:sSub>
+                      </m:e>
+                    </m:d>
+                    <m:r>
+                      <a:rPr kumimoji="1" lang="en-US" altLang="ja-JP" b="0" i="1" smtClean="0">
+                        <a:latin typeface="Cambria Math" panose="02040503050406030204" pitchFamily="18" charset="0"/>
+                        <a:ea typeface="Cambria Math" panose="02040503050406030204" pitchFamily="18" charset="0"/>
+                      </a:rPr>
+                      <m:t>∙</m:t>
+                    </m:r>
+                    <m:r>
+                      <a:rPr kumimoji="1" lang="en-US" altLang="ja-JP" b="0" i="1" smtClean="0">
+                        <a:latin typeface="Cambria Math" panose="02040503050406030204" pitchFamily="18" charset="0"/>
+                        <a:ea typeface="Cambria Math" panose="02040503050406030204" pitchFamily="18" charset="0"/>
+                      </a:rPr>
+                      <m:t>𝑥</m:t>
+                    </m:r>
+                    <m:r>
+                      <a:rPr kumimoji="1" lang="en-US" altLang="ja-JP" b="0" i="1" smtClean="0">
+                        <a:latin typeface="Cambria Math" panose="02040503050406030204" pitchFamily="18" charset="0"/>
+                        <a:ea typeface="Cambria Math" panose="02040503050406030204" pitchFamily="18" charset="0"/>
+                      </a:rPr>
+                      <m:t>=</m:t>
+                    </m:r>
+                    <m:sSub>
+                      <m:sSubPr>
+                        <m:ctrlPr>
+                          <a:rPr lang="en-US" altLang="ja-JP" i="1">
+                            <a:latin typeface="Cambria Math" panose="02040503050406030204" pitchFamily="18" charset="0"/>
+                          </a:rPr>
+                        </m:ctrlPr>
+                      </m:sSubPr>
+                      <m:e>
+                        <m:r>
+                          <a:rPr lang="en-US" altLang="ja-JP" i="1">
+                            <a:latin typeface="Cambria Math" panose="02040503050406030204" pitchFamily="18" charset="0"/>
+                          </a:rPr>
+                          <m:t>𝑔</m:t>
+                        </m:r>
+                      </m:e>
+                      <m:sub>
+                        <m:r>
+                          <a:rPr lang="en-US" altLang="ja-JP" i="1">
+                            <a:latin typeface="Cambria Math" panose="02040503050406030204" pitchFamily="18" charset="0"/>
+                          </a:rPr>
+                          <m:t>1</m:t>
+                        </m:r>
+                      </m:sub>
+                    </m:sSub>
+                    <m:sSub>
+                      <m:sSubPr>
+                        <m:ctrlPr>
+                          <a:rPr lang="en-US" altLang="ja-JP" i="1">
+                            <a:latin typeface="Cambria Math" panose="02040503050406030204" pitchFamily="18" charset="0"/>
+                          </a:rPr>
+                        </m:ctrlPr>
+                      </m:sSubPr>
+                      <m:e>
+                        <m:r>
+                          <a:rPr lang="en-US" altLang="ja-JP" i="1">
+                            <a:latin typeface="Cambria Math" panose="02040503050406030204" pitchFamily="18" charset="0"/>
+                            <a:ea typeface="Cambria Math" panose="02040503050406030204" pitchFamily="18" charset="0"/>
+                          </a:rPr>
+                          <m:t>∙</m:t>
+                        </m:r>
+                        <m:r>
+                          <a:rPr lang="en-US" altLang="ja-JP" b="0" i="1" smtClean="0">
+                            <a:latin typeface="Cambria Math" panose="02040503050406030204" pitchFamily="18" charset="0"/>
+                          </a:rPr>
+                          <m:t>(</m:t>
+                        </m:r>
+                        <m:r>
+                          <a:rPr lang="en-US" altLang="ja-JP" i="1">
+                            <a:latin typeface="Cambria Math" panose="02040503050406030204" pitchFamily="18" charset="0"/>
+                          </a:rPr>
+                          <m:t>𝑔</m:t>
+                        </m:r>
+                      </m:e>
+                      <m:sub>
+                        <m:r>
+                          <a:rPr lang="en-US" altLang="ja-JP" i="1">
+                            <a:latin typeface="Cambria Math" panose="02040503050406030204" pitchFamily="18" charset="0"/>
+                          </a:rPr>
+                          <m:t>2</m:t>
+                        </m:r>
+                      </m:sub>
+                    </m:sSub>
+                    <m:r>
+                      <a:rPr lang="en-US" altLang="ja-JP" i="1">
+                        <a:latin typeface="Cambria Math" panose="02040503050406030204" pitchFamily="18" charset="0"/>
+                        <a:ea typeface="Cambria Math" panose="02040503050406030204" pitchFamily="18" charset="0"/>
+                      </a:rPr>
+                      <m:t>∙</m:t>
+                    </m:r>
+                    <m:r>
+                      <a:rPr lang="en-US" altLang="ja-JP" b="0" i="1" smtClean="0">
+                        <a:latin typeface="Cambria Math" panose="02040503050406030204" pitchFamily="18" charset="0"/>
+                      </a:rPr>
+                      <m:t>𝑥</m:t>
+                    </m:r>
+                    <m:r>
+                      <a:rPr lang="en-US" altLang="ja-JP" b="0" i="1" smtClean="0">
+                        <a:latin typeface="Cambria Math" panose="02040503050406030204" pitchFamily="18" charset="0"/>
+                      </a:rPr>
+                      <m:t>)</m:t>
+                    </m:r>
+                  </m:oMath>
+                </a14:m>
+                <a:br>
+                  <a:rPr kumimoji="1" lang="en-US" altLang="ja-JP" dirty="0"/>
+                </a:br>
+                <a:r>
+                  <a:rPr kumimoji="1" lang="ja-JP" altLang="en-US">
+                    <a:solidFill>
+                      <a:schemeClr val="tx1">
+                        <a:lumMod val="50000"/>
+                        <a:lumOff val="50000"/>
+                      </a:schemeClr>
+                    </a:solidFill>
+                  </a:rPr>
+                  <a:t>合成してから飛ばしても，</a:t>
+                </a:r>
+                <a:r>
+                  <a:rPr kumimoji="1" lang="en-US" altLang="ja-JP" dirty="0">
+                    <a:solidFill>
+                      <a:schemeClr val="tx1">
+                        <a:lumMod val="50000"/>
+                        <a:lumOff val="50000"/>
+                      </a:schemeClr>
+                    </a:solidFill>
+                  </a:rPr>
+                  <a:t>2</a:t>
+                </a:r>
+                <a:r>
+                  <a:rPr kumimoji="1" lang="ja-JP" altLang="en-US">
+                    <a:solidFill>
+                      <a:schemeClr val="tx1">
+                        <a:lumMod val="50000"/>
+                        <a:lumOff val="50000"/>
+                      </a:schemeClr>
+                    </a:solidFill>
+                  </a:rPr>
+                  <a:t>回飛ばしても同じ</a:t>
+                </a:r>
+                <a:endParaRPr kumimoji="1" lang="en-US" altLang="ja-JP" dirty="0">
+                  <a:solidFill>
+                    <a:schemeClr val="tx1">
+                      <a:lumMod val="50000"/>
+                      <a:lumOff val="50000"/>
+                    </a:schemeClr>
+                  </a:solidFill>
+                </a:endParaRPr>
+              </a:p>
+              <a:p>
+                <a:r>
+                  <a:rPr kumimoji="1" lang="en-US" altLang="ja-JP" dirty="0"/>
+                  <a:t>e</a:t>
+                </a:r>
+                <a:r>
+                  <a:rPr lang="en-US" altLang="ja-JP" dirty="0">
+                    <a:ea typeface="Cambria Math" panose="02040503050406030204" pitchFamily="18" charset="0"/>
+                  </a:rPr>
+                  <a:t> </a:t>
+                </a:r>
+                <a14:m>
+                  <m:oMath xmlns:m="http://schemas.openxmlformats.org/officeDocument/2006/math">
+                    <m:r>
+                      <a:rPr lang="en-US" altLang="ja-JP" i="1">
+                        <a:latin typeface="Cambria Math" panose="02040503050406030204" pitchFamily="18" charset="0"/>
+                        <a:ea typeface="Cambria Math" panose="02040503050406030204" pitchFamily="18" charset="0"/>
+                      </a:rPr>
+                      <m:t>∈</m:t>
+                    </m:r>
+                    <m:r>
+                      <a:rPr lang="en-US" altLang="ja-JP" i="1">
+                        <a:latin typeface="Cambria Math" panose="02040503050406030204" pitchFamily="18" charset="0"/>
+                        <a:ea typeface="Cambria Math" panose="02040503050406030204" pitchFamily="18" charset="0"/>
+                      </a:rPr>
+                      <m:t>𝐺</m:t>
+                    </m:r>
+                  </m:oMath>
+                </a14:m>
+                <a:r>
+                  <a:rPr kumimoji="1" lang="en-US" altLang="ja-JP" dirty="0"/>
+                  <a:t>:</a:t>
+                </a:r>
+                <a:r>
+                  <a:rPr kumimoji="1" lang="ja-JP" altLang="en-US"/>
+                  <a:t>単位元</a:t>
+                </a:r>
+                <a:r>
+                  <a:rPr lang="en-US" altLang="ja-JP" dirty="0"/>
+                  <a:t>, </a:t>
+                </a:r>
+                <a14:m>
+                  <m:oMath xmlns:m="http://schemas.openxmlformats.org/officeDocument/2006/math">
+                    <m:r>
+                      <a:rPr lang="en-US" altLang="ja-JP" i="1">
+                        <a:latin typeface="Cambria Math" panose="02040503050406030204" pitchFamily="18" charset="0"/>
+                        <a:ea typeface="Cambria Math" panose="02040503050406030204" pitchFamily="18" charset="0"/>
+                      </a:rPr>
+                      <m:t>∀</m:t>
+                    </m:r>
+                    <m:r>
+                      <a:rPr lang="en-US" altLang="ja-JP" i="1">
+                        <a:latin typeface="Cambria Math" panose="02040503050406030204" pitchFamily="18" charset="0"/>
+                        <a:ea typeface="Cambria Math" panose="02040503050406030204" pitchFamily="18" charset="0"/>
+                      </a:rPr>
+                      <m:t>𝑥</m:t>
+                    </m:r>
+                    <m:r>
+                      <a:rPr lang="en-US" altLang="ja-JP" i="1">
+                        <a:latin typeface="Cambria Math" panose="02040503050406030204" pitchFamily="18" charset="0"/>
+                        <a:ea typeface="Cambria Math" panose="02040503050406030204" pitchFamily="18" charset="0"/>
+                      </a:rPr>
+                      <m:t>∈</m:t>
+                    </m:r>
+                    <m:r>
+                      <a:rPr lang="en-US" altLang="ja-JP" i="1">
+                        <a:latin typeface="Cambria Math" panose="02040503050406030204" pitchFamily="18" charset="0"/>
+                        <a:ea typeface="Cambria Math" panose="02040503050406030204" pitchFamily="18" charset="0"/>
+                      </a:rPr>
+                      <m:t>𝑋</m:t>
+                    </m:r>
+                    <m:r>
+                      <a:rPr lang="en-US" altLang="ja-JP" b="0" i="0" smtClean="0">
+                        <a:latin typeface="Cambria Math" panose="02040503050406030204" pitchFamily="18" charset="0"/>
+                        <a:ea typeface="Cambria Math" panose="02040503050406030204" pitchFamily="18" charset="0"/>
+                      </a:rPr>
+                      <m:t>, </m:t>
+                    </m:r>
+                    <m:r>
+                      <m:rPr>
+                        <m:sty m:val="p"/>
+                      </m:rPr>
+                      <a:rPr lang="en-US" altLang="ja-JP" b="0" i="0" smtClean="0">
+                        <a:latin typeface="Cambria Math" panose="02040503050406030204" pitchFamily="18" charset="0"/>
+                        <a:ea typeface="Cambria Math" panose="02040503050406030204" pitchFamily="18" charset="0"/>
+                      </a:rPr>
+                      <m:t>e</m:t>
+                    </m:r>
+                    <m:r>
+                      <a:rPr lang="en-US" altLang="ja-JP" i="1">
+                        <a:latin typeface="Cambria Math" panose="02040503050406030204" pitchFamily="18" charset="0"/>
+                        <a:ea typeface="Cambria Math" panose="02040503050406030204" pitchFamily="18" charset="0"/>
+                      </a:rPr>
+                      <m:t>∙</m:t>
+                    </m:r>
+                    <m:r>
+                      <m:rPr>
+                        <m:sty m:val="p"/>
+                      </m:rPr>
+                      <a:rPr lang="en-US" altLang="ja-JP" b="0" i="0" smtClean="0">
+                        <a:latin typeface="Cambria Math" panose="02040503050406030204" pitchFamily="18" charset="0"/>
+                        <a:ea typeface="Cambria Math" panose="02040503050406030204" pitchFamily="18" charset="0"/>
+                      </a:rPr>
+                      <m:t>x</m:t>
+                    </m:r>
+                    <m:r>
+                      <a:rPr lang="en-US" altLang="ja-JP" b="0" i="0" smtClean="0">
+                        <a:latin typeface="Cambria Math" panose="02040503050406030204" pitchFamily="18" charset="0"/>
+                        <a:ea typeface="Cambria Math" panose="02040503050406030204" pitchFamily="18" charset="0"/>
+                      </a:rPr>
+                      <m:t>=</m:t>
+                    </m:r>
+                    <m:r>
+                      <m:rPr>
+                        <m:sty m:val="p"/>
+                      </m:rPr>
+                      <a:rPr lang="en-US" altLang="ja-JP" b="0" i="0" smtClean="0">
+                        <a:latin typeface="Cambria Math" panose="02040503050406030204" pitchFamily="18" charset="0"/>
+                        <a:ea typeface="Cambria Math" panose="02040503050406030204" pitchFamily="18" charset="0"/>
+                      </a:rPr>
+                      <m:t>x</m:t>
+                    </m:r>
+                  </m:oMath>
+                </a14:m>
+                <a:r>
+                  <a:rPr kumimoji="1" lang="en-US" altLang="ja-JP" dirty="0"/>
+                  <a:t> </a:t>
+                </a:r>
+                <a:br>
+                  <a:rPr kumimoji="1" lang="en-US" altLang="ja-JP" dirty="0"/>
+                </a:br>
+                <a:r>
+                  <a:rPr kumimoji="1" lang="ja-JP" altLang="en-US">
+                    <a:solidFill>
+                      <a:schemeClr val="tx1">
+                        <a:lumMod val="50000"/>
+                        <a:lumOff val="50000"/>
+                      </a:schemeClr>
+                    </a:solidFill>
+                  </a:rPr>
+                  <a:t>単位元の存在</a:t>
+                </a:r>
+                <a:endParaRPr kumimoji="1" lang="en-US" altLang="ja-JP" dirty="0">
+                  <a:solidFill>
+                    <a:schemeClr val="tx1">
+                      <a:lumMod val="50000"/>
+                      <a:lumOff val="50000"/>
+                    </a:schemeClr>
+                  </a:solidFill>
+                </a:endParaRPr>
+              </a:p>
+              <a:p>
+                <a:pPr marL="0" indent="0">
+                  <a:buNone/>
+                </a:pPr>
+                <a:r>
+                  <a:rPr lang="ja-JP" altLang="en-US"/>
+                  <a:t>の</a:t>
+                </a:r>
+                <a:r>
+                  <a:rPr lang="en-US" altLang="ja-JP" dirty="0"/>
+                  <a:t>2</a:t>
+                </a:r>
+                <a:r>
+                  <a:rPr lang="ja-JP" altLang="en-US"/>
+                  <a:t>つを満たすとき，写像・を「群</a:t>
+                </a:r>
+                <a:r>
+                  <a:rPr lang="en-US" altLang="ja-JP" dirty="0"/>
+                  <a:t>G</a:t>
+                </a:r>
+                <a:r>
+                  <a:rPr lang="ja-JP" altLang="en-US"/>
+                  <a:t>の</a:t>
+                </a:r>
+                <a:r>
+                  <a:rPr lang="en-US" altLang="ja-JP" dirty="0"/>
+                  <a:t>X</a:t>
+                </a:r>
+                <a:r>
+                  <a:rPr lang="ja-JP" altLang="en-US"/>
+                  <a:t>への作用」という．</a:t>
+                </a:r>
+                <a:endParaRPr kumimoji="1" lang="en-US" altLang="ja-JP" dirty="0"/>
+              </a:p>
+            </p:txBody>
+          </p:sp>
+        </mc:Choice>
+        <mc:Fallback>
+          <p:sp>
+            <p:nvSpPr>
+              <p:cNvPr id="3" name="コンテンツ プレースホルダー 2">
+                <a:extLst>
+                  <a:ext uri="{FF2B5EF4-FFF2-40B4-BE49-F238E27FC236}">
+                    <a16:creationId xmlns:a16="http://schemas.microsoft.com/office/drawing/2014/main" id="{12638679-C706-144C-BEC3-AF506BD633B2}"/>
+                  </a:ext>
+                </a:extLst>
+              </p:cNvPr>
+              <p:cNvSpPr>
+                <a:spLocks noGrp="1" noRot="1" noChangeAspect="1" noMove="1" noResize="1" noEditPoints="1" noAdjustHandles="1" noChangeArrowheads="1" noChangeShapeType="1" noTextEdit="1"/>
+              </p:cNvSpPr>
+              <p:nvPr>
+                <p:ph idx="1"/>
+              </p:nvPr>
+            </p:nvSpPr>
+            <p:spPr>
+              <a:blipFill>
+                <a:blip r:embed="rId3"/>
+                <a:stretch>
+                  <a:fillRect l="-1086" t="-2632"/>
+                </a:stretch>
+              </a:blipFill>
+            </p:spPr>
+            <p:txBody>
+              <a:bodyPr/>
+              <a:lstStyle/>
+              <a:p>
+                <a:r>
+                  <a:rPr lang="ja-JP" altLang="en-US">
+                    <a:noFill/>
+                  </a:rPr>
+                  <a:t> </a:t>
+                </a:r>
+              </a:p>
+            </p:txBody>
+          </p:sp>
+        </mc:Fallback>
+      </mc:AlternateContent>
+    </p:spTree>
+    <p:extLst>
+      <p:ext uri="{BB962C8B-B14F-4D97-AF65-F5344CB8AC3E}">
+        <p14:creationId xmlns:p14="http://schemas.microsoft.com/office/powerpoint/2010/main" val="2445278007"/>
+      </p:ext>
+    </p:extLst>
+  </p:cSld>
+  <p:clrMapOvr>
+    <a:masterClrMapping/>
+  </p:clrMapOvr>
+</p:sld>
+</file>
+
+<file path=ppt/slides/slide18.xml><?xml version="1.0" encoding="utf-8"?>
+<p:sld xmlns:a="http://schemas.openxmlformats.org/drawingml/2006/main" xmlns:r="http://schemas.openxmlformats.org/officeDocument/2006/relationships" xmlns:p="http://schemas.openxmlformats.org/presentationml/2006/main">
+  <p:cSld>
+    <p:spTree>
+      <p:nvGrpSpPr>
+        <p:cNvPr id="1" name=""/>
+        <p:cNvGrpSpPr/>
+        <p:nvPr/>
+      </p:nvGrpSpPr>
+      <p:grpSpPr>
+        <a:xfrm>
+          <a:off x="0" y="0"/>
+          <a:ext cx="0" cy="0"/>
+          <a:chOff x="0" y="0"/>
+          <a:chExt cx="0" cy="0"/>
+        </a:xfrm>
+      </p:grpSpPr>
+      <p:sp>
+        <p:nvSpPr>
+          <p:cNvPr id="2" name="タイトル 1">
+            <a:extLst>
+              <a:ext uri="{FF2B5EF4-FFF2-40B4-BE49-F238E27FC236}">
+                <a16:creationId xmlns:a16="http://schemas.microsoft.com/office/drawing/2014/main" id="{43783EBE-76E9-B446-8FCB-DA302CACD138}"/>
+              </a:ext>
+            </a:extLst>
+          </p:cNvPr>
+          <p:cNvSpPr>
+            <a:spLocks noGrp="1"/>
+          </p:cNvSpPr>
+          <p:nvPr>
+            <p:ph type="title"/>
+          </p:nvPr>
+        </p:nvSpPr>
+        <p:spPr/>
+        <p:txBody>
+          <a:bodyPr/>
+          <a:lstStyle/>
+          <a:p>
+            <a:r>
+              <a:rPr kumimoji="1" lang="ja-JP" altLang="en-US"/>
+              <a:t>群の作用の例</a:t>
+            </a:r>
+          </a:p>
+        </p:txBody>
+      </p:sp>
+      <mc:AlternateContent xmlns:mc="http://schemas.openxmlformats.org/markup-compatibility/2006">
+        <mc:Choice xmlns:a14="http://schemas.microsoft.com/office/drawing/2010/main" Requires="a14">
+          <p:sp>
+            <p:nvSpPr>
+              <p:cNvPr id="3" name="コンテンツ プレースホルダー 2">
+                <a:extLst>
+                  <a:ext uri="{FF2B5EF4-FFF2-40B4-BE49-F238E27FC236}">
+                    <a16:creationId xmlns:a16="http://schemas.microsoft.com/office/drawing/2014/main" id="{6D3C7657-74B5-A549-BC53-0ECF18D2E85B}"/>
+                  </a:ext>
+                </a:extLst>
+              </p:cNvPr>
+              <p:cNvSpPr>
+                <a:spLocks noGrp="1"/>
+              </p:cNvSpPr>
+              <p:nvPr>
+                <p:ph idx="1"/>
+              </p:nvPr>
+            </p:nvSpPr>
+            <p:spPr/>
+            <p:txBody>
+              <a:bodyPr/>
+              <a:lstStyle/>
+              <a:p>
+                <a:pPr marL="0" lvl="0" indent="0">
+                  <a:buNone/>
+                </a:pPr>
+                <a14:m>
+                  <m:oMathPara xmlns:m="http://schemas.openxmlformats.org/officeDocument/2006/math">
+                    <m:oMathParaPr>
+                      <m:jc m:val="left"/>
+                    </m:oMathParaPr>
+                    <m:oMath xmlns:m="http://schemas.openxmlformats.org/officeDocument/2006/math">
+                      <m:r>
+                        <a:rPr lang="en-US" altLang="ja-JP" i="1" smtClean="0">
+                          <a:latin typeface="Cambria Math" panose="02040503050406030204" pitchFamily="18" charset="0"/>
+                        </a:rPr>
+                        <m:t>𝑋</m:t>
+                      </m:r>
+                      <m:r>
+                        <a:rPr lang="en-US" altLang="ja-JP" i="1" smtClean="0">
+                          <a:latin typeface="Cambria Math" panose="02040503050406030204" pitchFamily="18" charset="0"/>
+                        </a:rPr>
+                        <m:t>:</m:t>
+                      </m:r>
+                      <m:sSup>
+                        <m:sSupPr>
+                          <m:ctrlPr>
+                            <a:rPr lang="en-US" altLang="ja-JP" i="1">
+                              <a:latin typeface="Cambria Math" panose="02040503050406030204" pitchFamily="18" charset="0"/>
+                            </a:rPr>
+                          </m:ctrlPr>
+                        </m:sSupPr>
+                        <m:e>
+                          <m:r>
+                            <a:rPr lang="en-US" altLang="ja-JP" i="1">
+                              <a:latin typeface="Cambria Math" panose="02040503050406030204" pitchFamily="18" charset="0"/>
+                              <a:ea typeface="Cambria Math" panose="02040503050406030204" pitchFamily="18" charset="0"/>
+                            </a:rPr>
+                            <m:t>ℂ</m:t>
+                          </m:r>
+                        </m:e>
+                        <m:sup>
+                          <m:r>
+                            <a:rPr lang="en-US" altLang="ja-JP" i="1">
+                              <a:latin typeface="Cambria Math" panose="02040503050406030204" pitchFamily="18" charset="0"/>
+                            </a:rPr>
+                            <m:t>𝑛</m:t>
+                          </m:r>
+                        </m:sup>
+                      </m:sSup>
+                      <m:d>
+                        <m:dPr>
+                          <m:ctrlPr>
+                            <a:rPr lang="en-US" altLang="ja-JP" i="1">
+                              <a:latin typeface="Cambria Math" panose="02040503050406030204" pitchFamily="18" charset="0"/>
+                            </a:rPr>
+                          </m:ctrlPr>
+                        </m:dPr>
+                        <m:e>
+                          <m:r>
+                            <a:rPr lang="en-US" altLang="ja-JP" i="1">
+                              <a:latin typeface="Cambria Math" panose="02040503050406030204" pitchFamily="18" charset="0"/>
+                            </a:rPr>
+                            <m:t>𝑛</m:t>
+                          </m:r>
+                          <m:r>
+                            <a:rPr lang="ja-JP" altLang="en-US" i="1">
+                              <a:latin typeface="Cambria Math" panose="02040503050406030204" pitchFamily="18" charset="0"/>
+                            </a:rPr>
+                            <m:t>次元</m:t>
+                          </m:r>
+                          <m:r>
+                            <a:rPr lang="ja-JP" altLang="en-US" i="1">
+                              <a:latin typeface="Cambria Math" panose="02040503050406030204" pitchFamily="18" charset="0"/>
+                            </a:rPr>
+                            <m:t>複素</m:t>
+                          </m:r>
+                          <m:r>
+                            <a:rPr lang="ja-JP" altLang="en-US" i="1">
+                              <a:latin typeface="Cambria Math" panose="02040503050406030204" pitchFamily="18" charset="0"/>
+                            </a:rPr>
+                            <m:t>ベクトル</m:t>
+                          </m:r>
+                          <m:r>
+                            <a:rPr lang="ja-JP" altLang="en-US" i="1">
+                              <a:latin typeface="Cambria Math" panose="02040503050406030204" pitchFamily="18" charset="0"/>
+                            </a:rPr>
+                            <m:t>空間</m:t>
+                          </m:r>
+                        </m:e>
+                      </m:d>
+                      <m:r>
+                        <a:rPr lang="en-US" altLang="ja-JP" i="1">
+                          <a:latin typeface="Cambria Math" panose="02040503050406030204" pitchFamily="18" charset="0"/>
+                        </a:rPr>
+                        <m:t>, </m:t>
+                      </m:r>
+                      <m:r>
+                        <a:rPr lang="en-US" altLang="ja-JP" i="1">
+                          <a:latin typeface="Cambria Math" panose="02040503050406030204" pitchFamily="18" charset="0"/>
+                          <a:ea typeface="Cambria Math" panose="02040503050406030204" pitchFamily="18" charset="0"/>
+                        </a:rPr>
+                        <m:t>𝜐</m:t>
+                      </m:r>
+                      <m:r>
+                        <a:rPr lang="en-US" altLang="ja-JP" i="1">
+                          <a:latin typeface="Cambria Math" panose="02040503050406030204" pitchFamily="18" charset="0"/>
+                          <a:ea typeface="Cambria Math" panose="02040503050406030204" pitchFamily="18" charset="0"/>
+                        </a:rPr>
+                        <m:t>∈</m:t>
+                      </m:r>
+                      <m:r>
+                        <m:rPr>
+                          <m:sty m:val="p"/>
+                        </m:rPr>
+                        <a:rPr lang="en-US" altLang="ja-JP" i="0">
+                          <a:latin typeface="Cambria Math" panose="02040503050406030204" pitchFamily="18" charset="0"/>
+                          <a:ea typeface="Cambria Math" panose="02040503050406030204" pitchFamily="18" charset="0"/>
+                        </a:rPr>
+                        <m:t>X</m:t>
+                      </m:r>
+                      <m:r>
+                        <a:rPr lang="en-US" altLang="ja-JP" i="1">
+                          <a:latin typeface="Cambria Math" panose="02040503050406030204" pitchFamily="18" charset="0"/>
+                          <a:ea typeface="Cambria Math" panose="02040503050406030204" pitchFamily="18" charset="0"/>
+                        </a:rPr>
+                        <m:t>,</m:t>
+                      </m:r>
+                      <m:r>
+                        <a:rPr lang="en-US" altLang="ja-JP" i="1">
+                          <a:latin typeface="Cambria Math" panose="02040503050406030204" pitchFamily="18" charset="0"/>
+                          <a:ea typeface="Cambria Math" panose="02040503050406030204" pitchFamily="18" charset="0"/>
+                        </a:rPr>
+                        <m:t>𝐴</m:t>
+                      </m:r>
+                      <m:r>
+                        <a:rPr lang="en-US" altLang="ja-JP" i="1">
+                          <a:latin typeface="Cambria Math" panose="02040503050406030204" pitchFamily="18" charset="0"/>
+                          <a:ea typeface="Cambria Math" panose="02040503050406030204" pitchFamily="18" charset="0"/>
+                        </a:rPr>
+                        <m:t>∈</m:t>
+                      </m:r>
+                      <m:r>
+                        <a:rPr lang="en-US" altLang="ja-JP" i="1">
+                          <a:latin typeface="Cambria Math" panose="02040503050406030204" pitchFamily="18" charset="0"/>
+                          <a:ea typeface="Cambria Math" panose="02040503050406030204" pitchFamily="18" charset="0"/>
+                        </a:rPr>
+                        <m:t>𝐺𝐿</m:t>
+                      </m:r>
+                      <m:d>
+                        <m:dPr>
+                          <m:ctrlPr>
+                            <a:rPr lang="en-US" altLang="ja-JP" i="1">
+                              <a:latin typeface="Cambria Math" panose="02040503050406030204" pitchFamily="18" charset="0"/>
+                              <a:ea typeface="Cambria Math" panose="02040503050406030204" pitchFamily="18" charset="0"/>
+                            </a:rPr>
+                          </m:ctrlPr>
+                        </m:dPr>
+                        <m:e>
+                          <m:r>
+                            <a:rPr lang="en-US" altLang="ja-JP" i="1">
+                              <a:latin typeface="Cambria Math" panose="02040503050406030204" pitchFamily="18" charset="0"/>
+                              <a:ea typeface="Cambria Math" panose="02040503050406030204" pitchFamily="18" charset="0"/>
+                            </a:rPr>
+                            <m:t>𝑛</m:t>
+                          </m:r>
+                          <m:r>
+                            <a:rPr lang="en-US" altLang="ja-JP" i="1">
+                              <a:latin typeface="Cambria Math" panose="02040503050406030204" pitchFamily="18" charset="0"/>
+                              <a:ea typeface="Cambria Math" panose="02040503050406030204" pitchFamily="18" charset="0"/>
+                            </a:rPr>
+                            <m:t>;</m:t>
+                          </m:r>
+                          <m:r>
+                            <a:rPr lang="en-US" altLang="ja-JP" i="1">
+                              <a:latin typeface="Cambria Math" panose="02040503050406030204" pitchFamily="18" charset="0"/>
+                              <a:ea typeface="Cambria Math" panose="02040503050406030204" pitchFamily="18" charset="0"/>
+                            </a:rPr>
+                            <m:t>ℂ</m:t>
+                          </m:r>
+                        </m:e>
+                      </m:d>
+                      <m:r>
+                        <a:rPr lang="en-US" altLang="ja-JP">
+                          <a:latin typeface="Cambria Math" panose="02040503050406030204" pitchFamily="18" charset="0"/>
+                          <a:ea typeface="Cambria Math" panose="02040503050406030204" pitchFamily="18" charset="0"/>
+                        </a:rPr>
+                        <m:t>, </m:t>
+                      </m:r>
+                      <m:r>
+                        <m:rPr>
+                          <m:sty m:val="p"/>
+                        </m:rPr>
+                        <a:rPr lang="en-US" altLang="ja-JP">
+                          <a:latin typeface="Cambria Math" panose="02040503050406030204" pitchFamily="18" charset="0"/>
+                          <a:ea typeface="Cambria Math" panose="02040503050406030204" pitchFamily="18" charset="0"/>
+                        </a:rPr>
+                        <m:t>A</m:t>
+                      </m:r>
+                      <m:r>
+                        <a:rPr lang="en-US" altLang="ja-JP" i="1">
+                          <a:latin typeface="Cambria Math" panose="02040503050406030204" pitchFamily="18" charset="0"/>
+                          <a:ea typeface="Cambria Math" panose="02040503050406030204" pitchFamily="18" charset="0"/>
+                        </a:rPr>
+                        <m:t>⋅</m:t>
+                      </m:r>
+                      <m:r>
+                        <a:rPr lang="en-US" altLang="ja-JP" i="1">
+                          <a:latin typeface="Cambria Math" panose="02040503050406030204" pitchFamily="18" charset="0"/>
+                          <a:ea typeface="Cambria Math" panose="02040503050406030204" pitchFamily="18" charset="0"/>
+                        </a:rPr>
+                        <m:t>𝜐</m:t>
+                      </m:r>
+                      <m:r>
+                        <a:rPr lang="en-US" altLang="ja-JP">
+                          <a:latin typeface="Cambria Math" panose="02040503050406030204" pitchFamily="18" charset="0"/>
+                          <a:ea typeface="Cambria Math" panose="02040503050406030204" pitchFamily="18" charset="0"/>
+                        </a:rPr>
+                        <m:t>=</m:t>
+                      </m:r>
+                      <m:r>
+                        <m:rPr>
+                          <m:sty m:val="p"/>
+                        </m:rPr>
+                        <a:rPr lang="en-US" altLang="ja-JP">
+                          <a:latin typeface="Cambria Math" panose="02040503050406030204" pitchFamily="18" charset="0"/>
+                          <a:ea typeface="Cambria Math" panose="02040503050406030204" pitchFamily="18" charset="0"/>
+                        </a:rPr>
+                        <m:t>A</m:t>
+                      </m:r>
+                      <m:r>
+                        <a:rPr lang="en-US" altLang="ja-JP" i="1">
+                          <a:latin typeface="Cambria Math" panose="02040503050406030204" pitchFamily="18" charset="0"/>
+                          <a:ea typeface="Cambria Math" panose="02040503050406030204" pitchFamily="18" charset="0"/>
+                        </a:rPr>
+                        <m:t>𝜐</m:t>
+                      </m:r>
+                    </m:oMath>
+                  </m:oMathPara>
+                </a14:m>
+                <a:endParaRPr lang="en-US" altLang="ja-JP" dirty="0"/>
+              </a:p>
+              <a:p>
+                <a:pPr marL="0" lvl="0" indent="0">
+                  <a:buNone/>
+                </a:pPr>
+                <a:r>
+                  <a:rPr lang="ja-JP" altLang="en-US"/>
+                  <a:t>とした時，写像・を</a:t>
+                </a:r>
+                <a14:m>
+                  <m:oMath xmlns:m="http://schemas.openxmlformats.org/officeDocument/2006/math">
+                    <m:r>
+                      <a:rPr lang="en-US" altLang="ja-JP" b="0" i="0" smtClean="0">
+                        <a:latin typeface="Cambria Math" panose="02040503050406030204" pitchFamily="18" charset="0"/>
+                        <a:ea typeface="Cambria Math" panose="02040503050406030204" pitchFamily="18" charset="0"/>
+                      </a:rPr>
+                      <m:t>(</m:t>
+                    </m:r>
+                    <m:r>
+                      <m:rPr>
+                        <m:sty m:val="p"/>
+                      </m:rPr>
+                      <a:rPr lang="en-US" altLang="ja-JP" b="0" i="0" smtClean="0">
+                        <a:latin typeface="Cambria Math" panose="02040503050406030204" pitchFamily="18" charset="0"/>
+                        <a:ea typeface="Cambria Math" panose="02040503050406030204" pitchFamily="18" charset="0"/>
+                      </a:rPr>
+                      <m:t>GL</m:t>
+                    </m:r>
+                    <m:d>
+                      <m:dPr>
+                        <m:ctrlPr>
+                          <a:rPr lang="en-US" altLang="ja-JP" b="0" i="0" smtClean="0">
+                            <a:latin typeface="Cambria Math" panose="02040503050406030204" pitchFamily="18" charset="0"/>
+                            <a:ea typeface="Cambria Math" panose="02040503050406030204" pitchFamily="18" charset="0"/>
+                          </a:rPr>
+                        </m:ctrlPr>
+                      </m:dPr>
+                      <m:e>
+                        <m:r>
+                          <m:rPr>
+                            <m:sty m:val="p"/>
+                          </m:rPr>
+                          <a:rPr lang="en-US" altLang="ja-JP" b="0" i="0" smtClean="0">
+                            <a:latin typeface="Cambria Math" panose="02040503050406030204" pitchFamily="18" charset="0"/>
+                            <a:ea typeface="Cambria Math" panose="02040503050406030204" pitchFamily="18" charset="0"/>
+                          </a:rPr>
+                          <m:t>n</m:t>
+                        </m:r>
+                        <m:r>
+                          <a:rPr lang="en-US" altLang="ja-JP" b="0" i="0" smtClean="0">
+                            <a:latin typeface="Cambria Math" panose="02040503050406030204" pitchFamily="18" charset="0"/>
+                            <a:ea typeface="Cambria Math" panose="02040503050406030204" pitchFamily="18" charset="0"/>
+                          </a:rPr>
+                          <m:t>;</m:t>
+                        </m:r>
+                        <m:r>
+                          <a:rPr lang="en-US" altLang="ja-JP" i="1">
+                            <a:latin typeface="Cambria Math" panose="02040503050406030204" pitchFamily="18" charset="0"/>
+                            <a:ea typeface="Cambria Math" panose="02040503050406030204" pitchFamily="18" charset="0"/>
+                          </a:rPr>
+                          <m:t>ℂ</m:t>
+                        </m:r>
+                      </m:e>
+                    </m:d>
+                    <m:r>
+                      <a:rPr lang="en-US" altLang="ja-JP" b="0" i="0" smtClean="0">
+                        <a:latin typeface="Cambria Math" panose="02040503050406030204" pitchFamily="18" charset="0"/>
+                        <a:ea typeface="Cambria Math" panose="02040503050406030204" pitchFamily="18" charset="0"/>
+                      </a:rPr>
+                      <m:t>, </m:t>
+                    </m:r>
+                    <m:r>
+                      <a:rPr lang="en-US" altLang="ja-JP" b="0" i="1" smtClean="0">
+                        <a:latin typeface="Cambria Math" panose="02040503050406030204" pitchFamily="18" charset="0"/>
+                        <a:ea typeface="Cambria Math" panose="02040503050406030204" pitchFamily="18" charset="0"/>
+                      </a:rPr>
+                      <m:t>∙</m:t>
+                    </m:r>
+                    <m:r>
+                      <a:rPr lang="en-US" altLang="ja-JP" b="0" i="0" smtClean="0">
+                        <a:latin typeface="Cambria Math" panose="02040503050406030204" pitchFamily="18" charset="0"/>
+                        <a:ea typeface="Cambria Math" panose="02040503050406030204" pitchFamily="18" charset="0"/>
+                      </a:rPr>
+                      <m:t>)</m:t>
+                    </m:r>
+                  </m:oMath>
+                </a14:m>
+                <a:r>
+                  <a:rPr lang="ja-JP" altLang="en-US"/>
+                  <a:t>の</a:t>
+                </a:r>
+                <a14:m>
+                  <m:oMath xmlns:m="http://schemas.openxmlformats.org/officeDocument/2006/math">
+                    <m:r>
+                      <m:rPr>
+                        <m:sty m:val="p"/>
+                      </m:rPr>
+                      <a:rPr lang="en-US" altLang="ja-JP" b="0" i="0" smtClean="0">
+                        <a:latin typeface="Cambria Math" panose="02040503050406030204" pitchFamily="18" charset="0"/>
+                      </a:rPr>
+                      <m:t>X</m:t>
+                    </m:r>
+                  </m:oMath>
+                </a14:m>
+                <a:r>
+                  <a:rPr lang="ja-JP" altLang="en-US"/>
+                  <a:t>への作用と定義できる．</a:t>
+                </a:r>
+                <a:endParaRPr lang="en-US" altLang="ja-JP" dirty="0"/>
+              </a:p>
+              <a:p>
+                <a:pPr marL="0" lvl="0" indent="0">
+                  <a:buNone/>
+                </a:pPr>
+                <a:endParaRPr lang="en-US" altLang="ja-JP" dirty="0"/>
+              </a:p>
+              <a:p>
+                <a:pPr marL="0" lvl="0" indent="0">
+                  <a:buNone/>
+                </a:pPr>
+                <a:r>
+                  <a:rPr lang="en-US" altLang="ja-JP" dirty="0"/>
+                  <a:t>【</a:t>
+                </a:r>
+                <a:r>
+                  <a:rPr lang="ja-JP" altLang="en-US"/>
+                  <a:t>群の作用であることを確認する</a:t>
+                </a:r>
+                <a:r>
+                  <a:rPr lang="en-US" altLang="ja-JP" dirty="0"/>
+                  <a:t>】</a:t>
+                </a:r>
+              </a:p>
+              <a:p>
+                <a:pPr lvl="0" indent="-457200">
+                  <a:buAutoNum type="arabicPeriod"/>
+                </a:pPr>
+                <a14:m>
+                  <m:oMath xmlns:m="http://schemas.openxmlformats.org/officeDocument/2006/math">
+                    <m:r>
+                      <m:rPr>
+                        <m:sty m:val="p"/>
+                      </m:rPr>
+                      <a:rPr lang="en-US" altLang="ja-JP" i="0">
+                        <a:latin typeface="Cambria Math" panose="02040503050406030204" pitchFamily="18" charset="0"/>
+                      </a:rPr>
+                      <m:t>A</m:t>
+                    </m:r>
+                    <m:r>
+                      <a:rPr lang="en-US" altLang="ja-JP" i="0">
+                        <a:latin typeface="Cambria Math" panose="02040503050406030204" pitchFamily="18" charset="0"/>
+                        <a:ea typeface="Cambria Math" panose="02040503050406030204" pitchFamily="18" charset="0"/>
+                      </a:rPr>
+                      <m:t>⋅</m:t>
+                    </m:r>
+                    <m:d>
+                      <m:dPr>
+                        <m:ctrlPr>
+                          <a:rPr lang="en-US" altLang="ja-JP">
+                            <a:latin typeface="Cambria Math" panose="02040503050406030204" pitchFamily="18" charset="0"/>
+                          </a:rPr>
+                        </m:ctrlPr>
+                      </m:dPr>
+                      <m:e>
+                        <m:r>
+                          <m:rPr>
+                            <m:sty m:val="p"/>
+                          </m:rPr>
+                          <a:rPr lang="en-US" altLang="ja-JP" i="0">
+                            <a:latin typeface="Cambria Math" panose="02040503050406030204" pitchFamily="18" charset="0"/>
+                          </a:rPr>
+                          <m:t>B</m:t>
+                        </m:r>
+                        <m:r>
+                          <a:rPr lang="en-US" altLang="ja-JP" i="0">
+                            <a:latin typeface="Cambria Math" panose="02040503050406030204" pitchFamily="18" charset="0"/>
+                            <a:ea typeface="Cambria Math" panose="02040503050406030204" pitchFamily="18" charset="0"/>
+                          </a:rPr>
+                          <m:t>⋅</m:t>
+                        </m:r>
+                        <m:r>
+                          <m:rPr>
+                            <m:sty m:val="p"/>
+                          </m:rPr>
+                          <a:rPr lang="en-US" altLang="ja-JP" i="0">
+                            <a:latin typeface="Cambria Math" panose="02040503050406030204" pitchFamily="18" charset="0"/>
+                            <a:ea typeface="Cambria Math" panose="02040503050406030204" pitchFamily="18" charset="0"/>
+                          </a:rPr>
+                          <m:t>υ</m:t>
+                        </m:r>
+                      </m:e>
+                    </m:d>
+                    <m:r>
+                      <a:rPr lang="en-US" altLang="ja-JP" i="0">
+                        <a:latin typeface="Cambria Math" panose="02040503050406030204" pitchFamily="18" charset="0"/>
+                      </a:rPr>
+                      <m:t>=</m:t>
+                    </m:r>
+                    <m:r>
+                      <m:rPr>
+                        <m:sty m:val="p"/>
+                      </m:rPr>
+                      <a:rPr lang="en-US" altLang="ja-JP" i="0">
+                        <a:latin typeface="Cambria Math" panose="02040503050406030204" pitchFamily="18" charset="0"/>
+                      </a:rPr>
+                      <m:t>A</m:t>
+                    </m:r>
+                    <m:d>
+                      <m:dPr>
+                        <m:ctrlPr>
+                          <a:rPr lang="en-US" altLang="ja-JP">
+                            <a:latin typeface="Cambria Math" panose="02040503050406030204" pitchFamily="18" charset="0"/>
+                          </a:rPr>
+                        </m:ctrlPr>
+                      </m:dPr>
+                      <m:e>
+                        <m:r>
+                          <m:rPr>
+                            <m:sty m:val="p"/>
+                          </m:rPr>
+                          <a:rPr lang="en-US" altLang="ja-JP" i="0">
+                            <a:latin typeface="Cambria Math" panose="02040503050406030204" pitchFamily="18" charset="0"/>
+                          </a:rPr>
+                          <m:t>B</m:t>
+                        </m:r>
+                        <m:r>
+                          <m:rPr>
+                            <m:sty m:val="p"/>
+                          </m:rPr>
+                          <a:rPr lang="en-US" altLang="ja-JP" i="0">
+                            <a:latin typeface="Cambria Math" panose="02040503050406030204" pitchFamily="18" charset="0"/>
+                            <a:ea typeface="Cambria Math" panose="02040503050406030204" pitchFamily="18" charset="0"/>
+                          </a:rPr>
+                          <m:t>υ</m:t>
+                        </m:r>
+                      </m:e>
+                    </m:d>
+                    <m:r>
+                      <a:rPr lang="en-US" altLang="ja-JP" i="0">
+                        <a:latin typeface="Cambria Math" panose="02040503050406030204" pitchFamily="18" charset="0"/>
+                        <a:ea typeface="Cambria Math" panose="02040503050406030204" pitchFamily="18" charset="0"/>
+                      </a:rPr>
+                      <m:t>=</m:t>
+                    </m:r>
+                    <m:d>
+                      <m:dPr>
+                        <m:ctrlPr>
+                          <a:rPr lang="en-US" altLang="ja-JP">
+                            <a:latin typeface="Cambria Math" panose="02040503050406030204" pitchFamily="18" charset="0"/>
+                            <a:ea typeface="Cambria Math" panose="02040503050406030204" pitchFamily="18" charset="0"/>
+                          </a:rPr>
+                        </m:ctrlPr>
+                      </m:dPr>
+                      <m:e>
+                        <m:r>
+                          <m:rPr>
+                            <m:sty m:val="p"/>
+                          </m:rPr>
+                          <a:rPr lang="en-US" altLang="ja-JP" i="0">
+                            <a:latin typeface="Cambria Math" panose="02040503050406030204" pitchFamily="18" charset="0"/>
+                            <a:ea typeface="Cambria Math" panose="02040503050406030204" pitchFamily="18" charset="0"/>
+                          </a:rPr>
+                          <m:t>AB</m:t>
+                        </m:r>
+                      </m:e>
+                    </m:d>
+                    <m:r>
+                      <m:rPr>
+                        <m:sty m:val="p"/>
+                      </m:rPr>
+                      <a:rPr lang="en-US" altLang="ja-JP" i="0">
+                        <a:latin typeface="Cambria Math" panose="02040503050406030204" pitchFamily="18" charset="0"/>
+                        <a:ea typeface="Cambria Math" panose="02040503050406030204" pitchFamily="18" charset="0"/>
+                      </a:rPr>
+                      <m:t>υ</m:t>
+                    </m:r>
+                    <m:r>
+                      <a:rPr lang="en-US" altLang="ja-JP" i="0">
+                        <a:latin typeface="Cambria Math" panose="02040503050406030204" pitchFamily="18" charset="0"/>
+                        <a:ea typeface="Cambria Math" panose="02040503050406030204" pitchFamily="18" charset="0"/>
+                      </a:rPr>
+                      <m:t>=</m:t>
+                    </m:r>
+                    <m:d>
+                      <m:dPr>
+                        <m:ctrlPr>
+                          <a:rPr lang="en-US" altLang="ja-JP" i="0">
+                            <a:latin typeface="Cambria Math" panose="02040503050406030204" pitchFamily="18" charset="0"/>
+                            <a:ea typeface="Cambria Math" panose="02040503050406030204" pitchFamily="18" charset="0"/>
+                          </a:rPr>
+                        </m:ctrlPr>
+                      </m:dPr>
+                      <m:e>
+                        <m:r>
+                          <m:rPr>
+                            <m:sty m:val="p"/>
+                          </m:rPr>
+                          <a:rPr lang="en-US" altLang="ja-JP" i="0">
+                            <a:latin typeface="Cambria Math" panose="02040503050406030204" pitchFamily="18" charset="0"/>
+                            <a:ea typeface="Cambria Math" panose="02040503050406030204" pitchFamily="18" charset="0"/>
+                          </a:rPr>
+                          <m:t>AB</m:t>
+                        </m:r>
+                      </m:e>
+                    </m:d>
+                    <m:r>
+                      <a:rPr lang="en-US" altLang="ja-JP" i="0">
+                        <a:latin typeface="Cambria Math" panose="02040503050406030204" pitchFamily="18" charset="0"/>
+                        <a:ea typeface="Cambria Math" panose="02040503050406030204" pitchFamily="18" charset="0"/>
+                      </a:rPr>
+                      <m:t>⋅</m:t>
+                    </m:r>
+                    <m:r>
+                      <m:rPr>
+                        <m:sty m:val="p"/>
+                      </m:rPr>
+                      <a:rPr lang="en-US" altLang="ja-JP" i="0">
+                        <a:latin typeface="Cambria Math" panose="02040503050406030204" pitchFamily="18" charset="0"/>
+                        <a:ea typeface="Cambria Math" panose="02040503050406030204" pitchFamily="18" charset="0"/>
+                      </a:rPr>
+                      <m:t>υ</m:t>
+                    </m:r>
+                  </m:oMath>
+                </a14:m>
+                <a:br>
+                  <a:rPr lang="en-US" altLang="ja-JP" dirty="0"/>
+                </a:br>
+                <a:r>
+                  <a:rPr lang="en-US" altLang="ja-JP" dirty="0">
+                    <a:solidFill>
+                      <a:schemeClr val="tx1">
+                        <a:lumMod val="50000"/>
+                        <a:lumOff val="50000"/>
+                      </a:schemeClr>
+                    </a:solidFill>
+                  </a:rPr>
+                  <a:t>	</a:t>
+                </a:r>
+                <a:r>
+                  <a:rPr lang="ja-JP" altLang="en-US">
+                    <a:solidFill>
+                      <a:schemeClr val="tx1">
+                        <a:lumMod val="50000"/>
+                        <a:lumOff val="50000"/>
+                      </a:schemeClr>
+                    </a:solidFill>
+                  </a:rPr>
+                  <a:t>行列の結合則から</a:t>
+                </a:r>
+                <a:endParaRPr lang="en-US" altLang="ja-JP" dirty="0">
+                  <a:solidFill>
+                    <a:schemeClr val="tx1">
+                      <a:lumMod val="50000"/>
+                      <a:lumOff val="50000"/>
+                    </a:schemeClr>
+                  </a:solidFill>
+                </a:endParaRPr>
+              </a:p>
+              <a:p>
+                <a:pPr lvl="0" indent="-457200">
+                  <a:buAutoNum type="arabicPeriod"/>
+                </a:pPr>
+                <a:r>
+                  <a:rPr lang="ja-JP" altLang="en-US"/>
+                  <a:t>単位元を単位行列とすれば明らか</a:t>
+                </a:r>
+                <a:endParaRPr lang="en-US" altLang="ja-JP" dirty="0"/>
+              </a:p>
+              <a:p>
+                <a:endParaRPr kumimoji="1" lang="ja-JP" altLang="en-US"/>
+              </a:p>
+            </p:txBody>
+          </p:sp>
+        </mc:Choice>
+        <mc:Fallback>
+          <p:sp>
+            <p:nvSpPr>
+              <p:cNvPr id="3" name="コンテンツ プレースホルダー 2">
+                <a:extLst>
+                  <a:ext uri="{FF2B5EF4-FFF2-40B4-BE49-F238E27FC236}">
+                    <a16:creationId xmlns:a16="http://schemas.microsoft.com/office/drawing/2014/main" id="{6D3C7657-74B5-A549-BC53-0ECF18D2E85B}"/>
+                  </a:ext>
+                </a:extLst>
+              </p:cNvPr>
+              <p:cNvSpPr>
+                <a:spLocks noGrp="1" noRot="1" noChangeAspect="1" noMove="1" noResize="1" noEditPoints="1" noAdjustHandles="1" noChangeArrowheads="1" noChangeShapeType="1" noTextEdit="1"/>
+              </p:cNvSpPr>
+              <p:nvPr>
+                <p:ph idx="1"/>
+              </p:nvPr>
+            </p:nvSpPr>
+            <p:spPr>
+              <a:blipFill>
+                <a:blip r:embed="rId2"/>
+                <a:stretch>
+                  <a:fillRect l="-1206" t="-1170"/>
+                </a:stretch>
+              </a:blipFill>
+            </p:spPr>
+            <p:txBody>
+              <a:bodyPr/>
+              <a:lstStyle/>
+              <a:p>
+                <a:r>
+                  <a:rPr lang="ja-JP" altLang="en-US">
+                    <a:noFill/>
+                  </a:rPr>
+                  <a:t> </a:t>
+                </a:r>
+              </a:p>
+            </p:txBody>
+          </p:sp>
+        </mc:Fallback>
+      </mc:AlternateContent>
+    </p:spTree>
+    <p:extLst>
+      <p:ext uri="{BB962C8B-B14F-4D97-AF65-F5344CB8AC3E}">
+        <p14:creationId xmlns:p14="http://schemas.microsoft.com/office/powerpoint/2010/main" val="4191570318"/>
+      </p:ext>
+    </p:extLst>
+  </p:cSld>
+  <p:clrMapOvr>
+    <a:masterClrMapping/>
+  </p:clrMapOvr>
+</p:sld>
+</file>
+
+<file path=ppt/slides/slide19.xml><?xml version="1.0" encoding="utf-8"?>
+<p:sld xmlns:a="http://schemas.openxmlformats.org/drawingml/2006/main" xmlns:r="http://schemas.openxmlformats.org/officeDocument/2006/relationships" xmlns:p="http://schemas.openxmlformats.org/presentationml/2006/main">
+  <p:cSld>
+    <p:spTree>
+      <p:nvGrpSpPr>
+        <p:cNvPr id="1" name="Shape 399"/>
+        <p:cNvGrpSpPr/>
+        <p:nvPr/>
+      </p:nvGrpSpPr>
+      <p:grpSpPr>
+        <a:xfrm>
+          <a:off x="0" y="0"/>
+          <a:ext cx="0" cy="0"/>
+          <a:chOff x="0" y="0"/>
+          <a:chExt cx="0" cy="0"/>
+        </a:xfrm>
+      </p:grpSpPr>
+      <mc:AlternateContent xmlns:mc="http://schemas.openxmlformats.org/markup-compatibility/2006">
+        <mc:Choice xmlns:a14="http://schemas.microsoft.com/office/drawing/2010/main" Requires="a14">
+          <p:sp>
+            <p:nvSpPr>
+              <p:cNvPr id="400" name="Google Shape;400;p70"/>
+              <p:cNvSpPr txBox="1">
+                <a:spLocks noGrp="1"/>
+              </p:cNvSpPr>
+              <p:nvPr>
+                <p:ph type="body" idx="1"/>
+              </p:nvPr>
+            </p:nvSpPr>
+            <p:spPr>
+              <a:xfrm>
+                <a:off x="838200" y="1363891"/>
+                <a:ext cx="10515600" cy="5117931"/>
+              </a:xfrm>
+              <a:prstGeom prst="rect">
+                <a:avLst/>
+              </a:prstGeom>
+            </p:spPr>
+            <p:txBody>
+              <a:bodyPr spcFirstLastPara="1" vert="horz" wrap="square" lIns="91433" tIns="45700" rIns="91433" bIns="45700" rtlCol="0" anchor="t" anchorCtr="0">
+                <a:noAutofit/>
+              </a:bodyPr>
+              <a:lstStyle/>
+              <a:p>
+                <a:pPr marL="0" indent="0">
+                  <a:spcBef>
+                    <a:spcPts val="1067"/>
+                  </a:spcBef>
+                  <a:buNone/>
+                </a:pPr>
+                <a:r>
+                  <a:rPr lang="fr-CA" altLang="ja" dirty="0"/>
+                  <a:t>A,B:2</a:t>
+                </a:r>
+                <a:r>
+                  <a:rPr lang="ja-JP" altLang="en-US" dirty="0"/>
+                  <a:t>次直交行列，</a:t>
+                </a:r>
+                <a:r>
+                  <a:rPr lang="fr-CA" altLang="ja" dirty="0"/>
+                  <a:t>v,w</a:t>
+                </a:r>
+                <a:r>
+                  <a:rPr lang="fr-CA" altLang="ja" dirty="0">
+                    <a:highlight>
+                      <a:srgbClr val="FFFFFF"/>
+                    </a:highlight>
+                  </a:rPr>
+                  <a:t>∈R^2</a:t>
+                </a:r>
+                <a:endParaRPr lang="fr-CA" dirty="0">
+                  <a:highlight>
+                    <a:srgbClr val="FFFFFF"/>
+                  </a:highlight>
+                </a:endParaRPr>
+              </a:p>
+              <a:p>
+                <a:pPr marL="0" indent="0">
+                  <a:spcBef>
+                    <a:spcPts val="1067"/>
+                  </a:spcBef>
+                  <a:buNone/>
+                </a:pPr>
+                <a:endParaRPr lang="fr-CA" dirty="0">
+                  <a:highlight>
+                    <a:srgbClr val="FFFFFF"/>
+                  </a:highlight>
+                </a:endParaRPr>
+              </a:p>
+              <a:p>
+                <a:pPr marL="0" indent="0">
+                  <a:spcBef>
+                    <a:spcPts val="1067"/>
+                  </a:spcBef>
+                  <a:buNone/>
+                </a:pPr>
+                <a:r>
+                  <a:rPr lang="fr-CA" altLang="ja" dirty="0">
+                    <a:highlight>
+                      <a:srgbClr val="FFFFFF"/>
+                    </a:highlight>
+                  </a:rPr>
+                  <a:t>(A,v)</a:t>
+                </a:r>
+                <a:r>
+                  <a:rPr lang="ja" altLang="fr-CA" dirty="0">
+                    <a:highlight>
+                      <a:srgbClr val="FFFFFF"/>
+                    </a:highlight>
+                  </a:rPr>
+                  <a:t>・</a:t>
+                </a:r>
+                <a:r>
+                  <a:rPr lang="fr-CA" altLang="ja" dirty="0">
+                    <a:highlight>
+                      <a:srgbClr val="FFFFFF"/>
+                    </a:highlight>
+                  </a:rPr>
+                  <a:t>(B,w)=(AB,Av+w)</a:t>
+                </a:r>
+                <a:endParaRPr lang="fr-CA" dirty="0">
+                  <a:highlight>
+                    <a:srgbClr val="FFFFFF"/>
+                  </a:highlight>
+                </a:endParaRPr>
+              </a:p>
+              <a:p>
+                <a:pPr marL="0" indent="0">
+                  <a:spcBef>
+                    <a:spcPts val="1067"/>
+                  </a:spcBef>
+                  <a:buNone/>
+                </a:pPr>
+                <a:r>
+                  <a:rPr lang="ja-JP" altLang="en-US" dirty="0">
+                    <a:highlight>
+                      <a:srgbClr val="FFFFFF"/>
+                    </a:highlight>
+                  </a:rPr>
+                  <a:t>を２次元ユークリッド合同変換群</a:t>
+                </a:r>
+                <a:r>
+                  <a:rPr lang="en-US" altLang="ja-JP" dirty="0">
+                    <a:highlight>
+                      <a:srgbClr val="FFFFFF"/>
+                    </a:highlight>
+                  </a:rPr>
+                  <a:t>(</a:t>
+                </a:r>
+                <a:r>
+                  <a:rPr lang="fr-CA" altLang="ja" dirty="0">
+                    <a:highlight>
+                      <a:srgbClr val="FFFFFF"/>
+                    </a:highlight>
+                  </a:rPr>
+                  <a:t>E(2),</a:t>
+                </a:r>
+                <a:r>
+                  <a:rPr lang="ja" altLang="fr-CA" dirty="0">
+                    <a:highlight>
+                      <a:srgbClr val="FFFFFF"/>
+                    </a:highlight>
+                  </a:rPr>
+                  <a:t>・</a:t>
+                </a:r>
+                <a:r>
+                  <a:rPr lang="fr-CA" altLang="ja" dirty="0">
+                    <a:highlight>
+                      <a:srgbClr val="FFFFFF"/>
+                    </a:highlight>
+                  </a:rPr>
+                  <a:t>)</a:t>
+                </a:r>
+                <a:r>
+                  <a:rPr lang="ja-JP" altLang="en-US" dirty="0">
+                    <a:highlight>
+                      <a:srgbClr val="FFFFFF"/>
+                    </a:highlight>
+                  </a:rPr>
+                  <a:t>という</a:t>
+                </a:r>
+              </a:p>
+              <a:p>
+                <a:pPr marL="0" indent="0">
+                  <a:spcBef>
+                    <a:spcPts val="1067"/>
+                  </a:spcBef>
+                  <a:buNone/>
+                </a:pPr>
+                <a:endParaRPr lang="ja-JP" altLang="en-US" dirty="0">
+                  <a:highlight>
+                    <a:srgbClr val="FFFFFF"/>
+                  </a:highlight>
+                </a:endParaRPr>
+              </a:p>
+              <a:p>
+                <a:pPr marL="0" indent="0">
+                  <a:spcBef>
+                    <a:spcPts val="1067"/>
+                  </a:spcBef>
+                  <a:buNone/>
+                </a:pPr>
+                <a:r>
+                  <a:rPr lang="ja-JP" altLang="en-US" dirty="0">
+                    <a:highlight>
+                      <a:srgbClr val="FFFFFF"/>
+                    </a:highlight>
+                  </a:rPr>
+                  <a:t>これが群であるには</a:t>
+                </a:r>
+              </a:p>
+              <a:p>
+                <a:pPr marL="609585" indent="-423323">
+                  <a:spcBef>
+                    <a:spcPts val="1067"/>
+                  </a:spcBef>
+                  <a:buSzPts val="1400"/>
+                  <a:buChar char="-"/>
+                </a:pPr>
+                <a:r>
+                  <a:rPr lang="fr-CA" altLang="ja" dirty="0">
+                    <a:highlight>
+                      <a:srgbClr val="FFFFFF"/>
+                    </a:highlight>
+                  </a:rPr>
+                  <a:t>A,B,C(:</a:t>
+                </a:r>
+                <a:r>
+                  <a:rPr lang="ja-JP" altLang="en-US" dirty="0">
+                    <a:highlight>
+                      <a:srgbClr val="FFFFFF"/>
+                    </a:highlight>
+                  </a:rPr>
+                  <a:t>直交行列</a:t>
+                </a:r>
+                <a:r>
+                  <a:rPr lang="en-US" altLang="ja-JP" dirty="0">
+                    <a:highlight>
+                      <a:srgbClr val="FFFFFF"/>
+                    </a:highlight>
+                  </a:rPr>
+                  <a:t>)</a:t>
+                </a:r>
+                <a:r>
+                  <a:rPr lang="ja-JP" altLang="en-US" dirty="0">
+                    <a:highlight>
+                      <a:srgbClr val="FFFFFF"/>
+                    </a:highlight>
+                  </a:rPr>
+                  <a:t>と</a:t>
+                </a:r>
+                <a:r>
+                  <a:rPr lang="fr-CA" altLang="ja" dirty="0">
+                    <a:highlight>
+                      <a:srgbClr val="FFFFFF"/>
+                    </a:highlight>
+                  </a:rPr>
+                  <a:t>u,v,w∈R^2</a:t>
+                </a:r>
+                <a:r>
+                  <a:rPr lang="ja-JP" altLang="en-US" dirty="0">
+                    <a:highlight>
+                      <a:srgbClr val="FFFFFF"/>
+                    </a:highlight>
+                  </a:rPr>
+                  <a:t>を用いて結合則が成立する</a:t>
+                </a:r>
+              </a:p>
+              <a:p>
+                <a:pPr marL="609585" indent="-423323">
+                  <a:spcBef>
+                    <a:spcPts val="0"/>
+                  </a:spcBef>
+                  <a:buSzPts val="1400"/>
+                  <a:buChar char="-"/>
+                </a:pPr>
+                <a:r>
+                  <a:rPr lang="ja-JP" altLang="en-US" dirty="0">
+                    <a:highlight>
+                      <a:srgbClr val="FFFFFF"/>
+                    </a:highlight>
+                  </a:rPr>
+                  <a:t>単位元が</a:t>
+                </a:r>
+                <a:r>
+                  <a:rPr lang="en-US" altLang="ja-JP" dirty="0">
+                    <a:highlight>
+                      <a:srgbClr val="FFFFFF"/>
+                    </a:highlight>
+                  </a:rPr>
+                  <a:t>(</a:t>
+                </a:r>
+                <a:r>
+                  <a:rPr lang="fr-CA" altLang="ja" dirty="0">
+                    <a:highlight>
+                      <a:srgbClr val="FFFFFF"/>
+                    </a:highlight>
+                  </a:rPr>
+                  <a:t>I,0)</a:t>
+                </a:r>
+                <a:r>
+                  <a:rPr lang="ja-JP" altLang="en-US" dirty="0">
+                    <a:highlight>
+                      <a:srgbClr val="FFFFFF"/>
+                    </a:highlight>
+                  </a:rPr>
+                  <a:t>である</a:t>
+                </a:r>
+              </a:p>
+              <a:p>
+                <a:pPr marL="609585" indent="-423323">
+                  <a:spcBef>
+                    <a:spcPts val="0"/>
+                  </a:spcBef>
+                  <a:buSzPts val="1400"/>
+                  <a:buChar char="-"/>
+                </a:pPr>
+                <a:r>
+                  <a:rPr lang="ja-JP" altLang="en-US" dirty="0">
+                    <a:highlight>
+                      <a:srgbClr val="FFFFFF"/>
+                    </a:highlight>
+                  </a:rPr>
+                  <a:t>逆元が</a:t>
+                </a:r>
+                <a14:m>
+                  <m:oMath xmlns:m="http://schemas.openxmlformats.org/officeDocument/2006/math">
+                    <m:sSup>
+                      <m:sSupPr>
+                        <m:ctrlPr>
+                          <a:rPr lang="ar-AE" altLang="ja" i="1" smtClean="0">
+                            <a:highlight>
+                              <a:srgbClr val="FFFFFF"/>
+                            </a:highlight>
+                            <a:latin typeface="Cambria Math" panose="02040503050406030204" pitchFamily="18" charset="0"/>
+                          </a:rPr>
+                        </m:ctrlPr>
+                      </m:sSupPr>
+                      <m:e>
+                        <m:r>
+                          <a:rPr lang="en-US" altLang="ja" b="0" i="1" smtClean="0">
+                            <a:highlight>
+                              <a:srgbClr val="FFFFFF"/>
+                            </a:highlight>
+                            <a:latin typeface="Cambria Math" panose="02040503050406030204" pitchFamily="18" charset="0"/>
+                          </a:rPr>
+                          <m:t>(</m:t>
+                        </m:r>
+                        <m:r>
+                          <a:rPr lang="ar-AE" altLang="ja" b="0" i="1" smtClean="0">
+                            <a:highlight>
+                              <a:srgbClr val="FFFFFF"/>
+                            </a:highlight>
+                            <a:latin typeface="Cambria Math" panose="02040503050406030204" pitchFamily="18" charset="0"/>
+                          </a:rPr>
+                          <m:t>𝐴</m:t>
+                        </m:r>
+                      </m:e>
+                      <m:sup>
+                        <m:r>
+                          <a:rPr lang="en-US" altLang="ja" b="0" i="1" smtClean="0">
+                            <a:highlight>
+                              <a:srgbClr val="FFFFFF"/>
+                            </a:highlight>
+                            <a:latin typeface="Cambria Math" panose="02040503050406030204" pitchFamily="18" charset="0"/>
+                          </a:rPr>
+                          <m:t>−1</m:t>
+                        </m:r>
+                      </m:sup>
+                    </m:sSup>
+                    <m:r>
+                      <a:rPr lang="en-US" altLang="ja" b="0" i="1" smtClean="0">
+                        <a:highlight>
+                          <a:srgbClr val="FFFFFF"/>
+                        </a:highlight>
+                        <a:latin typeface="Cambria Math" panose="02040503050406030204" pitchFamily="18" charset="0"/>
+                      </a:rPr>
+                      <m:t>,−</m:t>
+                    </m:r>
+                    <m:sSup>
+                      <m:sSupPr>
+                        <m:ctrlPr>
+                          <a:rPr lang="en-US" altLang="ja" b="0" i="1" smtClean="0">
+                            <a:highlight>
+                              <a:srgbClr val="FFFFFF"/>
+                            </a:highlight>
+                            <a:latin typeface="Cambria Math" panose="02040503050406030204" pitchFamily="18" charset="0"/>
+                          </a:rPr>
+                        </m:ctrlPr>
+                      </m:sSupPr>
+                      <m:e>
+                        <m:r>
+                          <a:rPr lang="en-US" altLang="ja" b="0" i="1" smtClean="0">
+                            <a:highlight>
+                              <a:srgbClr val="FFFFFF"/>
+                            </a:highlight>
+                            <a:latin typeface="Cambria Math" panose="02040503050406030204" pitchFamily="18" charset="0"/>
+                          </a:rPr>
+                          <m:t>𝐴</m:t>
+                        </m:r>
+                      </m:e>
+                      <m:sup>
+                        <m:r>
+                          <a:rPr lang="en-US" altLang="ja" b="0" i="1" smtClean="0">
+                            <a:highlight>
+                              <a:srgbClr val="FFFFFF"/>
+                            </a:highlight>
+                            <a:latin typeface="Cambria Math" panose="02040503050406030204" pitchFamily="18" charset="0"/>
+                          </a:rPr>
+                          <m:t>−1</m:t>
+                        </m:r>
+                      </m:sup>
+                    </m:sSup>
+                    <m:r>
+                      <a:rPr lang="en-US" altLang="ja" b="0" i="1" smtClean="0">
+                        <a:highlight>
+                          <a:srgbClr val="FFFFFF"/>
+                        </a:highlight>
+                        <a:latin typeface="Cambria Math" panose="02040503050406030204" pitchFamily="18" charset="0"/>
+                      </a:rPr>
+                      <m:t>𝑣</m:t>
+                    </m:r>
+                    <m:r>
+                      <a:rPr lang="en-US" altLang="ja" b="0" i="0" smtClean="0">
+                        <a:highlight>
+                          <a:srgbClr val="FFFFFF"/>
+                        </a:highlight>
+                        <a:latin typeface="Cambria Math" panose="02040503050406030204" pitchFamily="18" charset="0"/>
+                      </a:rPr>
+                      <m:t>)</m:t>
+                    </m:r>
+                  </m:oMath>
+                </a14:m>
+                <a:r>
+                  <a:rPr lang="ja-JP" altLang="en-US" dirty="0">
+                    <a:highlight>
+                      <a:srgbClr val="FFFFFF"/>
+                    </a:highlight>
+                  </a:rPr>
+                  <a:t>である</a:t>
+                </a:r>
+              </a:p>
+              <a:p>
+                <a:pPr marL="0" indent="0">
+                  <a:spcBef>
+                    <a:spcPts val="1067"/>
+                  </a:spcBef>
+                  <a:buNone/>
+                </a:pPr>
+                <a:r>
+                  <a:rPr lang="ja-JP" altLang="en-US" dirty="0">
+                    <a:highlight>
+                      <a:srgbClr val="FFFFFF"/>
+                    </a:highlight>
+                  </a:rPr>
+                  <a:t>の３つを満たしていることを確認すればよい</a:t>
+                </a:r>
+                <a:endParaRPr dirty="0">
+                  <a:highlight>
+                    <a:srgbClr val="FFFFFF"/>
+                  </a:highlight>
+                </a:endParaRPr>
+              </a:p>
+            </p:txBody>
+          </p:sp>
+        </mc:Choice>
+        <mc:Fallback>
+          <p:sp>
+            <p:nvSpPr>
+              <p:cNvPr id="400" name="Google Shape;400;p70"/>
+              <p:cNvSpPr txBox="1">
+                <a:spLocks noGrp="1" noRot="1" noChangeAspect="1" noMove="1" noResize="1" noEditPoints="1" noAdjustHandles="1" noChangeArrowheads="1" noChangeShapeType="1" noTextEdit="1"/>
+              </p:cNvSpPr>
+              <p:nvPr>
+                <p:ph type="body" idx="1"/>
+              </p:nvPr>
+            </p:nvSpPr>
+            <p:spPr>
+              <a:xfrm>
+                <a:off x="838200" y="1363891"/>
+                <a:ext cx="10515600" cy="5117931"/>
+              </a:xfrm>
+              <a:prstGeom prst="rect">
+                <a:avLst/>
+              </a:prstGeom>
+              <a:blipFill>
+                <a:blip r:embed="rId3"/>
+                <a:stretch>
+                  <a:fillRect l="-1086" b="-2228"/>
+                </a:stretch>
+              </a:blipFill>
+            </p:spPr>
+            <p:txBody>
+              <a:bodyPr/>
+              <a:lstStyle/>
+              <a:p>
+                <a:r>
+                  <a:rPr lang="ja-JP" altLang="en-US">
+                    <a:noFill/>
+                  </a:rPr>
+                  <a:t> </a:t>
+                </a:r>
+              </a:p>
+            </p:txBody>
+          </p:sp>
+        </mc:Fallback>
+      </mc:AlternateContent>
+      <p:sp>
+        <p:nvSpPr>
+          <p:cNvPr id="401" name="Google Shape;401;p70"/>
+          <p:cNvSpPr txBox="1">
+            <a:spLocks noGrp="1"/>
+          </p:cNvSpPr>
+          <p:nvPr>
+            <p:ph type="title"/>
+          </p:nvPr>
+        </p:nvSpPr>
+        <p:spPr>
+          <a:xfrm>
+            <a:off x="838200" y="38292"/>
+            <a:ext cx="10515600" cy="1325600"/>
+          </a:xfrm>
+          <a:prstGeom prst="rect">
+            <a:avLst/>
+          </a:prstGeom>
+        </p:spPr>
+        <p:txBody>
+          <a:bodyPr spcFirstLastPara="1" vert="horz" wrap="square" lIns="91433" tIns="45700" rIns="91433" bIns="45700" rtlCol="0" anchor="ctr" anchorCtr="0">
+            <a:noAutofit/>
+          </a:bodyPr>
+          <a:lstStyle/>
+          <a:p>
+            <a:pPr>
+              <a:spcBef>
+                <a:spcPts val="0"/>
+              </a:spcBef>
+            </a:pPr>
+            <a:r>
+              <a:rPr lang="ja" dirty="0"/>
+              <a:t>２次元ユークリッド合同変換群</a:t>
+            </a:r>
+            <a:r>
+              <a:rPr lang="en-US" altLang="ja" sz="2400" i="1" dirty="0">
+                <a:solidFill>
+                  <a:schemeClr val="tx1">
+                    <a:lumMod val="65000"/>
+                    <a:lumOff val="35000"/>
+                  </a:schemeClr>
+                </a:solidFill>
+                <a:latin typeface="Times New Roman" panose="02020603050405020304" pitchFamily="18" charset="0"/>
+                <a:cs typeface="Times New Roman" panose="02020603050405020304" pitchFamily="18" charset="0"/>
+              </a:rPr>
+              <a:t>Euclidean group</a:t>
+            </a:r>
+            <a:endParaRPr i="1" dirty="0">
+              <a:solidFill>
+                <a:schemeClr val="tx1">
+                  <a:lumMod val="65000"/>
+                  <a:lumOff val="35000"/>
+                </a:schemeClr>
+              </a:solidFill>
+              <a:latin typeface="Times New Roman" panose="02020603050405020304" pitchFamily="18" charset="0"/>
+              <a:cs typeface="Times New Roman" panose="02020603050405020304" pitchFamily="18" charset="0"/>
+            </a:endParaRPr>
+          </a:p>
+        </p:txBody>
+      </p:sp>
+    </p:spTree>
+    <p:extLst>
+      <p:ext uri="{BB962C8B-B14F-4D97-AF65-F5344CB8AC3E}">
+        <p14:creationId xmlns:p14="http://schemas.microsoft.com/office/powerpoint/2010/main" val="2429960"/>
       </p:ext>
     </p:extLst>
   </p:cSld>

--- a/群の気持ち.pptx
+++ b/群の気持ち.pptx
@@ -5,28 +5,29 @@
     <p:sldMasterId id="2147483648" r:id="rId1"/>
   </p:sldMasterIdLst>
   <p:notesMasterIdLst>
-    <p:notesMasterId r:id="rId21"/>
+    <p:notesMasterId r:id="rId22"/>
   </p:notesMasterIdLst>
   <p:sldIdLst>
     <p:sldId id="256" r:id="rId2"/>
     <p:sldId id="257" r:id="rId3"/>
     <p:sldId id="267" r:id="rId4"/>
-    <p:sldId id="269" r:id="rId5"/>
+    <p:sldId id="306" r:id="rId5"/>
     <p:sldId id="268" r:id="rId6"/>
     <p:sldId id="261" r:id="rId7"/>
     <p:sldId id="260" r:id="rId8"/>
-    <p:sldId id="298" r:id="rId9"/>
-    <p:sldId id="266" r:id="rId10"/>
-    <p:sldId id="299" r:id="rId11"/>
-    <p:sldId id="262" r:id="rId12"/>
-    <p:sldId id="263" r:id="rId13"/>
-    <p:sldId id="293" r:id="rId14"/>
-    <p:sldId id="300" r:id="rId15"/>
-    <p:sldId id="301" r:id="rId16"/>
-    <p:sldId id="297" r:id="rId17"/>
+    <p:sldId id="299" r:id="rId9"/>
+    <p:sldId id="262" r:id="rId10"/>
+    <p:sldId id="263" r:id="rId11"/>
+    <p:sldId id="293" r:id="rId12"/>
+    <p:sldId id="300" r:id="rId13"/>
+    <p:sldId id="301" r:id="rId14"/>
+    <p:sldId id="297" r:id="rId15"/>
+    <p:sldId id="305" r:id="rId16"/>
+    <p:sldId id="266" r:id="rId17"/>
     <p:sldId id="302" r:id="rId18"/>
     <p:sldId id="303" r:id="rId19"/>
     <p:sldId id="304" r:id="rId20"/>
+    <p:sldId id="298" r:id="rId21"/>
   </p:sldIdLst>
   <p:sldSz cx="12192000" cy="6858000"/>
   <p:notesSz cx="6858000" cy="9144000"/>
@@ -733,6 +734,115 @@
 </file>
 
 <file path=ppt/notesSlides/notesSlide3.xml><?xml version="1.0" encoding="utf-8"?>
+<p:notes xmlns:a="http://schemas.openxmlformats.org/drawingml/2006/main" xmlns:r="http://schemas.openxmlformats.org/officeDocument/2006/relationships" xmlns:p="http://schemas.openxmlformats.org/presentationml/2006/main" showMasterSp="0" showMasterPhAnim="0">
+  <p:cSld>
+    <p:spTree>
+      <p:nvGrpSpPr>
+        <p:cNvPr id="1" name="Shape 378"/>
+        <p:cNvGrpSpPr/>
+        <p:nvPr/>
+      </p:nvGrpSpPr>
+      <p:grpSpPr>
+        <a:xfrm>
+          <a:off x="0" y="0"/>
+          <a:ext cx="0" cy="0"/>
+          <a:chOff x="0" y="0"/>
+          <a:chExt cx="0" cy="0"/>
+        </a:xfrm>
+      </p:grpSpPr>
+      <p:sp>
+        <p:nvSpPr>
+          <p:cNvPr id="379" name="Google Shape;379;g5f765d7e0f_0_106:notes"/>
+          <p:cNvSpPr>
+            <a:spLocks noGrp="1" noRot="1" noChangeAspect="1"/>
+          </p:cNvSpPr>
+          <p:nvPr>
+            <p:ph type="sldImg" idx="2"/>
+          </p:nvPr>
+        </p:nvSpPr>
+        <p:spPr>
+          <a:xfrm>
+            <a:off x="381000" y="685800"/>
+            <a:ext cx="6096000" cy="3429000"/>
+          </a:xfrm>
+          <a:custGeom>
+            <a:avLst/>
+            <a:gdLst/>
+            <a:ahLst/>
+            <a:cxnLst/>
+            <a:rect l="l" t="t" r="r" b="b"/>
+            <a:pathLst>
+              <a:path w="120000" h="120000" extrusionOk="0">
+                <a:moveTo>
+                  <a:pt x="0" y="0"/>
+                </a:moveTo>
+                <a:lnTo>
+                  <a:pt x="120000" y="0"/>
+                </a:lnTo>
+                <a:lnTo>
+                  <a:pt x="120000" y="120000"/>
+                </a:lnTo>
+                <a:lnTo>
+                  <a:pt x="0" y="120000"/>
+                </a:lnTo>
+                <a:close/>
+              </a:path>
+            </a:pathLst>
+          </a:custGeom>
+        </p:spPr>
+      </p:sp>
+      <p:sp>
+        <p:nvSpPr>
+          <p:cNvPr id="380" name="Google Shape;380;g5f765d7e0f_0_106:notes"/>
+          <p:cNvSpPr txBox="1">
+            <a:spLocks noGrp="1"/>
+          </p:cNvSpPr>
+          <p:nvPr>
+            <p:ph type="body" idx="1"/>
+          </p:nvPr>
+        </p:nvSpPr>
+        <p:spPr>
+          <a:xfrm>
+            <a:off x="685800" y="4343400"/>
+            <a:ext cx="5486400" cy="4114800"/>
+          </a:xfrm>
+          <a:prstGeom prst="rect">
+            <a:avLst/>
+          </a:prstGeom>
+        </p:spPr>
+        <p:txBody>
+          <a:bodyPr spcFirstLastPara="1" wrap="square" lIns="91425" tIns="91425" rIns="91425" bIns="91425" anchor="t" anchorCtr="0">
+            <a:noAutofit/>
+          </a:bodyPr>
+          <a:lstStyle/>
+          <a:p>
+            <a:pPr marL="0" lvl="0" indent="0" algn="l" rtl="0">
+              <a:spcBef>
+                <a:spcPts val="0"/>
+              </a:spcBef>
+              <a:spcAft>
+                <a:spcPts val="0"/>
+              </a:spcAft>
+              <a:buNone/>
+            </a:pPr>
+            <a:endParaRPr/>
+          </a:p>
+        </p:txBody>
+      </p:sp>
+    </p:spTree>
+    <p:extLst>
+      <p:ext uri="{BB962C8B-B14F-4D97-AF65-F5344CB8AC3E}">
+        <p14:creationId xmlns:p14="http://schemas.microsoft.com/office/powerpoint/2010/main" val="439678527"/>
+      </p:ext>
+    </p:extLst>
+  </p:cSld>
+  <p:clrMapOvr>
+    <a:masterClrMapping/>
+  </p:clrMapOvr>
+</p:notes>
+</file>
+
+<file path=ppt/notesSlides/notesSlide4.xml><?xml version="1.0" encoding="utf-8"?>
 <p:notes xmlns:a="http://schemas.openxmlformats.org/drawingml/2006/main" xmlns:r="http://schemas.openxmlformats.org/officeDocument/2006/relationships" xmlns:p="http://schemas.openxmlformats.org/presentationml/2006/main">
   <p:cSld>
     <p:spTree>
@@ -816,7 +926,7 @@
 </p:notes>
 </file>
 
-<file path=ppt/notesSlides/notesSlide4.xml><?xml version="1.0" encoding="utf-8"?>
+<file path=ppt/notesSlides/notesSlide5.xml><?xml version="1.0" encoding="utf-8"?>
 <p:notes xmlns:a="http://schemas.openxmlformats.org/drawingml/2006/main" xmlns:r="http://schemas.openxmlformats.org/officeDocument/2006/relationships" xmlns:p="http://schemas.openxmlformats.org/presentationml/2006/main" showMasterSp="0" showMasterPhAnim="0">
   <p:cSld>
     <p:spTree>
@@ -4524,1176 +4634,6 @@
           <p:cNvPr id="2" name="タイトル 1">
             <a:extLst>
               <a:ext uri="{FF2B5EF4-FFF2-40B4-BE49-F238E27FC236}">
-                <a16:creationId xmlns:a16="http://schemas.microsoft.com/office/drawing/2014/main" id="{F74B3020-F4CD-5E4A-A772-CCD193FF28DB}"/>
-              </a:ext>
-            </a:extLst>
-          </p:cNvPr>
-          <p:cNvSpPr>
-            <a:spLocks noGrp="1"/>
-          </p:cNvSpPr>
-          <p:nvPr>
-            <p:ph type="title"/>
-          </p:nvPr>
-        </p:nvSpPr>
-        <p:spPr/>
-        <p:txBody>
-          <a:bodyPr/>
-          <a:lstStyle/>
-          <a:p>
-            <a:r>
-              <a:rPr kumimoji="1" lang="ja-JP" altLang="en-US"/>
-              <a:t>群の定義を見ていく</a:t>
-            </a:r>
-          </a:p>
-        </p:txBody>
-      </p:sp>
-      <mc:AlternateContent xmlns:mc="http://schemas.openxmlformats.org/markup-compatibility/2006">
-        <mc:Choice xmlns:a14="http://schemas.microsoft.com/office/drawing/2010/main" Requires="a14">
-          <p:sp>
-            <p:nvSpPr>
-              <p:cNvPr id="3" name="コンテンツ プレースホルダー 2">
-                <a:extLst>
-                  <a:ext uri="{FF2B5EF4-FFF2-40B4-BE49-F238E27FC236}">
-                    <a16:creationId xmlns:a16="http://schemas.microsoft.com/office/drawing/2014/main" id="{9409C43E-6ED9-F742-9D17-57ABED493EBF}"/>
-                  </a:ext>
-                </a:extLst>
-              </p:cNvPr>
-              <p:cNvSpPr>
-                <a:spLocks noGrp="1"/>
-              </p:cNvSpPr>
-              <p:nvPr>
-                <p:ph idx="1"/>
-              </p:nvPr>
-            </p:nvSpPr>
-            <p:spPr/>
-            <p:txBody>
-              <a:bodyPr/>
-              <a:lstStyle/>
-              <a:p>
-                <a:r>
-                  <a:rPr kumimoji="1" lang="ja-JP" altLang="en-US"/>
-                  <a:t>群の定義</a:t>
-                </a:r>
-                <a:endParaRPr kumimoji="1" lang="en-US" altLang="ja-JP" dirty="0"/>
-              </a:p>
-              <a:p>
-                <a:r>
-                  <a:rPr lang="ja-JP" altLang="en-US"/>
-                  <a:t>群の派生</a:t>
-                </a:r>
-                <a:endParaRPr lang="en-US" altLang="ja-JP" dirty="0"/>
-              </a:p>
-              <a:p>
-                <a:r>
-                  <a:rPr kumimoji="1" lang="ja-JP" altLang="en-US"/>
-                  <a:t>群の例：</a:t>
-                </a:r>
-                <a:r>
-                  <a:rPr lang="fr-CA" altLang="ja" dirty="0"/>
-                  <a:t> </a:t>
-                </a:r>
-                <a14:m>
-                  <m:oMath xmlns:m="http://schemas.openxmlformats.org/officeDocument/2006/math">
-                    <m:r>
-                      <m:rPr>
-                        <m:sty m:val="p"/>
-                      </m:rPr>
-                      <a:rPr lang="fr-CA" altLang="ja">
-                        <a:latin typeface="Cambria Math" panose="02040503050406030204" pitchFamily="18" charset="0"/>
-                      </a:rPr>
-                      <m:t>G</m:t>
-                    </m:r>
-                    <m:r>
-                      <m:rPr>
-                        <m:sty m:val="p"/>
-                      </m:rPr>
-                      <a:rPr lang="en-US" altLang="ja">
-                        <a:latin typeface="Cambria Math" panose="02040503050406030204" pitchFamily="18" charset="0"/>
-                      </a:rPr>
-                      <m:t>L</m:t>
-                    </m:r>
-                    <m:d>
-                      <m:dPr>
-                        <m:ctrlPr>
-                          <a:rPr lang="en-US" altLang="ja" i="1">
-                            <a:latin typeface="Cambria Math" panose="02040503050406030204" pitchFamily="18" charset="0"/>
-                          </a:rPr>
-                        </m:ctrlPr>
-                      </m:dPr>
-                      <m:e>
-                        <m:r>
-                          <m:rPr>
-                            <m:sty m:val="p"/>
-                          </m:rPr>
-                          <a:rPr lang="en-US" altLang="ja">
-                            <a:latin typeface="Cambria Math" panose="02040503050406030204" pitchFamily="18" charset="0"/>
-                          </a:rPr>
-                          <m:t>n</m:t>
-                        </m:r>
-                        <m:r>
-                          <a:rPr lang="en-US" altLang="ja">
-                            <a:latin typeface="Cambria Math" panose="02040503050406030204" pitchFamily="18" charset="0"/>
-                          </a:rPr>
-                          <m:t>;</m:t>
-                        </m:r>
-                        <m:r>
-                          <a:rPr lang="en-US" altLang="ja">
-                            <a:latin typeface="Cambria Math" panose="02040503050406030204" pitchFamily="18" charset="0"/>
-                            <a:ea typeface="Cambria Math" panose="02040503050406030204" pitchFamily="18" charset="0"/>
-                          </a:rPr>
-                          <m:t>ℂ</m:t>
-                        </m:r>
-                      </m:e>
-                    </m:d>
-                  </m:oMath>
-                </a14:m>
-                <a:endParaRPr kumimoji="1" lang="en-US" altLang="ja-JP" dirty="0"/>
-              </a:p>
-              <a:p>
-                <a:r>
-                  <a:rPr lang="ja-JP" altLang="en-US"/>
-                  <a:t>部分群</a:t>
-                </a:r>
-                <a:endParaRPr lang="en-US" altLang="ja-JP" dirty="0"/>
-              </a:p>
-              <a:p>
-                <a:pPr lvl="1"/>
-                <a:r>
-                  <a:rPr kumimoji="1" lang="ja-JP" altLang="en-US"/>
-                  <a:t>定義</a:t>
-                </a:r>
-                <a:r>
-                  <a:rPr lang="ja-JP" altLang="en-US"/>
-                  <a:t>・性質</a:t>
-                </a:r>
-                <a:endParaRPr lang="en-US" altLang="ja-JP" dirty="0"/>
-              </a:p>
-              <a:p>
-                <a:pPr lvl="1"/>
-                <a:r>
-                  <a:rPr kumimoji="1" lang="ja-JP" altLang="en-US"/>
-                  <a:t>例：</a:t>
-                </a:r>
-                <a:r>
-                  <a:rPr lang="en-US" altLang="ja-JP" dirty="0"/>
-                  <a:t> </a:t>
-                </a:r>
-                <a14:m>
-                  <m:oMath xmlns:m="http://schemas.openxmlformats.org/officeDocument/2006/math">
-                    <m:r>
-                      <m:rPr>
-                        <m:sty m:val="p"/>
-                      </m:rPr>
-                      <a:rPr lang="en-US" altLang="ja-JP">
-                        <a:latin typeface="Cambria Math" panose="02040503050406030204" pitchFamily="18" charset="0"/>
-                      </a:rPr>
-                      <m:t>O</m:t>
-                    </m:r>
-                    <m:d>
-                      <m:dPr>
-                        <m:ctrlPr>
-                          <a:rPr lang="en-US" altLang="ja" i="1">
-                            <a:latin typeface="Cambria Math" panose="02040503050406030204" pitchFamily="18" charset="0"/>
-                          </a:rPr>
-                        </m:ctrlPr>
-                      </m:dPr>
-                      <m:e>
-                        <m:r>
-                          <m:rPr>
-                            <m:sty m:val="p"/>
-                          </m:rPr>
-                          <a:rPr lang="en-US" altLang="ja">
-                            <a:latin typeface="Cambria Math" panose="02040503050406030204" pitchFamily="18" charset="0"/>
-                          </a:rPr>
-                          <m:t>n</m:t>
-                        </m:r>
-                      </m:e>
-                    </m:d>
-                    <m:r>
-                      <a:rPr lang="en-US" altLang="ja" i="1">
-                        <a:latin typeface="Cambria Math" panose="02040503050406030204" pitchFamily="18" charset="0"/>
-                        <a:ea typeface="Cambria Math" panose="02040503050406030204" pitchFamily="18" charset="0"/>
-                      </a:rPr>
-                      <m:t> </m:t>
-                    </m:r>
-                  </m:oMath>
-                </a14:m>
-                <a:endParaRPr kumimoji="1" lang="en-US" altLang="ja-JP" dirty="0"/>
-              </a:p>
-              <a:p>
-                <a:r>
-                  <a:rPr lang="ja-JP" altLang="en-US"/>
-                  <a:t>群の作用</a:t>
-                </a:r>
-                <a:endParaRPr lang="en-US" altLang="ja-JP" dirty="0"/>
-              </a:p>
-              <a:p>
-                <a:pPr lvl="1"/>
-                <a:r>
-                  <a:rPr lang="ja-JP" altLang="en-US"/>
-                  <a:t>定義</a:t>
-                </a:r>
-                <a:endParaRPr lang="en-US" altLang="ja-JP" dirty="0"/>
-              </a:p>
-              <a:p>
-                <a:pPr lvl="1"/>
-                <a:r>
-                  <a:rPr lang="ja-JP" altLang="en-US"/>
-                  <a:t>例：</a:t>
-                </a:r>
-                <a:endParaRPr lang="en-US" altLang="ja-JP" dirty="0"/>
-              </a:p>
-            </p:txBody>
-          </p:sp>
-        </mc:Choice>
-        <mc:Fallback>
-          <p:sp>
-            <p:nvSpPr>
-              <p:cNvPr id="3" name="コンテンツ プレースホルダー 2">
-                <a:extLst>
-                  <a:ext uri="{FF2B5EF4-FFF2-40B4-BE49-F238E27FC236}">
-                    <a16:creationId xmlns:a16="http://schemas.microsoft.com/office/drawing/2014/main" id="{9409C43E-6ED9-F742-9D17-57ABED493EBF}"/>
-                  </a:ext>
-                </a:extLst>
-              </p:cNvPr>
-              <p:cNvSpPr>
-                <a:spLocks noGrp="1" noRot="1" noChangeAspect="1" noMove="1" noResize="1" noEditPoints="1" noAdjustHandles="1" noChangeArrowheads="1" noChangeShapeType="1" noTextEdit="1"/>
-              </p:cNvSpPr>
-              <p:nvPr>
-                <p:ph idx="1"/>
-              </p:nvPr>
-            </p:nvSpPr>
-            <p:spPr>
-              <a:blipFill>
-                <a:blip r:embed="rId2"/>
-                <a:stretch>
-                  <a:fillRect l="-965" t="-2632"/>
-                </a:stretch>
-              </a:blipFill>
-            </p:spPr>
-            <p:txBody>
-              <a:bodyPr/>
-              <a:lstStyle/>
-              <a:p>
-                <a:r>
-                  <a:rPr lang="ja-JP" altLang="en-US">
-                    <a:noFill/>
-                  </a:rPr>
-                  <a:t> </a:t>
-                </a:r>
-              </a:p>
-            </p:txBody>
-          </p:sp>
-        </mc:Fallback>
-      </mc:AlternateContent>
-    </p:spTree>
-    <p:extLst>
-      <p:ext uri="{BB962C8B-B14F-4D97-AF65-F5344CB8AC3E}">
-        <p14:creationId xmlns:p14="http://schemas.microsoft.com/office/powerpoint/2010/main" val="898711353"/>
-      </p:ext>
-    </p:extLst>
-  </p:cSld>
-  <p:clrMapOvr>
-    <a:masterClrMapping/>
-  </p:clrMapOvr>
-</p:sld>
-</file>
-
-<file path=ppt/slides/slide11.xml><?xml version="1.0" encoding="utf-8"?>
-<p:sld xmlns:a="http://schemas.openxmlformats.org/drawingml/2006/main" xmlns:r="http://schemas.openxmlformats.org/officeDocument/2006/relationships" xmlns:p="http://schemas.openxmlformats.org/presentationml/2006/main">
-  <p:cSld>
-    <p:spTree>
-      <p:nvGrpSpPr>
-        <p:cNvPr id="1" name=""/>
-        <p:cNvGrpSpPr/>
-        <p:nvPr/>
-      </p:nvGrpSpPr>
-      <p:grpSpPr>
-        <a:xfrm>
-          <a:off x="0" y="0"/>
-          <a:ext cx="0" cy="0"/>
-          <a:chOff x="0" y="0"/>
-          <a:chExt cx="0" cy="0"/>
-        </a:xfrm>
-      </p:grpSpPr>
-      <p:sp>
-        <p:nvSpPr>
-          <p:cNvPr id="2" name="タイトル 1">
-            <a:extLst>
-              <a:ext uri="{FF2B5EF4-FFF2-40B4-BE49-F238E27FC236}">
-                <a16:creationId xmlns:a16="http://schemas.microsoft.com/office/drawing/2014/main" id="{0AA80DD3-7B55-5E4C-BC50-93BA664AAE9D}"/>
-              </a:ext>
-            </a:extLst>
-          </p:cNvPr>
-          <p:cNvSpPr>
-            <a:spLocks noGrp="1"/>
-          </p:cNvSpPr>
-          <p:nvPr>
-            <p:ph type="title"/>
-          </p:nvPr>
-        </p:nvSpPr>
-        <p:spPr/>
-        <p:txBody>
-          <a:bodyPr/>
-          <a:lstStyle/>
-          <a:p>
-            <a:r>
-              <a:rPr kumimoji="1" lang="ja-JP" altLang="en-US"/>
-              <a:t>群の定義</a:t>
-            </a:r>
-          </a:p>
-        </p:txBody>
-      </p:sp>
-      <mc:AlternateContent xmlns:mc="http://schemas.openxmlformats.org/markup-compatibility/2006">
-        <mc:Choice xmlns:a14="http://schemas.microsoft.com/office/drawing/2010/main" Requires="a14">
-          <p:sp>
-            <p:nvSpPr>
-              <p:cNvPr id="3" name="コンテンツ プレースホルダー 2">
-                <a:extLst>
-                  <a:ext uri="{FF2B5EF4-FFF2-40B4-BE49-F238E27FC236}">
-                    <a16:creationId xmlns:a16="http://schemas.microsoft.com/office/drawing/2014/main" id="{3DC394E8-B340-1042-958B-08B9A42809D5}"/>
-                  </a:ext>
-                </a:extLst>
-              </p:cNvPr>
-              <p:cNvSpPr>
-                <a:spLocks noGrp="1"/>
-              </p:cNvSpPr>
-              <p:nvPr>
-                <p:ph idx="1"/>
-              </p:nvPr>
-            </p:nvSpPr>
-            <p:spPr>
-              <a:xfrm>
-                <a:off x="838200" y="1342663"/>
-                <a:ext cx="10515600" cy="5031069"/>
-              </a:xfrm>
-            </p:spPr>
-            <p:txBody>
-              <a:bodyPr>
-                <a:normAutofit/>
-              </a:bodyPr>
-              <a:lstStyle/>
-              <a:p>
-                <a:pPr lvl="0">
-                  <a:buAutoNum type="arabicPeriod"/>
-                </a:pPr>
-                <a:r>
-                  <a:rPr lang="ja-JP" altLang="en-US"/>
-                  <a:t>閉包</a:t>
-                </a:r>
-                <a:r>
-                  <a:rPr lang="en-US" altLang="ja-JP" dirty="0"/>
-                  <a:t> </a:t>
-                </a:r>
-                <a:r>
-                  <a:rPr lang="en-US" altLang="ja-JP" sz="2000" i="1" dirty="0">
-                    <a:solidFill>
-                      <a:schemeClr val="tx1">
-                        <a:lumMod val="50000"/>
-                        <a:lumOff val="50000"/>
-                      </a:schemeClr>
-                    </a:solidFill>
-                    <a:latin typeface="Times New Roman" panose="02020603050405020304" pitchFamily="18" charset="0"/>
-                    <a:cs typeface="Times New Roman" panose="02020603050405020304" pitchFamily="18" charset="0"/>
-                  </a:rPr>
-                  <a:t>closure</a:t>
-                </a:r>
-                <a:br>
-                  <a:rPr lang="ja-JP" altLang="en-US"/>
-                </a:br>
-                <a:r>
-                  <a:rPr lang="ja-JP" altLang="en-US"/>
-                  <a:t>　</a:t>
-                </a:r>
-                <a14:m>
-                  <m:oMath xmlns:m="http://schemas.openxmlformats.org/officeDocument/2006/math">
-                    <m:r>
-                      <a:rPr lang="ja-JP" altLang="en-US" i="1">
-                        <a:latin typeface="Cambria Math" panose="02040503050406030204" pitchFamily="18" charset="0"/>
-                      </a:rPr>
-                      <m:t>∀</m:t>
-                    </m:r>
-                    <m:r>
-                      <a:rPr lang="en-US" altLang="ja-JP" i="1">
-                        <a:latin typeface="Cambria Math" panose="02040503050406030204" pitchFamily="18" charset="0"/>
-                      </a:rPr>
-                      <m:t>𝑎</m:t>
-                    </m:r>
-                    <m:r>
-                      <a:rPr lang="en-US" altLang="ja-JP" i="1">
-                        <a:latin typeface="Cambria Math" panose="02040503050406030204" pitchFamily="18" charset="0"/>
-                      </a:rPr>
-                      <m:t>,</m:t>
-                    </m:r>
-                    <m:r>
-                      <a:rPr lang="en-US" altLang="ja-JP" i="1">
-                        <a:latin typeface="Cambria Math" panose="02040503050406030204" pitchFamily="18" charset="0"/>
-                      </a:rPr>
-                      <m:t>𝑏</m:t>
-                    </m:r>
-                    <m:r>
-                      <a:rPr lang="en-US" altLang="ja-JP" i="1">
-                        <a:latin typeface="Cambria Math" panose="02040503050406030204" pitchFamily="18" charset="0"/>
-                        <a:ea typeface="Cambria Math" panose="02040503050406030204" pitchFamily="18" charset="0"/>
-                      </a:rPr>
-                      <m:t>∈</m:t>
-                    </m:r>
-                    <m:r>
-                      <a:rPr lang="en-US" altLang="ja-JP" i="1">
-                        <a:latin typeface="Cambria Math" panose="02040503050406030204" pitchFamily="18" charset="0"/>
-                        <a:ea typeface="Cambria Math" panose="02040503050406030204" pitchFamily="18" charset="0"/>
-                      </a:rPr>
-                      <m:t>𝐺</m:t>
-                    </m:r>
-                    <m:r>
-                      <a:rPr lang="en-US" altLang="ja-JP" i="1">
-                        <a:latin typeface="Cambria Math" panose="02040503050406030204" pitchFamily="18" charset="0"/>
-                        <a:ea typeface="Cambria Math" panose="02040503050406030204" pitchFamily="18" charset="0"/>
-                      </a:rPr>
-                      <m:t>, </m:t>
-                    </m:r>
-                    <m:r>
-                      <a:rPr lang="en-US" altLang="ja-JP" i="1">
-                        <a:latin typeface="Cambria Math" panose="02040503050406030204" pitchFamily="18" charset="0"/>
-                        <a:ea typeface="Cambria Math" panose="02040503050406030204" pitchFamily="18" charset="0"/>
-                      </a:rPr>
-                      <m:t>𝑎𝑏</m:t>
-                    </m:r>
-                    <m:r>
-                      <a:rPr lang="en-US" altLang="ja-JP" i="1">
-                        <a:latin typeface="Cambria Math" panose="02040503050406030204" pitchFamily="18" charset="0"/>
-                        <a:ea typeface="Cambria Math" panose="02040503050406030204" pitchFamily="18" charset="0"/>
-                      </a:rPr>
-                      <m:t>∈</m:t>
-                    </m:r>
-                    <m:r>
-                      <a:rPr lang="en-US" altLang="ja-JP" i="1">
-                        <a:latin typeface="Cambria Math" panose="02040503050406030204" pitchFamily="18" charset="0"/>
-                        <a:ea typeface="Cambria Math" panose="02040503050406030204" pitchFamily="18" charset="0"/>
-                      </a:rPr>
-                      <m:t>𝐺</m:t>
-                    </m:r>
-                  </m:oMath>
-                </a14:m>
-                <a:br>
-                  <a:rPr lang="en-US" altLang="ja-JP" dirty="0"/>
-                </a:br>
-                <a:endParaRPr lang="ja-JP" altLang="en-US" dirty="0"/>
-              </a:p>
-              <a:p>
-                <a:pPr>
-                  <a:buFont typeface="Arial"/>
-                  <a:buAutoNum type="arabicPeriod"/>
-                </a:pPr>
-                <a:r>
-                  <a:rPr lang="ja-JP" altLang="en-US"/>
-                  <a:t>結合法則</a:t>
-                </a:r>
-                <a:r>
-                  <a:rPr lang="en-US" altLang="ja-JP" dirty="0"/>
-                  <a:t> </a:t>
-                </a:r>
-                <a:r>
-                  <a:rPr lang="en-US" altLang="ja-JP" sz="2000" i="1" dirty="0">
-                    <a:solidFill>
-                      <a:schemeClr val="tx1">
-                        <a:lumMod val="50000"/>
-                        <a:lumOff val="50000"/>
-                      </a:schemeClr>
-                    </a:solidFill>
-                    <a:latin typeface="Times New Roman" panose="02020603050405020304" pitchFamily="18" charset="0"/>
-                    <a:cs typeface="Times New Roman" panose="02020603050405020304" pitchFamily="18" charset="0"/>
-                  </a:rPr>
-                  <a:t>associativity</a:t>
-                </a:r>
-                <a:br>
-                  <a:rPr lang="ja-JP" altLang="en-US" dirty="0"/>
-                </a:br>
-                <a:r>
-                  <a:rPr lang="ja-JP" altLang="en-US" dirty="0"/>
-                  <a:t>　</a:t>
-                </a:r>
-                <a14:m>
-                  <m:oMath xmlns:m="http://schemas.openxmlformats.org/officeDocument/2006/math">
-                    <m:r>
-                      <a:rPr lang="ja-JP" altLang="en-US" i="1">
-                        <a:latin typeface="Cambria Math" panose="02040503050406030204" pitchFamily="18" charset="0"/>
-                      </a:rPr>
-                      <m:t>∀</m:t>
-                    </m:r>
-                    <m:r>
-                      <a:rPr lang="en-US" altLang="ja-JP" i="1">
-                        <a:latin typeface="Cambria Math" panose="02040503050406030204" pitchFamily="18" charset="0"/>
-                      </a:rPr>
-                      <m:t>𝑎</m:t>
-                    </m:r>
-                    <m:r>
-                      <a:rPr lang="en-US" altLang="ja-JP" i="1">
-                        <a:latin typeface="Cambria Math" panose="02040503050406030204" pitchFamily="18" charset="0"/>
-                      </a:rPr>
-                      <m:t>,</m:t>
-                    </m:r>
-                    <m:r>
-                      <a:rPr lang="ja-JP" altLang="en-US" i="1">
-                        <a:latin typeface="Cambria Math" panose="02040503050406030204" pitchFamily="18" charset="0"/>
-                      </a:rPr>
-                      <m:t>∀</m:t>
-                    </m:r>
-                    <m:r>
-                      <a:rPr lang="en-US" altLang="ja-JP" i="1">
-                        <a:latin typeface="Cambria Math" panose="02040503050406030204" pitchFamily="18" charset="0"/>
-                      </a:rPr>
-                      <m:t>𝑏</m:t>
-                    </m:r>
-                    <m:r>
-                      <a:rPr lang="en-US" altLang="ja-JP" i="1">
-                        <a:latin typeface="Cambria Math" panose="02040503050406030204" pitchFamily="18" charset="0"/>
-                      </a:rPr>
-                      <m:t>,</m:t>
-                    </m:r>
-                    <m:r>
-                      <a:rPr lang="ja-JP" altLang="en-US" i="1">
-                        <a:latin typeface="Cambria Math" panose="02040503050406030204" pitchFamily="18" charset="0"/>
-                      </a:rPr>
-                      <m:t>∀</m:t>
-                    </m:r>
-                    <m:r>
-                      <a:rPr lang="en-US" altLang="ja-JP" i="1">
-                        <a:latin typeface="Cambria Math" panose="02040503050406030204" pitchFamily="18" charset="0"/>
-                      </a:rPr>
-                      <m:t>𝑐</m:t>
-                    </m:r>
-                    <m:r>
-                      <a:rPr lang="en-US" altLang="ja-JP" i="1">
-                        <a:latin typeface="Cambria Math" panose="02040503050406030204" pitchFamily="18" charset="0"/>
-                        <a:ea typeface="Cambria Math" panose="02040503050406030204" pitchFamily="18" charset="0"/>
-                      </a:rPr>
-                      <m:t>∈</m:t>
-                    </m:r>
-                    <m:r>
-                      <a:rPr lang="en-US" altLang="ja-JP" i="1">
-                        <a:latin typeface="Cambria Math" panose="02040503050406030204" pitchFamily="18" charset="0"/>
-                        <a:ea typeface="Cambria Math" panose="02040503050406030204" pitchFamily="18" charset="0"/>
-                      </a:rPr>
-                      <m:t>𝐺</m:t>
-                    </m:r>
-                    <m:r>
-                      <a:rPr lang="en-US" altLang="ja-JP" i="1">
-                        <a:latin typeface="Cambria Math" panose="02040503050406030204" pitchFamily="18" charset="0"/>
-                        <a:ea typeface="Cambria Math" panose="02040503050406030204" pitchFamily="18" charset="0"/>
-                      </a:rPr>
-                      <m:t>, </m:t>
-                    </m:r>
-                    <m:r>
-                      <a:rPr lang="en-US" altLang="ja-JP" i="1">
-                        <a:latin typeface="Cambria Math" panose="02040503050406030204" pitchFamily="18" charset="0"/>
-                        <a:ea typeface="Cambria Math" panose="02040503050406030204" pitchFamily="18" charset="0"/>
-                      </a:rPr>
-                      <m:t>𝑎</m:t>
-                    </m:r>
-                    <m:r>
-                      <a:rPr lang="en-US" altLang="ja-JP" i="1">
-                        <a:latin typeface="Cambria Math" panose="02040503050406030204" pitchFamily="18" charset="0"/>
-                        <a:ea typeface="Cambria Math" panose="02040503050406030204" pitchFamily="18" charset="0"/>
-                      </a:rPr>
-                      <m:t>∙</m:t>
-                    </m:r>
-                    <m:d>
-                      <m:dPr>
-                        <m:ctrlPr>
-                          <a:rPr lang="en-US" altLang="ja-JP" i="1">
-                            <a:latin typeface="Cambria Math" panose="02040503050406030204" pitchFamily="18" charset="0"/>
-                            <a:ea typeface="Cambria Math" panose="02040503050406030204" pitchFamily="18" charset="0"/>
-                          </a:rPr>
-                        </m:ctrlPr>
-                      </m:dPr>
-                      <m:e>
-                        <m:r>
-                          <a:rPr lang="en-US" altLang="ja-JP" i="1">
-                            <a:latin typeface="Cambria Math" panose="02040503050406030204" pitchFamily="18" charset="0"/>
-                            <a:ea typeface="Cambria Math" panose="02040503050406030204" pitchFamily="18" charset="0"/>
-                          </a:rPr>
-                          <m:t>𝑏</m:t>
-                        </m:r>
-                        <m:r>
-                          <a:rPr lang="en-US" altLang="ja-JP" i="1">
-                            <a:latin typeface="Cambria Math" panose="02040503050406030204" pitchFamily="18" charset="0"/>
-                            <a:ea typeface="Cambria Math" panose="02040503050406030204" pitchFamily="18" charset="0"/>
-                          </a:rPr>
-                          <m:t>∙</m:t>
-                        </m:r>
-                        <m:r>
-                          <a:rPr lang="en-US" altLang="ja-JP" i="1">
-                            <a:latin typeface="Cambria Math" panose="02040503050406030204" pitchFamily="18" charset="0"/>
-                            <a:ea typeface="Cambria Math" panose="02040503050406030204" pitchFamily="18" charset="0"/>
-                          </a:rPr>
-                          <m:t>𝑐</m:t>
-                        </m:r>
-                      </m:e>
-                    </m:d>
-                    <m:r>
-                      <a:rPr lang="en-US" altLang="ja-JP" i="1">
-                        <a:latin typeface="Cambria Math" panose="02040503050406030204" pitchFamily="18" charset="0"/>
-                        <a:ea typeface="Cambria Math" panose="02040503050406030204" pitchFamily="18" charset="0"/>
-                      </a:rPr>
-                      <m:t>=</m:t>
-                    </m:r>
-                    <m:d>
-                      <m:dPr>
-                        <m:ctrlPr>
-                          <a:rPr lang="en-US" altLang="ja-JP" i="1">
-                            <a:latin typeface="Cambria Math" panose="02040503050406030204" pitchFamily="18" charset="0"/>
-                            <a:ea typeface="Cambria Math" panose="02040503050406030204" pitchFamily="18" charset="0"/>
-                          </a:rPr>
-                        </m:ctrlPr>
-                      </m:dPr>
-                      <m:e>
-                        <m:r>
-                          <a:rPr lang="en-US" altLang="ja-JP" i="1">
-                            <a:latin typeface="Cambria Math" panose="02040503050406030204" pitchFamily="18" charset="0"/>
-                            <a:ea typeface="Cambria Math" panose="02040503050406030204" pitchFamily="18" charset="0"/>
-                          </a:rPr>
-                          <m:t>𝑎</m:t>
-                        </m:r>
-                        <m:r>
-                          <a:rPr lang="en-US" altLang="ja-JP" i="1">
-                            <a:latin typeface="Cambria Math" panose="02040503050406030204" pitchFamily="18" charset="0"/>
-                            <a:ea typeface="Cambria Math" panose="02040503050406030204" pitchFamily="18" charset="0"/>
-                          </a:rPr>
-                          <m:t>∙</m:t>
-                        </m:r>
-                        <m:r>
-                          <a:rPr lang="en-US" altLang="ja-JP" i="1">
-                            <a:latin typeface="Cambria Math" panose="02040503050406030204" pitchFamily="18" charset="0"/>
-                            <a:ea typeface="Cambria Math" panose="02040503050406030204" pitchFamily="18" charset="0"/>
-                          </a:rPr>
-                          <m:t>𝑏</m:t>
-                        </m:r>
-                      </m:e>
-                    </m:d>
-                    <m:r>
-                      <a:rPr lang="en-US" altLang="ja-JP" i="1">
-                        <a:latin typeface="Cambria Math" panose="02040503050406030204" pitchFamily="18" charset="0"/>
-                        <a:ea typeface="Cambria Math" panose="02040503050406030204" pitchFamily="18" charset="0"/>
-                      </a:rPr>
-                      <m:t>∙</m:t>
-                    </m:r>
-                    <m:r>
-                      <a:rPr lang="en-US" altLang="ja-JP" i="1">
-                        <a:latin typeface="Cambria Math" panose="02040503050406030204" pitchFamily="18" charset="0"/>
-                        <a:ea typeface="Cambria Math" panose="02040503050406030204" pitchFamily="18" charset="0"/>
-                      </a:rPr>
-                      <m:t>𝑐</m:t>
-                    </m:r>
-                  </m:oMath>
-                </a14:m>
-                <a:br>
-                  <a:rPr lang="en-US" altLang="ja-JP" dirty="0">
-                    <a:ea typeface="Cambria Math" panose="02040503050406030204" pitchFamily="18" charset="0"/>
-                  </a:rPr>
-                </a:br>
-                <a:endParaRPr lang="en-US" altLang="ja-JP" dirty="0">
-                  <a:ea typeface="Cambria Math" panose="02040503050406030204" pitchFamily="18" charset="0"/>
-                </a:endParaRPr>
-              </a:p>
-              <a:p>
-                <a:pPr>
-                  <a:buFont typeface="Arial"/>
-                  <a:buAutoNum type="arabicPeriod"/>
-                </a:pPr>
-                <a:r>
-                  <a:rPr lang="ja-JP" altLang="en-US" dirty="0"/>
-                  <a:t>単位元</a:t>
-                </a:r>
-                <a:r>
-                  <a:rPr lang="ja-JP" altLang="en-US"/>
-                  <a:t>の存在</a:t>
-                </a:r>
-                <a:r>
-                  <a:rPr lang="en-US" altLang="ja-JP" dirty="0"/>
-                  <a:t> </a:t>
-                </a:r>
-                <a:r>
-                  <a:rPr lang="en-US" altLang="ja-JP" sz="2000" i="1" dirty="0">
-                    <a:solidFill>
-                      <a:schemeClr val="tx1">
-                        <a:lumMod val="50000"/>
-                        <a:lumOff val="50000"/>
-                      </a:schemeClr>
-                    </a:solidFill>
-                    <a:latin typeface="Times New Roman" panose="02020603050405020304" pitchFamily="18" charset="0"/>
-                    <a:cs typeface="Times New Roman" panose="02020603050405020304" pitchFamily="18" charset="0"/>
-                  </a:rPr>
-                  <a:t>identity element</a:t>
-                </a:r>
-                <a:br>
-                  <a:rPr lang="en-US" altLang="ja-JP" dirty="0"/>
-                </a:br>
-                <a:r>
-                  <a:rPr lang="ja-JP" altLang="en-US" dirty="0"/>
-                  <a:t>　</a:t>
-                </a:r>
-                <a14:m>
-                  <m:oMath xmlns:m="http://schemas.openxmlformats.org/officeDocument/2006/math">
-                    <m:r>
-                      <a:rPr lang="en-US" altLang="ja-JP" i="1">
-                        <a:latin typeface="Cambria Math" panose="02040503050406030204" pitchFamily="18" charset="0"/>
-                        <a:ea typeface="Cambria Math" panose="02040503050406030204" pitchFamily="18" charset="0"/>
-                      </a:rPr>
-                      <m:t>∃</m:t>
-                    </m:r>
-                    <m:r>
-                      <a:rPr lang="en-US" altLang="ja-JP" i="1">
-                        <a:latin typeface="Cambria Math" panose="02040503050406030204" pitchFamily="18" charset="0"/>
-                        <a:ea typeface="Cambria Math" panose="02040503050406030204" pitchFamily="18" charset="0"/>
-                      </a:rPr>
-                      <m:t>𝑒</m:t>
-                    </m:r>
-                    <m:r>
-                      <a:rPr lang="en-US" altLang="ja-JP" i="1">
-                        <a:latin typeface="Cambria Math" panose="02040503050406030204" pitchFamily="18" charset="0"/>
-                        <a:ea typeface="Cambria Math" panose="02040503050406030204" pitchFamily="18" charset="0"/>
-                      </a:rPr>
-                      <m:t>∈</m:t>
-                    </m:r>
-                    <m:r>
-                      <a:rPr lang="en-US" altLang="ja-JP" i="1">
-                        <a:latin typeface="Cambria Math" panose="02040503050406030204" pitchFamily="18" charset="0"/>
-                        <a:ea typeface="Cambria Math" panose="02040503050406030204" pitchFamily="18" charset="0"/>
-                      </a:rPr>
-                      <m:t>𝐺</m:t>
-                    </m:r>
-                    <m:r>
-                      <a:rPr lang="en-US" altLang="ja-JP" i="1">
-                        <a:latin typeface="Cambria Math" panose="02040503050406030204" pitchFamily="18" charset="0"/>
-                        <a:ea typeface="Cambria Math" panose="02040503050406030204" pitchFamily="18" charset="0"/>
-                      </a:rPr>
-                      <m:t>, </m:t>
-                    </m:r>
-                    <m:r>
-                      <a:rPr lang="ja-JP" altLang="en-US" i="1">
-                        <a:latin typeface="Cambria Math" panose="02040503050406030204" pitchFamily="18" charset="0"/>
-                      </a:rPr>
-                      <m:t>∀</m:t>
-                    </m:r>
-                    <m:r>
-                      <a:rPr lang="en-US" altLang="ja-JP" i="1">
-                        <a:latin typeface="Cambria Math" panose="02040503050406030204" pitchFamily="18" charset="0"/>
-                        <a:ea typeface="Cambria Math" panose="02040503050406030204" pitchFamily="18" charset="0"/>
-                      </a:rPr>
-                      <m:t>𝑎</m:t>
-                    </m:r>
-                    <m:r>
-                      <a:rPr lang="en-US" altLang="ja-JP" i="1">
-                        <a:latin typeface="Cambria Math" panose="02040503050406030204" pitchFamily="18" charset="0"/>
-                        <a:ea typeface="Cambria Math" panose="02040503050406030204" pitchFamily="18" charset="0"/>
-                      </a:rPr>
-                      <m:t>∈</m:t>
-                    </m:r>
-                    <m:r>
-                      <a:rPr lang="en-US" altLang="ja-JP" i="1">
-                        <a:latin typeface="Cambria Math" panose="02040503050406030204" pitchFamily="18" charset="0"/>
-                        <a:ea typeface="Cambria Math" panose="02040503050406030204" pitchFamily="18" charset="0"/>
-                      </a:rPr>
-                      <m:t>𝐺</m:t>
-                    </m:r>
-                    <m:r>
-                      <a:rPr lang="en-US" altLang="ja-JP" i="1">
-                        <a:latin typeface="Cambria Math" panose="02040503050406030204" pitchFamily="18" charset="0"/>
-                        <a:ea typeface="Cambria Math" panose="02040503050406030204" pitchFamily="18" charset="0"/>
-                      </a:rPr>
-                      <m:t>, </m:t>
-                    </m:r>
-                    <m:r>
-                      <a:rPr lang="en-US" altLang="ja-JP" i="1">
-                        <a:latin typeface="Cambria Math" panose="02040503050406030204" pitchFamily="18" charset="0"/>
-                        <a:ea typeface="Cambria Math" panose="02040503050406030204" pitchFamily="18" charset="0"/>
-                      </a:rPr>
-                      <m:t>𝑎</m:t>
-                    </m:r>
-                    <m:r>
-                      <a:rPr lang="en-US" altLang="ja-JP" i="1">
-                        <a:latin typeface="Cambria Math" panose="02040503050406030204" pitchFamily="18" charset="0"/>
-                        <a:ea typeface="Cambria Math" panose="02040503050406030204" pitchFamily="18" charset="0"/>
-                      </a:rPr>
-                      <m:t>∙</m:t>
-                    </m:r>
-                    <m:r>
-                      <a:rPr lang="en-US" altLang="ja-JP" i="1">
-                        <a:latin typeface="Cambria Math" panose="02040503050406030204" pitchFamily="18" charset="0"/>
-                        <a:ea typeface="Cambria Math" panose="02040503050406030204" pitchFamily="18" charset="0"/>
-                      </a:rPr>
-                      <m:t>𝑒</m:t>
-                    </m:r>
-                    <m:r>
-                      <a:rPr lang="en-US" altLang="ja-JP" i="1">
-                        <a:latin typeface="Cambria Math" panose="02040503050406030204" pitchFamily="18" charset="0"/>
-                        <a:ea typeface="Cambria Math" panose="02040503050406030204" pitchFamily="18" charset="0"/>
-                      </a:rPr>
-                      <m:t>=</m:t>
-                    </m:r>
-                    <m:r>
-                      <a:rPr lang="en-US" altLang="ja-JP" i="1">
-                        <a:latin typeface="Cambria Math" panose="02040503050406030204" pitchFamily="18" charset="0"/>
-                        <a:ea typeface="Cambria Math" panose="02040503050406030204" pitchFamily="18" charset="0"/>
-                      </a:rPr>
-                      <m:t>𝑒</m:t>
-                    </m:r>
-                    <m:r>
-                      <a:rPr lang="en-US" altLang="ja-JP" i="1">
-                        <a:latin typeface="Cambria Math" panose="02040503050406030204" pitchFamily="18" charset="0"/>
-                        <a:ea typeface="Cambria Math" panose="02040503050406030204" pitchFamily="18" charset="0"/>
-                      </a:rPr>
-                      <m:t>∙</m:t>
-                    </m:r>
-                    <m:r>
-                      <a:rPr lang="en-US" altLang="ja-JP" i="1">
-                        <a:latin typeface="Cambria Math" panose="02040503050406030204" pitchFamily="18" charset="0"/>
-                        <a:ea typeface="Cambria Math" panose="02040503050406030204" pitchFamily="18" charset="0"/>
-                      </a:rPr>
-                      <m:t>𝑎</m:t>
-                    </m:r>
-                    <m:r>
-                      <a:rPr lang="en-US" altLang="ja-JP" i="1">
-                        <a:latin typeface="Cambria Math" panose="02040503050406030204" pitchFamily="18" charset="0"/>
-                        <a:ea typeface="Cambria Math" panose="02040503050406030204" pitchFamily="18" charset="0"/>
-                      </a:rPr>
-                      <m:t>=</m:t>
-                    </m:r>
-                    <m:r>
-                      <a:rPr lang="en-US" altLang="ja-JP" i="1">
-                        <a:latin typeface="Cambria Math" panose="02040503050406030204" pitchFamily="18" charset="0"/>
-                        <a:ea typeface="Cambria Math" panose="02040503050406030204" pitchFamily="18" charset="0"/>
-                      </a:rPr>
-                      <m:t>𝑎</m:t>
-                    </m:r>
-                  </m:oMath>
-                </a14:m>
-                <a:br>
-                  <a:rPr lang="ja-JP" altLang="en-US"/>
-                </a:br>
-                <a:endParaRPr lang="fr-CA" altLang="ja-JP" dirty="0"/>
-              </a:p>
-              <a:p>
-                <a:pPr>
-                  <a:spcBef>
-                    <a:spcPts val="0"/>
-                  </a:spcBef>
-                  <a:buFont typeface="Arial"/>
-                  <a:buAutoNum type="arabicPeriod"/>
-                </a:pPr>
-                <a:r>
-                  <a:rPr lang="ja-JP" altLang="en-US" dirty="0"/>
-                  <a:t>逆元</a:t>
-                </a:r>
-                <a:r>
-                  <a:rPr lang="ja-JP" altLang="en-US"/>
-                  <a:t>の存在</a:t>
-                </a:r>
-                <a:r>
-                  <a:rPr lang="en-US" altLang="ja-JP" dirty="0"/>
-                  <a:t> </a:t>
-                </a:r>
-                <a:r>
-                  <a:rPr lang="en-US" altLang="ja-JP" sz="2000" i="1" dirty="0">
-                    <a:solidFill>
-                      <a:schemeClr val="tx1">
-                        <a:lumMod val="50000"/>
-                        <a:lumOff val="50000"/>
-                      </a:schemeClr>
-                    </a:solidFill>
-                    <a:latin typeface="Times New Roman" panose="02020603050405020304" pitchFamily="18" charset="0"/>
-                    <a:cs typeface="Times New Roman" panose="02020603050405020304" pitchFamily="18" charset="0"/>
-                  </a:rPr>
-                  <a:t>inverse element</a:t>
-                </a:r>
-                <a:br>
-                  <a:rPr lang="en-US" altLang="ja-JP" dirty="0"/>
-                </a:br>
-                <a:r>
-                  <a:rPr lang="ja-JP" altLang="en-US" dirty="0"/>
-                  <a:t>　</a:t>
-                </a:r>
-                <a14:m>
-                  <m:oMath xmlns:m="http://schemas.openxmlformats.org/officeDocument/2006/math">
-                    <m:r>
-                      <a:rPr lang="ja-JP" altLang="en-US" i="1">
-                        <a:latin typeface="Cambria Math" panose="02040503050406030204" pitchFamily="18" charset="0"/>
-                      </a:rPr>
-                      <m:t>∀</m:t>
-                    </m:r>
-                    <m:r>
-                      <a:rPr lang="en-US" altLang="ja-JP" i="1">
-                        <a:latin typeface="Cambria Math" panose="02040503050406030204" pitchFamily="18" charset="0"/>
-                      </a:rPr>
-                      <m:t>𝑎</m:t>
-                    </m:r>
-                    <m:r>
-                      <a:rPr lang="en-US" altLang="ja-JP" i="1">
-                        <a:latin typeface="Cambria Math" panose="02040503050406030204" pitchFamily="18" charset="0"/>
-                        <a:ea typeface="Cambria Math" panose="02040503050406030204" pitchFamily="18" charset="0"/>
-                      </a:rPr>
-                      <m:t>∈</m:t>
-                    </m:r>
-                    <m:r>
-                      <a:rPr lang="en-US" altLang="ja-JP" i="1">
-                        <a:latin typeface="Cambria Math" panose="02040503050406030204" pitchFamily="18" charset="0"/>
-                        <a:ea typeface="Cambria Math" panose="02040503050406030204" pitchFamily="18" charset="0"/>
-                      </a:rPr>
-                      <m:t>𝐺</m:t>
-                    </m:r>
-                    <m:r>
-                      <a:rPr lang="en-US" altLang="ja-JP" i="1">
-                        <a:latin typeface="Cambria Math" panose="02040503050406030204" pitchFamily="18" charset="0"/>
-                        <a:ea typeface="Cambria Math" panose="02040503050406030204" pitchFamily="18" charset="0"/>
-                      </a:rPr>
-                      <m:t>,∃</m:t>
-                    </m:r>
-                    <m:sSup>
-                      <m:sSupPr>
-                        <m:ctrlPr>
-                          <a:rPr lang="en-US" altLang="ja-JP" i="1">
-                            <a:latin typeface="Cambria Math" panose="02040503050406030204" pitchFamily="18" charset="0"/>
-                            <a:ea typeface="Cambria Math" panose="02040503050406030204" pitchFamily="18" charset="0"/>
-                          </a:rPr>
-                        </m:ctrlPr>
-                      </m:sSupPr>
-                      <m:e>
-                        <m:r>
-                          <a:rPr lang="en-US" altLang="ja-JP" i="1">
-                            <a:latin typeface="Cambria Math" panose="02040503050406030204" pitchFamily="18" charset="0"/>
-                            <a:ea typeface="Cambria Math" panose="02040503050406030204" pitchFamily="18" charset="0"/>
-                          </a:rPr>
-                          <m:t>𝑎</m:t>
-                        </m:r>
-                      </m:e>
-                      <m:sup>
-                        <m:r>
-                          <a:rPr lang="en-US" altLang="ja-JP" i="1">
-                            <a:latin typeface="Cambria Math" panose="02040503050406030204" pitchFamily="18" charset="0"/>
-                            <a:ea typeface="Cambria Math" panose="02040503050406030204" pitchFamily="18" charset="0"/>
-                          </a:rPr>
-                          <m:t>−1</m:t>
-                        </m:r>
-                      </m:sup>
-                    </m:sSup>
-                    <m:r>
-                      <a:rPr lang="en-US" altLang="ja-JP" i="1">
-                        <a:latin typeface="Cambria Math" panose="02040503050406030204" pitchFamily="18" charset="0"/>
-                        <a:ea typeface="Cambria Math" panose="02040503050406030204" pitchFamily="18" charset="0"/>
-                      </a:rPr>
-                      <m:t>∈</m:t>
-                    </m:r>
-                    <m:r>
-                      <a:rPr lang="en-US" altLang="ja-JP" i="1">
-                        <a:latin typeface="Cambria Math" panose="02040503050406030204" pitchFamily="18" charset="0"/>
-                        <a:ea typeface="Cambria Math" panose="02040503050406030204" pitchFamily="18" charset="0"/>
-                      </a:rPr>
-                      <m:t>𝐺</m:t>
-                    </m:r>
-                    <m:r>
-                      <a:rPr lang="en-US" altLang="ja-JP" i="1">
-                        <a:latin typeface="Cambria Math" panose="02040503050406030204" pitchFamily="18" charset="0"/>
-                        <a:ea typeface="Cambria Math" panose="02040503050406030204" pitchFamily="18" charset="0"/>
-                      </a:rPr>
-                      <m:t>,</m:t>
-                    </m:r>
-                    <m:r>
-                      <a:rPr lang="en-US" altLang="ja-JP" i="1">
-                        <a:latin typeface="Cambria Math" panose="02040503050406030204" pitchFamily="18" charset="0"/>
-                        <a:ea typeface="Cambria Math" panose="02040503050406030204" pitchFamily="18" charset="0"/>
-                      </a:rPr>
-                      <m:t>𝑎</m:t>
-                    </m:r>
-                    <m:r>
-                      <a:rPr lang="en-US" altLang="ja-JP" i="1">
-                        <a:latin typeface="Cambria Math" panose="02040503050406030204" pitchFamily="18" charset="0"/>
-                        <a:ea typeface="Cambria Math" panose="02040503050406030204" pitchFamily="18" charset="0"/>
-                      </a:rPr>
-                      <m:t>∙</m:t>
-                    </m:r>
-                    <m:sSup>
-                      <m:sSupPr>
-                        <m:ctrlPr>
-                          <a:rPr lang="en-US" altLang="ja-JP" i="1">
-                            <a:latin typeface="Cambria Math" panose="02040503050406030204" pitchFamily="18" charset="0"/>
-                            <a:ea typeface="Cambria Math" panose="02040503050406030204" pitchFamily="18" charset="0"/>
-                          </a:rPr>
-                        </m:ctrlPr>
-                      </m:sSupPr>
-                      <m:e>
-                        <m:r>
-                          <a:rPr lang="en-US" altLang="ja-JP" i="1">
-                            <a:latin typeface="Cambria Math" panose="02040503050406030204" pitchFamily="18" charset="0"/>
-                            <a:ea typeface="Cambria Math" panose="02040503050406030204" pitchFamily="18" charset="0"/>
-                          </a:rPr>
-                          <m:t>𝑎</m:t>
-                        </m:r>
-                      </m:e>
-                      <m:sup>
-                        <m:r>
-                          <a:rPr lang="en-US" altLang="ja-JP" i="1">
-                            <a:latin typeface="Cambria Math" panose="02040503050406030204" pitchFamily="18" charset="0"/>
-                            <a:ea typeface="Cambria Math" panose="02040503050406030204" pitchFamily="18" charset="0"/>
-                          </a:rPr>
-                          <m:t>−1</m:t>
-                        </m:r>
-                      </m:sup>
-                    </m:sSup>
-                    <m:r>
-                      <a:rPr lang="en-US" altLang="ja-JP" i="1">
-                        <a:latin typeface="Cambria Math" panose="02040503050406030204" pitchFamily="18" charset="0"/>
-                        <a:ea typeface="Cambria Math" panose="02040503050406030204" pitchFamily="18" charset="0"/>
-                      </a:rPr>
-                      <m:t>=</m:t>
-                    </m:r>
-                    <m:sSup>
-                      <m:sSupPr>
-                        <m:ctrlPr>
-                          <a:rPr lang="en-US" altLang="ja-JP" i="1">
-                            <a:latin typeface="Cambria Math" panose="02040503050406030204" pitchFamily="18" charset="0"/>
-                            <a:ea typeface="Cambria Math" panose="02040503050406030204" pitchFamily="18" charset="0"/>
-                          </a:rPr>
-                        </m:ctrlPr>
-                      </m:sSupPr>
-                      <m:e>
-                        <m:r>
-                          <a:rPr lang="en-US" altLang="ja-JP" i="1">
-                            <a:latin typeface="Cambria Math" panose="02040503050406030204" pitchFamily="18" charset="0"/>
-                            <a:ea typeface="Cambria Math" panose="02040503050406030204" pitchFamily="18" charset="0"/>
-                          </a:rPr>
-                          <m:t>𝑎</m:t>
-                        </m:r>
-                      </m:e>
-                      <m:sup>
-                        <m:r>
-                          <a:rPr lang="en-US" altLang="ja-JP" i="1">
-                            <a:latin typeface="Cambria Math" panose="02040503050406030204" pitchFamily="18" charset="0"/>
-                            <a:ea typeface="Cambria Math" panose="02040503050406030204" pitchFamily="18" charset="0"/>
-                          </a:rPr>
-                          <m:t>−1</m:t>
-                        </m:r>
-                      </m:sup>
-                    </m:sSup>
-                    <m:r>
-                      <a:rPr lang="en-US" altLang="ja-JP" i="1">
-                        <a:latin typeface="Cambria Math" panose="02040503050406030204" pitchFamily="18" charset="0"/>
-                        <a:ea typeface="Cambria Math" panose="02040503050406030204" pitchFamily="18" charset="0"/>
-                      </a:rPr>
-                      <m:t>∙</m:t>
-                    </m:r>
-                    <m:r>
-                      <a:rPr lang="en-US" altLang="ja-JP" i="1">
-                        <a:latin typeface="Cambria Math" panose="02040503050406030204" pitchFamily="18" charset="0"/>
-                        <a:ea typeface="Cambria Math" panose="02040503050406030204" pitchFamily="18" charset="0"/>
-                      </a:rPr>
-                      <m:t>𝑎</m:t>
-                    </m:r>
-                    <m:r>
-                      <a:rPr lang="en-US" altLang="ja-JP" i="1">
-                        <a:latin typeface="Cambria Math" panose="02040503050406030204" pitchFamily="18" charset="0"/>
-                        <a:ea typeface="Cambria Math" panose="02040503050406030204" pitchFamily="18" charset="0"/>
-                      </a:rPr>
-                      <m:t>=</m:t>
-                    </m:r>
-                    <m:r>
-                      <a:rPr lang="en-US" altLang="ja-JP" i="1">
-                        <a:latin typeface="Cambria Math" panose="02040503050406030204" pitchFamily="18" charset="0"/>
-                        <a:ea typeface="Cambria Math" panose="02040503050406030204" pitchFamily="18" charset="0"/>
-                      </a:rPr>
-                      <m:t>𝑒</m:t>
-                    </m:r>
-                  </m:oMath>
-                </a14:m>
-                <a:br>
-                  <a:rPr lang="en-US" altLang="ja-JP" dirty="0">
-                    <a:ea typeface="Cambria Math" panose="02040503050406030204" pitchFamily="18" charset="0"/>
-                  </a:rPr>
-                </a:br>
-                <a:endParaRPr lang="ja-JP" altLang="en-US"/>
-              </a:p>
-            </p:txBody>
-          </p:sp>
-        </mc:Choice>
-        <mc:Fallback>
-          <p:sp>
-            <p:nvSpPr>
-              <p:cNvPr id="3" name="コンテンツ プレースホルダー 2">
-                <a:extLst>
-                  <a:ext uri="{FF2B5EF4-FFF2-40B4-BE49-F238E27FC236}">
-                    <a16:creationId xmlns:a16="http://schemas.microsoft.com/office/drawing/2014/main" id="{3DC394E8-B340-1042-958B-08B9A42809D5}"/>
-                  </a:ext>
-                </a:extLst>
-              </p:cNvPr>
-              <p:cNvSpPr>
-                <a:spLocks noGrp="1" noRot="1" noChangeAspect="1" noMove="1" noResize="1" noEditPoints="1" noAdjustHandles="1" noChangeArrowheads="1" noChangeShapeType="1" noTextEdit="1"/>
-              </p:cNvSpPr>
-              <p:nvPr>
-                <p:ph idx="1"/>
-              </p:nvPr>
-            </p:nvSpPr>
-            <p:spPr>
-              <a:xfrm>
-                <a:off x="838200" y="1342663"/>
-                <a:ext cx="10515600" cy="5031069"/>
-              </a:xfrm>
-              <a:blipFill>
-                <a:blip r:embed="rId2"/>
-                <a:stretch>
-                  <a:fillRect l="-1206" t="-2519"/>
-                </a:stretch>
-              </a:blipFill>
-            </p:spPr>
-            <p:txBody>
-              <a:bodyPr/>
-              <a:lstStyle/>
-              <a:p>
-                <a:r>
-                  <a:rPr lang="ja-JP" altLang="en-US">
-                    <a:noFill/>
-                  </a:rPr>
-                  <a:t> </a:t>
-                </a:r>
-              </a:p>
-            </p:txBody>
-          </p:sp>
-        </mc:Fallback>
-      </mc:AlternateContent>
-    </p:spTree>
-    <p:extLst>
-      <p:ext uri="{BB962C8B-B14F-4D97-AF65-F5344CB8AC3E}">
-        <p14:creationId xmlns:p14="http://schemas.microsoft.com/office/powerpoint/2010/main" val="358005465"/>
-      </p:ext>
-    </p:extLst>
-  </p:cSld>
-  <p:clrMapOvr>
-    <a:masterClrMapping/>
-  </p:clrMapOvr>
-</p:sld>
-</file>
-
-<file path=ppt/slides/slide12.xml><?xml version="1.0" encoding="utf-8"?>
-<p:sld xmlns:a="http://schemas.openxmlformats.org/drawingml/2006/main" xmlns:r="http://schemas.openxmlformats.org/officeDocument/2006/relationships" xmlns:p="http://schemas.openxmlformats.org/presentationml/2006/main">
-  <p:cSld>
-    <p:spTree>
-      <p:nvGrpSpPr>
-        <p:cNvPr id="1" name=""/>
-        <p:cNvGrpSpPr/>
-        <p:nvPr/>
-      </p:nvGrpSpPr>
-      <p:grpSpPr>
-        <a:xfrm>
-          <a:off x="0" y="0"/>
-          <a:ext cx="0" cy="0"/>
-          <a:chOff x="0" y="0"/>
-          <a:chExt cx="0" cy="0"/>
-        </a:xfrm>
-      </p:grpSpPr>
-      <p:sp>
-        <p:nvSpPr>
-          <p:cNvPr id="2" name="タイトル 1">
-            <a:extLst>
-              <a:ext uri="{FF2B5EF4-FFF2-40B4-BE49-F238E27FC236}">
                 <a16:creationId xmlns:a16="http://schemas.microsoft.com/office/drawing/2014/main" id="{6DBA5FD9-9B4F-4D47-9C0F-FF8B36B50FF8}"/>
               </a:ext>
             </a:extLst>
@@ -5784,7 +4724,7 @@
 </p:sld>
 </file>
 
-<file path=ppt/slides/slide13.xml><?xml version="1.0" encoding="utf-8"?>
+<file path=ppt/slides/slide11.xml><?xml version="1.0" encoding="utf-8"?>
 <p:sld xmlns:a="http://schemas.openxmlformats.org/drawingml/2006/main" xmlns:r="http://schemas.openxmlformats.org/officeDocument/2006/relationships" xmlns:p="http://schemas.openxmlformats.org/presentationml/2006/main">
   <p:cSld>
     <p:spTree>
@@ -6500,7 +5440,7 @@
 </p:sld>
 </file>
 
-<file path=ppt/slides/slide14.xml><?xml version="1.0" encoding="utf-8"?>
+<file path=ppt/slides/slide12.xml><?xml version="1.0" encoding="utf-8"?>
 <p:sld xmlns:a="http://schemas.openxmlformats.org/drawingml/2006/main" xmlns:r="http://schemas.openxmlformats.org/officeDocument/2006/relationships" xmlns:p="http://schemas.openxmlformats.org/presentationml/2006/main">
   <p:cSld>
     <p:spTree>
@@ -7109,7 +6049,7 @@
 </p:sld>
 </file>
 
-<file path=ppt/slides/slide15.xml><?xml version="1.0" encoding="utf-8"?>
+<file path=ppt/slides/slide13.xml><?xml version="1.0" encoding="utf-8"?>
 <p:sld xmlns:a="http://schemas.openxmlformats.org/drawingml/2006/main" xmlns:r="http://schemas.openxmlformats.org/officeDocument/2006/relationships" xmlns:p="http://schemas.openxmlformats.org/presentationml/2006/main">
   <p:cSld>
     <p:spTree>
@@ -7823,7 +6763,7 @@
 </p:sld>
 </file>
 
-<file path=ppt/slides/slide16.xml><?xml version="1.0" encoding="utf-8"?>
+<file path=ppt/slides/slide14.xml><?xml version="1.0" encoding="utf-8"?>
 <p:sld xmlns:a="http://schemas.openxmlformats.org/drawingml/2006/main" xmlns:r="http://schemas.openxmlformats.org/officeDocument/2006/relationships" xmlns:p="http://schemas.openxmlformats.org/presentationml/2006/main">
   <p:cSld>
     <p:spTree>
@@ -7874,7 +6814,7 @@
                 </a:pPr>
                 <a:r>
                   <a:rPr lang="ja-JP" altLang="en-US"/>
-                  <a:t>群の例</a:t>
+                  <a:t>部分群の例</a:t>
                 </a:r>
                 <a:r>
                   <a:rPr lang="en-US" altLang="ja-JP" sz="2800" dirty="0"/>
@@ -8638,6 +7578,842 @@
     <p:extLst>
       <p:ext uri="{BB962C8B-B14F-4D97-AF65-F5344CB8AC3E}">
         <p14:creationId xmlns:p14="http://schemas.microsoft.com/office/powerpoint/2010/main" val="1085884508"/>
+      </p:ext>
+    </p:extLst>
+  </p:cSld>
+  <p:clrMapOvr>
+    <a:masterClrMapping/>
+  </p:clrMapOvr>
+</p:sld>
+</file>
+
+<file path=ppt/slides/slide15.xml><?xml version="1.0" encoding="utf-8"?>
+<p:sld xmlns:a="http://schemas.openxmlformats.org/drawingml/2006/main" xmlns:r="http://schemas.openxmlformats.org/officeDocument/2006/relationships" xmlns:p="http://schemas.openxmlformats.org/presentationml/2006/main">
+  <p:cSld>
+    <p:spTree>
+      <p:nvGrpSpPr>
+        <p:cNvPr id="1" name="Shape 381"/>
+        <p:cNvGrpSpPr/>
+        <p:nvPr/>
+      </p:nvGrpSpPr>
+      <p:grpSpPr>
+        <a:xfrm>
+          <a:off x="0" y="0"/>
+          <a:ext cx="0" cy="0"/>
+          <a:chOff x="0" y="0"/>
+          <a:chExt cx="0" cy="0"/>
+        </a:xfrm>
+      </p:grpSpPr>
+      <mc:AlternateContent xmlns:mc="http://schemas.openxmlformats.org/markup-compatibility/2006">
+        <mc:Choice xmlns:a14="http://schemas.microsoft.com/office/drawing/2010/main" Requires="a14">
+          <p:sp>
+            <p:nvSpPr>
+              <p:cNvPr id="382" name="Google Shape;382;p67"/>
+              <p:cNvSpPr txBox="1">
+                <a:spLocks noGrp="1"/>
+              </p:cNvSpPr>
+              <p:nvPr>
+                <p:ph type="title"/>
+              </p:nvPr>
+            </p:nvSpPr>
+            <p:spPr>
+              <a:xfrm>
+                <a:off x="838200" y="365125"/>
+                <a:ext cx="10515600" cy="1325600"/>
+              </a:xfrm>
+              <a:prstGeom prst="rect">
+                <a:avLst/>
+              </a:prstGeom>
+            </p:spPr>
+            <p:txBody>
+              <a:bodyPr spcFirstLastPara="1" vert="horz" wrap="square" lIns="91433" tIns="45700" rIns="91433" bIns="45700" rtlCol="0" anchor="ctr" anchorCtr="0">
+                <a:noAutofit/>
+              </a:bodyPr>
+              <a:lstStyle/>
+              <a:p>
+                <a:pPr>
+                  <a:spcBef>
+                    <a:spcPts val="0"/>
+                  </a:spcBef>
+                </a:pPr>
+                <a:r>
+                  <a:rPr lang="ja" dirty="0"/>
+                  <a:t>特殊線型群</a:t>
+                </a:r>
+                <a:r>
+                  <a:rPr lang="en-US" altLang="ja" sz="2800" dirty="0"/>
+                  <a:t>~ </a:t>
+                </a:r>
+                <a14:m>
+                  <m:oMath xmlns:m="http://schemas.openxmlformats.org/officeDocument/2006/math">
+                    <m:r>
+                      <m:rPr>
+                        <m:sty m:val="p"/>
+                      </m:rPr>
+                      <a:rPr lang="en-US" altLang="ja" sz="2800" b="0" i="0" smtClean="0">
+                        <a:latin typeface="Cambria Math" panose="02040503050406030204" pitchFamily="18" charset="0"/>
+                      </a:rPr>
+                      <m:t>SL</m:t>
+                    </m:r>
+                    <m:d>
+                      <m:dPr>
+                        <m:ctrlPr>
+                          <a:rPr lang="en-US" altLang="ja" sz="2800" i="1">
+                            <a:latin typeface="Cambria Math" panose="02040503050406030204" pitchFamily="18" charset="0"/>
+                          </a:rPr>
+                        </m:ctrlPr>
+                      </m:dPr>
+                      <m:e>
+                        <m:r>
+                          <m:rPr>
+                            <m:sty m:val="p"/>
+                          </m:rPr>
+                          <a:rPr lang="en-US" altLang="ja" sz="2800">
+                            <a:latin typeface="Cambria Math" panose="02040503050406030204" pitchFamily="18" charset="0"/>
+                          </a:rPr>
+                          <m:t>n</m:t>
+                        </m:r>
+                        <m:r>
+                          <a:rPr lang="en-US" altLang="ja" sz="2800" b="0" i="0" smtClean="0">
+                            <a:latin typeface="Cambria Math" panose="02040503050406030204" pitchFamily="18" charset="0"/>
+                          </a:rPr>
+                          <m:t>;</m:t>
+                        </m:r>
+                        <m:r>
+                          <a:rPr lang="en-US" altLang="ja" sz="2800" b="0" i="1" smtClean="0">
+                            <a:latin typeface="Cambria Math" panose="02040503050406030204" pitchFamily="18" charset="0"/>
+                            <a:ea typeface="Cambria Math" panose="02040503050406030204" pitchFamily="18" charset="0"/>
+                          </a:rPr>
+                          <m:t>ℂ</m:t>
+                        </m:r>
+                      </m:e>
+                    </m:d>
+                    <m:r>
+                      <a:rPr lang="en-US" altLang="ja" sz="2800" i="1">
+                        <a:latin typeface="Cambria Math" panose="02040503050406030204" pitchFamily="18" charset="0"/>
+                      </a:rPr>
+                      <m:t> </m:t>
+                    </m:r>
+                  </m:oMath>
+                </a14:m>
+                <a:r>
+                  <a:rPr lang="en-US" altLang="ja" sz="2800" dirty="0"/>
+                  <a:t>~</a:t>
+                </a:r>
+                <a:r>
+                  <a:rPr lang="en-US" altLang="ja" sz="2400" i="1" dirty="0">
+                    <a:solidFill>
+                      <a:schemeClr val="tx1">
+                        <a:lumMod val="50000"/>
+                        <a:lumOff val="50000"/>
+                      </a:schemeClr>
+                    </a:solidFill>
+                    <a:latin typeface="Times New Roman" panose="02020603050405020304" pitchFamily="18" charset="0"/>
+                    <a:cs typeface="Times New Roman" panose="02020603050405020304" pitchFamily="18" charset="0"/>
+                  </a:rPr>
+                  <a:t>special linear group</a:t>
+                </a:r>
+                <a:endParaRPr i="1" dirty="0">
+                  <a:solidFill>
+                    <a:schemeClr val="tx1">
+                      <a:lumMod val="50000"/>
+                      <a:lumOff val="50000"/>
+                    </a:schemeClr>
+                  </a:solidFill>
+                  <a:latin typeface="Times New Roman" panose="02020603050405020304" pitchFamily="18" charset="0"/>
+                  <a:cs typeface="Times New Roman" panose="02020603050405020304" pitchFamily="18" charset="0"/>
+                </a:endParaRPr>
+              </a:p>
+            </p:txBody>
+          </p:sp>
+        </mc:Choice>
+        <mc:Fallback>
+          <p:sp>
+            <p:nvSpPr>
+              <p:cNvPr id="382" name="Google Shape;382;p67"/>
+              <p:cNvSpPr txBox="1">
+                <a:spLocks noGrp="1" noRot="1" noChangeAspect="1" noMove="1" noResize="1" noEditPoints="1" noAdjustHandles="1" noChangeArrowheads="1" noChangeShapeType="1" noTextEdit="1"/>
+              </p:cNvSpPr>
+              <p:nvPr>
+                <p:ph type="title"/>
+              </p:nvPr>
+            </p:nvSpPr>
+            <p:spPr>
+              <a:xfrm>
+                <a:off x="838200" y="365125"/>
+                <a:ext cx="10515600" cy="1325600"/>
+              </a:xfrm>
+              <a:prstGeom prst="rect">
+                <a:avLst/>
+              </a:prstGeom>
+              <a:blipFill>
+                <a:blip r:embed="rId3"/>
+                <a:stretch>
+                  <a:fillRect l="-2292"/>
+                </a:stretch>
+              </a:blipFill>
+            </p:spPr>
+            <p:txBody>
+              <a:bodyPr/>
+              <a:lstStyle/>
+              <a:p>
+                <a:r>
+                  <a:rPr lang="ja-JP" altLang="en-US">
+                    <a:noFill/>
+                  </a:rPr>
+                  <a:t> </a:t>
+                </a:r>
+              </a:p>
+            </p:txBody>
+          </p:sp>
+        </mc:Fallback>
+      </mc:AlternateContent>
+      <mc:AlternateContent xmlns:mc="http://schemas.openxmlformats.org/markup-compatibility/2006">
+        <mc:Choice xmlns:a14="http://schemas.microsoft.com/office/drawing/2010/main" Requires="a14">
+          <p:sp>
+            <p:nvSpPr>
+              <p:cNvPr id="383" name="Google Shape;383;p67"/>
+              <p:cNvSpPr txBox="1">
+                <a:spLocks noGrp="1"/>
+              </p:cNvSpPr>
+              <p:nvPr>
+                <p:ph type="body" idx="1"/>
+              </p:nvPr>
+            </p:nvSpPr>
+            <p:spPr>
+              <a:xfrm>
+                <a:off x="838200" y="1825625"/>
+                <a:ext cx="10515600" cy="4351200"/>
+              </a:xfrm>
+              <a:prstGeom prst="rect">
+                <a:avLst/>
+              </a:prstGeom>
+            </p:spPr>
+            <p:txBody>
+              <a:bodyPr spcFirstLastPara="1" vert="horz" wrap="square" lIns="91433" tIns="45700" rIns="91433" bIns="45700" rtlCol="0" anchor="t" anchorCtr="0">
+                <a:noAutofit/>
+              </a:bodyPr>
+              <a:lstStyle/>
+              <a:p>
+                <a:pPr marL="0" indent="0">
+                  <a:spcBef>
+                    <a:spcPts val="1067"/>
+                  </a:spcBef>
+                  <a:buNone/>
+                </a:pPr>
+                <a14:m>
+                  <m:oMath xmlns:m="http://schemas.openxmlformats.org/officeDocument/2006/math">
+                    <m:r>
+                      <m:rPr>
+                        <m:sty m:val="p"/>
+                      </m:rPr>
+                      <a:rPr lang="en-US" altLang="ja" smtClean="0">
+                        <a:latin typeface="Cambria Math" panose="02040503050406030204" pitchFamily="18" charset="0"/>
+                      </a:rPr>
+                      <m:t>SL</m:t>
+                    </m:r>
+                    <m:d>
+                      <m:dPr>
+                        <m:ctrlPr>
+                          <a:rPr lang="ar-AE" altLang="ja" i="1">
+                            <a:latin typeface="Cambria Math" panose="02040503050406030204" pitchFamily="18" charset="0"/>
+                          </a:rPr>
+                        </m:ctrlPr>
+                      </m:dPr>
+                      <m:e>
+                        <m:r>
+                          <m:rPr>
+                            <m:sty m:val="p"/>
+                          </m:rPr>
+                          <a:rPr lang="en-US" altLang="ja">
+                            <a:latin typeface="Cambria Math" panose="02040503050406030204" pitchFamily="18" charset="0"/>
+                          </a:rPr>
+                          <m:t>n</m:t>
+                        </m:r>
+                        <m:r>
+                          <a:rPr lang="en-US" altLang="ja">
+                            <a:latin typeface="Cambria Math" panose="02040503050406030204" pitchFamily="18" charset="0"/>
+                          </a:rPr>
+                          <m:t>;</m:t>
+                        </m:r>
+                        <m:r>
+                          <a:rPr lang="en-US" altLang="ja" i="1">
+                            <a:latin typeface="Cambria Math" panose="02040503050406030204" pitchFamily="18" charset="0"/>
+                            <a:ea typeface="Cambria Math" panose="02040503050406030204" pitchFamily="18" charset="0"/>
+                          </a:rPr>
+                          <m:t>ℂ</m:t>
+                        </m:r>
+                      </m:e>
+                    </m:d>
+                  </m:oMath>
+                </a14:m>
+                <a:r>
+                  <a:rPr lang="ja" altLang="ar-AE" dirty="0"/>
+                  <a:t>：</a:t>
+                </a:r>
+                <a:r>
+                  <a:rPr lang="ja-JP" altLang="en-US" dirty="0"/>
+                  <a:t>行列式が１の複素平方行列全体</a:t>
+                </a:r>
+              </a:p>
+              <a:p>
+                <a:pPr marL="0" indent="0">
+                  <a:spcBef>
+                    <a:spcPts val="1067"/>
+                  </a:spcBef>
+                  <a:buNone/>
+                </a:pPr>
+                <a:r>
+                  <a:rPr lang="en-US" altLang="ja" i="1" dirty="0">
+                    <a:solidFill>
+                      <a:schemeClr val="tx1">
+                        <a:lumMod val="50000"/>
+                        <a:lumOff val="50000"/>
+                      </a:schemeClr>
+                    </a:solidFill>
+                    <a:latin typeface="Times New Roman" panose="02020603050405020304" pitchFamily="18" charset="0"/>
+                    <a:cs typeface="Times New Roman" panose="02020603050405020304" pitchFamily="18" charset="0"/>
+                  </a:rPr>
+                  <a:t>def</a:t>
+                </a:r>
+                <a:r>
+                  <a:rPr lang="en-US" altLang="ja" dirty="0"/>
+                  <a:t> </a:t>
+                </a:r>
+              </a:p>
+              <a:p>
+                <a:pPr marL="0" indent="0">
+                  <a:spcBef>
+                    <a:spcPts val="1067"/>
+                  </a:spcBef>
+                  <a:buNone/>
+                </a:pPr>
+                <a:r>
+                  <a:rPr lang="en-US" altLang="ja" dirty="0"/>
+                  <a:t> </a:t>
+                </a:r>
+                <a14:m>
+                  <m:oMath xmlns:m="http://schemas.openxmlformats.org/officeDocument/2006/math">
+                    <m:r>
+                      <a:rPr lang="en-US" altLang="ja" i="1">
+                        <a:latin typeface="Cambria Math" panose="02040503050406030204" pitchFamily="18" charset="0"/>
+                      </a:rPr>
+                      <m:t>∀</m:t>
+                    </m:r>
+                    <m:r>
+                      <m:rPr>
+                        <m:sty m:val="p"/>
+                      </m:rPr>
+                      <a:rPr lang="en-US" altLang="ja">
+                        <a:latin typeface="Cambria Math" panose="02040503050406030204" pitchFamily="18" charset="0"/>
+                      </a:rPr>
+                      <m:t>A</m:t>
+                    </m:r>
+                    <m:r>
+                      <a:rPr lang="en-US" altLang="ja">
+                        <a:latin typeface="Cambria Math" panose="02040503050406030204" pitchFamily="18" charset="0"/>
+                      </a:rPr>
+                      <m:t>,</m:t>
+                    </m:r>
+                    <m:r>
+                      <m:rPr>
+                        <m:sty m:val="p"/>
+                      </m:rPr>
+                      <a:rPr lang="en-US" altLang="ja">
+                        <a:latin typeface="Cambria Math" panose="02040503050406030204" pitchFamily="18" charset="0"/>
+                      </a:rPr>
+                      <m:t>B</m:t>
+                    </m:r>
+                    <m:r>
+                      <a:rPr lang="en-US" altLang="ja" i="1">
+                        <a:latin typeface="Cambria Math" panose="02040503050406030204" pitchFamily="18" charset="0"/>
+                        <a:ea typeface="Cambria Math" panose="02040503050406030204" pitchFamily="18" charset="0"/>
+                      </a:rPr>
+                      <m:t>∈</m:t>
+                    </m:r>
+                    <m:r>
+                      <m:rPr>
+                        <m:sty m:val="p"/>
+                      </m:rPr>
+                      <a:rPr lang="en-US" altLang="ja" b="0" i="0" smtClean="0">
+                        <a:latin typeface="Cambria Math" panose="02040503050406030204" pitchFamily="18" charset="0"/>
+                        <a:ea typeface="Cambria Math" panose="02040503050406030204" pitchFamily="18" charset="0"/>
+                      </a:rPr>
+                      <m:t>S</m:t>
+                    </m:r>
+                    <m:r>
+                      <m:rPr>
+                        <m:sty m:val="p"/>
+                      </m:rPr>
+                      <a:rPr lang="en-US" altLang="ja">
+                        <a:latin typeface="Cambria Math" panose="02040503050406030204" pitchFamily="18" charset="0"/>
+                      </a:rPr>
+                      <m:t>L</m:t>
+                    </m:r>
+                    <m:d>
+                      <m:dPr>
+                        <m:ctrlPr>
+                          <a:rPr lang="ar-AE" altLang="ja" i="1">
+                            <a:latin typeface="Cambria Math" panose="02040503050406030204" pitchFamily="18" charset="0"/>
+                          </a:rPr>
+                        </m:ctrlPr>
+                      </m:dPr>
+                      <m:e>
+                        <m:r>
+                          <m:rPr>
+                            <m:sty m:val="p"/>
+                          </m:rPr>
+                          <a:rPr lang="en-US" altLang="ja">
+                            <a:latin typeface="Cambria Math" panose="02040503050406030204" pitchFamily="18" charset="0"/>
+                          </a:rPr>
+                          <m:t>n</m:t>
+                        </m:r>
+                        <m:r>
+                          <a:rPr lang="en-US" altLang="ja">
+                            <a:latin typeface="Cambria Math" panose="02040503050406030204" pitchFamily="18" charset="0"/>
+                          </a:rPr>
+                          <m:t>;</m:t>
+                        </m:r>
+                        <m:r>
+                          <a:rPr lang="en-US" altLang="ja">
+                            <a:latin typeface="Cambria Math" panose="02040503050406030204" pitchFamily="18" charset="0"/>
+                            <a:ea typeface="Cambria Math" panose="02040503050406030204" pitchFamily="18" charset="0"/>
+                          </a:rPr>
+                          <m:t>ℂ</m:t>
+                        </m:r>
+                      </m:e>
+                    </m:d>
+                    <m:r>
+                      <a:rPr lang="ar-AE" altLang="ja" i="1">
+                        <a:latin typeface="Cambria Math" panose="02040503050406030204" pitchFamily="18" charset="0"/>
+                      </a:rPr>
+                      <m:t>, </m:t>
+                    </m:r>
+                    <m:r>
+                      <m:rPr>
+                        <m:sty m:val="p"/>
+                      </m:rPr>
+                      <a:rPr lang="en-US" altLang="ja">
+                        <a:latin typeface="Cambria Math" panose="02040503050406030204" pitchFamily="18" charset="0"/>
+                      </a:rPr>
+                      <m:t>A</m:t>
+                    </m:r>
+                    <m:r>
+                      <a:rPr lang="en-US" altLang="ja">
+                        <a:latin typeface="Cambria Math" panose="02040503050406030204" pitchFamily="18" charset="0"/>
+                        <a:ea typeface="Cambria Math" panose="02040503050406030204" pitchFamily="18" charset="0"/>
+                      </a:rPr>
+                      <m:t>∙</m:t>
+                    </m:r>
+                    <m:r>
+                      <m:rPr>
+                        <m:sty m:val="p"/>
+                      </m:rPr>
+                      <a:rPr lang="en-US" altLang="ja">
+                        <a:latin typeface="Cambria Math" panose="02040503050406030204" pitchFamily="18" charset="0"/>
+                      </a:rPr>
+                      <m:t>B</m:t>
+                    </m:r>
+                  </m:oMath>
+                </a14:m>
+                <a:r>
+                  <a:rPr lang="ja-JP" altLang="en-US"/>
+                  <a:t>．この時，組</a:t>
+                </a:r>
+                <a14:m>
+                  <m:oMath xmlns:m="http://schemas.openxmlformats.org/officeDocument/2006/math">
+                    <m:r>
+                      <a:rPr lang="en-US" altLang="ja-JP">
+                        <a:latin typeface="Cambria Math" panose="02040503050406030204" pitchFamily="18" charset="0"/>
+                      </a:rPr>
+                      <m:t>(</m:t>
+                    </m:r>
+                    <m:r>
+                      <m:rPr>
+                        <m:sty m:val="p"/>
+                      </m:rPr>
+                      <a:rPr lang="en-US" altLang="ja-JP" b="0" i="0" smtClean="0">
+                        <a:latin typeface="Cambria Math" panose="02040503050406030204" pitchFamily="18" charset="0"/>
+                      </a:rPr>
+                      <m:t>S</m:t>
+                    </m:r>
+                    <m:r>
+                      <m:rPr>
+                        <m:sty m:val="p"/>
+                      </m:rPr>
+                      <a:rPr lang="en-US" altLang="ja">
+                        <a:latin typeface="Cambria Math" panose="02040503050406030204" pitchFamily="18" charset="0"/>
+                      </a:rPr>
+                      <m:t>L</m:t>
+                    </m:r>
+                    <m:d>
+                      <m:dPr>
+                        <m:ctrlPr>
+                          <a:rPr lang="ar-AE" altLang="ja" i="1">
+                            <a:latin typeface="Cambria Math" panose="02040503050406030204" pitchFamily="18" charset="0"/>
+                          </a:rPr>
+                        </m:ctrlPr>
+                      </m:dPr>
+                      <m:e>
+                        <m:r>
+                          <m:rPr>
+                            <m:sty m:val="p"/>
+                          </m:rPr>
+                          <a:rPr lang="en-US" altLang="ja">
+                            <a:latin typeface="Cambria Math" panose="02040503050406030204" pitchFamily="18" charset="0"/>
+                          </a:rPr>
+                          <m:t>n</m:t>
+                        </m:r>
+                        <m:r>
+                          <a:rPr lang="en-US" altLang="ja">
+                            <a:latin typeface="Cambria Math" panose="02040503050406030204" pitchFamily="18" charset="0"/>
+                          </a:rPr>
+                          <m:t>;</m:t>
+                        </m:r>
+                        <m:r>
+                          <a:rPr lang="en-US" altLang="ja">
+                            <a:latin typeface="Cambria Math" panose="02040503050406030204" pitchFamily="18" charset="0"/>
+                            <a:ea typeface="Cambria Math" panose="02040503050406030204" pitchFamily="18" charset="0"/>
+                          </a:rPr>
+                          <m:t>ℂ</m:t>
+                        </m:r>
+                      </m:e>
+                    </m:d>
+                    <m:r>
+                      <a:rPr lang="ar-AE" altLang="ja" i="1">
+                        <a:latin typeface="Cambria Math" panose="02040503050406030204" pitchFamily="18" charset="0"/>
+                        <a:ea typeface="Cambria Math" panose="02040503050406030204" pitchFamily="18" charset="0"/>
+                      </a:rPr>
+                      <m:t>,  ∙  )</m:t>
+                    </m:r>
+                  </m:oMath>
+                </a14:m>
+                <a:r>
+                  <a:rPr lang="ja-JP" altLang="en-US" dirty="0"/>
+                  <a:t>は</a:t>
+                </a:r>
+                <a:r>
+                  <a:rPr lang="ja-JP" altLang="en-US"/>
+                  <a:t>群をなす．</a:t>
+                </a:r>
+                <a:endParaRPr lang="ja-JP" altLang="en-US" dirty="0">
+                  <a:ea typeface="MS PGothic" panose="020B0600070205080204" pitchFamily="34" charset="-128"/>
+                </a:endParaRPr>
+              </a:p>
+              <a:p>
+                <a:pPr marL="0" indent="0">
+                  <a:spcBef>
+                    <a:spcPts val="1067"/>
+                  </a:spcBef>
+                  <a:buNone/>
+                </a:pPr>
+                <a:endParaRPr lang="ja-JP" altLang="en-US" dirty="0"/>
+              </a:p>
+              <a:p>
+                <a:pPr marL="0" indent="0">
+                  <a:spcBef>
+                    <a:spcPts val="1067"/>
+                  </a:spcBef>
+                  <a:buNone/>
+                </a:pPr>
+                <a:r>
+                  <a:rPr lang="ja-JP" altLang="en-US" dirty="0"/>
+                  <a:t>これが群であるためには</a:t>
+                </a:r>
+              </a:p>
+              <a:p>
+                <a:pPr marL="609585" indent="-423323">
+                  <a:spcBef>
+                    <a:spcPts val="1067"/>
+                  </a:spcBef>
+                  <a:buSzPts val="1400"/>
+                  <a:buChar char="-"/>
+                </a:pPr>
+                <a:r>
+                  <a:rPr lang="ja-JP" altLang="en-US" dirty="0"/>
+                  <a:t>特殊線型群の２つの行列の積の行列式も１（</a:t>
+                </a:r>
+                <a:r>
+                  <a:rPr lang="en-US" altLang="ja-JP" dirty="0"/>
+                  <a:t>1*1=1</a:t>
+                </a:r>
+                <a:r>
+                  <a:rPr lang="ja-JP" altLang="en-US" dirty="0"/>
+                  <a:t>）</a:t>
+                </a:r>
+              </a:p>
+              <a:p>
+                <a:pPr marL="609585" indent="-423323">
+                  <a:spcBef>
+                    <a:spcPts val="0"/>
+                  </a:spcBef>
+                  <a:buSzPts val="1400"/>
+                  <a:buChar char="-"/>
+                </a:pPr>
+                <a:r>
+                  <a:rPr lang="ja-JP" altLang="en-US" dirty="0"/>
+                  <a:t>単位行列は特殊線型群の元である．（</a:t>
+                </a:r>
+                <a:r>
+                  <a:rPr lang="en-US" altLang="ja" dirty="0"/>
+                  <a:t>det I = 1</a:t>
+                </a:r>
+                <a:r>
+                  <a:rPr lang="ja" altLang="en-US" dirty="0"/>
+                  <a:t>）</a:t>
+                </a:r>
+                <a:endParaRPr lang="en-US" dirty="0"/>
+              </a:p>
+              <a:p>
+                <a:pPr marL="609585" indent="-423323">
+                  <a:spcBef>
+                    <a:spcPts val="0"/>
+                  </a:spcBef>
+                  <a:buSzPts val="1400"/>
+                  <a:buChar char="-"/>
+                </a:pPr>
+                <a:r>
+                  <a:rPr lang="ja-JP" altLang="en-US" dirty="0"/>
+                  <a:t>特殊線型群の行列の逆行列の行列式も１</a:t>
+                </a:r>
+              </a:p>
+              <a:p>
+                <a:pPr marL="0" indent="0">
+                  <a:spcBef>
+                    <a:spcPts val="1067"/>
+                  </a:spcBef>
+                  <a:buNone/>
+                </a:pPr>
+                <a:r>
+                  <a:rPr lang="ja-JP" altLang="en-US" dirty="0"/>
+                  <a:t>を満たす必要がある</a:t>
+                </a:r>
+                <a:endParaRPr dirty="0"/>
+              </a:p>
+            </p:txBody>
+          </p:sp>
+        </mc:Choice>
+        <mc:Fallback>
+          <p:sp>
+            <p:nvSpPr>
+              <p:cNvPr id="383" name="Google Shape;383;p67"/>
+              <p:cNvSpPr txBox="1">
+                <a:spLocks noGrp="1" noRot="1" noChangeAspect="1" noMove="1" noResize="1" noEditPoints="1" noAdjustHandles="1" noChangeArrowheads="1" noChangeShapeType="1" noTextEdit="1"/>
+              </p:cNvSpPr>
+              <p:nvPr>
+                <p:ph type="body" idx="1"/>
+              </p:nvPr>
+            </p:nvSpPr>
+            <p:spPr>
+              <a:xfrm>
+                <a:off x="838200" y="1825625"/>
+                <a:ext cx="10515600" cy="4351200"/>
+              </a:xfrm>
+              <a:prstGeom prst="rect">
+                <a:avLst/>
+              </a:prstGeom>
+              <a:blipFill>
+                <a:blip r:embed="rId4"/>
+                <a:stretch>
+                  <a:fillRect l="-1086" b="-8187"/>
+                </a:stretch>
+              </a:blipFill>
+            </p:spPr>
+            <p:txBody>
+              <a:bodyPr/>
+              <a:lstStyle/>
+              <a:p>
+                <a:r>
+                  <a:rPr lang="ja-JP" altLang="en-US">
+                    <a:noFill/>
+                  </a:rPr>
+                  <a:t> </a:t>
+                </a:r>
+              </a:p>
+            </p:txBody>
+          </p:sp>
+        </mc:Fallback>
+      </mc:AlternateContent>
+    </p:spTree>
+    <p:extLst>
+      <p:ext uri="{BB962C8B-B14F-4D97-AF65-F5344CB8AC3E}">
+        <p14:creationId xmlns:p14="http://schemas.microsoft.com/office/powerpoint/2010/main" val="3738407797"/>
+      </p:ext>
+    </p:extLst>
+  </p:cSld>
+  <p:clrMapOvr>
+    <a:masterClrMapping/>
+  </p:clrMapOvr>
+</p:sld>
+</file>
+
+<file path=ppt/slides/slide16.xml><?xml version="1.0" encoding="utf-8"?>
+<p:sld xmlns:a="http://schemas.openxmlformats.org/drawingml/2006/main" xmlns:r="http://schemas.openxmlformats.org/officeDocument/2006/relationships" xmlns:p="http://schemas.openxmlformats.org/presentationml/2006/main">
+  <p:cSld>
+    <p:spTree>
+      <p:nvGrpSpPr>
+        <p:cNvPr id="1" name=""/>
+        <p:cNvGrpSpPr/>
+        <p:nvPr/>
+      </p:nvGrpSpPr>
+      <p:grpSpPr>
+        <a:xfrm>
+          <a:off x="0" y="0"/>
+          <a:ext cx="0" cy="0"/>
+          <a:chOff x="0" y="0"/>
+          <a:chExt cx="0" cy="0"/>
+        </a:xfrm>
+      </p:grpSpPr>
+      <p:sp>
+        <p:nvSpPr>
+          <p:cNvPr id="2" name="タイトル 1">
+            <a:extLst>
+              <a:ext uri="{FF2B5EF4-FFF2-40B4-BE49-F238E27FC236}">
+                <a16:creationId xmlns:a16="http://schemas.microsoft.com/office/drawing/2014/main" id="{3FADE1B3-2A00-6944-8C45-6FCF6E2330EC}"/>
+              </a:ext>
+            </a:extLst>
+          </p:cNvPr>
+          <p:cNvSpPr>
+            <a:spLocks noGrp="1"/>
+          </p:cNvSpPr>
+          <p:nvPr>
+            <p:ph type="title"/>
+          </p:nvPr>
+        </p:nvSpPr>
+        <p:spPr/>
+        <p:txBody>
+          <a:bodyPr/>
+          <a:lstStyle/>
+          <a:p>
+            <a:r>
+              <a:rPr kumimoji="1" lang="ja-JP" altLang="en-US"/>
+              <a:t>群の作用</a:t>
+            </a:r>
+          </a:p>
+        </p:txBody>
+      </p:sp>
+      <p:sp>
+        <p:nvSpPr>
+          <p:cNvPr id="3" name="コンテンツ プレースホルダー 2">
+            <a:extLst>
+              <a:ext uri="{FF2B5EF4-FFF2-40B4-BE49-F238E27FC236}">
+                <a16:creationId xmlns:a16="http://schemas.microsoft.com/office/drawing/2014/main" id="{E071A807-CA15-154A-B850-00A7C062A62E}"/>
+              </a:ext>
+            </a:extLst>
+          </p:cNvPr>
+          <p:cNvSpPr>
+            <a:spLocks noGrp="1"/>
+          </p:cNvSpPr>
+          <p:nvPr>
+            <p:ph idx="1"/>
+          </p:nvPr>
+        </p:nvSpPr>
+        <p:spPr/>
+        <p:txBody>
+          <a:bodyPr>
+            <a:normAutofit/>
+          </a:bodyPr>
+          <a:lstStyle/>
+          <a:p>
+            <a:r>
+              <a:rPr kumimoji="1" lang="ja-JP" altLang="en-US"/>
+              <a:t>群</a:t>
+            </a:r>
+            <a:r>
+              <a:rPr kumimoji="1" lang="en-US" altLang="ja-JP" dirty="0"/>
+              <a:t>G</a:t>
+            </a:r>
+            <a:r>
+              <a:rPr kumimoji="1" lang="ja-JP" altLang="en-US"/>
+              <a:t>の元が集合</a:t>
+            </a:r>
+            <a:r>
+              <a:rPr kumimoji="1" lang="en-US" altLang="ja-JP" dirty="0"/>
+              <a:t>A</a:t>
+            </a:r>
+            <a:r>
+              <a:rPr kumimoji="1" lang="ja-JP" altLang="en-US"/>
+              <a:t>から集合</a:t>
+            </a:r>
+            <a:r>
+              <a:rPr kumimoji="1" lang="en-US" altLang="ja-JP" dirty="0"/>
+              <a:t>A</a:t>
+            </a:r>
+            <a:r>
+              <a:rPr lang="ja-JP" altLang="en-US"/>
+              <a:t>へと</a:t>
+            </a:r>
+            <a:r>
+              <a:rPr kumimoji="1" lang="ja-JP" altLang="en-US"/>
+              <a:t>写す写像となる時</a:t>
+            </a:r>
+            <a:br>
+              <a:rPr kumimoji="1" lang="en-US" altLang="ja-JP" dirty="0"/>
+            </a:br>
+            <a:r>
+              <a:rPr kumimoji="1" lang="ja-JP" altLang="en-US"/>
+              <a:t>「群</a:t>
+            </a:r>
+            <a:r>
+              <a:rPr kumimoji="1" lang="en-US" altLang="ja-JP" dirty="0"/>
+              <a:t>G</a:t>
+            </a:r>
+            <a:r>
+              <a:rPr kumimoji="1" lang="ja-JP" altLang="en-US"/>
+              <a:t>の集合</a:t>
+            </a:r>
+            <a:r>
+              <a:rPr kumimoji="1" lang="en-US" altLang="ja-JP" dirty="0"/>
+              <a:t>A</a:t>
+            </a:r>
+            <a:r>
+              <a:rPr kumimoji="1" lang="ja-JP" altLang="en-US"/>
+              <a:t>への作用」という．</a:t>
+            </a:r>
+            <a:br>
+              <a:rPr kumimoji="1" lang="en-US" altLang="ja-JP" dirty="0"/>
+            </a:br>
+            <a:endParaRPr kumimoji="1" lang="en-US" altLang="ja-JP" dirty="0"/>
+          </a:p>
+          <a:p>
+            <a:r>
+              <a:rPr lang="ja-JP" altLang="en-US"/>
+              <a:t>集合に対して群の性質を適用させている</a:t>
+            </a:r>
+            <a:endParaRPr lang="en-US" altLang="ja-JP" dirty="0"/>
+          </a:p>
+          <a:p>
+            <a:endParaRPr lang="en-US" altLang="ja-JP" dirty="0"/>
+          </a:p>
+          <a:p>
+            <a:r>
+              <a:rPr lang="ja-JP" altLang="en-US"/>
+              <a:t>（例）ユークリッド合同変換群</a:t>
+            </a:r>
+            <a:endParaRPr lang="en-US" altLang="ja-JP" dirty="0"/>
+          </a:p>
+          <a:p>
+            <a:pPr lvl="1"/>
+            <a:r>
+              <a:rPr lang="ja-JP" altLang="en-US"/>
+              <a:t>ユークリッド合同変換群の，二次元ユークリッド平面上のすべての点の集合への作用</a:t>
+            </a:r>
+            <a:endParaRPr lang="en-US" altLang="ja-JP" dirty="0"/>
+          </a:p>
+          <a:p>
+            <a:pPr lvl="1"/>
+            <a:r>
+              <a:rPr lang="ja-JP" altLang="en-US"/>
+              <a:t>正方形は回転（や拡大，回転，反転）しても正方形</a:t>
+            </a:r>
+            <a:endParaRPr lang="en-US" altLang="ja-JP" dirty="0"/>
+          </a:p>
+        </p:txBody>
+      </p:sp>
+    </p:spTree>
+    <p:extLst>
+      <p:ext uri="{BB962C8B-B14F-4D97-AF65-F5344CB8AC3E}">
+        <p14:creationId xmlns:p14="http://schemas.microsoft.com/office/powerpoint/2010/main" val="1124779067"/>
       </p:ext>
     </p:extLst>
   </p:cSld>
@@ -10276,22 +10052,6 @@
                 </a:endParaRPr>
               </a:p>
               <a:p>
-                <a:pPr marL="0" indent="0">
-                  <a:spcBef>
-                    <a:spcPts val="1067"/>
-                  </a:spcBef>
-                  <a:buNone/>
-                </a:pPr>
-                <a:r>
-                  <a:rPr lang="ja-JP" altLang="en-US" dirty="0">
-                    <a:highlight>
-                      <a:srgbClr val="FFFFFF"/>
-                    </a:highlight>
-                  </a:rPr>
-                  <a:t>これが群であるには</a:t>
-                </a:r>
-              </a:p>
-              <a:p>
                 <a:pPr marL="609585" indent="-423323">
                   <a:spcBef>
                     <a:spcPts val="1067"/>
@@ -10529,14 +10289,6 @@
                   </a:spcBef>
                   <a:buNone/>
                 </a:pPr>
-                <a:r>
-                  <a:rPr lang="ja-JP" altLang="en-US" dirty="0">
-                    <a:highlight>
-                      <a:srgbClr val="FFFFFF"/>
-                    </a:highlight>
-                  </a:rPr>
-                  <a:t>の３つを満たしていることを確認すればよい</a:t>
-                </a:r>
                 <a:endParaRPr dirty="0">
                   <a:highlight>
                     <a:srgbClr val="FFFFFF"/>
@@ -10568,7 +10320,7 @@
               <a:blipFill>
                 <a:blip r:embed="rId3"/>
                 <a:stretch>
-                  <a:fillRect l="-1086" b="-2228"/>
+                  <a:fillRect l="-1086"/>
                 </a:stretch>
               </a:blipFill>
             </p:spPr>
@@ -10771,6 +10523,360 @@
 </p:sld>
 </file>
 
+<file path=ppt/slides/slide20.xml><?xml version="1.0" encoding="utf-8"?>
+<p:sld xmlns:a="http://schemas.openxmlformats.org/drawingml/2006/main" xmlns:r="http://schemas.openxmlformats.org/officeDocument/2006/relationships" xmlns:p="http://schemas.openxmlformats.org/presentationml/2006/main">
+  <p:cSld>
+    <p:spTree>
+      <p:nvGrpSpPr>
+        <p:cNvPr id="1" name=""/>
+        <p:cNvGrpSpPr/>
+        <p:nvPr/>
+      </p:nvGrpSpPr>
+      <p:grpSpPr>
+        <a:xfrm>
+          <a:off x="0" y="0"/>
+          <a:ext cx="0" cy="0"/>
+          <a:chOff x="0" y="0"/>
+          <a:chExt cx="0" cy="0"/>
+        </a:xfrm>
+      </p:grpSpPr>
+      <p:sp>
+        <p:nvSpPr>
+          <p:cNvPr id="2" name="タイトル 1">
+            <a:extLst>
+              <a:ext uri="{FF2B5EF4-FFF2-40B4-BE49-F238E27FC236}">
+                <a16:creationId xmlns:a16="http://schemas.microsoft.com/office/drawing/2014/main" id="{9DA69A30-AF95-324B-A5E3-8B825D4CC415}"/>
+              </a:ext>
+            </a:extLst>
+          </p:cNvPr>
+          <p:cNvSpPr>
+            <a:spLocks noGrp="1"/>
+          </p:cNvSpPr>
+          <p:nvPr>
+            <p:ph type="title"/>
+          </p:nvPr>
+        </p:nvSpPr>
+        <p:spPr/>
+        <p:txBody>
+          <a:bodyPr/>
+          <a:lstStyle/>
+          <a:p>
+            <a:r>
+              <a:rPr kumimoji="1" lang="ja-JP" altLang="en-US"/>
+              <a:t>群の種類（クラス）</a:t>
+            </a:r>
+          </a:p>
+        </p:txBody>
+      </p:sp>
+      <p:sp>
+        <p:nvSpPr>
+          <p:cNvPr id="3" name="コンテンツ プレースホルダー 2">
+            <a:extLst>
+              <a:ext uri="{FF2B5EF4-FFF2-40B4-BE49-F238E27FC236}">
+                <a16:creationId xmlns:a16="http://schemas.microsoft.com/office/drawing/2014/main" id="{D8F413E1-9001-8A49-A818-51A435D1379A}"/>
+              </a:ext>
+            </a:extLst>
+          </p:cNvPr>
+          <p:cNvSpPr>
+            <a:spLocks noGrp="1"/>
+          </p:cNvSpPr>
+          <p:nvPr>
+            <p:ph idx="1"/>
+          </p:nvPr>
+        </p:nvSpPr>
+        <p:spPr>
+          <a:xfrm>
+            <a:off x="838200" y="1354238"/>
+            <a:ext cx="10515600" cy="4822725"/>
+          </a:xfrm>
+        </p:spPr>
+        <p:txBody>
+          <a:bodyPr>
+            <a:normAutofit/>
+          </a:bodyPr>
+          <a:lstStyle/>
+          <a:p>
+            <a:pPr marL="0" indent="0">
+              <a:buNone/>
+            </a:pPr>
+            <a:r>
+              <a:rPr kumimoji="1" lang="ja-JP" altLang="en-US"/>
+              <a:t>構造で分けた際に群の元（＝写像）の性質で分けることができる</a:t>
+            </a:r>
+            <a:endParaRPr kumimoji="1" lang="en-US" altLang="ja-JP" dirty="0"/>
+          </a:p>
+          <a:p>
+            <a:pPr marL="0" indent="0">
+              <a:buNone/>
+            </a:pPr>
+            <a:endParaRPr lang="en-US" altLang="ja-JP" dirty="0"/>
+          </a:p>
+          <a:p>
+            <a:r>
+              <a:rPr kumimoji="1" lang="ja-JP" altLang="en-US"/>
+              <a:t>置換群：</a:t>
+            </a:r>
+            <a:r>
+              <a:rPr lang="ja-JP" altLang="en-US">
+                <a:solidFill>
+                  <a:schemeClr val="tx1">
+                    <a:lumMod val="50000"/>
+                    <a:lumOff val="50000"/>
+                  </a:schemeClr>
+                </a:solidFill>
+              </a:rPr>
+              <a:t>任意の集合</a:t>
+            </a:r>
+            <a:r>
+              <a:rPr lang="en-US" altLang="ja-JP" dirty="0">
+                <a:solidFill>
+                  <a:schemeClr val="tx1">
+                    <a:lumMod val="50000"/>
+                    <a:lumOff val="50000"/>
+                  </a:schemeClr>
+                </a:solidFill>
+              </a:rPr>
+              <a:t>A</a:t>
+            </a:r>
+            <a:r>
+              <a:rPr lang="ja-JP" altLang="en-US">
+                <a:solidFill>
+                  <a:schemeClr val="tx1">
+                    <a:lumMod val="50000"/>
+                    <a:lumOff val="50000"/>
+                  </a:schemeClr>
+                </a:solidFill>
+              </a:rPr>
+              <a:t>から集合</a:t>
+            </a:r>
+            <a:r>
+              <a:rPr lang="en-US" altLang="ja-JP" dirty="0">
+                <a:solidFill>
+                  <a:schemeClr val="tx1">
+                    <a:lumMod val="50000"/>
+                    <a:lumOff val="50000"/>
+                  </a:schemeClr>
+                </a:solidFill>
+              </a:rPr>
+              <a:t>A</a:t>
+            </a:r>
+            <a:r>
+              <a:rPr lang="ja-JP" altLang="en-US">
+                <a:solidFill>
+                  <a:schemeClr val="tx1">
+                    <a:lumMod val="50000"/>
+                    <a:lumOff val="50000"/>
+                  </a:schemeClr>
+                </a:solidFill>
+              </a:rPr>
+              <a:t>への全単射</a:t>
+            </a:r>
+            <a:endParaRPr kumimoji="1" lang="en-US" altLang="ja-JP" dirty="0">
+              <a:solidFill>
+                <a:schemeClr val="tx1">
+                  <a:lumMod val="50000"/>
+                  <a:lumOff val="50000"/>
+                </a:schemeClr>
+              </a:solidFill>
+            </a:endParaRPr>
+          </a:p>
+          <a:p>
+            <a:r>
+              <a:rPr lang="ja-JP" altLang="en-US"/>
+              <a:t>行列群：</a:t>
+            </a:r>
+            <a:r>
+              <a:rPr lang="ja-JP" altLang="en-US">
+                <a:solidFill>
+                  <a:schemeClr val="tx1">
+                    <a:lumMod val="50000"/>
+                    <a:lumOff val="50000"/>
+                  </a:schemeClr>
+                </a:solidFill>
+              </a:rPr>
+              <a:t>正則行列を集めた群</a:t>
+            </a:r>
+            <a:endParaRPr lang="en-US" altLang="ja-JP" dirty="0">
+              <a:solidFill>
+                <a:schemeClr val="tx1">
+                  <a:lumMod val="50000"/>
+                  <a:lumOff val="50000"/>
+                </a:schemeClr>
+              </a:solidFill>
+            </a:endParaRPr>
+          </a:p>
+          <a:p>
+            <a:r>
+              <a:rPr kumimoji="1" lang="ja-JP" altLang="en-US"/>
+              <a:t>変換群</a:t>
+            </a:r>
+            <a:r>
+              <a:rPr lang="ja-JP" altLang="en-US"/>
+              <a:t>：</a:t>
+            </a:r>
+            <a:r>
+              <a:rPr lang="ja-JP" altLang="en-US">
+                <a:solidFill>
+                  <a:schemeClr val="tx1">
+                    <a:lumMod val="50000"/>
+                    <a:lumOff val="50000"/>
+                  </a:schemeClr>
+                </a:solidFill>
+              </a:rPr>
+              <a:t>集合</a:t>
+            </a:r>
+            <a:r>
+              <a:rPr lang="en-US" altLang="ja-JP" dirty="0">
+                <a:solidFill>
+                  <a:schemeClr val="tx1">
+                    <a:lumMod val="50000"/>
+                    <a:lumOff val="50000"/>
+                  </a:schemeClr>
+                </a:solidFill>
+              </a:rPr>
+              <a:t>A</a:t>
+            </a:r>
+            <a:r>
+              <a:rPr lang="ja-JP" altLang="en-US">
+                <a:solidFill>
+                  <a:schemeClr val="tx1">
+                    <a:lumMod val="50000"/>
+                    <a:lumOff val="50000"/>
+                  </a:schemeClr>
+                </a:solidFill>
+              </a:rPr>
+              <a:t>から集合</a:t>
+            </a:r>
+            <a:r>
+              <a:rPr lang="en-US" altLang="ja-JP" dirty="0">
+                <a:solidFill>
+                  <a:schemeClr val="tx1">
+                    <a:lumMod val="50000"/>
+                    <a:lumOff val="50000"/>
+                  </a:schemeClr>
+                </a:solidFill>
+              </a:rPr>
+              <a:t>A</a:t>
+            </a:r>
+            <a:r>
+              <a:rPr lang="ja-JP" altLang="en-US">
+                <a:solidFill>
+                  <a:schemeClr val="tx1">
+                    <a:lumMod val="50000"/>
+                    <a:lumOff val="50000"/>
+                  </a:schemeClr>
+                </a:solidFill>
+              </a:rPr>
+              <a:t>への構造を保つ写像全体の集合．</a:t>
+            </a:r>
+            <a:br>
+              <a:rPr lang="en-US" altLang="ja-JP" dirty="0">
+                <a:solidFill>
+                  <a:schemeClr val="tx1">
+                    <a:lumMod val="50000"/>
+                    <a:lumOff val="50000"/>
+                  </a:schemeClr>
+                </a:solidFill>
+              </a:rPr>
+            </a:br>
+            <a:r>
+              <a:rPr lang="en-US" altLang="ja-JP" dirty="0">
+                <a:solidFill>
+                  <a:schemeClr val="tx1">
+                    <a:lumMod val="50000"/>
+                    <a:lumOff val="50000"/>
+                  </a:schemeClr>
+                </a:solidFill>
+              </a:rPr>
+              <a:t>		</a:t>
+            </a:r>
+            <a:r>
+              <a:rPr lang="ja-JP" altLang="en-US">
+                <a:solidFill>
+                  <a:schemeClr val="tx1">
+                    <a:lumMod val="50000"/>
+                    <a:lumOff val="50000"/>
+                  </a:schemeClr>
+                </a:solidFill>
+              </a:rPr>
+              <a:t>置換群と行列群は変換群の特別な場合</a:t>
+            </a:r>
+            <a:endParaRPr lang="en-US" altLang="ja-JP" dirty="0">
+              <a:solidFill>
+                <a:schemeClr val="tx1">
+                  <a:lumMod val="50000"/>
+                  <a:lumOff val="50000"/>
+                </a:schemeClr>
+              </a:solidFill>
+            </a:endParaRPr>
+          </a:p>
+          <a:p>
+            <a:r>
+              <a:rPr kumimoji="1" lang="ja-JP" altLang="en-US"/>
+              <a:t>位相群・代数群</a:t>
+            </a:r>
+            <a:r>
+              <a:rPr lang="ja-JP" altLang="en-US"/>
+              <a:t>：</a:t>
+            </a:r>
+            <a:r>
+              <a:rPr lang="ja-JP" altLang="en-US">
+                <a:solidFill>
+                  <a:schemeClr val="tx1">
+                    <a:lumMod val="50000"/>
+                    <a:lumOff val="50000"/>
+                  </a:schemeClr>
+                </a:solidFill>
+              </a:rPr>
+              <a:t>変換群の構造に連続性を加えたもの</a:t>
+            </a:r>
+            <a:endParaRPr lang="en-US" altLang="ja-JP" dirty="0">
+              <a:solidFill>
+                <a:schemeClr val="tx1">
+                  <a:lumMod val="50000"/>
+                  <a:lumOff val="50000"/>
+                </a:schemeClr>
+              </a:solidFill>
+            </a:endParaRPr>
+          </a:p>
+          <a:p>
+            <a:pPr marL="0" indent="0">
+              <a:buNone/>
+            </a:pPr>
+            <a:endParaRPr lang="en-US" altLang="ja-JP" dirty="0">
+              <a:solidFill>
+                <a:schemeClr val="tx1">
+                  <a:lumMod val="50000"/>
+                  <a:lumOff val="50000"/>
+                </a:schemeClr>
+              </a:solidFill>
+            </a:endParaRPr>
+          </a:p>
+          <a:p>
+            <a:pPr marL="0" indent="0">
+              <a:buNone/>
+            </a:pPr>
+            <a:r>
+              <a:rPr lang="ja-JP" altLang="en-US"/>
+              <a:t>「作用」というもので群を分類している</a:t>
+            </a:r>
+            <a:endParaRPr lang="en-US" altLang="ja-JP" dirty="0"/>
+          </a:p>
+        </p:txBody>
+      </p:sp>
+    </p:spTree>
+    <p:extLst>
+      <p:ext uri="{BB962C8B-B14F-4D97-AF65-F5344CB8AC3E}">
+        <p14:creationId xmlns:p14="http://schemas.microsoft.com/office/powerpoint/2010/main" val="3985254540"/>
+      </p:ext>
+    </p:extLst>
+  </p:cSld>
+  <p:clrMapOvr>
+    <a:masterClrMapping/>
+  </p:clrMapOvr>
+</p:sld>
+</file>
+
 <file path=ppt/slides/slide3.xml><?xml version="1.0" encoding="utf-8"?>
 <p:sld xmlns:a="http://schemas.openxmlformats.org/drawingml/2006/main" xmlns:r="http://schemas.openxmlformats.org/officeDocument/2006/relationships" xmlns:p="http://schemas.openxmlformats.org/presentationml/2006/main">
   <p:cSld>
@@ -10844,7 +10950,7 @@
         <p:spPr/>
         <p:txBody>
           <a:bodyPr>
-            <a:normAutofit lnSpcReduction="10000"/>
+            <a:normAutofit/>
           </a:bodyPr>
           <a:lstStyle/>
           <a:p>
@@ -10857,11 +10963,18 @@
           <a:p>
             <a:r>
               <a:rPr kumimoji="1" lang="ja-JP" altLang="en-US"/>
-              <a:t>計算自体の関係を考えるので，対象物は数である必要はなくな</a:t>
+              <a:t>計算自体の関係を考えるので，対象は数である必要はなくな</a:t>
             </a:r>
             <a:r>
               <a:rPr lang="ja-JP" altLang="en-US"/>
-              <a:t>る．</a:t>
+              <a:t>る．現代数学では基本的に集合を対象とする．</a:t>
+            </a:r>
+            <a:endParaRPr kumimoji="1" lang="en-US" altLang="ja-JP" dirty="0"/>
+          </a:p>
+          <a:p>
+            <a:r>
+              <a:rPr lang="ja-JP" altLang="en-US"/>
+              <a:t>計算自体の関係とはなんぞや？</a:t>
             </a:r>
             <a:br>
               <a:rPr lang="en-US" altLang="ja-JP" dirty="0"/>
@@ -10872,29 +10985,7 @@
             </a:r>
             <a:r>
               <a:rPr lang="ja-JP" altLang="en-US"/>
-              <a:t>さらに</a:t>
-            </a:r>
-            <a:r>
-              <a:rPr kumimoji="1" lang="ja-JP" altLang="en-US"/>
-              <a:t>抽象的な思考ができる．</a:t>
-            </a:r>
-            <a:endParaRPr kumimoji="1" lang="en-US" altLang="ja-JP" dirty="0"/>
-          </a:p>
-          <a:p>
-            <a:r>
-              <a:rPr lang="ja-JP" altLang="en-US"/>
-              <a:t>計算自体の関係とはなんぞや？</a:t>
-            </a:r>
-            <a:br>
-              <a:rPr lang="en-US" altLang="ja-JP" dirty="0"/>
-            </a:br>
-            <a:r>
-              <a:rPr lang="en-US" altLang="ja-JP" dirty="0"/>
-              <a:t>	→</a:t>
-            </a:r>
-            <a:r>
-              <a:rPr lang="ja-JP" altLang="en-US"/>
-              <a:t>計算（演算，写像）がどのような構造をしているか</a:t>
+              <a:t>計算（演算，写像）がどのような構造をしているか．</a:t>
             </a:r>
             <a:endParaRPr lang="en-US" altLang="ja-JP" dirty="0"/>
           </a:p>
@@ -10920,14 +11011,7 @@
             </a:r>
             <a:r>
               <a:rPr kumimoji="1" lang="ja-JP" altLang="en-US"/>
-              <a:t>構造を「群（もしくは抽象群）」という</a:t>
-            </a:r>
-            <a:br>
-              <a:rPr kumimoji="1" lang="en-US" altLang="ja-JP" dirty="0"/>
-            </a:br>
-            <a:r>
-              <a:rPr kumimoji="1" lang="ja-JP" altLang="en-US"/>
-              <a:t>群は写像の集合</a:t>
+              <a:t>構造を「群（もしくは抽象群）」という．</a:t>
             </a:r>
           </a:p>
         </p:txBody>
@@ -10967,7 +11051,7 @@
           <p:cNvPr id="2" name="タイトル 1">
             <a:extLst>
               <a:ext uri="{FF2B5EF4-FFF2-40B4-BE49-F238E27FC236}">
-                <a16:creationId xmlns:a16="http://schemas.microsoft.com/office/drawing/2014/main" id="{721C6993-1234-7848-B600-AC0454A2EC61}"/>
+                <a16:creationId xmlns:a16="http://schemas.microsoft.com/office/drawing/2014/main" id="{07AC44CD-3254-E849-9B9D-65A759B6B5D0}"/>
               </a:ext>
             </a:extLst>
           </p:cNvPr>
@@ -10984,12 +11068,8 @@
           <a:lstStyle/>
           <a:p>
             <a:r>
-              <a:rPr lang="ja-JP" altLang="en-US"/>
-              <a:t>計算</a:t>
-            </a:r>
-            <a:r>
-              <a:rPr kumimoji="1" lang="ja-JP" altLang="en-US"/>
-              <a:t>に着目するとは</a:t>
+              <a:rPr kumimoji="1" lang="ja-JP" altLang="en-US"/>
+              <a:t>群とは？</a:t>
             </a:r>
           </a:p>
         </p:txBody>
@@ -10999,7 +11079,7 @@
           <p:cNvPr id="3" name="コンテンツ プレースホルダー 2">
             <a:extLst>
               <a:ext uri="{FF2B5EF4-FFF2-40B4-BE49-F238E27FC236}">
-                <a16:creationId xmlns:a16="http://schemas.microsoft.com/office/drawing/2014/main" id="{1D161B91-3540-F34A-83DA-68E854027669}"/>
+                <a16:creationId xmlns:a16="http://schemas.microsoft.com/office/drawing/2014/main" id="{C7CA7C95-7ECE-CC49-846B-46C083B48106}"/>
               </a:ext>
             </a:extLst>
           </p:cNvPr>
@@ -11016,69 +11096,38 @@
           <a:lstStyle/>
           <a:p>
             <a:r>
+              <a:rPr kumimoji="1" lang="ja-JP" altLang="en-US"/>
+              <a:t>集合はモノを集めただけ．</a:t>
+            </a:r>
+            <a:endParaRPr kumimoji="1" lang="en-US" altLang="ja-JP" dirty="0"/>
+          </a:p>
+          <a:p>
+            <a:r>
               <a:rPr lang="ja-JP" altLang="en-US"/>
-              <a:t>実数の和とベクトルの和を考えてみよう．</a:t>
-            </a:r>
+              <a:t>集合の中でも</a:t>
+            </a:r>
+            <a:r>
+              <a:rPr kumimoji="1" lang="ja-JP" altLang="en-US"/>
+              <a:t>，共通の演算ができるものを集めた集合を考える．</a:t>
+            </a:r>
+            <a:endParaRPr kumimoji="1" lang="en-US" altLang="ja-JP" dirty="0"/>
+          </a:p>
+          <a:p>
             <a:endParaRPr lang="en-US" altLang="ja-JP" dirty="0"/>
           </a:p>
           <a:p>
             <a:r>
-              <a:rPr kumimoji="1" lang="ja-JP" altLang="en-US"/>
-              <a:t>対象物に着目</a:t>
-            </a:r>
-            <a:br>
-              <a:rPr kumimoji="1" lang="en-US" altLang="ja-JP" dirty="0"/>
-            </a:br>
-            <a:r>
-              <a:rPr kumimoji="1" lang="en-US" altLang="ja-JP" dirty="0"/>
-              <a:t>→</a:t>
-            </a:r>
-            <a:r>
-              <a:rPr kumimoji="1" lang="ja-JP" altLang="en-US"/>
-              <a:t>実数とベクトルは全くの別物である</a:t>
-            </a:r>
-            <a:endParaRPr lang="en-US" altLang="ja-JP" dirty="0"/>
-          </a:p>
-          <a:p>
-            <a:r>
-              <a:rPr kumimoji="1" lang="ja-JP" altLang="en-US"/>
-              <a:t>演算に着目</a:t>
-            </a:r>
-            <a:br>
-              <a:rPr kumimoji="1" lang="en-US" altLang="ja-JP" dirty="0"/>
-            </a:br>
-            <a:r>
-              <a:rPr kumimoji="1" lang="en-US" altLang="ja-JP" dirty="0"/>
-              <a:t>→</a:t>
-            </a:r>
-            <a:r>
-              <a:rPr kumimoji="1" lang="ja-JP" altLang="en-US"/>
-              <a:t>同じ</a:t>
-            </a:r>
-            <a:r>
-              <a:rPr kumimoji="1" lang="en-US" altLang="ja-JP" dirty="0"/>
-              <a:t>”+”</a:t>
-            </a:r>
-            <a:r>
-              <a:rPr kumimoji="1" lang="ja-JP" altLang="en-US"/>
-              <a:t>という演算（写像）を考えた場合，実数であれベクトルであれ，この</a:t>
-            </a:r>
-            <a:r>
-              <a:rPr kumimoji="1" lang="en-US" altLang="ja-JP" dirty="0"/>
-              <a:t>”+”</a:t>
-            </a:r>
-            <a:r>
-              <a:rPr kumimoji="1" lang="ja-JP" altLang="en-US"/>
-              <a:t>という演算（＝写像）で包括することができる．</a:t>
-            </a:r>
-            <a:endParaRPr kumimoji="1" lang="en-US" altLang="ja-JP" dirty="0"/>
+              <a:rPr lang="ja-JP" altLang="en-US"/>
+              <a:t>この集合と演算を合わせたものを群という．</a:t>
+            </a:r>
+            <a:endParaRPr kumimoji="1" lang="ja-JP" altLang="en-US"/>
           </a:p>
         </p:txBody>
       </p:sp>
     </p:spTree>
     <p:extLst>
       <p:ext uri="{BB962C8B-B14F-4D97-AF65-F5344CB8AC3E}">
-        <p14:creationId xmlns:p14="http://schemas.microsoft.com/office/powerpoint/2010/main" val="646266918"/>
+        <p14:creationId xmlns:p14="http://schemas.microsoft.com/office/powerpoint/2010/main" val="3490278928"/>
       </p:ext>
     </p:extLst>
   </p:cSld>
@@ -11523,7 +11572,7 @@
           <p:cNvPr id="2" name="タイトル 1">
             <a:extLst>
               <a:ext uri="{FF2B5EF4-FFF2-40B4-BE49-F238E27FC236}">
-                <a16:creationId xmlns:a16="http://schemas.microsoft.com/office/drawing/2014/main" id="{9DA69A30-AF95-324B-A5E3-8B825D4CC415}"/>
+                <a16:creationId xmlns:a16="http://schemas.microsoft.com/office/drawing/2014/main" id="{F74B3020-F4CD-5E4A-A772-CCD193FF28DB}"/>
               </a:ext>
             </a:extLst>
           </p:cNvPr>
@@ -11541,311 +11590,254 @@
           <a:p>
             <a:r>
               <a:rPr kumimoji="1" lang="ja-JP" altLang="en-US"/>
-              <a:t>群の種類（クラス）</a:t>
+              <a:t>群の定義を見ていく</a:t>
             </a:r>
           </a:p>
         </p:txBody>
       </p:sp>
-      <p:sp>
-        <p:nvSpPr>
-          <p:cNvPr id="3" name="コンテンツ プレースホルダー 2">
-            <a:extLst>
-              <a:ext uri="{FF2B5EF4-FFF2-40B4-BE49-F238E27FC236}">
-                <a16:creationId xmlns:a16="http://schemas.microsoft.com/office/drawing/2014/main" id="{D8F413E1-9001-8A49-A818-51A435D1379A}"/>
-              </a:ext>
-            </a:extLst>
-          </p:cNvPr>
-          <p:cNvSpPr>
-            <a:spLocks noGrp="1"/>
-          </p:cNvSpPr>
-          <p:nvPr>
-            <p:ph idx="1"/>
-          </p:nvPr>
-        </p:nvSpPr>
-        <p:spPr>
-          <a:xfrm>
-            <a:off x="838200" y="1354238"/>
-            <a:ext cx="10515600" cy="4822725"/>
-          </a:xfrm>
-        </p:spPr>
-        <p:txBody>
-          <a:bodyPr>
-            <a:normAutofit/>
-          </a:bodyPr>
-          <a:lstStyle/>
-          <a:p>
-            <a:pPr marL="0" indent="0">
-              <a:buNone/>
-            </a:pPr>
-            <a:r>
-              <a:rPr kumimoji="1" lang="ja-JP" altLang="en-US"/>
-              <a:t>構造で分けた際に群の元（＝写像）の性質で分けることができる</a:t>
-            </a:r>
-            <a:endParaRPr kumimoji="1" lang="en-US" altLang="ja-JP" dirty="0"/>
-          </a:p>
-          <a:p>
-            <a:pPr marL="0" indent="0">
-              <a:buNone/>
-            </a:pPr>
-            <a:endParaRPr lang="en-US" altLang="ja-JP" dirty="0"/>
-          </a:p>
-          <a:p>
-            <a:r>
-              <a:rPr kumimoji="1" lang="ja-JP" altLang="en-US"/>
-              <a:t>置換群：</a:t>
-            </a:r>
-            <a:r>
-              <a:rPr lang="ja-JP" altLang="en-US">
-                <a:solidFill>
-                  <a:schemeClr val="tx1">
-                    <a:lumMod val="50000"/>
-                    <a:lumOff val="50000"/>
-                  </a:schemeClr>
-                </a:solidFill>
-              </a:rPr>
-              <a:t>任意の集合</a:t>
-            </a:r>
-            <a:r>
-              <a:rPr lang="en-US" altLang="ja-JP" dirty="0">
-                <a:solidFill>
-                  <a:schemeClr val="tx1">
-                    <a:lumMod val="50000"/>
-                    <a:lumOff val="50000"/>
-                  </a:schemeClr>
-                </a:solidFill>
-              </a:rPr>
-              <a:t>A</a:t>
-            </a:r>
-            <a:r>
-              <a:rPr lang="ja-JP" altLang="en-US">
-                <a:solidFill>
-                  <a:schemeClr val="tx1">
-                    <a:lumMod val="50000"/>
-                    <a:lumOff val="50000"/>
-                  </a:schemeClr>
-                </a:solidFill>
-              </a:rPr>
-              <a:t>から集合</a:t>
-            </a:r>
-            <a:r>
-              <a:rPr lang="en-US" altLang="ja-JP" dirty="0">
-                <a:solidFill>
-                  <a:schemeClr val="tx1">
-                    <a:lumMod val="50000"/>
-                    <a:lumOff val="50000"/>
-                  </a:schemeClr>
-                </a:solidFill>
-              </a:rPr>
-              <a:t>A</a:t>
-            </a:r>
-            <a:r>
-              <a:rPr lang="ja-JP" altLang="en-US">
-                <a:solidFill>
-                  <a:schemeClr val="tx1">
-                    <a:lumMod val="50000"/>
-                    <a:lumOff val="50000"/>
-                  </a:schemeClr>
-                </a:solidFill>
-              </a:rPr>
-              <a:t>への全単射</a:t>
-            </a:r>
-            <a:endParaRPr kumimoji="1" lang="en-US" altLang="ja-JP" dirty="0">
-              <a:solidFill>
-                <a:schemeClr val="tx1">
-                  <a:lumMod val="50000"/>
-                  <a:lumOff val="50000"/>
-                </a:schemeClr>
-              </a:solidFill>
-            </a:endParaRPr>
-          </a:p>
-          <a:p>
-            <a:r>
-              <a:rPr lang="ja-JP" altLang="en-US"/>
-              <a:t>行列群：</a:t>
-            </a:r>
-            <a:r>
-              <a:rPr lang="ja-JP" altLang="en-US">
-                <a:solidFill>
-                  <a:schemeClr val="tx1">
-                    <a:lumMod val="50000"/>
-                    <a:lumOff val="50000"/>
-                  </a:schemeClr>
-                </a:solidFill>
-              </a:rPr>
-              <a:t>正則行列を集めた群</a:t>
-            </a:r>
-            <a:endParaRPr lang="en-US" altLang="ja-JP" dirty="0">
-              <a:solidFill>
-                <a:schemeClr val="tx1">
-                  <a:lumMod val="50000"/>
-                  <a:lumOff val="50000"/>
-                </a:schemeClr>
-              </a:solidFill>
-            </a:endParaRPr>
-          </a:p>
-          <a:p>
-            <a:r>
-              <a:rPr kumimoji="1" lang="ja-JP" altLang="en-US"/>
-              <a:t>変換群</a:t>
-            </a:r>
-            <a:r>
-              <a:rPr lang="ja-JP" altLang="en-US"/>
-              <a:t>：</a:t>
-            </a:r>
-            <a:r>
-              <a:rPr lang="ja-JP" altLang="en-US">
-                <a:solidFill>
-                  <a:schemeClr val="tx1">
-                    <a:lumMod val="50000"/>
-                    <a:lumOff val="50000"/>
-                  </a:schemeClr>
-                </a:solidFill>
-              </a:rPr>
-              <a:t>集合</a:t>
-            </a:r>
-            <a:r>
-              <a:rPr lang="en-US" altLang="ja-JP" dirty="0">
-                <a:solidFill>
-                  <a:schemeClr val="tx1">
-                    <a:lumMod val="50000"/>
-                    <a:lumOff val="50000"/>
-                  </a:schemeClr>
-                </a:solidFill>
-              </a:rPr>
-              <a:t>A</a:t>
-            </a:r>
-            <a:r>
-              <a:rPr lang="ja-JP" altLang="en-US">
-                <a:solidFill>
-                  <a:schemeClr val="tx1">
-                    <a:lumMod val="50000"/>
-                    <a:lumOff val="50000"/>
-                  </a:schemeClr>
-                </a:solidFill>
-              </a:rPr>
-              <a:t>から集合</a:t>
-            </a:r>
-            <a:r>
-              <a:rPr lang="en-US" altLang="ja-JP" dirty="0">
-                <a:solidFill>
-                  <a:schemeClr val="tx1">
-                    <a:lumMod val="50000"/>
-                    <a:lumOff val="50000"/>
-                  </a:schemeClr>
-                </a:solidFill>
-              </a:rPr>
-              <a:t>A</a:t>
-            </a:r>
-            <a:r>
-              <a:rPr lang="ja-JP" altLang="en-US">
-                <a:solidFill>
-                  <a:schemeClr val="tx1">
-                    <a:lumMod val="50000"/>
-                    <a:lumOff val="50000"/>
-                  </a:schemeClr>
-                </a:solidFill>
-              </a:rPr>
-              <a:t>への構造を保つ写像全体の集合．</a:t>
-            </a:r>
-            <a:br>
-              <a:rPr lang="en-US" altLang="ja-JP" dirty="0">
-                <a:solidFill>
-                  <a:schemeClr val="tx1">
-                    <a:lumMod val="50000"/>
-                    <a:lumOff val="50000"/>
-                  </a:schemeClr>
-                </a:solidFill>
-              </a:rPr>
-            </a:br>
-            <a:r>
-              <a:rPr lang="en-US" altLang="ja-JP" dirty="0">
-                <a:solidFill>
-                  <a:schemeClr val="tx1">
-                    <a:lumMod val="50000"/>
-                    <a:lumOff val="50000"/>
-                  </a:schemeClr>
-                </a:solidFill>
-              </a:rPr>
-              <a:t>		</a:t>
-            </a:r>
-            <a:r>
-              <a:rPr lang="ja-JP" altLang="en-US">
-                <a:solidFill>
-                  <a:schemeClr val="tx1">
-                    <a:lumMod val="50000"/>
-                    <a:lumOff val="50000"/>
-                  </a:schemeClr>
-                </a:solidFill>
-              </a:rPr>
-              <a:t>置換群と行列群は変換群の特別な場合</a:t>
-            </a:r>
-            <a:endParaRPr lang="en-US" altLang="ja-JP" dirty="0">
-              <a:solidFill>
-                <a:schemeClr val="tx1">
-                  <a:lumMod val="50000"/>
-                  <a:lumOff val="50000"/>
-                </a:schemeClr>
-              </a:solidFill>
-            </a:endParaRPr>
-          </a:p>
-          <a:p>
-            <a:r>
-              <a:rPr kumimoji="1" lang="ja-JP" altLang="en-US"/>
-              <a:t>位相群・代数群</a:t>
-            </a:r>
-            <a:r>
-              <a:rPr lang="ja-JP" altLang="en-US"/>
-              <a:t>：</a:t>
-            </a:r>
-            <a:r>
-              <a:rPr lang="ja-JP" altLang="en-US">
-                <a:solidFill>
-                  <a:schemeClr val="tx1">
-                    <a:lumMod val="50000"/>
-                    <a:lumOff val="50000"/>
-                  </a:schemeClr>
-                </a:solidFill>
-              </a:rPr>
-              <a:t>変換群の構造に連続性を加えたもの</a:t>
-            </a:r>
-            <a:endParaRPr lang="en-US" altLang="ja-JP" dirty="0">
-              <a:solidFill>
-                <a:schemeClr val="tx1">
-                  <a:lumMod val="50000"/>
-                  <a:lumOff val="50000"/>
-                </a:schemeClr>
-              </a:solidFill>
-            </a:endParaRPr>
-          </a:p>
-          <a:p>
-            <a:pPr marL="0" indent="0">
-              <a:buNone/>
-            </a:pPr>
-            <a:endParaRPr lang="en-US" altLang="ja-JP" dirty="0">
-              <a:solidFill>
-                <a:schemeClr val="tx1">
-                  <a:lumMod val="50000"/>
-                  <a:lumOff val="50000"/>
-                </a:schemeClr>
-              </a:solidFill>
-            </a:endParaRPr>
-          </a:p>
-          <a:p>
-            <a:pPr marL="0" indent="0">
-              <a:buNone/>
-            </a:pPr>
-            <a:r>
-              <a:rPr lang="ja-JP" altLang="en-US"/>
-              <a:t>実は「作用」というもので群を分類している</a:t>
-            </a:r>
-            <a:endParaRPr lang="en-US" altLang="ja-JP" dirty="0"/>
-          </a:p>
-        </p:txBody>
-      </p:sp>
+      <mc:AlternateContent xmlns:mc="http://schemas.openxmlformats.org/markup-compatibility/2006">
+        <mc:Choice xmlns:a14="http://schemas.microsoft.com/office/drawing/2010/main" Requires="a14">
+          <p:sp>
+            <p:nvSpPr>
+              <p:cNvPr id="3" name="コンテンツ プレースホルダー 2">
+                <a:extLst>
+                  <a:ext uri="{FF2B5EF4-FFF2-40B4-BE49-F238E27FC236}">
+                    <a16:creationId xmlns:a16="http://schemas.microsoft.com/office/drawing/2014/main" id="{9409C43E-6ED9-F742-9D17-57ABED493EBF}"/>
+                  </a:ext>
+                </a:extLst>
+              </p:cNvPr>
+              <p:cNvSpPr>
+                <a:spLocks noGrp="1"/>
+              </p:cNvSpPr>
+              <p:nvPr>
+                <p:ph idx="1"/>
+              </p:nvPr>
+            </p:nvSpPr>
+            <p:spPr/>
+            <p:txBody>
+              <a:bodyPr/>
+              <a:lstStyle/>
+              <a:p>
+                <a:r>
+                  <a:rPr kumimoji="1" lang="ja-JP" altLang="en-US"/>
+                  <a:t>群の定義</a:t>
+                </a:r>
+                <a:endParaRPr kumimoji="1" lang="en-US" altLang="ja-JP" dirty="0"/>
+              </a:p>
+              <a:p>
+                <a:r>
+                  <a:rPr lang="ja-JP" altLang="en-US"/>
+                  <a:t>群の派生</a:t>
+                </a:r>
+                <a:endParaRPr lang="en-US" altLang="ja-JP" dirty="0"/>
+              </a:p>
+              <a:p>
+                <a:r>
+                  <a:rPr kumimoji="1" lang="ja-JP" altLang="en-US"/>
+                  <a:t>群の例：</a:t>
+                </a:r>
+                <a:r>
+                  <a:rPr lang="fr-CA" altLang="ja" dirty="0"/>
+                  <a:t> </a:t>
+                </a:r>
+                <a14:m>
+                  <m:oMath xmlns:m="http://schemas.openxmlformats.org/officeDocument/2006/math">
+                    <m:r>
+                      <m:rPr>
+                        <m:sty m:val="p"/>
+                      </m:rPr>
+                      <a:rPr lang="fr-CA" altLang="ja">
+                        <a:latin typeface="Cambria Math" panose="02040503050406030204" pitchFamily="18" charset="0"/>
+                      </a:rPr>
+                      <m:t>G</m:t>
+                    </m:r>
+                    <m:r>
+                      <m:rPr>
+                        <m:sty m:val="p"/>
+                      </m:rPr>
+                      <a:rPr lang="en-US" altLang="ja">
+                        <a:latin typeface="Cambria Math" panose="02040503050406030204" pitchFamily="18" charset="0"/>
+                      </a:rPr>
+                      <m:t>L</m:t>
+                    </m:r>
+                    <m:d>
+                      <m:dPr>
+                        <m:ctrlPr>
+                          <a:rPr lang="en-US" altLang="ja" i="1">
+                            <a:latin typeface="Cambria Math" panose="02040503050406030204" pitchFamily="18" charset="0"/>
+                          </a:rPr>
+                        </m:ctrlPr>
+                      </m:dPr>
+                      <m:e>
+                        <m:r>
+                          <m:rPr>
+                            <m:sty m:val="p"/>
+                          </m:rPr>
+                          <a:rPr lang="en-US" altLang="ja">
+                            <a:latin typeface="Cambria Math" panose="02040503050406030204" pitchFamily="18" charset="0"/>
+                          </a:rPr>
+                          <m:t>n</m:t>
+                        </m:r>
+                        <m:r>
+                          <a:rPr lang="en-US" altLang="ja">
+                            <a:latin typeface="Cambria Math" panose="02040503050406030204" pitchFamily="18" charset="0"/>
+                          </a:rPr>
+                          <m:t>;</m:t>
+                        </m:r>
+                        <m:r>
+                          <a:rPr lang="en-US" altLang="ja">
+                            <a:latin typeface="Cambria Math" panose="02040503050406030204" pitchFamily="18" charset="0"/>
+                            <a:ea typeface="Cambria Math" panose="02040503050406030204" pitchFamily="18" charset="0"/>
+                          </a:rPr>
+                          <m:t>ℂ</m:t>
+                        </m:r>
+                      </m:e>
+                    </m:d>
+                  </m:oMath>
+                </a14:m>
+                <a:endParaRPr kumimoji="1" lang="en-US" altLang="ja-JP" dirty="0"/>
+              </a:p>
+              <a:p>
+                <a:r>
+                  <a:rPr lang="ja-JP" altLang="en-US"/>
+                  <a:t>部分群</a:t>
+                </a:r>
+                <a:endParaRPr lang="en-US" altLang="ja-JP" dirty="0"/>
+              </a:p>
+              <a:p>
+                <a:pPr lvl="1"/>
+                <a:r>
+                  <a:rPr kumimoji="1" lang="ja-JP" altLang="en-US"/>
+                  <a:t>定義</a:t>
+                </a:r>
+                <a:r>
+                  <a:rPr lang="ja-JP" altLang="en-US"/>
+                  <a:t>・性質</a:t>
+                </a:r>
+                <a:endParaRPr lang="en-US" altLang="ja-JP" dirty="0"/>
+              </a:p>
+              <a:p>
+                <a:pPr lvl="1"/>
+                <a:r>
+                  <a:rPr kumimoji="1" lang="ja-JP" altLang="en-US"/>
+                  <a:t>例：</a:t>
+                </a:r>
+                <a:r>
+                  <a:rPr lang="en-US" altLang="ja-JP" dirty="0"/>
+                  <a:t> </a:t>
+                </a:r>
+                <a14:m>
+                  <m:oMath xmlns:m="http://schemas.openxmlformats.org/officeDocument/2006/math">
+                    <m:r>
+                      <m:rPr>
+                        <m:sty m:val="p"/>
+                      </m:rPr>
+                      <a:rPr lang="en-US" altLang="ja-JP">
+                        <a:latin typeface="Cambria Math" panose="02040503050406030204" pitchFamily="18" charset="0"/>
+                      </a:rPr>
+                      <m:t>O</m:t>
+                    </m:r>
+                    <m:d>
+                      <m:dPr>
+                        <m:ctrlPr>
+                          <a:rPr lang="en-US" altLang="ja" i="1">
+                            <a:latin typeface="Cambria Math" panose="02040503050406030204" pitchFamily="18" charset="0"/>
+                          </a:rPr>
+                        </m:ctrlPr>
+                      </m:dPr>
+                      <m:e>
+                        <m:r>
+                          <m:rPr>
+                            <m:sty m:val="p"/>
+                          </m:rPr>
+                          <a:rPr lang="en-US" altLang="ja">
+                            <a:latin typeface="Cambria Math" panose="02040503050406030204" pitchFamily="18" charset="0"/>
+                          </a:rPr>
+                          <m:t>n</m:t>
+                        </m:r>
+                      </m:e>
+                    </m:d>
+                    <m:r>
+                      <a:rPr lang="en-US" altLang="ja" i="1">
+                        <a:latin typeface="Cambria Math" panose="02040503050406030204" pitchFamily="18" charset="0"/>
+                        <a:ea typeface="Cambria Math" panose="02040503050406030204" pitchFamily="18" charset="0"/>
+                      </a:rPr>
+                      <m:t> </m:t>
+                    </m:r>
+                  </m:oMath>
+                </a14:m>
+                <a:endParaRPr kumimoji="1" lang="en-US" altLang="ja-JP" dirty="0"/>
+              </a:p>
+              <a:p>
+                <a:r>
+                  <a:rPr lang="ja-JP" altLang="en-US"/>
+                  <a:t>群の作用</a:t>
+                </a:r>
+                <a:endParaRPr lang="en-US" altLang="ja-JP" dirty="0"/>
+              </a:p>
+              <a:p>
+                <a:pPr lvl="1"/>
+                <a:r>
+                  <a:rPr lang="ja-JP" altLang="en-US"/>
+                  <a:t>定義</a:t>
+                </a:r>
+                <a:endParaRPr lang="en-US" altLang="ja-JP" dirty="0"/>
+              </a:p>
+              <a:p>
+                <a:pPr lvl="1"/>
+                <a:r>
+                  <a:rPr lang="ja-JP" altLang="en-US"/>
+                  <a:t>例：</a:t>
+                </a:r>
+                <a:endParaRPr lang="en-US" altLang="ja-JP" dirty="0"/>
+              </a:p>
+            </p:txBody>
+          </p:sp>
+        </mc:Choice>
+        <mc:Fallback>
+          <p:sp>
+            <p:nvSpPr>
+              <p:cNvPr id="3" name="コンテンツ プレースホルダー 2">
+                <a:extLst>
+                  <a:ext uri="{FF2B5EF4-FFF2-40B4-BE49-F238E27FC236}">
+                    <a16:creationId xmlns:a16="http://schemas.microsoft.com/office/drawing/2014/main" id="{9409C43E-6ED9-F742-9D17-57ABED493EBF}"/>
+                  </a:ext>
+                </a:extLst>
+              </p:cNvPr>
+              <p:cNvSpPr>
+                <a:spLocks noGrp="1" noRot="1" noChangeAspect="1" noMove="1" noResize="1" noEditPoints="1" noAdjustHandles="1" noChangeArrowheads="1" noChangeShapeType="1" noTextEdit="1"/>
+              </p:cNvSpPr>
+              <p:nvPr>
+                <p:ph idx="1"/>
+              </p:nvPr>
+            </p:nvSpPr>
+            <p:spPr>
+              <a:blipFill>
+                <a:blip r:embed="rId2"/>
+                <a:stretch>
+                  <a:fillRect l="-965" t="-2632"/>
+                </a:stretch>
+              </a:blipFill>
+            </p:spPr>
+            <p:txBody>
+              <a:bodyPr/>
+              <a:lstStyle/>
+              <a:p>
+                <a:r>
+                  <a:rPr lang="ja-JP" altLang="en-US">
+                    <a:noFill/>
+                  </a:rPr>
+                  <a:t> </a:t>
+                </a:r>
+              </a:p>
+            </p:txBody>
+          </p:sp>
+        </mc:Fallback>
+      </mc:AlternateContent>
     </p:spTree>
     <p:extLst>
       <p:ext uri="{BB962C8B-B14F-4D97-AF65-F5344CB8AC3E}">
-        <p14:creationId xmlns:p14="http://schemas.microsoft.com/office/powerpoint/2010/main" val="3985254540"/>
+        <p14:creationId xmlns:p14="http://schemas.microsoft.com/office/powerpoint/2010/main" val="898711353"/>
       </p:ext>
     </p:extLst>
   </p:cSld>
@@ -11877,7 +11869,7 @@
           <p:cNvPr id="2" name="タイトル 1">
             <a:extLst>
               <a:ext uri="{FF2B5EF4-FFF2-40B4-BE49-F238E27FC236}">
-                <a16:creationId xmlns:a16="http://schemas.microsoft.com/office/drawing/2014/main" id="{3FADE1B3-2A00-6944-8C45-6FCF6E2330EC}"/>
+                <a16:creationId xmlns:a16="http://schemas.microsoft.com/office/drawing/2014/main" id="{0AA80DD3-7B55-5E4C-BC50-93BA664AAE9D}"/>
               </a:ext>
             </a:extLst>
           </p:cNvPr>
@@ -11895,147 +11887,824 @@
           <a:p>
             <a:r>
               <a:rPr kumimoji="1" lang="ja-JP" altLang="en-US"/>
-              <a:t>群の作用</a:t>
+              <a:t>群の定義</a:t>
             </a:r>
           </a:p>
         </p:txBody>
       </p:sp>
-      <p:sp>
-        <p:nvSpPr>
-          <p:cNvPr id="3" name="コンテンツ プレースホルダー 2">
-            <a:extLst>
-              <a:ext uri="{FF2B5EF4-FFF2-40B4-BE49-F238E27FC236}">
-                <a16:creationId xmlns:a16="http://schemas.microsoft.com/office/drawing/2014/main" id="{E071A807-CA15-154A-B850-00A7C062A62E}"/>
-              </a:ext>
-            </a:extLst>
-          </p:cNvPr>
-          <p:cNvSpPr>
-            <a:spLocks noGrp="1"/>
-          </p:cNvSpPr>
-          <p:nvPr>
-            <p:ph idx="1"/>
-          </p:nvPr>
-        </p:nvSpPr>
-        <p:spPr/>
-        <p:txBody>
-          <a:bodyPr/>
-          <a:lstStyle/>
-          <a:p>
-            <a:r>
-              <a:rPr kumimoji="1" lang="ja-JP" altLang="en-US"/>
-              <a:t>群</a:t>
-            </a:r>
-            <a:r>
-              <a:rPr kumimoji="1" lang="en-US" altLang="ja-JP" dirty="0"/>
-              <a:t>G</a:t>
-            </a:r>
-            <a:r>
-              <a:rPr kumimoji="1" lang="ja-JP" altLang="en-US"/>
-              <a:t>の元が集合</a:t>
-            </a:r>
-            <a:r>
-              <a:rPr kumimoji="1" lang="en-US" altLang="ja-JP" dirty="0"/>
-              <a:t>A</a:t>
-            </a:r>
-            <a:r>
-              <a:rPr kumimoji="1" lang="ja-JP" altLang="en-US"/>
-              <a:t>から集合</a:t>
-            </a:r>
-            <a:r>
-              <a:rPr kumimoji="1" lang="en-US" altLang="ja-JP" dirty="0"/>
-              <a:t>A</a:t>
-            </a:r>
-            <a:r>
-              <a:rPr lang="ja-JP" altLang="en-US"/>
-              <a:t>へと</a:t>
-            </a:r>
-            <a:r>
-              <a:rPr kumimoji="1" lang="ja-JP" altLang="en-US"/>
-              <a:t>写す写像となる時</a:t>
-            </a:r>
-            <a:br>
-              <a:rPr kumimoji="1" lang="en-US" altLang="ja-JP" dirty="0"/>
-            </a:br>
-            <a:r>
-              <a:rPr kumimoji="1" lang="ja-JP" altLang="en-US"/>
-              <a:t>「群</a:t>
-            </a:r>
-            <a:r>
-              <a:rPr kumimoji="1" lang="en-US" altLang="ja-JP" dirty="0"/>
-              <a:t>G</a:t>
-            </a:r>
-            <a:r>
-              <a:rPr kumimoji="1" lang="ja-JP" altLang="en-US"/>
-              <a:t>の集合</a:t>
-            </a:r>
-            <a:r>
-              <a:rPr kumimoji="1" lang="en-US" altLang="ja-JP" dirty="0"/>
-              <a:t>A</a:t>
-            </a:r>
-            <a:r>
-              <a:rPr kumimoji="1" lang="ja-JP" altLang="en-US"/>
-              <a:t>への作用」という．</a:t>
-            </a:r>
-            <a:br>
-              <a:rPr kumimoji="1" lang="en-US" altLang="ja-JP" dirty="0"/>
-            </a:br>
-            <a:endParaRPr kumimoji="1" lang="en-US" altLang="ja-JP" dirty="0"/>
-          </a:p>
-          <a:p>
-            <a:r>
-              <a:rPr lang="ja-JP" altLang="en-US"/>
-              <a:t>集合に対して群の性質を適用させている</a:t>
-            </a:r>
-            <a:endParaRPr lang="en-US" altLang="ja-JP" dirty="0"/>
-          </a:p>
-          <a:p>
-            <a:endParaRPr lang="en-US" altLang="ja-JP" dirty="0"/>
-          </a:p>
-          <a:p>
-            <a:r>
-              <a:rPr lang="ja-JP" altLang="en-US"/>
-              <a:t>（例）二次元ユークリッド平面</a:t>
-            </a:r>
-            <a:endParaRPr lang="en-US" altLang="ja-JP" dirty="0"/>
-          </a:p>
-          <a:p>
-            <a:pPr lvl="1"/>
-            <a:r>
-              <a:rPr lang="ja-JP" altLang="en-US"/>
-              <a:t>平行移動，回転，拡大，反転</a:t>
-            </a:r>
-            <a:endParaRPr lang="en-US" altLang="ja-JP" dirty="0"/>
-          </a:p>
-          <a:p>
-            <a:pPr lvl="1"/>
-            <a:r>
-              <a:rPr lang="ja-JP" altLang="en-US"/>
-              <a:t>上記</a:t>
-            </a:r>
-            <a:r>
-              <a:rPr lang="en-US" altLang="ja-JP" dirty="0"/>
-              <a:t>4</a:t>
-            </a:r>
-            <a:r>
-              <a:rPr lang="ja-JP" altLang="en-US"/>
-              <a:t>つの変換（写像）は平面から平面に，性質を保ちながら写している．</a:t>
-            </a:r>
-            <a:endParaRPr lang="en-US" altLang="ja-JP" dirty="0"/>
-          </a:p>
-          <a:p>
-            <a:pPr lvl="1"/>
-            <a:r>
-              <a:rPr lang="ja-JP" altLang="en-US"/>
-              <a:t>正方形は回転させても正方形だよね</a:t>
-            </a:r>
-            <a:endParaRPr lang="en-US" altLang="ja-JP" dirty="0"/>
-          </a:p>
-        </p:txBody>
-      </p:sp>
+      <mc:AlternateContent xmlns:mc="http://schemas.openxmlformats.org/markup-compatibility/2006">
+        <mc:Choice xmlns:a14="http://schemas.microsoft.com/office/drawing/2010/main" Requires="a14">
+          <p:sp>
+            <p:nvSpPr>
+              <p:cNvPr id="3" name="コンテンツ プレースホルダー 2">
+                <a:extLst>
+                  <a:ext uri="{FF2B5EF4-FFF2-40B4-BE49-F238E27FC236}">
+                    <a16:creationId xmlns:a16="http://schemas.microsoft.com/office/drawing/2014/main" id="{3DC394E8-B340-1042-958B-08B9A42809D5}"/>
+                  </a:ext>
+                </a:extLst>
+              </p:cNvPr>
+              <p:cNvSpPr>
+                <a:spLocks noGrp="1"/>
+              </p:cNvSpPr>
+              <p:nvPr>
+                <p:ph idx="1"/>
+              </p:nvPr>
+            </p:nvSpPr>
+            <p:spPr>
+              <a:xfrm>
+                <a:off x="838200" y="1342663"/>
+                <a:ext cx="10515600" cy="5031069"/>
+              </a:xfrm>
+            </p:spPr>
+            <p:txBody>
+              <a:bodyPr>
+                <a:normAutofit/>
+              </a:bodyPr>
+              <a:lstStyle/>
+              <a:p>
+                <a:pPr lvl="0">
+                  <a:buAutoNum type="arabicPeriod"/>
+                </a:pPr>
+                <a:r>
+                  <a:rPr lang="ja-JP" altLang="en-US"/>
+                  <a:t>閉包</a:t>
+                </a:r>
+                <a:r>
+                  <a:rPr lang="en-US" altLang="ja-JP" dirty="0"/>
+                  <a:t> </a:t>
+                </a:r>
+                <a:r>
+                  <a:rPr lang="en-US" altLang="ja-JP" sz="2000" i="1" dirty="0">
+                    <a:solidFill>
+                      <a:schemeClr val="tx1">
+                        <a:lumMod val="50000"/>
+                        <a:lumOff val="50000"/>
+                      </a:schemeClr>
+                    </a:solidFill>
+                    <a:latin typeface="Times New Roman" panose="02020603050405020304" pitchFamily="18" charset="0"/>
+                    <a:cs typeface="Times New Roman" panose="02020603050405020304" pitchFamily="18" charset="0"/>
+                  </a:rPr>
+                  <a:t>closure</a:t>
+                </a:r>
+                <a:br>
+                  <a:rPr lang="ja-JP" altLang="en-US"/>
+                </a:br>
+                <a:r>
+                  <a:rPr lang="ja-JP" altLang="en-US"/>
+                  <a:t>　</a:t>
+                </a:r>
+                <a14:m>
+                  <m:oMath xmlns:m="http://schemas.openxmlformats.org/officeDocument/2006/math">
+                    <m:r>
+                      <a:rPr lang="ja-JP" altLang="en-US" i="1">
+                        <a:latin typeface="Cambria Math" panose="02040503050406030204" pitchFamily="18" charset="0"/>
+                      </a:rPr>
+                      <m:t>∀</m:t>
+                    </m:r>
+                    <m:r>
+                      <a:rPr lang="en-US" altLang="ja-JP" i="1">
+                        <a:latin typeface="Cambria Math" panose="02040503050406030204" pitchFamily="18" charset="0"/>
+                      </a:rPr>
+                      <m:t>𝑎</m:t>
+                    </m:r>
+                    <m:r>
+                      <a:rPr lang="en-US" altLang="ja-JP" i="1">
+                        <a:latin typeface="Cambria Math" panose="02040503050406030204" pitchFamily="18" charset="0"/>
+                      </a:rPr>
+                      <m:t>,</m:t>
+                    </m:r>
+                    <m:r>
+                      <a:rPr lang="en-US" altLang="ja-JP" i="1">
+                        <a:latin typeface="Cambria Math" panose="02040503050406030204" pitchFamily="18" charset="0"/>
+                      </a:rPr>
+                      <m:t>𝑏</m:t>
+                    </m:r>
+                    <m:r>
+                      <a:rPr lang="en-US" altLang="ja-JP" i="1">
+                        <a:latin typeface="Cambria Math" panose="02040503050406030204" pitchFamily="18" charset="0"/>
+                        <a:ea typeface="Cambria Math" panose="02040503050406030204" pitchFamily="18" charset="0"/>
+                      </a:rPr>
+                      <m:t>∈</m:t>
+                    </m:r>
+                    <m:r>
+                      <a:rPr lang="en-US" altLang="ja-JP" i="1">
+                        <a:latin typeface="Cambria Math" panose="02040503050406030204" pitchFamily="18" charset="0"/>
+                        <a:ea typeface="Cambria Math" panose="02040503050406030204" pitchFamily="18" charset="0"/>
+                      </a:rPr>
+                      <m:t>𝐺</m:t>
+                    </m:r>
+                    <m:r>
+                      <a:rPr lang="en-US" altLang="ja-JP" i="1">
+                        <a:latin typeface="Cambria Math" panose="02040503050406030204" pitchFamily="18" charset="0"/>
+                        <a:ea typeface="Cambria Math" panose="02040503050406030204" pitchFamily="18" charset="0"/>
+                      </a:rPr>
+                      <m:t>, </m:t>
+                    </m:r>
+                    <m:r>
+                      <a:rPr lang="en-US" altLang="ja-JP" i="1">
+                        <a:latin typeface="Cambria Math" panose="02040503050406030204" pitchFamily="18" charset="0"/>
+                        <a:ea typeface="Cambria Math" panose="02040503050406030204" pitchFamily="18" charset="0"/>
+                      </a:rPr>
+                      <m:t>𝑎𝑏</m:t>
+                    </m:r>
+                    <m:r>
+                      <a:rPr lang="en-US" altLang="ja-JP" i="1">
+                        <a:latin typeface="Cambria Math" panose="02040503050406030204" pitchFamily="18" charset="0"/>
+                        <a:ea typeface="Cambria Math" panose="02040503050406030204" pitchFamily="18" charset="0"/>
+                      </a:rPr>
+                      <m:t>∈</m:t>
+                    </m:r>
+                    <m:r>
+                      <a:rPr lang="en-US" altLang="ja-JP" i="1">
+                        <a:latin typeface="Cambria Math" panose="02040503050406030204" pitchFamily="18" charset="0"/>
+                        <a:ea typeface="Cambria Math" panose="02040503050406030204" pitchFamily="18" charset="0"/>
+                      </a:rPr>
+                      <m:t>𝐺</m:t>
+                    </m:r>
+                  </m:oMath>
+                </a14:m>
+                <a:br>
+                  <a:rPr lang="en-US" altLang="ja-JP" dirty="0"/>
+                </a:br>
+                <a:endParaRPr lang="ja-JP" altLang="en-US" dirty="0"/>
+              </a:p>
+              <a:p>
+                <a:pPr>
+                  <a:buFont typeface="Arial"/>
+                  <a:buAutoNum type="arabicPeriod"/>
+                </a:pPr>
+                <a:r>
+                  <a:rPr lang="ja-JP" altLang="en-US"/>
+                  <a:t>結合法則</a:t>
+                </a:r>
+                <a:r>
+                  <a:rPr lang="en-US" altLang="ja-JP" dirty="0"/>
+                  <a:t> </a:t>
+                </a:r>
+                <a:r>
+                  <a:rPr lang="en-US" altLang="ja-JP" sz="2000" i="1" dirty="0">
+                    <a:solidFill>
+                      <a:schemeClr val="tx1">
+                        <a:lumMod val="50000"/>
+                        <a:lumOff val="50000"/>
+                      </a:schemeClr>
+                    </a:solidFill>
+                    <a:latin typeface="Times New Roman" panose="02020603050405020304" pitchFamily="18" charset="0"/>
+                    <a:cs typeface="Times New Roman" panose="02020603050405020304" pitchFamily="18" charset="0"/>
+                  </a:rPr>
+                  <a:t>associativity</a:t>
+                </a:r>
+                <a:br>
+                  <a:rPr lang="ja-JP" altLang="en-US" dirty="0"/>
+                </a:br>
+                <a:r>
+                  <a:rPr lang="ja-JP" altLang="en-US" dirty="0"/>
+                  <a:t>　</a:t>
+                </a:r>
+                <a14:m>
+                  <m:oMath xmlns:m="http://schemas.openxmlformats.org/officeDocument/2006/math">
+                    <m:r>
+                      <a:rPr lang="ja-JP" altLang="en-US" i="1">
+                        <a:latin typeface="Cambria Math" panose="02040503050406030204" pitchFamily="18" charset="0"/>
+                      </a:rPr>
+                      <m:t>∀</m:t>
+                    </m:r>
+                    <m:r>
+                      <a:rPr lang="en-US" altLang="ja-JP" i="1">
+                        <a:latin typeface="Cambria Math" panose="02040503050406030204" pitchFamily="18" charset="0"/>
+                      </a:rPr>
+                      <m:t>𝑎</m:t>
+                    </m:r>
+                    <m:r>
+                      <a:rPr lang="en-US" altLang="ja-JP" i="1">
+                        <a:latin typeface="Cambria Math" panose="02040503050406030204" pitchFamily="18" charset="0"/>
+                      </a:rPr>
+                      <m:t>,∀</m:t>
+                    </m:r>
+                    <m:r>
+                      <a:rPr lang="en-US" altLang="ja-JP" i="1">
+                        <a:latin typeface="Cambria Math" panose="02040503050406030204" pitchFamily="18" charset="0"/>
+                      </a:rPr>
+                      <m:t>𝑏</m:t>
+                    </m:r>
+                    <m:r>
+                      <a:rPr lang="en-US" altLang="ja-JP" i="1">
+                        <a:latin typeface="Cambria Math" panose="02040503050406030204" pitchFamily="18" charset="0"/>
+                      </a:rPr>
+                      <m:t>,</m:t>
+                    </m:r>
+                    <m:r>
+                      <a:rPr lang="ja-JP" altLang="en-US" i="1">
+                        <a:latin typeface="Cambria Math" panose="02040503050406030204" pitchFamily="18" charset="0"/>
+                      </a:rPr>
+                      <m:t>∀</m:t>
+                    </m:r>
+                    <m:r>
+                      <a:rPr lang="en-US" altLang="ja-JP" i="1">
+                        <a:latin typeface="Cambria Math" panose="02040503050406030204" pitchFamily="18" charset="0"/>
+                      </a:rPr>
+                      <m:t>𝑐</m:t>
+                    </m:r>
+                    <m:r>
+                      <a:rPr lang="en-US" altLang="ja-JP" i="1">
+                        <a:latin typeface="Cambria Math" panose="02040503050406030204" pitchFamily="18" charset="0"/>
+                        <a:ea typeface="Cambria Math" panose="02040503050406030204" pitchFamily="18" charset="0"/>
+                      </a:rPr>
+                      <m:t>∈</m:t>
+                    </m:r>
+                    <m:r>
+                      <a:rPr lang="en-US" altLang="ja-JP" i="1">
+                        <a:latin typeface="Cambria Math" panose="02040503050406030204" pitchFamily="18" charset="0"/>
+                        <a:ea typeface="Cambria Math" panose="02040503050406030204" pitchFamily="18" charset="0"/>
+                      </a:rPr>
+                      <m:t>𝐺</m:t>
+                    </m:r>
+                    <m:r>
+                      <a:rPr lang="en-US" altLang="ja-JP" i="1">
+                        <a:latin typeface="Cambria Math" panose="02040503050406030204" pitchFamily="18" charset="0"/>
+                        <a:ea typeface="Cambria Math" panose="02040503050406030204" pitchFamily="18" charset="0"/>
+                      </a:rPr>
+                      <m:t>, </m:t>
+                    </m:r>
+                    <m:r>
+                      <a:rPr lang="en-US" altLang="ja-JP" i="1">
+                        <a:latin typeface="Cambria Math" panose="02040503050406030204" pitchFamily="18" charset="0"/>
+                        <a:ea typeface="Cambria Math" panose="02040503050406030204" pitchFamily="18" charset="0"/>
+                      </a:rPr>
+                      <m:t>𝑎</m:t>
+                    </m:r>
+                    <m:r>
+                      <a:rPr lang="en-US" altLang="ja-JP" i="1">
+                        <a:latin typeface="Cambria Math" panose="02040503050406030204" pitchFamily="18" charset="0"/>
+                        <a:ea typeface="Cambria Math" panose="02040503050406030204" pitchFamily="18" charset="0"/>
+                      </a:rPr>
+                      <m:t>∙</m:t>
+                    </m:r>
+                    <m:d>
+                      <m:dPr>
+                        <m:ctrlPr>
+                          <a:rPr lang="en-US" altLang="ja-JP" i="1">
+                            <a:latin typeface="Cambria Math" panose="02040503050406030204" pitchFamily="18" charset="0"/>
+                            <a:ea typeface="Cambria Math" panose="02040503050406030204" pitchFamily="18" charset="0"/>
+                          </a:rPr>
+                        </m:ctrlPr>
+                      </m:dPr>
+                      <m:e>
+                        <m:r>
+                          <a:rPr lang="en-US" altLang="ja-JP" i="1">
+                            <a:latin typeface="Cambria Math" panose="02040503050406030204" pitchFamily="18" charset="0"/>
+                            <a:ea typeface="Cambria Math" panose="02040503050406030204" pitchFamily="18" charset="0"/>
+                          </a:rPr>
+                          <m:t>𝑏</m:t>
+                        </m:r>
+                        <m:r>
+                          <a:rPr lang="en-US" altLang="ja-JP" i="1">
+                            <a:latin typeface="Cambria Math" panose="02040503050406030204" pitchFamily="18" charset="0"/>
+                            <a:ea typeface="Cambria Math" panose="02040503050406030204" pitchFamily="18" charset="0"/>
+                          </a:rPr>
+                          <m:t>∙</m:t>
+                        </m:r>
+                        <m:r>
+                          <a:rPr lang="en-US" altLang="ja-JP" i="1">
+                            <a:latin typeface="Cambria Math" panose="02040503050406030204" pitchFamily="18" charset="0"/>
+                            <a:ea typeface="Cambria Math" panose="02040503050406030204" pitchFamily="18" charset="0"/>
+                          </a:rPr>
+                          <m:t>𝑐</m:t>
+                        </m:r>
+                      </m:e>
+                    </m:d>
+                    <m:r>
+                      <a:rPr lang="en-US" altLang="ja-JP" i="1">
+                        <a:latin typeface="Cambria Math" panose="02040503050406030204" pitchFamily="18" charset="0"/>
+                        <a:ea typeface="Cambria Math" panose="02040503050406030204" pitchFamily="18" charset="0"/>
+                      </a:rPr>
+                      <m:t>=</m:t>
+                    </m:r>
+                    <m:d>
+                      <m:dPr>
+                        <m:ctrlPr>
+                          <a:rPr lang="en-US" altLang="ja-JP" i="1">
+                            <a:latin typeface="Cambria Math" panose="02040503050406030204" pitchFamily="18" charset="0"/>
+                            <a:ea typeface="Cambria Math" panose="02040503050406030204" pitchFamily="18" charset="0"/>
+                          </a:rPr>
+                        </m:ctrlPr>
+                      </m:dPr>
+                      <m:e>
+                        <m:r>
+                          <a:rPr lang="en-US" altLang="ja-JP" i="1">
+                            <a:latin typeface="Cambria Math" panose="02040503050406030204" pitchFamily="18" charset="0"/>
+                            <a:ea typeface="Cambria Math" panose="02040503050406030204" pitchFamily="18" charset="0"/>
+                          </a:rPr>
+                          <m:t>𝑎</m:t>
+                        </m:r>
+                        <m:r>
+                          <a:rPr lang="en-US" altLang="ja-JP" i="1">
+                            <a:latin typeface="Cambria Math" panose="02040503050406030204" pitchFamily="18" charset="0"/>
+                            <a:ea typeface="Cambria Math" panose="02040503050406030204" pitchFamily="18" charset="0"/>
+                          </a:rPr>
+                          <m:t>∙</m:t>
+                        </m:r>
+                        <m:r>
+                          <a:rPr lang="en-US" altLang="ja-JP" i="1">
+                            <a:latin typeface="Cambria Math" panose="02040503050406030204" pitchFamily="18" charset="0"/>
+                            <a:ea typeface="Cambria Math" panose="02040503050406030204" pitchFamily="18" charset="0"/>
+                          </a:rPr>
+                          <m:t>𝑏</m:t>
+                        </m:r>
+                      </m:e>
+                    </m:d>
+                    <m:r>
+                      <a:rPr lang="en-US" altLang="ja-JP" i="1">
+                        <a:latin typeface="Cambria Math" panose="02040503050406030204" pitchFamily="18" charset="0"/>
+                        <a:ea typeface="Cambria Math" panose="02040503050406030204" pitchFamily="18" charset="0"/>
+                      </a:rPr>
+                      <m:t>∙</m:t>
+                    </m:r>
+                    <m:r>
+                      <a:rPr lang="en-US" altLang="ja-JP" i="1">
+                        <a:latin typeface="Cambria Math" panose="02040503050406030204" pitchFamily="18" charset="0"/>
+                        <a:ea typeface="Cambria Math" panose="02040503050406030204" pitchFamily="18" charset="0"/>
+                      </a:rPr>
+                      <m:t>𝑐</m:t>
+                    </m:r>
+                  </m:oMath>
+                </a14:m>
+                <a:br>
+                  <a:rPr lang="en-US" altLang="ja-JP" dirty="0">
+                    <a:ea typeface="Cambria Math" panose="02040503050406030204" pitchFamily="18" charset="0"/>
+                  </a:rPr>
+                </a:br>
+                <a:endParaRPr lang="en-US" altLang="ja-JP" dirty="0">
+                  <a:ea typeface="Cambria Math" panose="02040503050406030204" pitchFamily="18" charset="0"/>
+                </a:endParaRPr>
+              </a:p>
+              <a:p>
+                <a:pPr>
+                  <a:buFont typeface="Arial"/>
+                  <a:buAutoNum type="arabicPeriod"/>
+                </a:pPr>
+                <a:r>
+                  <a:rPr lang="ja-JP" altLang="en-US" dirty="0"/>
+                  <a:t>単位元</a:t>
+                </a:r>
+                <a:r>
+                  <a:rPr lang="ja-JP" altLang="en-US"/>
+                  <a:t>の存在</a:t>
+                </a:r>
+                <a:r>
+                  <a:rPr lang="en-US" altLang="ja-JP" dirty="0"/>
+                  <a:t> </a:t>
+                </a:r>
+                <a:r>
+                  <a:rPr lang="en-US" altLang="ja-JP" sz="2000" i="1" dirty="0">
+                    <a:solidFill>
+                      <a:schemeClr val="tx1">
+                        <a:lumMod val="50000"/>
+                        <a:lumOff val="50000"/>
+                      </a:schemeClr>
+                    </a:solidFill>
+                    <a:latin typeface="Times New Roman" panose="02020603050405020304" pitchFamily="18" charset="0"/>
+                    <a:cs typeface="Times New Roman" panose="02020603050405020304" pitchFamily="18" charset="0"/>
+                  </a:rPr>
+                  <a:t>identity element</a:t>
+                </a:r>
+                <a:br>
+                  <a:rPr lang="en-US" altLang="ja-JP" dirty="0"/>
+                </a:br>
+                <a:r>
+                  <a:rPr lang="ja-JP" altLang="en-US" dirty="0"/>
+                  <a:t>　</a:t>
+                </a:r>
+                <a14:m>
+                  <m:oMath xmlns:m="http://schemas.openxmlformats.org/officeDocument/2006/math">
+                    <m:r>
+                      <a:rPr lang="en-US" altLang="ja-JP" i="1">
+                        <a:latin typeface="Cambria Math" panose="02040503050406030204" pitchFamily="18" charset="0"/>
+                        <a:ea typeface="Cambria Math" panose="02040503050406030204" pitchFamily="18" charset="0"/>
+                      </a:rPr>
+                      <m:t>∃</m:t>
+                    </m:r>
+                    <m:r>
+                      <a:rPr lang="en-US" altLang="ja-JP" i="1">
+                        <a:latin typeface="Cambria Math" panose="02040503050406030204" pitchFamily="18" charset="0"/>
+                        <a:ea typeface="Cambria Math" panose="02040503050406030204" pitchFamily="18" charset="0"/>
+                      </a:rPr>
+                      <m:t>𝑒</m:t>
+                    </m:r>
+                    <m:r>
+                      <a:rPr lang="en-US" altLang="ja-JP" i="1">
+                        <a:latin typeface="Cambria Math" panose="02040503050406030204" pitchFamily="18" charset="0"/>
+                        <a:ea typeface="Cambria Math" panose="02040503050406030204" pitchFamily="18" charset="0"/>
+                      </a:rPr>
+                      <m:t>∈</m:t>
+                    </m:r>
+                    <m:r>
+                      <a:rPr lang="en-US" altLang="ja-JP" i="1">
+                        <a:latin typeface="Cambria Math" panose="02040503050406030204" pitchFamily="18" charset="0"/>
+                        <a:ea typeface="Cambria Math" panose="02040503050406030204" pitchFamily="18" charset="0"/>
+                      </a:rPr>
+                      <m:t>𝐺</m:t>
+                    </m:r>
+                    <m:r>
+                      <a:rPr lang="en-US" altLang="ja-JP" i="1">
+                        <a:latin typeface="Cambria Math" panose="02040503050406030204" pitchFamily="18" charset="0"/>
+                        <a:ea typeface="Cambria Math" panose="02040503050406030204" pitchFamily="18" charset="0"/>
+                      </a:rPr>
+                      <m:t>, </m:t>
+                    </m:r>
+                    <m:r>
+                      <a:rPr lang="ja-JP" altLang="en-US" i="1">
+                        <a:latin typeface="Cambria Math" panose="02040503050406030204" pitchFamily="18" charset="0"/>
+                      </a:rPr>
+                      <m:t>∀</m:t>
+                    </m:r>
+                    <m:r>
+                      <a:rPr lang="en-US" altLang="ja-JP" i="1">
+                        <a:latin typeface="Cambria Math" panose="02040503050406030204" pitchFamily="18" charset="0"/>
+                        <a:ea typeface="Cambria Math" panose="02040503050406030204" pitchFamily="18" charset="0"/>
+                      </a:rPr>
+                      <m:t>𝑎</m:t>
+                    </m:r>
+                    <m:r>
+                      <a:rPr lang="en-US" altLang="ja-JP" i="1">
+                        <a:latin typeface="Cambria Math" panose="02040503050406030204" pitchFamily="18" charset="0"/>
+                        <a:ea typeface="Cambria Math" panose="02040503050406030204" pitchFamily="18" charset="0"/>
+                      </a:rPr>
+                      <m:t>∈</m:t>
+                    </m:r>
+                    <m:r>
+                      <a:rPr lang="en-US" altLang="ja-JP" i="1">
+                        <a:latin typeface="Cambria Math" panose="02040503050406030204" pitchFamily="18" charset="0"/>
+                        <a:ea typeface="Cambria Math" panose="02040503050406030204" pitchFamily="18" charset="0"/>
+                      </a:rPr>
+                      <m:t>𝐺</m:t>
+                    </m:r>
+                    <m:r>
+                      <a:rPr lang="en-US" altLang="ja-JP" i="1">
+                        <a:latin typeface="Cambria Math" panose="02040503050406030204" pitchFamily="18" charset="0"/>
+                        <a:ea typeface="Cambria Math" panose="02040503050406030204" pitchFamily="18" charset="0"/>
+                      </a:rPr>
+                      <m:t>, </m:t>
+                    </m:r>
+                    <m:r>
+                      <a:rPr lang="en-US" altLang="ja-JP" i="1">
+                        <a:latin typeface="Cambria Math" panose="02040503050406030204" pitchFamily="18" charset="0"/>
+                        <a:ea typeface="Cambria Math" panose="02040503050406030204" pitchFamily="18" charset="0"/>
+                      </a:rPr>
+                      <m:t>𝑎</m:t>
+                    </m:r>
+                    <m:r>
+                      <a:rPr lang="en-US" altLang="ja-JP" i="1">
+                        <a:latin typeface="Cambria Math" panose="02040503050406030204" pitchFamily="18" charset="0"/>
+                        <a:ea typeface="Cambria Math" panose="02040503050406030204" pitchFamily="18" charset="0"/>
+                      </a:rPr>
+                      <m:t>∙</m:t>
+                    </m:r>
+                    <m:r>
+                      <a:rPr lang="en-US" altLang="ja-JP" i="1">
+                        <a:latin typeface="Cambria Math" panose="02040503050406030204" pitchFamily="18" charset="0"/>
+                        <a:ea typeface="Cambria Math" panose="02040503050406030204" pitchFamily="18" charset="0"/>
+                      </a:rPr>
+                      <m:t>𝑒</m:t>
+                    </m:r>
+                    <m:r>
+                      <a:rPr lang="en-US" altLang="ja-JP" i="1">
+                        <a:latin typeface="Cambria Math" panose="02040503050406030204" pitchFamily="18" charset="0"/>
+                        <a:ea typeface="Cambria Math" panose="02040503050406030204" pitchFamily="18" charset="0"/>
+                      </a:rPr>
+                      <m:t>=</m:t>
+                    </m:r>
+                    <m:r>
+                      <a:rPr lang="en-US" altLang="ja-JP" i="1">
+                        <a:latin typeface="Cambria Math" panose="02040503050406030204" pitchFamily="18" charset="0"/>
+                        <a:ea typeface="Cambria Math" panose="02040503050406030204" pitchFamily="18" charset="0"/>
+                      </a:rPr>
+                      <m:t>𝑒</m:t>
+                    </m:r>
+                    <m:r>
+                      <a:rPr lang="en-US" altLang="ja-JP" i="1">
+                        <a:latin typeface="Cambria Math" panose="02040503050406030204" pitchFamily="18" charset="0"/>
+                        <a:ea typeface="Cambria Math" panose="02040503050406030204" pitchFamily="18" charset="0"/>
+                      </a:rPr>
+                      <m:t>∙</m:t>
+                    </m:r>
+                    <m:r>
+                      <a:rPr lang="en-US" altLang="ja-JP" i="1">
+                        <a:latin typeface="Cambria Math" panose="02040503050406030204" pitchFamily="18" charset="0"/>
+                        <a:ea typeface="Cambria Math" panose="02040503050406030204" pitchFamily="18" charset="0"/>
+                      </a:rPr>
+                      <m:t>𝑎</m:t>
+                    </m:r>
+                    <m:r>
+                      <a:rPr lang="en-US" altLang="ja-JP" i="1">
+                        <a:latin typeface="Cambria Math" panose="02040503050406030204" pitchFamily="18" charset="0"/>
+                        <a:ea typeface="Cambria Math" panose="02040503050406030204" pitchFamily="18" charset="0"/>
+                      </a:rPr>
+                      <m:t>=</m:t>
+                    </m:r>
+                    <m:r>
+                      <a:rPr lang="en-US" altLang="ja-JP" i="1">
+                        <a:latin typeface="Cambria Math" panose="02040503050406030204" pitchFamily="18" charset="0"/>
+                        <a:ea typeface="Cambria Math" panose="02040503050406030204" pitchFamily="18" charset="0"/>
+                      </a:rPr>
+                      <m:t>𝑎</m:t>
+                    </m:r>
+                  </m:oMath>
+                </a14:m>
+                <a:br>
+                  <a:rPr lang="ja-JP" altLang="en-US"/>
+                </a:br>
+                <a:endParaRPr lang="fr-CA" altLang="ja-JP" dirty="0"/>
+              </a:p>
+              <a:p>
+                <a:pPr>
+                  <a:spcBef>
+                    <a:spcPts val="0"/>
+                  </a:spcBef>
+                  <a:buFont typeface="Arial"/>
+                  <a:buAutoNum type="arabicPeriod"/>
+                </a:pPr>
+                <a:r>
+                  <a:rPr lang="ja-JP" altLang="en-US" dirty="0"/>
+                  <a:t>逆元</a:t>
+                </a:r>
+                <a:r>
+                  <a:rPr lang="ja-JP" altLang="en-US"/>
+                  <a:t>の存在</a:t>
+                </a:r>
+                <a:r>
+                  <a:rPr lang="en-US" altLang="ja-JP" dirty="0"/>
+                  <a:t> </a:t>
+                </a:r>
+                <a:r>
+                  <a:rPr lang="en-US" altLang="ja-JP" sz="2000" i="1" dirty="0">
+                    <a:solidFill>
+                      <a:schemeClr val="tx1">
+                        <a:lumMod val="50000"/>
+                        <a:lumOff val="50000"/>
+                      </a:schemeClr>
+                    </a:solidFill>
+                    <a:latin typeface="Times New Roman" panose="02020603050405020304" pitchFamily="18" charset="0"/>
+                    <a:cs typeface="Times New Roman" panose="02020603050405020304" pitchFamily="18" charset="0"/>
+                  </a:rPr>
+                  <a:t>inverse element</a:t>
+                </a:r>
+                <a:br>
+                  <a:rPr lang="en-US" altLang="ja-JP" dirty="0"/>
+                </a:br>
+                <a:r>
+                  <a:rPr lang="ja-JP" altLang="en-US" dirty="0"/>
+                  <a:t>　</a:t>
+                </a:r>
+                <a14:m>
+                  <m:oMath xmlns:m="http://schemas.openxmlformats.org/officeDocument/2006/math">
+                    <m:r>
+                      <a:rPr lang="ja-JP" altLang="en-US" i="1">
+                        <a:latin typeface="Cambria Math" panose="02040503050406030204" pitchFamily="18" charset="0"/>
+                      </a:rPr>
+                      <m:t>∀</m:t>
+                    </m:r>
+                    <m:r>
+                      <a:rPr lang="en-US" altLang="ja-JP" i="1">
+                        <a:latin typeface="Cambria Math" panose="02040503050406030204" pitchFamily="18" charset="0"/>
+                      </a:rPr>
+                      <m:t>𝑎</m:t>
+                    </m:r>
+                    <m:r>
+                      <a:rPr lang="en-US" altLang="ja-JP" i="1">
+                        <a:latin typeface="Cambria Math" panose="02040503050406030204" pitchFamily="18" charset="0"/>
+                        <a:ea typeface="Cambria Math" panose="02040503050406030204" pitchFamily="18" charset="0"/>
+                      </a:rPr>
+                      <m:t>∈</m:t>
+                    </m:r>
+                    <m:r>
+                      <a:rPr lang="en-US" altLang="ja-JP" i="1">
+                        <a:latin typeface="Cambria Math" panose="02040503050406030204" pitchFamily="18" charset="0"/>
+                        <a:ea typeface="Cambria Math" panose="02040503050406030204" pitchFamily="18" charset="0"/>
+                      </a:rPr>
+                      <m:t>𝐺</m:t>
+                    </m:r>
+                    <m:r>
+                      <a:rPr lang="en-US" altLang="ja-JP" i="1">
+                        <a:latin typeface="Cambria Math" panose="02040503050406030204" pitchFamily="18" charset="0"/>
+                        <a:ea typeface="Cambria Math" panose="02040503050406030204" pitchFamily="18" charset="0"/>
+                      </a:rPr>
+                      <m:t>,∃</m:t>
+                    </m:r>
+                    <m:sSup>
+                      <m:sSupPr>
+                        <m:ctrlPr>
+                          <a:rPr lang="en-US" altLang="ja-JP" i="1">
+                            <a:latin typeface="Cambria Math" panose="02040503050406030204" pitchFamily="18" charset="0"/>
+                            <a:ea typeface="Cambria Math" panose="02040503050406030204" pitchFamily="18" charset="0"/>
+                          </a:rPr>
+                        </m:ctrlPr>
+                      </m:sSupPr>
+                      <m:e>
+                        <m:r>
+                          <a:rPr lang="en-US" altLang="ja-JP" i="1">
+                            <a:latin typeface="Cambria Math" panose="02040503050406030204" pitchFamily="18" charset="0"/>
+                            <a:ea typeface="Cambria Math" panose="02040503050406030204" pitchFamily="18" charset="0"/>
+                          </a:rPr>
+                          <m:t>𝑎</m:t>
+                        </m:r>
+                      </m:e>
+                      <m:sup>
+                        <m:r>
+                          <a:rPr lang="en-US" altLang="ja-JP" i="1">
+                            <a:latin typeface="Cambria Math" panose="02040503050406030204" pitchFamily="18" charset="0"/>
+                            <a:ea typeface="Cambria Math" panose="02040503050406030204" pitchFamily="18" charset="0"/>
+                          </a:rPr>
+                          <m:t>−1</m:t>
+                        </m:r>
+                      </m:sup>
+                    </m:sSup>
+                    <m:r>
+                      <a:rPr lang="en-US" altLang="ja-JP" i="1">
+                        <a:latin typeface="Cambria Math" panose="02040503050406030204" pitchFamily="18" charset="0"/>
+                        <a:ea typeface="Cambria Math" panose="02040503050406030204" pitchFamily="18" charset="0"/>
+                      </a:rPr>
+                      <m:t>∈</m:t>
+                    </m:r>
+                    <m:r>
+                      <a:rPr lang="en-US" altLang="ja-JP" i="1">
+                        <a:latin typeface="Cambria Math" panose="02040503050406030204" pitchFamily="18" charset="0"/>
+                        <a:ea typeface="Cambria Math" panose="02040503050406030204" pitchFamily="18" charset="0"/>
+                      </a:rPr>
+                      <m:t>𝐺</m:t>
+                    </m:r>
+                    <m:r>
+                      <a:rPr lang="en-US" altLang="ja-JP" i="1">
+                        <a:latin typeface="Cambria Math" panose="02040503050406030204" pitchFamily="18" charset="0"/>
+                        <a:ea typeface="Cambria Math" panose="02040503050406030204" pitchFamily="18" charset="0"/>
+                      </a:rPr>
+                      <m:t>,</m:t>
+                    </m:r>
+                    <m:r>
+                      <a:rPr lang="en-US" altLang="ja-JP" i="1">
+                        <a:latin typeface="Cambria Math" panose="02040503050406030204" pitchFamily="18" charset="0"/>
+                        <a:ea typeface="Cambria Math" panose="02040503050406030204" pitchFamily="18" charset="0"/>
+                      </a:rPr>
+                      <m:t>𝑎</m:t>
+                    </m:r>
+                    <m:r>
+                      <a:rPr lang="en-US" altLang="ja-JP" i="1">
+                        <a:latin typeface="Cambria Math" panose="02040503050406030204" pitchFamily="18" charset="0"/>
+                        <a:ea typeface="Cambria Math" panose="02040503050406030204" pitchFamily="18" charset="0"/>
+                      </a:rPr>
+                      <m:t>∙</m:t>
+                    </m:r>
+                    <m:sSup>
+                      <m:sSupPr>
+                        <m:ctrlPr>
+                          <a:rPr lang="en-US" altLang="ja-JP" i="1">
+                            <a:latin typeface="Cambria Math" panose="02040503050406030204" pitchFamily="18" charset="0"/>
+                            <a:ea typeface="Cambria Math" panose="02040503050406030204" pitchFamily="18" charset="0"/>
+                          </a:rPr>
+                        </m:ctrlPr>
+                      </m:sSupPr>
+                      <m:e>
+                        <m:r>
+                          <a:rPr lang="en-US" altLang="ja-JP" i="1">
+                            <a:latin typeface="Cambria Math" panose="02040503050406030204" pitchFamily="18" charset="0"/>
+                            <a:ea typeface="Cambria Math" panose="02040503050406030204" pitchFamily="18" charset="0"/>
+                          </a:rPr>
+                          <m:t>𝑎</m:t>
+                        </m:r>
+                      </m:e>
+                      <m:sup>
+                        <m:r>
+                          <a:rPr lang="en-US" altLang="ja-JP" i="1">
+                            <a:latin typeface="Cambria Math" panose="02040503050406030204" pitchFamily="18" charset="0"/>
+                            <a:ea typeface="Cambria Math" panose="02040503050406030204" pitchFamily="18" charset="0"/>
+                          </a:rPr>
+                          <m:t>−1</m:t>
+                        </m:r>
+                      </m:sup>
+                    </m:sSup>
+                    <m:r>
+                      <a:rPr lang="en-US" altLang="ja-JP" i="1">
+                        <a:latin typeface="Cambria Math" panose="02040503050406030204" pitchFamily="18" charset="0"/>
+                        <a:ea typeface="Cambria Math" panose="02040503050406030204" pitchFamily="18" charset="0"/>
+                      </a:rPr>
+                      <m:t>=</m:t>
+                    </m:r>
+                    <m:sSup>
+                      <m:sSupPr>
+                        <m:ctrlPr>
+                          <a:rPr lang="en-US" altLang="ja-JP" i="1">
+                            <a:latin typeface="Cambria Math" panose="02040503050406030204" pitchFamily="18" charset="0"/>
+                            <a:ea typeface="Cambria Math" panose="02040503050406030204" pitchFamily="18" charset="0"/>
+                          </a:rPr>
+                        </m:ctrlPr>
+                      </m:sSupPr>
+                      <m:e>
+                        <m:r>
+                          <a:rPr lang="en-US" altLang="ja-JP" i="1">
+                            <a:latin typeface="Cambria Math" panose="02040503050406030204" pitchFamily="18" charset="0"/>
+                            <a:ea typeface="Cambria Math" panose="02040503050406030204" pitchFamily="18" charset="0"/>
+                          </a:rPr>
+                          <m:t>𝑎</m:t>
+                        </m:r>
+                      </m:e>
+                      <m:sup>
+                        <m:r>
+                          <a:rPr lang="en-US" altLang="ja-JP" i="1">
+                            <a:latin typeface="Cambria Math" panose="02040503050406030204" pitchFamily="18" charset="0"/>
+                            <a:ea typeface="Cambria Math" panose="02040503050406030204" pitchFamily="18" charset="0"/>
+                          </a:rPr>
+                          <m:t>−1</m:t>
+                        </m:r>
+                      </m:sup>
+                    </m:sSup>
+                    <m:r>
+                      <a:rPr lang="en-US" altLang="ja-JP" i="1">
+                        <a:latin typeface="Cambria Math" panose="02040503050406030204" pitchFamily="18" charset="0"/>
+                        <a:ea typeface="Cambria Math" panose="02040503050406030204" pitchFamily="18" charset="0"/>
+                      </a:rPr>
+                      <m:t>∙</m:t>
+                    </m:r>
+                    <m:r>
+                      <a:rPr lang="en-US" altLang="ja-JP" i="1">
+                        <a:latin typeface="Cambria Math" panose="02040503050406030204" pitchFamily="18" charset="0"/>
+                        <a:ea typeface="Cambria Math" panose="02040503050406030204" pitchFamily="18" charset="0"/>
+                      </a:rPr>
+                      <m:t>𝑎</m:t>
+                    </m:r>
+                    <m:r>
+                      <a:rPr lang="en-US" altLang="ja-JP" i="1">
+                        <a:latin typeface="Cambria Math" panose="02040503050406030204" pitchFamily="18" charset="0"/>
+                        <a:ea typeface="Cambria Math" panose="02040503050406030204" pitchFamily="18" charset="0"/>
+                      </a:rPr>
+                      <m:t>=</m:t>
+                    </m:r>
+                    <m:r>
+                      <a:rPr lang="en-US" altLang="ja-JP" i="1">
+                        <a:latin typeface="Cambria Math" panose="02040503050406030204" pitchFamily="18" charset="0"/>
+                        <a:ea typeface="Cambria Math" panose="02040503050406030204" pitchFamily="18" charset="0"/>
+                      </a:rPr>
+                      <m:t>𝑒</m:t>
+                    </m:r>
+                  </m:oMath>
+                </a14:m>
+                <a:br>
+                  <a:rPr lang="en-US" altLang="ja-JP" dirty="0">
+                    <a:ea typeface="Cambria Math" panose="02040503050406030204" pitchFamily="18" charset="0"/>
+                  </a:rPr>
+                </a:br>
+                <a:endParaRPr lang="ja-JP" altLang="en-US"/>
+              </a:p>
+            </p:txBody>
+          </p:sp>
+        </mc:Choice>
+        <mc:Fallback>
+          <p:sp>
+            <p:nvSpPr>
+              <p:cNvPr id="3" name="コンテンツ プレースホルダー 2">
+                <a:extLst>
+                  <a:ext uri="{FF2B5EF4-FFF2-40B4-BE49-F238E27FC236}">
+                    <a16:creationId xmlns:a16="http://schemas.microsoft.com/office/drawing/2014/main" id="{3DC394E8-B340-1042-958B-08B9A42809D5}"/>
+                  </a:ext>
+                </a:extLst>
+              </p:cNvPr>
+              <p:cNvSpPr>
+                <a:spLocks noGrp="1" noRot="1" noChangeAspect="1" noMove="1" noResize="1" noEditPoints="1" noAdjustHandles="1" noChangeArrowheads="1" noChangeShapeType="1" noTextEdit="1"/>
+              </p:cNvSpPr>
+              <p:nvPr>
+                <p:ph idx="1"/>
+              </p:nvPr>
+            </p:nvSpPr>
+            <p:spPr>
+              <a:xfrm>
+                <a:off x="838200" y="1342663"/>
+                <a:ext cx="10515600" cy="5031069"/>
+              </a:xfrm>
+              <a:blipFill>
+                <a:blip r:embed="rId2"/>
+                <a:stretch>
+                  <a:fillRect l="-1206" t="-2519"/>
+                </a:stretch>
+              </a:blipFill>
+            </p:spPr>
+            <p:txBody>
+              <a:bodyPr/>
+              <a:lstStyle/>
+              <a:p>
+                <a:r>
+                  <a:rPr lang="ja-JP" altLang="en-US">
+                    <a:noFill/>
+                  </a:rPr>
+                  <a:t> </a:t>
+                </a:r>
+              </a:p>
+            </p:txBody>
+          </p:sp>
+        </mc:Fallback>
+      </mc:AlternateContent>
     </p:spTree>
     <p:extLst>
       <p:ext uri="{BB962C8B-B14F-4D97-AF65-F5344CB8AC3E}">
-        <p14:creationId xmlns:p14="http://schemas.microsoft.com/office/powerpoint/2010/main" val="1124779067"/>
+        <p14:creationId xmlns:p14="http://schemas.microsoft.com/office/powerpoint/2010/main" val="358005465"/>
       </p:ext>
     </p:extLst>
   </p:cSld>
